--- a/PresentazionePonyHelper.pptx
+++ b/PresentazionePonyHelper.pptx
@@ -2,16 +2,16 @@
 <file path=ppt/presentation.xml><?xml version="1.0" encoding="utf-8"?>
 <p:presentation xmlns:a="http://schemas.openxmlformats.org/drawingml/2006/main" xmlns:r="http://schemas.openxmlformats.org/officeDocument/2006/relationships" xmlns:p="http://schemas.openxmlformats.org/presentationml/2006/main" saveSubsetFonts="1">
   <p:sldMasterIdLst>
-    <p:sldMasterId id="2147483678" r:id="rId1"/>
+    <p:sldMasterId id="2147483702" r:id="rId1"/>
   </p:sldMasterIdLst>
   <p:sldIdLst>
     <p:sldId id="256" r:id="rId2"/>
-    <p:sldId id="260" r:id="rId3"/>
-    <p:sldId id="270" r:id="rId4"/>
-    <p:sldId id="269" r:id="rId5"/>
-    <p:sldId id="268" r:id="rId6"/>
-    <p:sldId id="267" r:id="rId7"/>
-    <p:sldId id="272" r:id="rId8"/>
+    <p:sldId id="269" r:id="rId3"/>
+    <p:sldId id="260" r:id="rId4"/>
+    <p:sldId id="271" r:id="rId5"/>
+    <p:sldId id="270" r:id="rId6"/>
+    <p:sldId id="268" r:id="rId7"/>
+    <p:sldId id="267" r:id="rId8"/>
     <p:sldId id="257" r:id="rId9"/>
     <p:sldId id="258" r:id="rId10"/>
     <p:sldId id="264" r:id="rId11"/>
@@ -19,7 +19,6 @@
     <p:sldId id="265" r:id="rId13"/>
     <p:sldId id="261" r:id="rId14"/>
     <p:sldId id="263" r:id="rId15"/>
-    <p:sldId id="262" r:id="rId16"/>
   </p:sldIdLst>
   <p:sldSz cx="12192000" cy="6858000"/>
   <p:notesSz cx="6858000" cy="9144000"/>
@@ -159,7 +158,7 @@
           <p:cNvPr id="2" name="Titolo 1">
             <a:extLst>
               <a:ext uri="{FF2B5EF4-FFF2-40B4-BE49-F238E27FC236}">
-                <a16:creationId xmlns:a16="http://schemas.microsoft.com/office/drawing/2014/main" id="{F99D8D34-204F-4260-96AB-04240BC6217B}"/>
+                <a16:creationId xmlns:a16="http://schemas.microsoft.com/office/drawing/2014/main" id="{F349937F-8442-45FE-A260-C3223194414E}"/>
               </a:ext>
             </a:extLst>
           </p:cNvPr>
@@ -196,7 +195,7 @@
           <p:cNvPr id="3" name="Sottotitolo 2">
             <a:extLst>
               <a:ext uri="{FF2B5EF4-FFF2-40B4-BE49-F238E27FC236}">
-                <a16:creationId xmlns:a16="http://schemas.microsoft.com/office/drawing/2014/main" id="{7EA7C51D-E239-4EE1-A27B-6FFC3F38A965}"/>
+                <a16:creationId xmlns:a16="http://schemas.microsoft.com/office/drawing/2014/main" id="{121FA0F9-21D3-4CE9-8077-9B587A72B219}"/>
               </a:ext>
             </a:extLst>
           </p:cNvPr>
@@ -266,7 +265,7 @@
           <p:cNvPr id="4" name="Segnaposto data 3">
             <a:extLst>
               <a:ext uri="{FF2B5EF4-FFF2-40B4-BE49-F238E27FC236}">
-                <a16:creationId xmlns:a16="http://schemas.microsoft.com/office/drawing/2014/main" id="{E4226FE2-F3AB-4C39-9BB0-803EF6A8B05A}"/>
+                <a16:creationId xmlns:a16="http://schemas.microsoft.com/office/drawing/2014/main" id="{0FD5D04F-2C0B-4C88-940C-47F52741DDA2}"/>
               </a:ext>
             </a:extLst>
           </p:cNvPr>
@@ -284,7 +283,7 @@
           <a:p>
             <a:fld id="{EF98DF3D-BAC6-49BE-929E-EE02CEA6BC7A}" type="datetimeFigureOut">
               <a:rPr lang="it-IT" smtClean="0"/>
-              <a:t>26/10/2021</a:t>
+              <a:t>29/10/2021</a:t>
             </a:fld>
             <a:endParaRPr lang="it-IT"/>
           </a:p>
@@ -295,7 +294,7 @@
           <p:cNvPr id="5" name="Segnaposto piè di pagina 4">
             <a:extLst>
               <a:ext uri="{FF2B5EF4-FFF2-40B4-BE49-F238E27FC236}">
-                <a16:creationId xmlns:a16="http://schemas.microsoft.com/office/drawing/2014/main" id="{A5A4D166-ABC1-4FAD-8252-A3D186AF36F0}"/>
+                <a16:creationId xmlns:a16="http://schemas.microsoft.com/office/drawing/2014/main" id="{333D71CC-AD96-459A-89CF-93E7D996FFED}"/>
               </a:ext>
             </a:extLst>
           </p:cNvPr>
@@ -320,7 +319,7 @@
           <p:cNvPr id="6" name="Segnaposto numero diapositiva 5">
             <a:extLst>
               <a:ext uri="{FF2B5EF4-FFF2-40B4-BE49-F238E27FC236}">
-                <a16:creationId xmlns:a16="http://schemas.microsoft.com/office/drawing/2014/main" id="{4A304FD8-E86B-4096-9C8D-C0BCC1CF7C0E}"/>
+                <a16:creationId xmlns:a16="http://schemas.microsoft.com/office/drawing/2014/main" id="{B3E96D05-38C8-4D7F-AC00-2424A1477D9D}"/>
               </a:ext>
             </a:extLst>
           </p:cNvPr>
@@ -347,7 +346,7 @@
     </p:spTree>
     <p:extLst>
       <p:ext uri="{BB962C8B-B14F-4D97-AF65-F5344CB8AC3E}">
-        <p14:creationId xmlns:p14="http://schemas.microsoft.com/office/powerpoint/2010/main" val="691681126"/>
+        <p14:creationId xmlns:p14="http://schemas.microsoft.com/office/powerpoint/2010/main" val="3379366883"/>
       </p:ext>
     </p:extLst>
   </p:cSld>
@@ -379,7 +378,7 @@
           <p:cNvPr id="2" name="Titolo 1">
             <a:extLst>
               <a:ext uri="{FF2B5EF4-FFF2-40B4-BE49-F238E27FC236}">
-                <a16:creationId xmlns:a16="http://schemas.microsoft.com/office/drawing/2014/main" id="{8299D82B-79E2-44F0-9444-F2B3B8027C87}"/>
+                <a16:creationId xmlns:a16="http://schemas.microsoft.com/office/drawing/2014/main" id="{0940EC9B-2F38-4E43-8831-B3C77604B312}"/>
               </a:ext>
             </a:extLst>
           </p:cNvPr>
@@ -407,7 +406,7 @@
           <p:cNvPr id="3" name="Segnaposto testo verticale 2">
             <a:extLst>
               <a:ext uri="{FF2B5EF4-FFF2-40B4-BE49-F238E27FC236}">
-                <a16:creationId xmlns:a16="http://schemas.microsoft.com/office/drawing/2014/main" id="{66EEE552-9DDD-42CE-A301-3970FB2EF4C4}"/>
+                <a16:creationId xmlns:a16="http://schemas.microsoft.com/office/drawing/2014/main" id="{9C752B76-898C-402B-8DC5-7798EFC24A7E}"/>
               </a:ext>
             </a:extLst>
           </p:cNvPr>
@@ -464,7 +463,7 @@
           <p:cNvPr id="4" name="Segnaposto data 3">
             <a:extLst>
               <a:ext uri="{FF2B5EF4-FFF2-40B4-BE49-F238E27FC236}">
-                <a16:creationId xmlns:a16="http://schemas.microsoft.com/office/drawing/2014/main" id="{58E2E09A-D2E1-4846-855A-42D4F631CA63}"/>
+                <a16:creationId xmlns:a16="http://schemas.microsoft.com/office/drawing/2014/main" id="{9738499E-55D9-40EE-9944-DA82045B6B66}"/>
               </a:ext>
             </a:extLst>
           </p:cNvPr>
@@ -482,7 +481,7 @@
           <a:p>
             <a:fld id="{EF98DF3D-BAC6-49BE-929E-EE02CEA6BC7A}" type="datetimeFigureOut">
               <a:rPr lang="it-IT" smtClean="0"/>
-              <a:t>26/10/2021</a:t>
+              <a:t>29/10/2021</a:t>
             </a:fld>
             <a:endParaRPr lang="it-IT"/>
           </a:p>
@@ -493,7 +492,7 @@
           <p:cNvPr id="5" name="Segnaposto piè di pagina 4">
             <a:extLst>
               <a:ext uri="{FF2B5EF4-FFF2-40B4-BE49-F238E27FC236}">
-                <a16:creationId xmlns:a16="http://schemas.microsoft.com/office/drawing/2014/main" id="{2A4CB46E-3F1D-44F1-9DD4-6C2CFF55C432}"/>
+                <a16:creationId xmlns:a16="http://schemas.microsoft.com/office/drawing/2014/main" id="{9834BD32-17AC-4173-BA7F-105963B89172}"/>
               </a:ext>
             </a:extLst>
           </p:cNvPr>
@@ -518,7 +517,7 @@
           <p:cNvPr id="6" name="Segnaposto numero diapositiva 5">
             <a:extLst>
               <a:ext uri="{FF2B5EF4-FFF2-40B4-BE49-F238E27FC236}">
-                <a16:creationId xmlns:a16="http://schemas.microsoft.com/office/drawing/2014/main" id="{C5C7B300-854D-4BB4-A8B3-359E561CFD6F}"/>
+                <a16:creationId xmlns:a16="http://schemas.microsoft.com/office/drawing/2014/main" id="{62E01225-293F-4B2D-809A-A15244819A67}"/>
               </a:ext>
             </a:extLst>
           </p:cNvPr>
@@ -545,7 +544,7 @@
     </p:spTree>
     <p:extLst>
       <p:ext uri="{BB962C8B-B14F-4D97-AF65-F5344CB8AC3E}">
-        <p14:creationId xmlns:p14="http://schemas.microsoft.com/office/powerpoint/2010/main" val="2878007610"/>
+        <p14:creationId xmlns:p14="http://schemas.microsoft.com/office/powerpoint/2010/main" val="2947250843"/>
       </p:ext>
     </p:extLst>
   </p:cSld>
@@ -577,7 +576,7 @@
           <p:cNvPr id="2" name="Titolo verticale 1">
             <a:extLst>
               <a:ext uri="{FF2B5EF4-FFF2-40B4-BE49-F238E27FC236}">
-                <a16:creationId xmlns:a16="http://schemas.microsoft.com/office/drawing/2014/main" id="{7E88C663-2FED-4C04-93DE-2854335DD1B5}"/>
+                <a16:creationId xmlns:a16="http://schemas.microsoft.com/office/drawing/2014/main" id="{BF6CD1EA-DC02-4CAA-9847-261FC960441A}"/>
               </a:ext>
             </a:extLst>
           </p:cNvPr>
@@ -610,7 +609,7 @@
           <p:cNvPr id="3" name="Segnaposto testo verticale 2">
             <a:extLst>
               <a:ext uri="{FF2B5EF4-FFF2-40B4-BE49-F238E27FC236}">
-                <a16:creationId xmlns:a16="http://schemas.microsoft.com/office/drawing/2014/main" id="{BC163312-1070-4E20-B660-8E95E4230029}"/>
+                <a16:creationId xmlns:a16="http://schemas.microsoft.com/office/drawing/2014/main" id="{2F81A121-9371-4743-9571-FE45D02B8648}"/>
               </a:ext>
             </a:extLst>
           </p:cNvPr>
@@ -672,7 +671,7 @@
           <p:cNvPr id="4" name="Segnaposto data 3">
             <a:extLst>
               <a:ext uri="{FF2B5EF4-FFF2-40B4-BE49-F238E27FC236}">
-                <a16:creationId xmlns:a16="http://schemas.microsoft.com/office/drawing/2014/main" id="{D9375334-75C0-4043-A03B-6A4363D18010}"/>
+                <a16:creationId xmlns:a16="http://schemas.microsoft.com/office/drawing/2014/main" id="{CEDF9290-6B8A-456C-AE06-4DB2CF5D64B9}"/>
               </a:ext>
             </a:extLst>
           </p:cNvPr>
@@ -690,7 +689,7 @@
           <a:p>
             <a:fld id="{EF98DF3D-BAC6-49BE-929E-EE02CEA6BC7A}" type="datetimeFigureOut">
               <a:rPr lang="it-IT" smtClean="0"/>
-              <a:t>26/10/2021</a:t>
+              <a:t>29/10/2021</a:t>
             </a:fld>
             <a:endParaRPr lang="it-IT"/>
           </a:p>
@@ -701,7 +700,7 @@
           <p:cNvPr id="5" name="Segnaposto piè di pagina 4">
             <a:extLst>
               <a:ext uri="{FF2B5EF4-FFF2-40B4-BE49-F238E27FC236}">
-                <a16:creationId xmlns:a16="http://schemas.microsoft.com/office/drawing/2014/main" id="{9CEC9EDD-E7C5-400F-AE3E-C19433D36A6D}"/>
+                <a16:creationId xmlns:a16="http://schemas.microsoft.com/office/drawing/2014/main" id="{6E5816CD-23C7-4ADD-AB36-CBDD190F7BEE}"/>
               </a:ext>
             </a:extLst>
           </p:cNvPr>
@@ -726,7 +725,7 @@
           <p:cNvPr id="6" name="Segnaposto numero diapositiva 5">
             <a:extLst>
               <a:ext uri="{FF2B5EF4-FFF2-40B4-BE49-F238E27FC236}">
-                <a16:creationId xmlns:a16="http://schemas.microsoft.com/office/drawing/2014/main" id="{38D9072F-D363-4E8E-9259-7016BD1C0282}"/>
+                <a16:creationId xmlns:a16="http://schemas.microsoft.com/office/drawing/2014/main" id="{A3BD1D56-56B7-4794-810E-64356A30DD9D}"/>
               </a:ext>
             </a:extLst>
           </p:cNvPr>
@@ -753,7 +752,7 @@
     </p:spTree>
     <p:extLst>
       <p:ext uri="{BB962C8B-B14F-4D97-AF65-F5344CB8AC3E}">
-        <p14:creationId xmlns:p14="http://schemas.microsoft.com/office/powerpoint/2010/main" val="1425361578"/>
+        <p14:creationId xmlns:p14="http://schemas.microsoft.com/office/powerpoint/2010/main" val="1814899629"/>
       </p:ext>
     </p:extLst>
   </p:cSld>
@@ -785,7 +784,7 @@
           <p:cNvPr id="2" name="Titolo 1">
             <a:extLst>
               <a:ext uri="{FF2B5EF4-FFF2-40B4-BE49-F238E27FC236}">
-                <a16:creationId xmlns:a16="http://schemas.microsoft.com/office/drawing/2014/main" id="{B8E76517-BFCB-48D5-8E63-068851437FA2}"/>
+                <a16:creationId xmlns:a16="http://schemas.microsoft.com/office/drawing/2014/main" id="{459076C7-9933-441B-BE49-3497656DBA92}"/>
               </a:ext>
             </a:extLst>
           </p:cNvPr>
@@ -813,7 +812,7 @@
           <p:cNvPr id="3" name="Segnaposto contenuto 2">
             <a:extLst>
               <a:ext uri="{FF2B5EF4-FFF2-40B4-BE49-F238E27FC236}">
-                <a16:creationId xmlns:a16="http://schemas.microsoft.com/office/drawing/2014/main" id="{2F57302B-4887-4763-A7E4-45C0E8B817E1}"/>
+                <a16:creationId xmlns:a16="http://schemas.microsoft.com/office/drawing/2014/main" id="{594EB36C-2D60-4E3E-81D5-D4212330B474}"/>
               </a:ext>
             </a:extLst>
           </p:cNvPr>
@@ -870,7 +869,7 @@
           <p:cNvPr id="4" name="Segnaposto data 3">
             <a:extLst>
               <a:ext uri="{FF2B5EF4-FFF2-40B4-BE49-F238E27FC236}">
-                <a16:creationId xmlns:a16="http://schemas.microsoft.com/office/drawing/2014/main" id="{70E404F2-EC9A-467A-AAD6-2FCCA71EBC4E}"/>
+                <a16:creationId xmlns:a16="http://schemas.microsoft.com/office/drawing/2014/main" id="{D8EF9F0F-180C-42D2-8232-9EDF0B5B137C}"/>
               </a:ext>
             </a:extLst>
           </p:cNvPr>
@@ -888,7 +887,7 @@
           <a:p>
             <a:fld id="{EF98DF3D-BAC6-49BE-929E-EE02CEA6BC7A}" type="datetimeFigureOut">
               <a:rPr lang="it-IT" smtClean="0"/>
-              <a:t>26/10/2021</a:t>
+              <a:t>29/10/2021</a:t>
             </a:fld>
             <a:endParaRPr lang="it-IT"/>
           </a:p>
@@ -899,7 +898,7 @@
           <p:cNvPr id="5" name="Segnaposto piè di pagina 4">
             <a:extLst>
               <a:ext uri="{FF2B5EF4-FFF2-40B4-BE49-F238E27FC236}">
-                <a16:creationId xmlns:a16="http://schemas.microsoft.com/office/drawing/2014/main" id="{9EF9C022-4A67-4C32-9AC1-263AA329BBC0}"/>
+                <a16:creationId xmlns:a16="http://schemas.microsoft.com/office/drawing/2014/main" id="{6AD7CEB4-3007-4F20-B076-23C0D25EB34B}"/>
               </a:ext>
             </a:extLst>
           </p:cNvPr>
@@ -924,7 +923,7 @@
           <p:cNvPr id="6" name="Segnaposto numero diapositiva 5">
             <a:extLst>
               <a:ext uri="{FF2B5EF4-FFF2-40B4-BE49-F238E27FC236}">
-                <a16:creationId xmlns:a16="http://schemas.microsoft.com/office/drawing/2014/main" id="{50832B08-9E36-495E-8724-1C392DECB947}"/>
+                <a16:creationId xmlns:a16="http://schemas.microsoft.com/office/drawing/2014/main" id="{B63B4E1A-6138-488F-8BF2-F7BD4C9453B9}"/>
               </a:ext>
             </a:extLst>
           </p:cNvPr>
@@ -951,7 +950,7 @@
     </p:spTree>
     <p:extLst>
       <p:ext uri="{BB962C8B-B14F-4D97-AF65-F5344CB8AC3E}">
-        <p14:creationId xmlns:p14="http://schemas.microsoft.com/office/powerpoint/2010/main" val="1772294512"/>
+        <p14:creationId xmlns:p14="http://schemas.microsoft.com/office/powerpoint/2010/main" val="2132565736"/>
       </p:ext>
     </p:extLst>
   </p:cSld>
@@ -983,7 +982,7 @@
           <p:cNvPr id="2" name="Titolo 1">
             <a:extLst>
               <a:ext uri="{FF2B5EF4-FFF2-40B4-BE49-F238E27FC236}">
-                <a16:creationId xmlns:a16="http://schemas.microsoft.com/office/drawing/2014/main" id="{5C0D0445-A2E4-40B2-AC3F-58079A0EC6D3}"/>
+                <a16:creationId xmlns:a16="http://schemas.microsoft.com/office/drawing/2014/main" id="{A39BAC82-31D0-4CF6-9C2F-2771B55FA77C}"/>
               </a:ext>
             </a:extLst>
           </p:cNvPr>
@@ -1020,7 +1019,7 @@
           <p:cNvPr id="3" name="Segnaposto testo 2">
             <a:extLst>
               <a:ext uri="{FF2B5EF4-FFF2-40B4-BE49-F238E27FC236}">
-                <a16:creationId xmlns:a16="http://schemas.microsoft.com/office/drawing/2014/main" id="{631427D8-F652-463A-90D6-F711BE498A6F}"/>
+                <a16:creationId xmlns:a16="http://schemas.microsoft.com/office/drawing/2014/main" id="{A7D4CF2B-F9B1-4F10-87B9-D14668367ED9}"/>
               </a:ext>
             </a:extLst>
           </p:cNvPr>
@@ -1145,7 +1144,7 @@
           <p:cNvPr id="4" name="Segnaposto data 3">
             <a:extLst>
               <a:ext uri="{FF2B5EF4-FFF2-40B4-BE49-F238E27FC236}">
-                <a16:creationId xmlns:a16="http://schemas.microsoft.com/office/drawing/2014/main" id="{B0201FF8-6CFF-456E-A05E-B8E8F1CBFD0E}"/>
+                <a16:creationId xmlns:a16="http://schemas.microsoft.com/office/drawing/2014/main" id="{5D55AD31-2EC1-4DA9-9F2B-DE5F12903A7D}"/>
               </a:ext>
             </a:extLst>
           </p:cNvPr>
@@ -1163,7 +1162,7 @@
           <a:p>
             <a:fld id="{EF98DF3D-BAC6-49BE-929E-EE02CEA6BC7A}" type="datetimeFigureOut">
               <a:rPr lang="it-IT" smtClean="0"/>
-              <a:t>26/10/2021</a:t>
+              <a:t>29/10/2021</a:t>
             </a:fld>
             <a:endParaRPr lang="it-IT"/>
           </a:p>
@@ -1174,7 +1173,7 @@
           <p:cNvPr id="5" name="Segnaposto piè di pagina 4">
             <a:extLst>
               <a:ext uri="{FF2B5EF4-FFF2-40B4-BE49-F238E27FC236}">
-                <a16:creationId xmlns:a16="http://schemas.microsoft.com/office/drawing/2014/main" id="{B08F9EA0-59BE-467D-8B35-8B0F2AFB4AE6}"/>
+                <a16:creationId xmlns:a16="http://schemas.microsoft.com/office/drawing/2014/main" id="{B6F3FDAC-3EFF-43F4-8B39-F1F18B52B101}"/>
               </a:ext>
             </a:extLst>
           </p:cNvPr>
@@ -1199,7 +1198,7 @@
           <p:cNvPr id="6" name="Segnaposto numero diapositiva 5">
             <a:extLst>
               <a:ext uri="{FF2B5EF4-FFF2-40B4-BE49-F238E27FC236}">
-                <a16:creationId xmlns:a16="http://schemas.microsoft.com/office/drawing/2014/main" id="{DC195DE6-F07C-4C86-B468-B6296DD349C2}"/>
+                <a16:creationId xmlns:a16="http://schemas.microsoft.com/office/drawing/2014/main" id="{F60E49FF-5EE8-4691-B600-95C749DAD21C}"/>
               </a:ext>
             </a:extLst>
           </p:cNvPr>
@@ -1226,7 +1225,7 @@
     </p:spTree>
     <p:extLst>
       <p:ext uri="{BB962C8B-B14F-4D97-AF65-F5344CB8AC3E}">
-        <p14:creationId xmlns:p14="http://schemas.microsoft.com/office/powerpoint/2010/main" val="3909080788"/>
+        <p14:creationId xmlns:p14="http://schemas.microsoft.com/office/powerpoint/2010/main" val="66600687"/>
       </p:ext>
     </p:extLst>
   </p:cSld>
@@ -1258,7 +1257,7 @@
           <p:cNvPr id="2" name="Titolo 1">
             <a:extLst>
               <a:ext uri="{FF2B5EF4-FFF2-40B4-BE49-F238E27FC236}">
-                <a16:creationId xmlns:a16="http://schemas.microsoft.com/office/drawing/2014/main" id="{EADD4078-406D-4177-9117-ECCAB9AE5440}"/>
+                <a16:creationId xmlns:a16="http://schemas.microsoft.com/office/drawing/2014/main" id="{B613B0FD-EA18-4793-BC21-BF0F7B712156}"/>
               </a:ext>
             </a:extLst>
           </p:cNvPr>
@@ -1286,7 +1285,7 @@
           <p:cNvPr id="3" name="Segnaposto contenuto 2">
             <a:extLst>
               <a:ext uri="{FF2B5EF4-FFF2-40B4-BE49-F238E27FC236}">
-                <a16:creationId xmlns:a16="http://schemas.microsoft.com/office/drawing/2014/main" id="{C024C5ED-E177-48DB-9E21-5286B247B193}"/>
+                <a16:creationId xmlns:a16="http://schemas.microsoft.com/office/drawing/2014/main" id="{C9554AB6-5A90-437B-A4AA-855F5478482C}"/>
               </a:ext>
             </a:extLst>
           </p:cNvPr>
@@ -1348,7 +1347,7 @@
           <p:cNvPr id="4" name="Segnaposto contenuto 3">
             <a:extLst>
               <a:ext uri="{FF2B5EF4-FFF2-40B4-BE49-F238E27FC236}">
-                <a16:creationId xmlns:a16="http://schemas.microsoft.com/office/drawing/2014/main" id="{EE2E6016-D364-40AC-8B7F-C8C9300C41F9}"/>
+                <a16:creationId xmlns:a16="http://schemas.microsoft.com/office/drawing/2014/main" id="{C420D3A3-D112-4F16-A47D-888287500BA6}"/>
               </a:ext>
             </a:extLst>
           </p:cNvPr>
@@ -1410,7 +1409,7 @@
           <p:cNvPr id="5" name="Segnaposto data 4">
             <a:extLst>
               <a:ext uri="{FF2B5EF4-FFF2-40B4-BE49-F238E27FC236}">
-                <a16:creationId xmlns:a16="http://schemas.microsoft.com/office/drawing/2014/main" id="{9E58AFED-AE1A-496D-BD8A-41F08DED2A82}"/>
+                <a16:creationId xmlns:a16="http://schemas.microsoft.com/office/drawing/2014/main" id="{DCA27A50-FF0E-4EEB-9E3A-96BF0348F98A}"/>
               </a:ext>
             </a:extLst>
           </p:cNvPr>
@@ -1428,7 +1427,7 @@
           <a:p>
             <a:fld id="{EF98DF3D-BAC6-49BE-929E-EE02CEA6BC7A}" type="datetimeFigureOut">
               <a:rPr lang="it-IT" smtClean="0"/>
-              <a:t>26/10/2021</a:t>
+              <a:t>29/10/2021</a:t>
             </a:fld>
             <a:endParaRPr lang="it-IT"/>
           </a:p>
@@ -1439,7 +1438,7 @@
           <p:cNvPr id="6" name="Segnaposto piè di pagina 5">
             <a:extLst>
               <a:ext uri="{FF2B5EF4-FFF2-40B4-BE49-F238E27FC236}">
-                <a16:creationId xmlns:a16="http://schemas.microsoft.com/office/drawing/2014/main" id="{A4EDD6FD-2211-48E8-B2E9-FC686A599CB9}"/>
+                <a16:creationId xmlns:a16="http://schemas.microsoft.com/office/drawing/2014/main" id="{BCA99F37-207D-4D8B-AF97-B9069C6032C5}"/>
               </a:ext>
             </a:extLst>
           </p:cNvPr>
@@ -1464,7 +1463,7 @@
           <p:cNvPr id="7" name="Segnaposto numero diapositiva 6">
             <a:extLst>
               <a:ext uri="{FF2B5EF4-FFF2-40B4-BE49-F238E27FC236}">
-                <a16:creationId xmlns:a16="http://schemas.microsoft.com/office/drawing/2014/main" id="{AA7A98A5-B7E7-412E-BAAE-75E1CCF2A0BC}"/>
+                <a16:creationId xmlns:a16="http://schemas.microsoft.com/office/drawing/2014/main" id="{7E419A20-7AD8-42AC-93B1-707F2823D665}"/>
               </a:ext>
             </a:extLst>
           </p:cNvPr>
@@ -1491,7 +1490,7 @@
     </p:spTree>
     <p:extLst>
       <p:ext uri="{BB962C8B-B14F-4D97-AF65-F5344CB8AC3E}">
-        <p14:creationId xmlns:p14="http://schemas.microsoft.com/office/powerpoint/2010/main" val="953656913"/>
+        <p14:creationId xmlns:p14="http://schemas.microsoft.com/office/powerpoint/2010/main" val="2673476048"/>
       </p:ext>
     </p:extLst>
   </p:cSld>
@@ -1523,7 +1522,7 @@
           <p:cNvPr id="2" name="Titolo 1">
             <a:extLst>
               <a:ext uri="{FF2B5EF4-FFF2-40B4-BE49-F238E27FC236}">
-                <a16:creationId xmlns:a16="http://schemas.microsoft.com/office/drawing/2014/main" id="{64FAF4E7-55B5-41A9-90D3-F395D69D0EA8}"/>
+                <a16:creationId xmlns:a16="http://schemas.microsoft.com/office/drawing/2014/main" id="{AD54ECE4-6D13-4E90-B723-6379727D874B}"/>
               </a:ext>
             </a:extLst>
           </p:cNvPr>
@@ -1556,7 +1555,7 @@
           <p:cNvPr id="3" name="Segnaposto testo 2">
             <a:extLst>
               <a:ext uri="{FF2B5EF4-FFF2-40B4-BE49-F238E27FC236}">
-                <a16:creationId xmlns:a16="http://schemas.microsoft.com/office/drawing/2014/main" id="{A589EB9A-4948-489C-AB63-C992E5CB1965}"/>
+                <a16:creationId xmlns:a16="http://schemas.microsoft.com/office/drawing/2014/main" id="{89DD5E7C-A0BD-41C6-82F7-D8B533581486}"/>
               </a:ext>
             </a:extLst>
           </p:cNvPr>
@@ -1627,7 +1626,7 @@
           <p:cNvPr id="4" name="Segnaposto contenuto 3">
             <a:extLst>
               <a:ext uri="{FF2B5EF4-FFF2-40B4-BE49-F238E27FC236}">
-                <a16:creationId xmlns:a16="http://schemas.microsoft.com/office/drawing/2014/main" id="{C09074E7-3C0C-4ACD-81EA-E8AD2F7A0F37}"/>
+                <a16:creationId xmlns:a16="http://schemas.microsoft.com/office/drawing/2014/main" id="{272F896B-DAE0-4406-BB4E-7DBC40607A3C}"/>
               </a:ext>
             </a:extLst>
           </p:cNvPr>
@@ -1689,7 +1688,7 @@
           <p:cNvPr id="5" name="Segnaposto testo 4">
             <a:extLst>
               <a:ext uri="{FF2B5EF4-FFF2-40B4-BE49-F238E27FC236}">
-                <a16:creationId xmlns:a16="http://schemas.microsoft.com/office/drawing/2014/main" id="{F3AAC4D3-2D45-4F67-9616-A59349A29795}"/>
+                <a16:creationId xmlns:a16="http://schemas.microsoft.com/office/drawing/2014/main" id="{886CF5C1-D618-427F-9C57-90DC1443EA27}"/>
               </a:ext>
             </a:extLst>
           </p:cNvPr>
@@ -1760,7 +1759,7 @@
           <p:cNvPr id="6" name="Segnaposto contenuto 5">
             <a:extLst>
               <a:ext uri="{FF2B5EF4-FFF2-40B4-BE49-F238E27FC236}">
-                <a16:creationId xmlns:a16="http://schemas.microsoft.com/office/drawing/2014/main" id="{BF521FC0-57B5-4087-BA39-062B4805C132}"/>
+                <a16:creationId xmlns:a16="http://schemas.microsoft.com/office/drawing/2014/main" id="{CE99D42F-A2EF-4346-B060-25A056116DC8}"/>
               </a:ext>
             </a:extLst>
           </p:cNvPr>
@@ -1822,7 +1821,7 @@
           <p:cNvPr id="7" name="Segnaposto data 6">
             <a:extLst>
               <a:ext uri="{FF2B5EF4-FFF2-40B4-BE49-F238E27FC236}">
-                <a16:creationId xmlns:a16="http://schemas.microsoft.com/office/drawing/2014/main" id="{E758F7C4-27AC-4391-810B-2B5B1C4361D8}"/>
+                <a16:creationId xmlns:a16="http://schemas.microsoft.com/office/drawing/2014/main" id="{A266ACEC-4DC0-49C7-BCFE-9F523BAB506B}"/>
               </a:ext>
             </a:extLst>
           </p:cNvPr>
@@ -1840,7 +1839,7 @@
           <a:p>
             <a:fld id="{EF98DF3D-BAC6-49BE-929E-EE02CEA6BC7A}" type="datetimeFigureOut">
               <a:rPr lang="it-IT" smtClean="0"/>
-              <a:t>26/10/2021</a:t>
+              <a:t>29/10/2021</a:t>
             </a:fld>
             <a:endParaRPr lang="it-IT"/>
           </a:p>
@@ -1851,7 +1850,7 @@
           <p:cNvPr id="8" name="Segnaposto piè di pagina 7">
             <a:extLst>
               <a:ext uri="{FF2B5EF4-FFF2-40B4-BE49-F238E27FC236}">
-                <a16:creationId xmlns:a16="http://schemas.microsoft.com/office/drawing/2014/main" id="{785CAAF5-A7E4-4446-85BC-13F532D091B2}"/>
+                <a16:creationId xmlns:a16="http://schemas.microsoft.com/office/drawing/2014/main" id="{6D055F4D-40C1-4402-8B20-69AC8DDE1E3E}"/>
               </a:ext>
             </a:extLst>
           </p:cNvPr>
@@ -1876,7 +1875,7 @@
           <p:cNvPr id="9" name="Segnaposto numero diapositiva 8">
             <a:extLst>
               <a:ext uri="{FF2B5EF4-FFF2-40B4-BE49-F238E27FC236}">
-                <a16:creationId xmlns:a16="http://schemas.microsoft.com/office/drawing/2014/main" id="{EF4BA32F-D0BE-4A27-B6A8-E139BDBFF7D5}"/>
+                <a16:creationId xmlns:a16="http://schemas.microsoft.com/office/drawing/2014/main" id="{B120C68A-D8A7-4836-B235-D534886075C1}"/>
               </a:ext>
             </a:extLst>
           </p:cNvPr>
@@ -1903,7 +1902,7 @@
     </p:spTree>
     <p:extLst>
       <p:ext uri="{BB962C8B-B14F-4D97-AF65-F5344CB8AC3E}">
-        <p14:creationId xmlns:p14="http://schemas.microsoft.com/office/powerpoint/2010/main" val="2706194989"/>
+        <p14:creationId xmlns:p14="http://schemas.microsoft.com/office/powerpoint/2010/main" val="3634893051"/>
       </p:ext>
     </p:extLst>
   </p:cSld>
@@ -1935,7 +1934,7 @@
           <p:cNvPr id="2" name="Titolo 1">
             <a:extLst>
               <a:ext uri="{FF2B5EF4-FFF2-40B4-BE49-F238E27FC236}">
-                <a16:creationId xmlns:a16="http://schemas.microsoft.com/office/drawing/2014/main" id="{5BBF4FDA-796D-45E4-ADA0-28520220BA32}"/>
+                <a16:creationId xmlns:a16="http://schemas.microsoft.com/office/drawing/2014/main" id="{C386D9D5-4EA3-474B-AA01-48C1BB877DF8}"/>
               </a:ext>
             </a:extLst>
           </p:cNvPr>
@@ -1963,7 +1962,7 @@
           <p:cNvPr id="3" name="Segnaposto data 2">
             <a:extLst>
               <a:ext uri="{FF2B5EF4-FFF2-40B4-BE49-F238E27FC236}">
-                <a16:creationId xmlns:a16="http://schemas.microsoft.com/office/drawing/2014/main" id="{E8011F4D-53A9-44FC-AB63-D99A719E5F5F}"/>
+                <a16:creationId xmlns:a16="http://schemas.microsoft.com/office/drawing/2014/main" id="{EF451B45-6262-4933-B372-12F794B75E7F}"/>
               </a:ext>
             </a:extLst>
           </p:cNvPr>
@@ -1981,7 +1980,7 @@
           <a:p>
             <a:fld id="{EF98DF3D-BAC6-49BE-929E-EE02CEA6BC7A}" type="datetimeFigureOut">
               <a:rPr lang="it-IT" smtClean="0"/>
-              <a:t>26/10/2021</a:t>
+              <a:t>29/10/2021</a:t>
             </a:fld>
             <a:endParaRPr lang="it-IT"/>
           </a:p>
@@ -1992,7 +1991,7 @@
           <p:cNvPr id="4" name="Segnaposto piè di pagina 3">
             <a:extLst>
               <a:ext uri="{FF2B5EF4-FFF2-40B4-BE49-F238E27FC236}">
-                <a16:creationId xmlns:a16="http://schemas.microsoft.com/office/drawing/2014/main" id="{F2006D12-FDF8-4BC9-8615-DF6E481BC41B}"/>
+                <a16:creationId xmlns:a16="http://schemas.microsoft.com/office/drawing/2014/main" id="{185623A9-F727-4A64-AD63-E849B38E0D17}"/>
               </a:ext>
             </a:extLst>
           </p:cNvPr>
@@ -2017,7 +2016,7 @@
           <p:cNvPr id="5" name="Segnaposto numero diapositiva 4">
             <a:extLst>
               <a:ext uri="{FF2B5EF4-FFF2-40B4-BE49-F238E27FC236}">
-                <a16:creationId xmlns:a16="http://schemas.microsoft.com/office/drawing/2014/main" id="{F12DE239-43A9-4FF8-B6CA-59DC9E5F345E}"/>
+                <a16:creationId xmlns:a16="http://schemas.microsoft.com/office/drawing/2014/main" id="{B20EE83F-AB8D-4606-A97A-2037B7F1A2A6}"/>
               </a:ext>
             </a:extLst>
           </p:cNvPr>
@@ -2044,7 +2043,7 @@
     </p:spTree>
     <p:extLst>
       <p:ext uri="{BB962C8B-B14F-4D97-AF65-F5344CB8AC3E}">
-        <p14:creationId xmlns:p14="http://schemas.microsoft.com/office/powerpoint/2010/main" val="1702257437"/>
+        <p14:creationId xmlns:p14="http://schemas.microsoft.com/office/powerpoint/2010/main" val="1477090167"/>
       </p:ext>
     </p:extLst>
   </p:cSld>
@@ -2076,7 +2075,7 @@
           <p:cNvPr id="2" name="Segnaposto data 1">
             <a:extLst>
               <a:ext uri="{FF2B5EF4-FFF2-40B4-BE49-F238E27FC236}">
-                <a16:creationId xmlns:a16="http://schemas.microsoft.com/office/drawing/2014/main" id="{25AFC912-FC9A-4BF4-9D48-032987A6CD69}"/>
+                <a16:creationId xmlns:a16="http://schemas.microsoft.com/office/drawing/2014/main" id="{ABCC10B4-803C-4393-A298-86EDF9DB2210}"/>
               </a:ext>
             </a:extLst>
           </p:cNvPr>
@@ -2094,7 +2093,7 @@
           <a:p>
             <a:fld id="{EF98DF3D-BAC6-49BE-929E-EE02CEA6BC7A}" type="datetimeFigureOut">
               <a:rPr lang="it-IT" smtClean="0"/>
-              <a:t>26/10/2021</a:t>
+              <a:t>29/10/2021</a:t>
             </a:fld>
             <a:endParaRPr lang="it-IT"/>
           </a:p>
@@ -2105,7 +2104,7 @@
           <p:cNvPr id="3" name="Segnaposto piè di pagina 2">
             <a:extLst>
               <a:ext uri="{FF2B5EF4-FFF2-40B4-BE49-F238E27FC236}">
-                <a16:creationId xmlns:a16="http://schemas.microsoft.com/office/drawing/2014/main" id="{89D1ACFA-8F32-4429-B339-1F81C32A364A}"/>
+                <a16:creationId xmlns:a16="http://schemas.microsoft.com/office/drawing/2014/main" id="{FF916C1F-D887-4072-98A0-F18651E34ECA}"/>
               </a:ext>
             </a:extLst>
           </p:cNvPr>
@@ -2130,7 +2129,7 @@
           <p:cNvPr id="4" name="Segnaposto numero diapositiva 3">
             <a:extLst>
               <a:ext uri="{FF2B5EF4-FFF2-40B4-BE49-F238E27FC236}">
-                <a16:creationId xmlns:a16="http://schemas.microsoft.com/office/drawing/2014/main" id="{4C3333FF-D7F3-4B17-A18C-6D844434C55F}"/>
+                <a16:creationId xmlns:a16="http://schemas.microsoft.com/office/drawing/2014/main" id="{9918AD1F-0B81-4D85-B2B2-08D5583C497D}"/>
               </a:ext>
             </a:extLst>
           </p:cNvPr>
@@ -2157,7 +2156,7 @@
     </p:spTree>
     <p:extLst>
       <p:ext uri="{BB962C8B-B14F-4D97-AF65-F5344CB8AC3E}">
-        <p14:creationId xmlns:p14="http://schemas.microsoft.com/office/powerpoint/2010/main" val="1370683167"/>
+        <p14:creationId xmlns:p14="http://schemas.microsoft.com/office/powerpoint/2010/main" val="1733753627"/>
       </p:ext>
     </p:extLst>
   </p:cSld>
@@ -2189,7 +2188,7 @@
           <p:cNvPr id="2" name="Titolo 1">
             <a:extLst>
               <a:ext uri="{FF2B5EF4-FFF2-40B4-BE49-F238E27FC236}">
-                <a16:creationId xmlns:a16="http://schemas.microsoft.com/office/drawing/2014/main" id="{BDEB6541-3F40-4070-8094-D4D62B389246}"/>
+                <a16:creationId xmlns:a16="http://schemas.microsoft.com/office/drawing/2014/main" id="{3CF4DA2E-FE27-4B10-83DA-6C388EA64E78}"/>
               </a:ext>
             </a:extLst>
           </p:cNvPr>
@@ -2226,7 +2225,7 @@
           <p:cNvPr id="3" name="Segnaposto contenuto 2">
             <a:extLst>
               <a:ext uri="{FF2B5EF4-FFF2-40B4-BE49-F238E27FC236}">
-                <a16:creationId xmlns:a16="http://schemas.microsoft.com/office/drawing/2014/main" id="{D1B3D6D8-7EA9-4C5B-ABA3-C04DF4F8EFE5}"/>
+                <a16:creationId xmlns:a16="http://schemas.microsoft.com/office/drawing/2014/main" id="{7E26EC3C-90C1-40B6-9275-BDCB0D734802}"/>
               </a:ext>
             </a:extLst>
           </p:cNvPr>
@@ -2316,7 +2315,7 @@
           <p:cNvPr id="4" name="Segnaposto testo 3">
             <a:extLst>
               <a:ext uri="{FF2B5EF4-FFF2-40B4-BE49-F238E27FC236}">
-                <a16:creationId xmlns:a16="http://schemas.microsoft.com/office/drawing/2014/main" id="{27CCBE4B-EDD6-4AF1-BB6F-4BEF3A691BA9}"/>
+                <a16:creationId xmlns:a16="http://schemas.microsoft.com/office/drawing/2014/main" id="{A4CEA4E5-CE90-483C-A52E-70F82742947B}"/>
               </a:ext>
             </a:extLst>
           </p:cNvPr>
@@ -2387,7 +2386,7 @@
           <p:cNvPr id="5" name="Segnaposto data 4">
             <a:extLst>
               <a:ext uri="{FF2B5EF4-FFF2-40B4-BE49-F238E27FC236}">
-                <a16:creationId xmlns:a16="http://schemas.microsoft.com/office/drawing/2014/main" id="{AC77C46F-6FEA-4148-BE0B-78607AAB19FD}"/>
+                <a16:creationId xmlns:a16="http://schemas.microsoft.com/office/drawing/2014/main" id="{B361DE3B-6E81-4E91-BD1C-1899BF12B222}"/>
               </a:ext>
             </a:extLst>
           </p:cNvPr>
@@ -2405,7 +2404,7 @@
           <a:p>
             <a:fld id="{EF98DF3D-BAC6-49BE-929E-EE02CEA6BC7A}" type="datetimeFigureOut">
               <a:rPr lang="it-IT" smtClean="0"/>
-              <a:t>26/10/2021</a:t>
+              <a:t>29/10/2021</a:t>
             </a:fld>
             <a:endParaRPr lang="it-IT"/>
           </a:p>
@@ -2416,7 +2415,7 @@
           <p:cNvPr id="6" name="Segnaposto piè di pagina 5">
             <a:extLst>
               <a:ext uri="{FF2B5EF4-FFF2-40B4-BE49-F238E27FC236}">
-                <a16:creationId xmlns:a16="http://schemas.microsoft.com/office/drawing/2014/main" id="{D5CFCE90-5D42-4271-991A-7BF5505B4AC3}"/>
+                <a16:creationId xmlns:a16="http://schemas.microsoft.com/office/drawing/2014/main" id="{94A85143-F867-40A8-B0AD-39A8D3833071}"/>
               </a:ext>
             </a:extLst>
           </p:cNvPr>
@@ -2441,7 +2440,7 @@
           <p:cNvPr id="7" name="Segnaposto numero diapositiva 6">
             <a:extLst>
               <a:ext uri="{FF2B5EF4-FFF2-40B4-BE49-F238E27FC236}">
-                <a16:creationId xmlns:a16="http://schemas.microsoft.com/office/drawing/2014/main" id="{2BECEDF5-3CDC-4C9E-A4BC-D7FEC04AA855}"/>
+                <a16:creationId xmlns:a16="http://schemas.microsoft.com/office/drawing/2014/main" id="{A74A3844-939A-4C46-8220-A5885EEA89F8}"/>
               </a:ext>
             </a:extLst>
           </p:cNvPr>
@@ -2468,7 +2467,7 @@
     </p:spTree>
     <p:extLst>
       <p:ext uri="{BB962C8B-B14F-4D97-AF65-F5344CB8AC3E}">
-        <p14:creationId xmlns:p14="http://schemas.microsoft.com/office/powerpoint/2010/main" val="1317500371"/>
+        <p14:creationId xmlns:p14="http://schemas.microsoft.com/office/powerpoint/2010/main" val="3148423288"/>
       </p:ext>
     </p:extLst>
   </p:cSld>
@@ -2500,7 +2499,7 @@
           <p:cNvPr id="2" name="Titolo 1">
             <a:extLst>
               <a:ext uri="{FF2B5EF4-FFF2-40B4-BE49-F238E27FC236}">
-                <a16:creationId xmlns:a16="http://schemas.microsoft.com/office/drawing/2014/main" id="{772021B7-0D10-4D1B-A77C-F63420ED6639}"/>
+                <a16:creationId xmlns:a16="http://schemas.microsoft.com/office/drawing/2014/main" id="{7FC2D688-90FB-4451-8945-A071449A8481}"/>
               </a:ext>
             </a:extLst>
           </p:cNvPr>
@@ -2537,7 +2536,7 @@
           <p:cNvPr id="3" name="Segnaposto immagine 2">
             <a:extLst>
               <a:ext uri="{FF2B5EF4-FFF2-40B4-BE49-F238E27FC236}">
-                <a16:creationId xmlns:a16="http://schemas.microsoft.com/office/drawing/2014/main" id="{BF026910-7AD6-4735-9C31-68D23E5CE36B}"/>
+                <a16:creationId xmlns:a16="http://schemas.microsoft.com/office/drawing/2014/main" id="{E5C8DDBC-BF3E-4C6A-9F4B-C4F0BAD6D900}"/>
               </a:ext>
             </a:extLst>
           </p:cNvPr>
@@ -2604,7 +2603,7 @@
           <p:cNvPr id="4" name="Segnaposto testo 3">
             <a:extLst>
               <a:ext uri="{FF2B5EF4-FFF2-40B4-BE49-F238E27FC236}">
-                <a16:creationId xmlns:a16="http://schemas.microsoft.com/office/drawing/2014/main" id="{08266B7B-9E56-4365-869C-F622C1FFB2F9}"/>
+                <a16:creationId xmlns:a16="http://schemas.microsoft.com/office/drawing/2014/main" id="{BB1BAF55-E90A-48E1-98DA-2B8406926E2B}"/>
               </a:ext>
             </a:extLst>
           </p:cNvPr>
@@ -2675,7 +2674,7 @@
           <p:cNvPr id="5" name="Segnaposto data 4">
             <a:extLst>
               <a:ext uri="{FF2B5EF4-FFF2-40B4-BE49-F238E27FC236}">
-                <a16:creationId xmlns:a16="http://schemas.microsoft.com/office/drawing/2014/main" id="{686286A1-C1C0-4FE5-BE39-5D1C4ED3EE1E}"/>
+                <a16:creationId xmlns:a16="http://schemas.microsoft.com/office/drawing/2014/main" id="{ED12BBBC-4329-4CFA-8AE0-38E94CC5C20F}"/>
               </a:ext>
             </a:extLst>
           </p:cNvPr>
@@ -2693,7 +2692,7 @@
           <a:p>
             <a:fld id="{EF98DF3D-BAC6-49BE-929E-EE02CEA6BC7A}" type="datetimeFigureOut">
               <a:rPr lang="it-IT" smtClean="0"/>
-              <a:t>26/10/2021</a:t>
+              <a:t>29/10/2021</a:t>
             </a:fld>
             <a:endParaRPr lang="it-IT"/>
           </a:p>
@@ -2704,7 +2703,7 @@
           <p:cNvPr id="6" name="Segnaposto piè di pagina 5">
             <a:extLst>
               <a:ext uri="{FF2B5EF4-FFF2-40B4-BE49-F238E27FC236}">
-                <a16:creationId xmlns:a16="http://schemas.microsoft.com/office/drawing/2014/main" id="{47A7B015-3474-4DB2-B589-747FEE1EAD0F}"/>
+                <a16:creationId xmlns:a16="http://schemas.microsoft.com/office/drawing/2014/main" id="{464EEC63-E5DE-43A7-88B9-048BAF5B7839}"/>
               </a:ext>
             </a:extLst>
           </p:cNvPr>
@@ -2729,7 +2728,7 @@
           <p:cNvPr id="7" name="Segnaposto numero diapositiva 6">
             <a:extLst>
               <a:ext uri="{FF2B5EF4-FFF2-40B4-BE49-F238E27FC236}">
-                <a16:creationId xmlns:a16="http://schemas.microsoft.com/office/drawing/2014/main" id="{620FF87B-9D0E-49C4-BD80-71BD7C977985}"/>
+                <a16:creationId xmlns:a16="http://schemas.microsoft.com/office/drawing/2014/main" id="{5E1A9FAE-7080-48A8-BE3B-E2CAC930393D}"/>
               </a:ext>
             </a:extLst>
           </p:cNvPr>
@@ -2756,7 +2755,7 @@
     </p:spTree>
     <p:extLst>
       <p:ext uri="{BB962C8B-B14F-4D97-AF65-F5344CB8AC3E}">
-        <p14:creationId xmlns:p14="http://schemas.microsoft.com/office/powerpoint/2010/main" val="846062856"/>
+        <p14:creationId xmlns:p14="http://schemas.microsoft.com/office/powerpoint/2010/main" val="3134552124"/>
       </p:ext>
     </p:extLst>
   </p:cSld>
@@ -2793,7 +2792,7 @@
           <p:cNvPr id="2" name="Segnaposto titolo 1">
             <a:extLst>
               <a:ext uri="{FF2B5EF4-FFF2-40B4-BE49-F238E27FC236}">
-                <a16:creationId xmlns:a16="http://schemas.microsoft.com/office/drawing/2014/main" id="{EB412681-5094-4ADB-ADC6-67E01645DDA3}"/>
+                <a16:creationId xmlns:a16="http://schemas.microsoft.com/office/drawing/2014/main" id="{17805F85-343A-4B87-BB4A-BA5055BAD161}"/>
               </a:ext>
             </a:extLst>
           </p:cNvPr>
@@ -2831,7 +2830,7 @@
           <p:cNvPr id="3" name="Segnaposto testo 2">
             <a:extLst>
               <a:ext uri="{FF2B5EF4-FFF2-40B4-BE49-F238E27FC236}">
-                <a16:creationId xmlns:a16="http://schemas.microsoft.com/office/drawing/2014/main" id="{5DE98698-7550-4DD8-B0FE-CCC679ADCEFA}"/>
+                <a16:creationId xmlns:a16="http://schemas.microsoft.com/office/drawing/2014/main" id="{3A5CFB92-E22A-4B6E-929F-BCC54C156F00}"/>
               </a:ext>
             </a:extLst>
           </p:cNvPr>
@@ -2898,7 +2897,7 @@
           <p:cNvPr id="4" name="Segnaposto data 3">
             <a:extLst>
               <a:ext uri="{FF2B5EF4-FFF2-40B4-BE49-F238E27FC236}">
-                <a16:creationId xmlns:a16="http://schemas.microsoft.com/office/drawing/2014/main" id="{0E60AD3B-CF30-41F6-A81F-60D0051FBE87}"/>
+                <a16:creationId xmlns:a16="http://schemas.microsoft.com/office/drawing/2014/main" id="{D81A28D9-2576-4C72-8E78-3BAA0D03494E}"/>
               </a:ext>
             </a:extLst>
           </p:cNvPr>
@@ -2934,7 +2933,7 @@
           <a:p>
             <a:fld id="{EF98DF3D-BAC6-49BE-929E-EE02CEA6BC7A}" type="datetimeFigureOut">
               <a:rPr lang="it-IT" smtClean="0"/>
-              <a:t>26/10/2021</a:t>
+              <a:t>29/10/2021</a:t>
             </a:fld>
             <a:endParaRPr lang="it-IT"/>
           </a:p>
@@ -2945,7 +2944,7 @@
           <p:cNvPr id="5" name="Segnaposto piè di pagina 4">
             <a:extLst>
               <a:ext uri="{FF2B5EF4-FFF2-40B4-BE49-F238E27FC236}">
-                <a16:creationId xmlns:a16="http://schemas.microsoft.com/office/drawing/2014/main" id="{6CAA5181-328E-497A-B4EB-5296D4715C56}"/>
+                <a16:creationId xmlns:a16="http://schemas.microsoft.com/office/drawing/2014/main" id="{5CA43F11-7DF8-4FF0-8BC2-424E779939EC}"/>
               </a:ext>
             </a:extLst>
           </p:cNvPr>
@@ -2988,7 +2987,7 @@
           <p:cNvPr id="6" name="Segnaposto numero diapositiva 5">
             <a:extLst>
               <a:ext uri="{FF2B5EF4-FFF2-40B4-BE49-F238E27FC236}">
-                <a16:creationId xmlns:a16="http://schemas.microsoft.com/office/drawing/2014/main" id="{3F5AB7FA-2941-44B4-B49B-BE3FE9BF7152}"/>
+                <a16:creationId xmlns:a16="http://schemas.microsoft.com/office/drawing/2014/main" id="{BB99B9C4-51C2-4F0D-997C-1043D51D6868}"/>
               </a:ext>
             </a:extLst>
           </p:cNvPr>
@@ -3033,23 +3032,23 @@
     </p:spTree>
     <p:extLst>
       <p:ext uri="{BB962C8B-B14F-4D97-AF65-F5344CB8AC3E}">
-        <p14:creationId xmlns:p14="http://schemas.microsoft.com/office/powerpoint/2010/main" val="2825111525"/>
+        <p14:creationId xmlns:p14="http://schemas.microsoft.com/office/powerpoint/2010/main" val="1440188508"/>
       </p:ext>
     </p:extLst>
   </p:cSld>
   <p:clrMap bg1="lt1" tx1="dk1" bg2="lt2" tx2="dk2" accent1="accent1" accent2="accent2" accent3="accent3" accent4="accent4" accent5="accent5" accent6="accent6" hlink="hlink" folHlink="folHlink"/>
   <p:sldLayoutIdLst>
-    <p:sldLayoutId id="2147483679" r:id="rId1"/>
-    <p:sldLayoutId id="2147483680" r:id="rId2"/>
-    <p:sldLayoutId id="2147483681" r:id="rId3"/>
-    <p:sldLayoutId id="2147483682" r:id="rId4"/>
-    <p:sldLayoutId id="2147483683" r:id="rId5"/>
-    <p:sldLayoutId id="2147483684" r:id="rId6"/>
-    <p:sldLayoutId id="2147483685" r:id="rId7"/>
-    <p:sldLayoutId id="2147483686" r:id="rId8"/>
-    <p:sldLayoutId id="2147483687" r:id="rId9"/>
-    <p:sldLayoutId id="2147483688" r:id="rId10"/>
-    <p:sldLayoutId id="2147483689" r:id="rId11"/>
+    <p:sldLayoutId id="2147483703" r:id="rId1"/>
+    <p:sldLayoutId id="2147483704" r:id="rId2"/>
+    <p:sldLayoutId id="2147483705" r:id="rId3"/>
+    <p:sldLayoutId id="2147483706" r:id="rId4"/>
+    <p:sldLayoutId id="2147483707" r:id="rId5"/>
+    <p:sldLayoutId id="2147483708" r:id="rId6"/>
+    <p:sldLayoutId id="2147483709" r:id="rId7"/>
+    <p:sldLayoutId id="2147483710" r:id="rId8"/>
+    <p:sldLayoutId id="2147483711" r:id="rId9"/>
+    <p:sldLayoutId id="2147483712" r:id="rId10"/>
+    <p:sldLayoutId id="2147483713" r:id="rId11"/>
   </p:sldLayoutIdLst>
   <p:txStyles>
     <p:titleStyle>
@@ -3359,42 +3358,6 @@
           <a:chExt cx="0" cy="0"/>
         </a:xfrm>
       </p:grpSpPr>
-      <p:pic>
-        <p:nvPicPr>
-          <p:cNvPr id="5" name="Immagine 4">
-            <a:extLst>
-              <a:ext uri="{FF2B5EF4-FFF2-40B4-BE49-F238E27FC236}">
-                <a16:creationId xmlns:a16="http://schemas.microsoft.com/office/drawing/2014/main" id="{69D3B067-F1BB-4E98-8503-03C23F3054D3}"/>
-              </a:ext>
-            </a:extLst>
-          </p:cNvPr>
-          <p:cNvPicPr>
-            <a:picLocks noChangeAspect="1"/>
-          </p:cNvPicPr>
-          <p:nvPr/>
-        </p:nvPicPr>
-        <p:blipFill>
-          <a:blip r:embed="rId2">
-            <a:extLst>
-              <a:ext uri="{28A0092B-C50C-407E-A947-70E740481C1C}">
-                <a14:useLocalDpi xmlns:a14="http://schemas.microsoft.com/office/drawing/2010/main" val="0"/>
-              </a:ext>
-            </a:extLst>
-          </a:blip>
-          <a:stretch>
-            <a:fillRect/>
-          </a:stretch>
-        </p:blipFill>
-        <p:spPr>
-          <a:xfrm>
-            <a:off x="6329667" y="676275"/>
-            <a:ext cx="5505450" cy="5505450"/>
-          </a:xfrm>
-          <a:prstGeom prst="rect">
-            <a:avLst/>
-          </a:prstGeom>
-        </p:spPr>
-      </p:pic>
       <p:sp>
         <p:nvSpPr>
           <p:cNvPr id="7" name="Rettangolo 6">
@@ -3409,8 +3372,8 @@
         </p:nvSpPr>
         <p:spPr>
           <a:xfrm>
-            <a:off x="337930" y="0"/>
-            <a:ext cx="5036710" cy="6857999"/>
+            <a:off x="337929" y="0"/>
+            <a:ext cx="11039573" cy="6857999"/>
           </a:xfrm>
           <a:prstGeom prst="rect">
             <a:avLst/>
@@ -3444,115 +3407,126 @@
           </a:p>
         </p:txBody>
       </p:sp>
-      <p:sp>
-        <p:nvSpPr>
-          <p:cNvPr id="6" name="CasellaDiTesto 5">
-            <a:extLst>
-              <a:ext uri="{FF2B5EF4-FFF2-40B4-BE49-F238E27FC236}">
-                <a16:creationId xmlns:a16="http://schemas.microsoft.com/office/drawing/2014/main" id="{04C7CC75-601F-48BE-A75E-6DD050EC05AA}"/>
-              </a:ext>
-            </a:extLst>
-          </p:cNvPr>
-          <p:cNvSpPr txBox="1"/>
-          <p:nvPr/>
-        </p:nvSpPr>
-        <p:spPr>
-          <a:xfrm>
-            <a:off x="337930" y="538480"/>
-            <a:ext cx="5036710" cy="923330"/>
+      <p:cxnSp>
+        <p:nvCxnSpPr>
+          <p:cNvPr id="3" name="Connettore diritto 2">
+            <a:extLst>
+              <a:ext uri="{FF2B5EF4-FFF2-40B4-BE49-F238E27FC236}">
+                <a16:creationId xmlns:a16="http://schemas.microsoft.com/office/drawing/2014/main" id="{9B6AC62C-4013-457B-8966-4FC13340B42C}"/>
+              </a:ext>
+            </a:extLst>
+          </p:cNvPr>
+          <p:cNvCxnSpPr/>
+          <p:nvPr/>
+        </p:nvCxnSpPr>
+        <p:spPr>
+          <a:xfrm>
+            <a:off x="11377507" y="-1"/>
+            <a:ext cx="0" cy="6857999"/>
+          </a:xfrm>
+          <a:prstGeom prst="line">
+            <a:avLst/>
+          </a:prstGeom>
+          <a:ln w="19050">
+            <a:solidFill>
+              <a:srgbClr val="FF8800"/>
+            </a:solidFill>
+          </a:ln>
+        </p:spPr>
+        <p:style>
+          <a:lnRef idx="1">
+            <a:schemeClr val="accent1"/>
+          </a:lnRef>
+          <a:fillRef idx="0">
+            <a:schemeClr val="accent1"/>
+          </a:fillRef>
+          <a:effectRef idx="0">
+            <a:schemeClr val="accent1"/>
+          </a:effectRef>
+          <a:fontRef idx="minor">
+            <a:schemeClr val="tx1"/>
+          </a:fontRef>
+        </p:style>
+      </p:cxnSp>
+      <p:cxnSp>
+        <p:nvCxnSpPr>
+          <p:cNvPr id="9" name="Connettore diritto 8">
+            <a:extLst>
+              <a:ext uri="{FF2B5EF4-FFF2-40B4-BE49-F238E27FC236}">
+                <a16:creationId xmlns:a16="http://schemas.microsoft.com/office/drawing/2014/main" id="{7D4D5F44-FA64-4EEF-A3A7-1620CCB961D8}"/>
+              </a:ext>
+            </a:extLst>
+          </p:cNvPr>
+          <p:cNvCxnSpPr>
+            <a:cxnSpLocks/>
+          </p:cNvCxnSpPr>
+          <p:nvPr/>
+        </p:nvCxnSpPr>
+        <p:spPr>
+          <a:xfrm>
+            <a:off x="337930" y="0"/>
+            <a:ext cx="0" cy="6858000"/>
+          </a:xfrm>
+          <a:prstGeom prst="line">
+            <a:avLst/>
+          </a:prstGeom>
+          <a:ln w="19050">
+            <a:solidFill>
+              <a:srgbClr val="FF8800"/>
+            </a:solidFill>
+          </a:ln>
+        </p:spPr>
+        <p:style>
+          <a:lnRef idx="1">
+            <a:schemeClr val="accent1"/>
+          </a:lnRef>
+          <a:fillRef idx="0">
+            <a:schemeClr val="accent1"/>
+          </a:fillRef>
+          <a:effectRef idx="0">
+            <a:schemeClr val="accent1"/>
+          </a:effectRef>
+          <a:fontRef idx="minor">
+            <a:schemeClr val="tx1"/>
+          </a:fontRef>
+        </p:style>
+      </p:cxnSp>
+      <p:pic>
+        <p:nvPicPr>
+          <p:cNvPr id="5" name="Immagine 4">
+            <a:extLst>
+              <a:ext uri="{FF2B5EF4-FFF2-40B4-BE49-F238E27FC236}">
+                <a16:creationId xmlns:a16="http://schemas.microsoft.com/office/drawing/2014/main" id="{69D3B067-F1BB-4E98-8503-03C23F3054D3}"/>
+              </a:ext>
+            </a:extLst>
+          </p:cNvPr>
+          <p:cNvPicPr>
+            <a:picLocks noChangeAspect="1"/>
+          </p:cNvPicPr>
+          <p:nvPr/>
+        </p:nvPicPr>
+        <p:blipFill>
+          <a:blip r:embed="rId2">
+            <a:extLst>
+              <a:ext uri="{28A0092B-C50C-407E-A947-70E740481C1C}">
+                <a14:useLocalDpi xmlns:a14="http://schemas.microsoft.com/office/drawing/2010/main" val="0"/>
+              </a:ext>
+            </a:extLst>
+          </a:blip>
+          <a:stretch>
+            <a:fillRect/>
+          </a:stretch>
+        </p:blipFill>
+        <p:spPr>
+          <a:xfrm>
+            <a:off x="3343275" y="676274"/>
+            <a:ext cx="5505450" cy="5505450"/>
           </a:xfrm>
           <a:prstGeom prst="rect">
             <a:avLst/>
           </a:prstGeom>
-          <a:noFill/>
-        </p:spPr>
-        <p:txBody>
-          <a:bodyPr wrap="square" rtlCol="0">
-            <a:spAutoFit/>
-          </a:bodyPr>
-          <a:lstStyle/>
-          <a:p>
-            <a:pPr algn="ctr"/>
-            <a:r>
-              <a:rPr lang="it-IT" sz="5400" dirty="0">
-                <a:solidFill>
-                  <a:srgbClr val="FF8800"/>
-                </a:solidFill>
-                <a:latin typeface="Bangers" panose="00000500000000000000" pitchFamily="2" charset="0"/>
-              </a:rPr>
-              <a:t>Pony </a:t>
-            </a:r>
-            <a:r>
-              <a:rPr lang="it-IT" sz="5400" dirty="0" err="1">
-                <a:solidFill>
-                  <a:srgbClr val="FF8800"/>
-                </a:solidFill>
-                <a:latin typeface="Bangers" panose="00000500000000000000" pitchFamily="2" charset="0"/>
-              </a:rPr>
-              <a:t>Helper</a:t>
-            </a:r>
-            <a:endParaRPr lang="it-IT" sz="5400" dirty="0">
-              <a:solidFill>
-                <a:srgbClr val="FF8800"/>
-              </a:solidFill>
-              <a:latin typeface="Bangers" panose="00000500000000000000" pitchFamily="2" charset="0"/>
-            </a:endParaRPr>
-          </a:p>
-        </p:txBody>
-      </p:sp>
-      <p:sp>
-        <p:nvSpPr>
-          <p:cNvPr id="8" name="CasellaDiTesto 7">
-            <a:extLst>
-              <a:ext uri="{FF2B5EF4-FFF2-40B4-BE49-F238E27FC236}">
-                <a16:creationId xmlns:a16="http://schemas.microsoft.com/office/drawing/2014/main" id="{9BF1D5E2-4C5C-4093-A5BF-62604CE30D3D}"/>
-              </a:ext>
-            </a:extLst>
-          </p:cNvPr>
-          <p:cNvSpPr txBox="1"/>
-          <p:nvPr/>
-        </p:nvSpPr>
-        <p:spPr>
-          <a:xfrm>
-            <a:off x="337930" y="1991360"/>
-            <a:ext cx="5036710" cy="646331"/>
-          </a:xfrm>
-          <a:prstGeom prst="rect">
-            <a:avLst/>
-          </a:prstGeom>
-          <a:noFill/>
-          <a:ln>
-            <a:noFill/>
-          </a:ln>
-        </p:spPr>
-        <p:txBody>
-          <a:bodyPr wrap="square" rtlCol="0">
-            <a:spAutoFit/>
-          </a:bodyPr>
-          <a:lstStyle/>
-          <a:p>
-            <a:pPr algn="ctr"/>
-            <a:r>
-              <a:rPr lang="it-IT" dirty="0">
-                <a:solidFill>
-                  <a:srgbClr val="DBDEDB"/>
-                </a:solidFill>
-                <a:latin typeface="Bangers" panose="00000500000000000000" pitchFamily="2" charset="0"/>
-              </a:rPr>
-              <a:t>Sei un fattorino? </a:t>
-            </a:r>
-          </a:p>
-          <a:p>
-            <a:pPr algn="ctr"/>
-            <a:endParaRPr lang="it-IT" dirty="0">
-              <a:solidFill>
-                <a:srgbClr val="DBDEDB"/>
-              </a:solidFill>
-              <a:latin typeface="Bangers" panose="00000500000000000000" pitchFamily="2" charset="0"/>
-            </a:endParaRPr>
-          </a:p>
-        </p:txBody>
-      </p:sp>
+        </p:spPr>
+      </p:pic>
     </p:spTree>
     <p:extLst>
       <p:ext uri="{BB962C8B-B14F-4D97-AF65-F5344CB8AC3E}">
@@ -3976,10 +3950,10 @@
       </p:sp>
       <p:pic>
         <p:nvPicPr>
-          <p:cNvPr id="3" name="Immagine 2">
-            <a:extLst>
-              <a:ext uri="{FF2B5EF4-FFF2-40B4-BE49-F238E27FC236}">
-                <a16:creationId xmlns:a16="http://schemas.microsoft.com/office/drawing/2014/main" id="{CDFB10E9-ECF0-4486-AD7D-FBEF0C2A1206}"/>
+          <p:cNvPr id="6" name="Immagine 5">
+            <a:extLst>
+              <a:ext uri="{FF2B5EF4-FFF2-40B4-BE49-F238E27FC236}">
+                <a16:creationId xmlns:a16="http://schemas.microsoft.com/office/drawing/2014/main" id="{19FF3341-2E80-47F2-91AB-5750AE8918D8}"/>
               </a:ext>
             </a:extLst>
           </p:cNvPr>
@@ -3996,19 +3970,99 @@
               </a:ext>
             </a:extLst>
           </a:blip>
-          <a:srcRect t="26160" r="18992" b="14194"/>
+          <a:srcRect t="25663" r="18992" b="14691"/>
           <a:stretch/>
         </p:blipFill>
         <p:spPr>
           <a:xfrm>
-            <a:off x="335940" y="2767487"/>
-            <a:ext cx="2500009" cy="4090513"/>
+            <a:off x="337929" y="2767487"/>
+            <a:ext cx="2500009" cy="4090514"/>
           </a:xfrm>
           <a:prstGeom prst="rect">
             <a:avLst/>
           </a:prstGeom>
         </p:spPr>
       </p:pic>
+      <p:sp>
+        <p:nvSpPr>
+          <p:cNvPr id="11" name="Titolo 5">
+            <a:extLst>
+              <a:ext uri="{FF2B5EF4-FFF2-40B4-BE49-F238E27FC236}">
+                <a16:creationId xmlns:a16="http://schemas.microsoft.com/office/drawing/2014/main" id="{F0C40106-8671-4CD5-A5E4-249428F4C1A9}"/>
+              </a:ext>
+            </a:extLst>
+          </p:cNvPr>
+          <p:cNvSpPr txBox="1">
+            <a:spLocks/>
+          </p:cNvSpPr>
+          <p:nvPr/>
+        </p:nvSpPr>
+        <p:spPr>
+          <a:xfrm>
+            <a:off x="3058440" y="133739"/>
+            <a:ext cx="8595360" cy="998289"/>
+          </a:xfrm>
+          <a:prstGeom prst="rect">
+            <a:avLst/>
+          </a:prstGeom>
+        </p:spPr>
+        <p:txBody>
+          <a:bodyPr vert="horz" lIns="91440" tIns="45720" rIns="91440" bIns="45720" rtlCol="0" anchor="ctr">
+            <a:normAutofit/>
+          </a:bodyPr>
+          <a:lstStyle>
+            <a:lvl1pPr algn="l" defTabSz="914400" rtl="0" eaLnBrk="1" latinLnBrk="0" hangingPunct="1">
+              <a:lnSpc>
+                <a:spcPct val="90000"/>
+              </a:lnSpc>
+              <a:spcBef>
+                <a:spcPct val="0"/>
+              </a:spcBef>
+              <a:buNone/>
+              <a:defRPr sz="4400" kern="1200">
+                <a:solidFill>
+                  <a:schemeClr val="tx1"/>
+                </a:solidFill>
+                <a:latin typeface="+mj-lt"/>
+                <a:ea typeface="+mj-ea"/>
+                <a:cs typeface="+mj-cs"/>
+              </a:defRPr>
+            </a:lvl1pPr>
+          </a:lstStyle>
+          <a:p>
+            <a:pPr algn="ctr"/>
+            <a:r>
+              <a:rPr lang="it-IT" sz="4800" spc="100" dirty="0">
+                <a:solidFill>
+                  <a:srgbClr val="FF8800"/>
+                </a:solidFill>
+                <a:effectLst>
+                  <a:outerShdw blurRad="38100" dist="38100" dir="2700000" algn="tl">
+                    <a:srgbClr val="000000">
+                      <a:alpha val="43137"/>
+                    </a:srgbClr>
+                  </a:outerShdw>
+                </a:effectLst>
+                <a:latin typeface="Bangers" panose="00000500000000000000" pitchFamily="2" charset="0"/>
+              </a:rPr>
+              <a:t>TURNI</a:t>
+            </a:r>
+            <a:endParaRPr lang="it-IT" spc="100" dirty="0">
+              <a:solidFill>
+                <a:srgbClr val="FF8800"/>
+              </a:solidFill>
+              <a:effectLst>
+                <a:outerShdw blurRad="38100" dist="38100" dir="2700000" algn="tl">
+                  <a:srgbClr val="000000">
+                    <a:alpha val="43137"/>
+                  </a:srgbClr>
+                </a:outerShdw>
+              </a:effectLst>
+              <a:latin typeface="Bangers" panose="00000500000000000000" pitchFamily="2" charset="0"/>
+            </a:endParaRPr>
+          </a:p>
+        </p:txBody>
+      </p:sp>
     </p:spTree>
     <p:extLst>
       <p:ext uri="{BB962C8B-B14F-4D97-AF65-F5344CB8AC3E}">
@@ -4432,10 +4486,10 @@
       </p:sp>
       <p:pic>
         <p:nvPicPr>
-          <p:cNvPr id="3" name="Immagine 2">
-            <a:extLst>
-              <a:ext uri="{FF2B5EF4-FFF2-40B4-BE49-F238E27FC236}">
-                <a16:creationId xmlns:a16="http://schemas.microsoft.com/office/drawing/2014/main" id="{20B20122-A28B-46A4-9BD5-B4012135A349}"/>
+          <p:cNvPr id="9" name="Immagine 8">
+            <a:extLst>
+              <a:ext uri="{FF2B5EF4-FFF2-40B4-BE49-F238E27FC236}">
+                <a16:creationId xmlns:a16="http://schemas.microsoft.com/office/drawing/2014/main" id="{04B5B1F7-3C42-40B9-9F87-81320C325BE0}"/>
               </a:ext>
             </a:extLst>
           </p:cNvPr>
@@ -4452,19 +4506,99 @@
               </a:ext>
             </a:extLst>
           </a:blip>
-          <a:srcRect t="26177" r="18992" b="14177"/>
+          <a:srcRect t="25786" r="18992" b="14568"/>
           <a:stretch/>
         </p:blipFill>
         <p:spPr>
           <a:xfrm>
             <a:off x="335940" y="2767487"/>
-            <a:ext cx="2500009" cy="4090512"/>
+            <a:ext cx="2500009" cy="4090514"/>
           </a:xfrm>
           <a:prstGeom prst="rect">
             <a:avLst/>
           </a:prstGeom>
         </p:spPr>
       </p:pic>
+      <p:sp>
+        <p:nvSpPr>
+          <p:cNvPr id="11" name="Titolo 5">
+            <a:extLst>
+              <a:ext uri="{FF2B5EF4-FFF2-40B4-BE49-F238E27FC236}">
+                <a16:creationId xmlns:a16="http://schemas.microsoft.com/office/drawing/2014/main" id="{6417CF9E-050A-4EF9-9468-BBA56ED8B816}"/>
+              </a:ext>
+            </a:extLst>
+          </p:cNvPr>
+          <p:cNvSpPr txBox="1">
+            <a:spLocks/>
+          </p:cNvSpPr>
+          <p:nvPr/>
+        </p:nvSpPr>
+        <p:spPr>
+          <a:xfrm>
+            <a:off x="3058440" y="133739"/>
+            <a:ext cx="8595360" cy="998289"/>
+          </a:xfrm>
+          <a:prstGeom prst="rect">
+            <a:avLst/>
+          </a:prstGeom>
+        </p:spPr>
+        <p:txBody>
+          <a:bodyPr vert="horz" lIns="91440" tIns="45720" rIns="91440" bIns="45720" rtlCol="0" anchor="ctr">
+            <a:normAutofit/>
+          </a:bodyPr>
+          <a:lstStyle>
+            <a:lvl1pPr algn="l" defTabSz="914400" rtl="0" eaLnBrk="1" latinLnBrk="0" hangingPunct="1">
+              <a:lnSpc>
+                <a:spcPct val="90000"/>
+              </a:lnSpc>
+              <a:spcBef>
+                <a:spcPct val="0"/>
+              </a:spcBef>
+              <a:buNone/>
+              <a:defRPr sz="4400" kern="1200">
+                <a:solidFill>
+                  <a:schemeClr val="tx1"/>
+                </a:solidFill>
+                <a:latin typeface="+mj-lt"/>
+                <a:ea typeface="+mj-ea"/>
+                <a:cs typeface="+mj-cs"/>
+              </a:defRPr>
+            </a:lvl1pPr>
+          </a:lstStyle>
+          <a:p>
+            <a:pPr algn="ctr"/>
+            <a:r>
+              <a:rPr lang="it-IT" sz="4800" spc="100" dirty="0">
+                <a:solidFill>
+                  <a:srgbClr val="FF8800"/>
+                </a:solidFill>
+                <a:effectLst>
+                  <a:outerShdw blurRad="38100" dist="38100" dir="2700000" algn="tl">
+                    <a:srgbClr val="000000">
+                      <a:alpha val="43137"/>
+                    </a:srgbClr>
+                  </a:outerShdw>
+                </a:effectLst>
+                <a:latin typeface="Bangers" panose="00000500000000000000" pitchFamily="2" charset="0"/>
+              </a:rPr>
+              <a:t>ENTRATE</a:t>
+            </a:r>
+            <a:endParaRPr lang="it-IT" spc="100" dirty="0">
+              <a:solidFill>
+                <a:srgbClr val="FF8800"/>
+              </a:solidFill>
+              <a:effectLst>
+                <a:outerShdw blurRad="38100" dist="38100" dir="2700000" algn="tl">
+                  <a:srgbClr val="000000">
+                    <a:alpha val="43137"/>
+                  </a:srgbClr>
+                </a:outerShdw>
+              </a:effectLst>
+              <a:latin typeface="Bangers" panose="00000500000000000000" pitchFamily="2" charset="0"/>
+            </a:endParaRPr>
+          </a:p>
+        </p:txBody>
+      </p:sp>
     </p:spTree>
     <p:extLst>
       <p:ext uri="{BB962C8B-B14F-4D97-AF65-F5344CB8AC3E}">
@@ -4888,10 +5022,10 @@
       </p:sp>
       <p:pic>
         <p:nvPicPr>
-          <p:cNvPr id="3" name="Immagine 2">
-            <a:extLst>
-              <a:ext uri="{FF2B5EF4-FFF2-40B4-BE49-F238E27FC236}">
-                <a16:creationId xmlns:a16="http://schemas.microsoft.com/office/drawing/2014/main" id="{5BBF839F-B2AA-43B0-B2EF-8E3859BD3B17}"/>
+          <p:cNvPr id="6" name="Immagine 5">
+            <a:extLst>
+              <a:ext uri="{FF2B5EF4-FFF2-40B4-BE49-F238E27FC236}">
+                <a16:creationId xmlns:a16="http://schemas.microsoft.com/office/drawing/2014/main" id="{9DC7940E-EA2E-4DE6-866F-B5A71C09B932}"/>
               </a:ext>
             </a:extLst>
           </p:cNvPr>
@@ -4908,7 +5042,7 @@
               </a:ext>
             </a:extLst>
           </a:blip>
-          <a:srcRect l="64" t="26009" r="18928" b="14346"/>
+          <a:srcRect t="25540" r="18992" b="14814"/>
           <a:stretch/>
         </p:blipFill>
         <p:spPr>
@@ -4921,6 +5055,86 @@
           </a:prstGeom>
         </p:spPr>
       </p:pic>
+      <p:sp>
+        <p:nvSpPr>
+          <p:cNvPr id="11" name="Titolo 5">
+            <a:extLst>
+              <a:ext uri="{FF2B5EF4-FFF2-40B4-BE49-F238E27FC236}">
+                <a16:creationId xmlns:a16="http://schemas.microsoft.com/office/drawing/2014/main" id="{DBDFA6AE-1844-4218-AFF1-E7C26731A10B}"/>
+              </a:ext>
+            </a:extLst>
+          </p:cNvPr>
+          <p:cNvSpPr txBox="1">
+            <a:spLocks/>
+          </p:cNvSpPr>
+          <p:nvPr/>
+        </p:nvSpPr>
+        <p:spPr>
+          <a:xfrm>
+            <a:off x="3058440" y="133739"/>
+            <a:ext cx="8595360" cy="998289"/>
+          </a:xfrm>
+          <a:prstGeom prst="rect">
+            <a:avLst/>
+          </a:prstGeom>
+        </p:spPr>
+        <p:txBody>
+          <a:bodyPr vert="horz" lIns="91440" tIns="45720" rIns="91440" bIns="45720" rtlCol="0" anchor="ctr">
+            <a:normAutofit/>
+          </a:bodyPr>
+          <a:lstStyle>
+            <a:lvl1pPr algn="l" defTabSz="914400" rtl="0" eaLnBrk="1" latinLnBrk="0" hangingPunct="1">
+              <a:lnSpc>
+                <a:spcPct val="90000"/>
+              </a:lnSpc>
+              <a:spcBef>
+                <a:spcPct val="0"/>
+              </a:spcBef>
+              <a:buNone/>
+              <a:defRPr sz="4400" kern="1200">
+                <a:solidFill>
+                  <a:schemeClr val="tx1"/>
+                </a:solidFill>
+                <a:latin typeface="+mj-lt"/>
+                <a:ea typeface="+mj-ea"/>
+                <a:cs typeface="+mj-cs"/>
+              </a:defRPr>
+            </a:lvl1pPr>
+          </a:lstStyle>
+          <a:p>
+            <a:pPr algn="ctr"/>
+            <a:r>
+              <a:rPr lang="it-IT" sz="4800" spc="100" dirty="0">
+                <a:solidFill>
+                  <a:srgbClr val="FF8800"/>
+                </a:solidFill>
+                <a:effectLst>
+                  <a:outerShdw blurRad="38100" dist="38100" dir="2700000" algn="tl">
+                    <a:srgbClr val="000000">
+                      <a:alpha val="43137"/>
+                    </a:srgbClr>
+                  </a:outerShdw>
+                </a:effectLst>
+                <a:latin typeface="Bangers" panose="00000500000000000000" pitchFamily="2" charset="0"/>
+              </a:rPr>
+              <a:t>PROFILO</a:t>
+            </a:r>
+            <a:endParaRPr lang="it-IT" spc="100" dirty="0">
+              <a:solidFill>
+                <a:srgbClr val="FF8800"/>
+              </a:solidFill>
+              <a:effectLst>
+                <a:outerShdw blurRad="38100" dist="38100" dir="2700000" algn="tl">
+                  <a:srgbClr val="000000">
+                    <a:alpha val="43137"/>
+                  </a:srgbClr>
+                </a:outerShdw>
+              </a:effectLst>
+              <a:latin typeface="Bangers" panose="00000500000000000000" pitchFamily="2" charset="0"/>
+            </a:endParaRPr>
+          </a:p>
+        </p:txBody>
+      </p:sp>
     </p:spTree>
     <p:extLst>
       <p:ext uri="{BB962C8B-B14F-4D97-AF65-F5344CB8AC3E}">
@@ -5344,10 +5558,10 @@
       </p:sp>
       <p:pic>
         <p:nvPicPr>
-          <p:cNvPr id="3" name="Immagine 2">
-            <a:extLst>
-              <a:ext uri="{FF2B5EF4-FFF2-40B4-BE49-F238E27FC236}">
-                <a16:creationId xmlns:a16="http://schemas.microsoft.com/office/drawing/2014/main" id="{DF519991-C7D4-48D3-8642-ADC01B3A217D}"/>
+          <p:cNvPr id="6" name="Immagine 5">
+            <a:extLst>
+              <a:ext uri="{FF2B5EF4-FFF2-40B4-BE49-F238E27FC236}">
+                <a16:creationId xmlns:a16="http://schemas.microsoft.com/office/drawing/2014/main" id="{40895E13-8B49-47DC-929B-333453BB8A2B}"/>
               </a:ext>
             </a:extLst>
           </p:cNvPr>
@@ -5364,12 +5578,12 @@
               </a:ext>
             </a:extLst>
           </a:blip>
-          <a:srcRect t="26008" r="18992" b="14346"/>
+          <a:srcRect t="25786" r="18992" b="14568"/>
           <a:stretch/>
         </p:blipFill>
         <p:spPr>
           <a:xfrm>
-            <a:off x="335940" y="2767487"/>
+            <a:off x="335940" y="2767486"/>
             <a:ext cx="2500009" cy="4090513"/>
           </a:xfrm>
           <a:prstGeom prst="rect">
@@ -5377,6 +5591,86 @@
           </a:prstGeom>
         </p:spPr>
       </p:pic>
+      <p:sp>
+        <p:nvSpPr>
+          <p:cNvPr id="11" name="Titolo 5">
+            <a:extLst>
+              <a:ext uri="{FF2B5EF4-FFF2-40B4-BE49-F238E27FC236}">
+                <a16:creationId xmlns:a16="http://schemas.microsoft.com/office/drawing/2014/main" id="{42CA24E9-F88C-471E-815E-2359E4965D67}"/>
+              </a:ext>
+            </a:extLst>
+          </p:cNvPr>
+          <p:cNvSpPr txBox="1">
+            <a:spLocks/>
+          </p:cNvSpPr>
+          <p:nvPr/>
+        </p:nvSpPr>
+        <p:spPr>
+          <a:xfrm>
+            <a:off x="3058440" y="133739"/>
+            <a:ext cx="8595360" cy="998289"/>
+          </a:xfrm>
+          <a:prstGeom prst="rect">
+            <a:avLst/>
+          </a:prstGeom>
+        </p:spPr>
+        <p:txBody>
+          <a:bodyPr vert="horz" lIns="91440" tIns="45720" rIns="91440" bIns="45720" rtlCol="0" anchor="ctr">
+            <a:normAutofit/>
+          </a:bodyPr>
+          <a:lstStyle>
+            <a:lvl1pPr algn="l" defTabSz="914400" rtl="0" eaLnBrk="1" latinLnBrk="0" hangingPunct="1">
+              <a:lnSpc>
+                <a:spcPct val="90000"/>
+              </a:lnSpc>
+              <a:spcBef>
+                <a:spcPct val="0"/>
+              </a:spcBef>
+              <a:buNone/>
+              <a:defRPr sz="4400" kern="1200">
+                <a:solidFill>
+                  <a:schemeClr val="tx1"/>
+                </a:solidFill>
+                <a:latin typeface="+mj-lt"/>
+                <a:ea typeface="+mj-ea"/>
+                <a:cs typeface="+mj-cs"/>
+              </a:defRPr>
+            </a:lvl1pPr>
+          </a:lstStyle>
+          <a:p>
+            <a:pPr algn="ctr"/>
+            <a:r>
+              <a:rPr lang="it-IT" sz="4800" spc="100" dirty="0">
+                <a:solidFill>
+                  <a:srgbClr val="FF8800"/>
+                </a:solidFill>
+                <a:effectLst>
+                  <a:outerShdw blurRad="38100" dist="38100" dir="2700000" algn="tl">
+                    <a:srgbClr val="000000">
+                      <a:alpha val="43137"/>
+                    </a:srgbClr>
+                  </a:outerShdw>
+                </a:effectLst>
+                <a:latin typeface="Bangers" panose="00000500000000000000" pitchFamily="2" charset="0"/>
+              </a:rPr>
+              <a:t>INFO</a:t>
+            </a:r>
+            <a:endParaRPr lang="it-IT" spc="100" dirty="0">
+              <a:solidFill>
+                <a:srgbClr val="FF8800"/>
+              </a:solidFill>
+              <a:effectLst>
+                <a:outerShdw blurRad="38100" dist="38100" dir="2700000" algn="tl">
+                  <a:srgbClr val="000000">
+                    <a:alpha val="43137"/>
+                  </a:srgbClr>
+                </a:outerShdw>
+              </a:effectLst>
+              <a:latin typeface="Bangers" panose="00000500000000000000" pitchFamily="2" charset="0"/>
+            </a:endParaRPr>
+          </a:p>
+        </p:txBody>
+      </p:sp>
     </p:spTree>
     <p:extLst>
       <p:ext uri="{BB962C8B-B14F-4D97-AF65-F5344CB8AC3E}">
@@ -5800,10 +6094,10 @@
       </p:sp>
       <p:pic>
         <p:nvPicPr>
-          <p:cNvPr id="3" name="Immagine 2">
-            <a:extLst>
-              <a:ext uri="{FF2B5EF4-FFF2-40B4-BE49-F238E27FC236}">
-                <a16:creationId xmlns:a16="http://schemas.microsoft.com/office/drawing/2014/main" id="{FA0D7440-C11D-4FD4-BABE-51ECD3B80232}"/>
+          <p:cNvPr id="6" name="Immagine 5">
+            <a:extLst>
+              <a:ext uri="{FF2B5EF4-FFF2-40B4-BE49-F238E27FC236}">
+                <a16:creationId xmlns:a16="http://schemas.microsoft.com/office/drawing/2014/main" id="{5D460A9B-D7DD-42AA-87EE-4A6E8926D1F4}"/>
               </a:ext>
             </a:extLst>
           </p:cNvPr>
@@ -5820,7 +6114,7 @@
               </a:ext>
             </a:extLst>
           </a:blip>
-          <a:srcRect t="25840" r="18992" b="14514"/>
+          <a:srcRect t="25663" r="18992" b="14692"/>
           <a:stretch/>
         </p:blipFill>
         <p:spPr>
@@ -5833,6 +6127,138 @@
           </a:prstGeom>
         </p:spPr>
       </p:pic>
+      <p:sp>
+        <p:nvSpPr>
+          <p:cNvPr id="11" name="Titolo 5">
+            <a:extLst>
+              <a:ext uri="{FF2B5EF4-FFF2-40B4-BE49-F238E27FC236}">
+                <a16:creationId xmlns:a16="http://schemas.microsoft.com/office/drawing/2014/main" id="{464B85A4-BEE8-47C1-9367-927F9BFE25B2}"/>
+              </a:ext>
+            </a:extLst>
+          </p:cNvPr>
+          <p:cNvSpPr txBox="1">
+            <a:spLocks/>
+          </p:cNvSpPr>
+          <p:nvPr/>
+        </p:nvSpPr>
+        <p:spPr>
+          <a:xfrm>
+            <a:off x="3058440" y="133739"/>
+            <a:ext cx="8595360" cy="998289"/>
+          </a:xfrm>
+          <a:prstGeom prst="rect">
+            <a:avLst/>
+          </a:prstGeom>
+        </p:spPr>
+        <p:txBody>
+          <a:bodyPr vert="horz" lIns="91440" tIns="45720" rIns="91440" bIns="45720" rtlCol="0" anchor="ctr">
+            <a:normAutofit/>
+          </a:bodyPr>
+          <a:lstStyle>
+            <a:lvl1pPr algn="l" defTabSz="914400" rtl="0" eaLnBrk="1" latinLnBrk="0" hangingPunct="1">
+              <a:lnSpc>
+                <a:spcPct val="90000"/>
+              </a:lnSpc>
+              <a:spcBef>
+                <a:spcPct val="0"/>
+              </a:spcBef>
+              <a:buNone/>
+              <a:defRPr sz="4400" kern="1200">
+                <a:solidFill>
+                  <a:schemeClr val="tx1"/>
+                </a:solidFill>
+                <a:latin typeface="+mj-lt"/>
+                <a:ea typeface="+mj-ea"/>
+                <a:cs typeface="+mj-cs"/>
+              </a:defRPr>
+            </a:lvl1pPr>
+          </a:lstStyle>
+          <a:p>
+            <a:pPr algn="ctr"/>
+            <a:r>
+              <a:rPr lang="it-IT" sz="4800" spc="100" dirty="0">
+                <a:solidFill>
+                  <a:srgbClr val="FF8800"/>
+                </a:solidFill>
+                <a:effectLst>
+                  <a:outerShdw blurRad="38100" dist="38100" dir="2700000" algn="tl">
+                    <a:srgbClr val="000000">
+                      <a:alpha val="43137"/>
+                    </a:srgbClr>
+                  </a:outerShdw>
+                </a:effectLst>
+                <a:latin typeface="Bangers" panose="00000500000000000000" pitchFamily="2" charset="0"/>
+              </a:rPr>
+              <a:t>CONTATTA SUPPORTO</a:t>
+            </a:r>
+          </a:p>
+        </p:txBody>
+      </p:sp>
+      <p:pic>
+        <p:nvPicPr>
+          <p:cNvPr id="15" name="Immagine 14">
+            <a:extLst>
+              <a:ext uri="{FF2B5EF4-FFF2-40B4-BE49-F238E27FC236}">
+                <a16:creationId xmlns:a16="http://schemas.microsoft.com/office/drawing/2014/main" id="{B2DB17BF-0265-4B66-940E-5CD573D51508}"/>
+              </a:ext>
+            </a:extLst>
+          </p:cNvPr>
+          <p:cNvPicPr>
+            <a:picLocks noChangeAspect="1"/>
+          </p:cNvPicPr>
+          <p:nvPr/>
+        </p:nvPicPr>
+        <p:blipFill>
+          <a:blip r:embed="rId5"/>
+          <a:stretch>
+            <a:fillRect/>
+          </a:stretch>
+        </p:blipFill>
+        <p:spPr>
+          <a:xfrm>
+            <a:off x="8880475" y="2312988"/>
+            <a:ext cx="2109258" cy="3386604"/>
+          </a:xfrm>
+          <a:prstGeom prst="rect">
+            <a:avLst/>
+          </a:prstGeom>
+        </p:spPr>
+      </p:pic>
+      <p:sp>
+        <p:nvSpPr>
+          <p:cNvPr id="16" name="CasellaDiTesto 15">
+            <a:extLst>
+              <a:ext uri="{FF2B5EF4-FFF2-40B4-BE49-F238E27FC236}">
+                <a16:creationId xmlns:a16="http://schemas.microsoft.com/office/drawing/2014/main" id="{15011856-80FE-4985-8D07-C69E21356541}"/>
+              </a:ext>
+            </a:extLst>
+          </p:cNvPr>
+          <p:cNvSpPr txBox="1"/>
+          <p:nvPr/>
+        </p:nvSpPr>
+        <p:spPr>
+          <a:xfrm>
+            <a:off x="3522133" y="1972733"/>
+            <a:ext cx="4207934" cy="923330"/>
+          </a:xfrm>
+          <a:prstGeom prst="rect">
+            <a:avLst/>
+          </a:prstGeom>
+          <a:noFill/>
+        </p:spPr>
+        <p:txBody>
+          <a:bodyPr wrap="square" rtlCol="0">
+            <a:spAutoFit/>
+          </a:bodyPr>
+          <a:lstStyle/>
+          <a:p>
+            <a:r>
+              <a:rPr lang="it-IT" dirty="0"/>
+              <a:t>Permette di aprire un’applicazione di posta elettronica a scelta installata sul proprio dispositivo e contattare il supporto.</a:t>
+            </a:r>
+          </a:p>
+        </p:txBody>
+      </p:sp>
     </p:spTree>
     <p:extLst>
       <p:ext uri="{BB962C8B-B14F-4D97-AF65-F5344CB8AC3E}">
@@ -5846,7 +6272,7 @@
 </p:sld>
 </file>
 
-<file path=ppt/slides/slide15.xml><?xml version="1.0" encoding="utf-8"?>
+<file path=ppt/slides/slide2.xml><?xml version="1.0" encoding="utf-8"?>
 <p:sld xmlns:a="http://schemas.openxmlformats.org/drawingml/2006/main" xmlns:r="http://schemas.openxmlformats.org/officeDocument/2006/relationships" xmlns:p="http://schemas.openxmlformats.org/presentationml/2006/main">
   <p:cSld>
     <p:bg>
@@ -5945,13 +6371,13 @@
               </a:ext>
             </a:extLst>
           </a:blip>
-          <a:srcRect r="8050"/>
+          <a:srcRect t="1" r="62894" b="1"/>
           <a:stretch/>
         </p:blipFill>
         <p:spPr>
           <a:xfrm>
             <a:off x="337929" y="0"/>
-            <a:ext cx="2500010" cy="2767515"/>
+            <a:ext cx="2500010" cy="6858000"/>
           </a:xfrm>
           <a:prstGeom prst="rect">
             <a:avLst/>
@@ -5977,8 +6403,8 @@
         </p:nvSpPr>
         <p:spPr>
           <a:xfrm>
-            <a:off x="337929" y="-14"/>
-            <a:ext cx="2502000" cy="2772000"/>
+            <a:off x="325959" y="-4500"/>
+            <a:ext cx="2511980" cy="6862500"/>
           </a:xfrm>
           <a:prstGeom prst="rect">
             <a:avLst/>
@@ -6017,47 +6443,6 @@
           </a:p>
         </p:txBody>
       </p:sp>
-      <p:cxnSp>
-        <p:nvCxnSpPr>
-          <p:cNvPr id="7" name="Connettore diritto 6">
-            <a:extLst>
-              <a:ext uri="{FF2B5EF4-FFF2-40B4-BE49-F238E27FC236}">
-                <a16:creationId xmlns:a16="http://schemas.microsoft.com/office/drawing/2014/main" id="{E1F82E93-AEDE-4C53-A4B7-7DE29FA4CC78}"/>
-              </a:ext>
-            </a:extLst>
-          </p:cNvPr>
-          <p:cNvCxnSpPr/>
-          <p:nvPr/>
-        </p:nvCxnSpPr>
-        <p:spPr>
-          <a:xfrm>
-            <a:off x="337930" y="2767502"/>
-            <a:ext cx="2500009" cy="0"/>
-          </a:xfrm>
-          <a:prstGeom prst="line">
-            <a:avLst/>
-          </a:prstGeom>
-          <a:ln w="28575">
-            <a:solidFill>
-              <a:srgbClr val="FF8800"/>
-            </a:solidFill>
-          </a:ln>
-        </p:spPr>
-        <p:style>
-          <a:lnRef idx="1">
-            <a:schemeClr val="accent1"/>
-          </a:lnRef>
-          <a:fillRef idx="0">
-            <a:schemeClr val="accent1"/>
-          </a:fillRef>
-          <a:effectRef idx="0">
-            <a:schemeClr val="accent1"/>
-          </a:effectRef>
-          <a:fontRef idx="minor">
-            <a:schemeClr val="tx1"/>
-          </a:fontRef>
-        </p:style>
-      </p:cxnSp>
       <p:pic>
         <p:nvPicPr>
           <p:cNvPr id="5" name="Immagine 4">
@@ -6086,7 +6471,7 @@
         </p:blipFill>
         <p:spPr>
           <a:xfrm>
-            <a:off x="337930" y="133739"/>
+            <a:off x="325958" y="2174496"/>
             <a:ext cx="2500009" cy="2500009"/>
           </a:xfrm>
           <a:prstGeom prst="rect">
@@ -6249,17 +6634,268 @@
                   <a:srgbClr val="FF8800"/>
                 </a:solidFill>
               </a:rPr>
-              <a:t>8</a:t>
+              <a:t>I</a:t>
+            </a:r>
+          </a:p>
+        </p:txBody>
+      </p:sp>
+      <p:sp>
+        <p:nvSpPr>
+          <p:cNvPr id="3" name="Rettangolo 2">
+            <a:extLst>
+              <a:ext uri="{FF2B5EF4-FFF2-40B4-BE49-F238E27FC236}">
+                <a16:creationId xmlns:a16="http://schemas.microsoft.com/office/drawing/2014/main" id="{EDA1164C-AED0-456F-9FD7-687CBDF25FA2}"/>
+              </a:ext>
+            </a:extLst>
+          </p:cNvPr>
+          <p:cNvSpPr/>
+          <p:nvPr/>
+        </p:nvSpPr>
+        <p:spPr>
+          <a:xfrm>
+            <a:off x="325958" y="-8999"/>
+            <a:ext cx="2500009" cy="383118"/>
+          </a:xfrm>
+          <a:prstGeom prst="rect">
+            <a:avLst/>
+          </a:prstGeom>
+          <a:solidFill>
+            <a:srgbClr val="212421"/>
+          </a:solidFill>
+          <a:ln>
+            <a:noFill/>
+          </a:ln>
+        </p:spPr>
+        <p:style>
+          <a:lnRef idx="2">
+            <a:schemeClr val="accent1">
+              <a:shade val="50000"/>
+            </a:schemeClr>
+          </a:lnRef>
+          <a:fillRef idx="1">
+            <a:schemeClr val="accent1"/>
+          </a:fillRef>
+          <a:effectRef idx="0">
+            <a:schemeClr val="accent1"/>
+          </a:effectRef>
+          <a:fontRef idx="minor">
+            <a:schemeClr val="lt1"/>
+          </a:fontRef>
+        </p:style>
+        <p:txBody>
+          <a:bodyPr rtlCol="0" anchor="ctr"/>
+          <a:lstStyle/>
+          <a:p>
+            <a:pPr algn="ctr"/>
+            <a:endParaRPr lang="it-IT"/>
+          </a:p>
+        </p:txBody>
+      </p:sp>
+      <p:sp>
+        <p:nvSpPr>
+          <p:cNvPr id="12" name="Rettangolo 11">
+            <a:extLst>
+              <a:ext uri="{FF2B5EF4-FFF2-40B4-BE49-F238E27FC236}">
+                <a16:creationId xmlns:a16="http://schemas.microsoft.com/office/drawing/2014/main" id="{D9B8E538-3720-413A-99D0-6527BC5599F1}"/>
+              </a:ext>
+            </a:extLst>
+          </p:cNvPr>
+          <p:cNvSpPr/>
+          <p:nvPr/>
+        </p:nvSpPr>
+        <p:spPr>
+          <a:xfrm>
+            <a:off x="325957" y="6483882"/>
+            <a:ext cx="2511980" cy="383117"/>
+          </a:xfrm>
+          <a:prstGeom prst="rect">
+            <a:avLst/>
+          </a:prstGeom>
+          <a:solidFill>
+            <a:srgbClr val="212421"/>
+          </a:solidFill>
+          <a:ln>
+            <a:noFill/>
+          </a:ln>
+        </p:spPr>
+        <p:style>
+          <a:lnRef idx="2">
+            <a:schemeClr val="accent1">
+              <a:shade val="50000"/>
+            </a:schemeClr>
+          </a:lnRef>
+          <a:fillRef idx="1">
+            <a:schemeClr val="accent1"/>
+          </a:fillRef>
+          <a:effectRef idx="0">
+            <a:schemeClr val="accent1"/>
+          </a:effectRef>
+          <a:fontRef idx="minor">
+            <a:schemeClr val="lt1"/>
+          </a:fontRef>
+        </p:style>
+        <p:txBody>
+          <a:bodyPr rtlCol="0" anchor="ctr"/>
+          <a:lstStyle/>
+          <a:p>
+            <a:pPr algn="ctr"/>
+            <a:endParaRPr lang="it-IT"/>
+          </a:p>
+        </p:txBody>
+      </p:sp>
+      <p:cxnSp>
+        <p:nvCxnSpPr>
+          <p:cNvPr id="9" name="Connettore diritto 8">
+            <a:extLst>
+              <a:ext uri="{FF2B5EF4-FFF2-40B4-BE49-F238E27FC236}">
+                <a16:creationId xmlns:a16="http://schemas.microsoft.com/office/drawing/2014/main" id="{01C5D705-DBE5-4EA7-9426-AEA4CE9FCED7}"/>
+              </a:ext>
+            </a:extLst>
+          </p:cNvPr>
+          <p:cNvCxnSpPr/>
+          <p:nvPr/>
+        </p:nvCxnSpPr>
+        <p:spPr>
+          <a:xfrm>
+            <a:off x="325957" y="6461040"/>
+            <a:ext cx="2500009" cy="0"/>
+          </a:xfrm>
+          <a:prstGeom prst="line">
+            <a:avLst/>
+          </a:prstGeom>
+          <a:ln w="28575">
+            <a:solidFill>
+              <a:srgbClr val="FF8800"/>
+            </a:solidFill>
+          </a:ln>
+        </p:spPr>
+        <p:style>
+          <a:lnRef idx="1">
+            <a:schemeClr val="accent1"/>
+          </a:lnRef>
+          <a:fillRef idx="0">
+            <a:schemeClr val="accent1"/>
+          </a:fillRef>
+          <a:effectRef idx="0">
+            <a:schemeClr val="accent1"/>
+          </a:effectRef>
+          <a:fontRef idx="minor">
+            <a:schemeClr val="tx1"/>
+          </a:fontRef>
+        </p:style>
+      </p:cxnSp>
+      <p:cxnSp>
+        <p:nvCxnSpPr>
+          <p:cNvPr id="7" name="Connettore diritto 6">
+            <a:extLst>
+              <a:ext uri="{FF2B5EF4-FFF2-40B4-BE49-F238E27FC236}">
+                <a16:creationId xmlns:a16="http://schemas.microsoft.com/office/drawing/2014/main" id="{E1F82E93-AEDE-4C53-A4B7-7DE29FA4CC78}"/>
+              </a:ext>
+            </a:extLst>
+          </p:cNvPr>
+          <p:cNvCxnSpPr/>
+          <p:nvPr/>
+        </p:nvCxnSpPr>
+        <p:spPr>
+          <a:xfrm>
+            <a:off x="325958" y="383118"/>
+            <a:ext cx="2500009" cy="0"/>
+          </a:xfrm>
+          <a:prstGeom prst="line">
+            <a:avLst/>
+          </a:prstGeom>
+          <a:ln w="28575">
+            <a:solidFill>
+              <a:srgbClr val="FF8800"/>
+            </a:solidFill>
+          </a:ln>
+        </p:spPr>
+        <p:style>
+          <a:lnRef idx="1">
+            <a:schemeClr val="accent1"/>
+          </a:lnRef>
+          <a:fillRef idx="0">
+            <a:schemeClr val="accent1"/>
+          </a:fillRef>
+          <a:effectRef idx="0">
+            <a:schemeClr val="accent1"/>
+          </a:effectRef>
+          <a:fontRef idx="minor">
+            <a:schemeClr val="tx1"/>
+          </a:fontRef>
+        </p:style>
+      </p:cxnSp>
+      <p:sp>
+        <p:nvSpPr>
+          <p:cNvPr id="6" name="Titolo 5">
+            <a:extLst>
+              <a:ext uri="{FF2B5EF4-FFF2-40B4-BE49-F238E27FC236}">
+                <a16:creationId xmlns:a16="http://schemas.microsoft.com/office/drawing/2014/main" id="{C8F12A68-6488-4835-95D0-943B35A614C5}"/>
+              </a:ext>
+            </a:extLst>
+          </p:cNvPr>
+          <p:cNvSpPr>
+            <a:spLocks noGrp="1"/>
+          </p:cNvSpPr>
+          <p:nvPr>
+            <p:ph type="ctrTitle"/>
+          </p:nvPr>
+        </p:nvSpPr>
+        <p:spPr>
+          <a:xfrm>
+            <a:off x="2982240" y="358563"/>
+            <a:ext cx="8595360" cy="998289"/>
+          </a:xfrm>
+        </p:spPr>
+        <p:txBody>
+          <a:bodyPr/>
+          <a:lstStyle/>
+          <a:p>
+            <a:r>
+              <a:rPr lang="it-IT" dirty="0" err="1">
+                <a:solidFill>
+                  <a:srgbClr val="212421"/>
+                </a:solidFill>
+                <a:latin typeface="Bangers" panose="00000500000000000000" pitchFamily="2" charset="0"/>
+              </a:rPr>
+              <a:t>COS’è</a:t>
+            </a:r>
+            <a:r>
+              <a:rPr lang="it-IT" dirty="0">
+                <a:solidFill>
+                  <a:srgbClr val="212421"/>
+                </a:solidFill>
+                <a:latin typeface="Bangers" panose="00000500000000000000" pitchFamily="2" charset="0"/>
+              </a:rPr>
+              <a:t> Pony </a:t>
+            </a:r>
+            <a:r>
+              <a:rPr lang="it-IT" dirty="0" err="1">
+                <a:solidFill>
+                  <a:srgbClr val="212421"/>
+                </a:solidFill>
+                <a:latin typeface="Bangers" panose="00000500000000000000" pitchFamily="2" charset="0"/>
+              </a:rPr>
+              <a:t>helper</a:t>
+            </a:r>
+            <a:r>
+              <a:rPr lang="it-IT" dirty="0">
+                <a:solidFill>
+                  <a:srgbClr val="212421"/>
+                </a:solidFill>
+                <a:latin typeface="Bangers" panose="00000500000000000000" pitchFamily="2" charset="0"/>
+              </a:rPr>
+              <a:t>?</a:t>
             </a:r>
           </a:p>
         </p:txBody>
       </p:sp>
       <p:pic>
         <p:nvPicPr>
-          <p:cNvPr id="3" name="Immagine 2">
-            <a:extLst>
-              <a:ext uri="{FF2B5EF4-FFF2-40B4-BE49-F238E27FC236}">
-                <a16:creationId xmlns:a16="http://schemas.microsoft.com/office/drawing/2014/main" id="{8A37C0EA-80F1-4833-820B-34CFDC9E1939}"/>
+          <p:cNvPr id="13" name="Immagine 12">
+            <a:extLst>
+              <a:ext uri="{FF2B5EF4-FFF2-40B4-BE49-F238E27FC236}">
+                <a16:creationId xmlns:a16="http://schemas.microsoft.com/office/drawing/2014/main" id="{DF2C69D1-C109-4FD8-84C5-03FDCF0AF3C5}"/>
               </a:ext>
             </a:extLst>
           </p:cNvPr>
@@ -6268,31 +6904,186 @@
           </p:cNvPicPr>
           <p:nvPr/>
         </p:nvPicPr>
-        <p:blipFill rotWithShape="1">
-          <a:blip r:embed="rId4">
-            <a:extLst>
-              <a:ext uri="{28A0092B-C50C-407E-A947-70E740481C1C}">
-                <a14:useLocalDpi xmlns:a14="http://schemas.microsoft.com/office/drawing/2010/main" val="0"/>
-              </a:ext>
-            </a:extLst>
-          </a:blip>
-          <a:srcRect t="26008" r="18992" b="14346"/>
-          <a:stretch/>
+        <p:blipFill>
+          <a:blip r:embed="rId4"/>
+          <a:stretch>
+            <a:fillRect/>
+          </a:stretch>
         </p:blipFill>
         <p:spPr>
-          <a:xfrm>
-            <a:off x="337929" y="2767487"/>
-            <a:ext cx="2500009" cy="4090514"/>
+          <a:xfrm flipH="1">
+            <a:off x="11078177" y="0"/>
+            <a:ext cx="1113823" cy="2174496"/>
           </a:xfrm>
           <a:prstGeom prst="rect">
             <a:avLst/>
           </a:prstGeom>
         </p:spPr>
       </p:pic>
+      <p:sp>
+        <p:nvSpPr>
+          <p:cNvPr id="14" name="CasellaDiTesto 13">
+            <a:extLst>
+              <a:ext uri="{FF2B5EF4-FFF2-40B4-BE49-F238E27FC236}">
+                <a16:creationId xmlns:a16="http://schemas.microsoft.com/office/drawing/2014/main" id="{6EDD4FCC-0179-4F21-AB40-88B6019CDC68}"/>
+              </a:ext>
+            </a:extLst>
+          </p:cNvPr>
+          <p:cNvSpPr txBox="1"/>
+          <p:nvPr/>
+        </p:nvSpPr>
+        <p:spPr>
+          <a:xfrm>
+            <a:off x="3445933" y="1715415"/>
+            <a:ext cx="7632243" cy="4193905"/>
+          </a:xfrm>
+          <a:prstGeom prst="rect">
+            <a:avLst/>
+          </a:prstGeom>
+          <a:noFill/>
+          <a:ln>
+            <a:noFill/>
+          </a:ln>
+        </p:spPr>
+        <p:txBody>
+          <a:bodyPr wrap="square" rtlCol="0">
+            <a:spAutoFit/>
+          </a:bodyPr>
+          <a:lstStyle/>
+          <a:p>
+            <a:pPr algn="ctr">
+              <a:lnSpc>
+                <a:spcPct val="150000"/>
+              </a:lnSpc>
+            </a:pPr>
+            <a:r>
+              <a:rPr lang="it-IT" dirty="0">
+                <a:solidFill>
+                  <a:srgbClr val="202125"/>
+                </a:solidFill>
+                <a:latin typeface="Arial Rounded MT Bold" panose="020F0704030504030204" pitchFamily="34" charset="0"/>
+              </a:rPr>
+              <a:t>Pony </a:t>
+            </a:r>
+            <a:r>
+              <a:rPr lang="it-IT" dirty="0" err="1">
+                <a:solidFill>
+                  <a:srgbClr val="202125"/>
+                </a:solidFill>
+                <a:latin typeface="Arial Rounded MT Bold" panose="020F0704030504030204" pitchFamily="34" charset="0"/>
+              </a:rPr>
+              <a:t>Helper</a:t>
+            </a:r>
+            <a:r>
+              <a:rPr lang="it-IT" dirty="0">
+                <a:solidFill>
+                  <a:srgbClr val="202125"/>
+                </a:solidFill>
+                <a:latin typeface="Arial Rounded MT Bold" panose="020F0704030504030204" pitchFamily="34" charset="0"/>
+              </a:rPr>
+              <a:t> è </a:t>
+            </a:r>
+            <a:r>
+              <a:rPr lang="it-IT" dirty="0" err="1">
+                <a:solidFill>
+                  <a:srgbClr val="202125"/>
+                </a:solidFill>
+                <a:latin typeface="Arial Rounded MT Bold" panose="020F0704030504030204" pitchFamily="34" charset="0"/>
+              </a:rPr>
+              <a:t>un’app</a:t>
+            </a:r>
+            <a:r>
+              <a:rPr lang="it-IT" dirty="0">
+                <a:solidFill>
+                  <a:srgbClr val="202125"/>
+                </a:solidFill>
+                <a:latin typeface="Arial Rounded MT Bold" panose="020F0704030504030204" pitchFamily="34" charset="0"/>
+              </a:rPr>
+              <a:t> </a:t>
+            </a:r>
+            <a:r>
+              <a:rPr lang="it-IT" dirty="0" err="1">
+                <a:solidFill>
+                  <a:srgbClr val="202125"/>
+                </a:solidFill>
+                <a:latin typeface="Arial Rounded MT Bold" panose="020F0704030504030204" pitchFamily="34" charset="0"/>
+              </a:rPr>
+              <a:t>android</a:t>
+            </a:r>
+            <a:r>
+              <a:rPr lang="it-IT" dirty="0">
+                <a:solidFill>
+                  <a:srgbClr val="202125"/>
+                </a:solidFill>
+                <a:latin typeface="Arial Rounded MT Bold" panose="020F0704030504030204" pitchFamily="34" charset="0"/>
+              </a:rPr>
+              <a:t> pensata per i fattorini. </a:t>
+            </a:r>
+          </a:p>
+          <a:p>
+            <a:pPr algn="ctr">
+              <a:lnSpc>
+                <a:spcPct val="150000"/>
+              </a:lnSpc>
+            </a:pPr>
+            <a:endParaRPr lang="it-IT" dirty="0">
+              <a:solidFill>
+                <a:srgbClr val="202125"/>
+              </a:solidFill>
+              <a:latin typeface="Arial Rounded MT Bold" panose="020F0704030504030204" pitchFamily="34" charset="0"/>
+            </a:endParaRPr>
+          </a:p>
+          <a:p>
+            <a:pPr algn="ctr">
+              <a:lnSpc>
+                <a:spcPct val="150000"/>
+              </a:lnSpc>
+            </a:pPr>
+            <a:r>
+              <a:rPr lang="it-IT" dirty="0">
+                <a:solidFill>
+                  <a:srgbClr val="202125"/>
+                </a:solidFill>
+                <a:latin typeface="Arial Rounded MT Bold" panose="020F0704030504030204" pitchFamily="34" charset="0"/>
+              </a:rPr>
+              <a:t>L’obbiettivo è fornire un supporto per facilitare la gestione dei turni e delle entrate e, inoltre, permette di velocizzare le consegne memorizzando le destinazioni effettuate in precedenza attraverso la condivisione della posizione che permette una precisione ottima specialmente in caso di piccole città.</a:t>
+            </a:r>
+          </a:p>
+          <a:p>
+            <a:pPr algn="ctr">
+              <a:lnSpc>
+                <a:spcPct val="150000"/>
+              </a:lnSpc>
+            </a:pPr>
+            <a:endParaRPr lang="it-IT" dirty="0">
+              <a:solidFill>
+                <a:srgbClr val="202125"/>
+              </a:solidFill>
+              <a:latin typeface="Arial Rounded MT Bold" panose="020F0704030504030204" pitchFamily="34" charset="0"/>
+            </a:endParaRPr>
+          </a:p>
+          <a:p>
+            <a:pPr algn="ctr">
+              <a:lnSpc>
+                <a:spcPct val="150000"/>
+              </a:lnSpc>
+            </a:pPr>
+            <a:r>
+              <a:rPr lang="it-IT" dirty="0">
+                <a:solidFill>
+                  <a:srgbClr val="202125"/>
+                </a:solidFill>
+                <a:latin typeface="Arial Rounded MT Bold" panose="020F0704030504030204" pitchFamily="34" charset="0"/>
+              </a:rPr>
+              <a:t>Risolve dunque il problema di dover ricercare l’indirizzo attraverso un indirizzo </a:t>
+            </a:r>
+          </a:p>
+        </p:txBody>
+      </p:sp>
     </p:spTree>
     <p:extLst>
       <p:ext uri="{BB962C8B-B14F-4D97-AF65-F5344CB8AC3E}">
-        <p14:creationId xmlns:p14="http://schemas.microsoft.com/office/powerpoint/2010/main" val="539237933"/>
+        <p14:creationId xmlns:p14="http://schemas.microsoft.com/office/powerpoint/2010/main" val="93233547"/>
       </p:ext>
     </p:extLst>
   </p:cSld>
@@ -6302,7 +7093,7 @@
 </p:sld>
 </file>
 
-<file path=ppt/slides/slide2.xml><?xml version="1.0" encoding="utf-8"?>
+<file path=ppt/slides/slide3.xml><?xml version="1.0" encoding="utf-8"?>
 <p:sld xmlns:a="http://schemas.openxmlformats.org/drawingml/2006/main" xmlns:r="http://schemas.openxmlformats.org/officeDocument/2006/relationships" xmlns:p="http://schemas.openxmlformats.org/presentationml/2006/main">
   <p:cSld>
     <p:bg>
@@ -6327,6 +7118,53 @@
           <a:chExt cx="0" cy="0"/>
         </a:xfrm>
       </p:grpSpPr>
+      <p:sp>
+        <p:nvSpPr>
+          <p:cNvPr id="35" name="Rettangolo 34">
+            <a:extLst>
+              <a:ext uri="{FF2B5EF4-FFF2-40B4-BE49-F238E27FC236}">
+                <a16:creationId xmlns:a16="http://schemas.microsoft.com/office/drawing/2014/main" id="{2DC64D3A-1CA2-4200-A7CA-9338115F9A1E}"/>
+              </a:ext>
+            </a:extLst>
+          </p:cNvPr>
+          <p:cNvSpPr/>
+          <p:nvPr/>
+        </p:nvSpPr>
+        <p:spPr>
+          <a:xfrm>
+            <a:off x="3229190" y="4874792"/>
+            <a:ext cx="2500009" cy="1060830"/>
+          </a:xfrm>
+          <a:prstGeom prst="rect">
+            <a:avLst/>
+          </a:prstGeom>
+          <a:noFill/>
+        </p:spPr>
+        <p:style>
+          <a:lnRef idx="2">
+            <a:schemeClr val="accent1">
+              <a:shade val="50000"/>
+            </a:schemeClr>
+          </a:lnRef>
+          <a:fillRef idx="1">
+            <a:schemeClr val="accent1"/>
+          </a:fillRef>
+          <a:effectRef idx="0">
+            <a:schemeClr val="accent1"/>
+          </a:effectRef>
+          <a:fontRef idx="minor">
+            <a:schemeClr val="lt1"/>
+          </a:fontRef>
+        </p:style>
+        <p:txBody>
+          <a:bodyPr rtlCol="0" anchor="ctr"/>
+          <a:lstStyle/>
+          <a:p>
+            <a:pPr algn="ctr"/>
+            <a:endParaRPr lang="it-IT"/>
+          </a:p>
+        </p:txBody>
+      </p:sp>
       <p:sp>
         <p:nvSpPr>
           <p:cNvPr id="4" name="Rettangolo 3">
@@ -6735,8 +7573,8 @@
         </p:nvSpPr>
         <p:spPr>
           <a:xfrm>
-            <a:off x="325957" y="6539698"/>
-            <a:ext cx="2511980" cy="327301"/>
+            <a:off x="325957" y="6483882"/>
+            <a:ext cx="2511980" cy="383117"/>
           </a:xfrm>
           <a:prstGeom prst="rect">
             <a:avLst/>
@@ -6787,7 +7625,7 @@
         </p:nvCxnSpPr>
         <p:spPr>
           <a:xfrm>
-            <a:off x="337930" y="6539698"/>
+            <a:off x="325957" y="6461040"/>
             <a:ext cx="2500009" cy="0"/>
           </a:xfrm>
           <a:prstGeom prst="line">
@@ -6873,45 +7711,492 @@
         </p:nvSpPr>
         <p:spPr>
           <a:xfrm>
-            <a:off x="2982240" y="358563"/>
-            <a:ext cx="8595360" cy="2387600"/>
+            <a:off x="2944358" y="55658"/>
+            <a:ext cx="8595360" cy="998289"/>
           </a:xfrm>
         </p:spPr>
         <p:txBody>
           <a:bodyPr/>
           <a:lstStyle/>
           <a:p>
-            <a:endParaRPr lang="it-IT" dirty="0"/>
-          </a:p>
-        </p:txBody>
-      </p:sp>
-      <p:sp>
-        <p:nvSpPr>
-          <p:cNvPr id="13" name="Sottotitolo 12">
-            <a:extLst>
-              <a:ext uri="{FF2B5EF4-FFF2-40B4-BE49-F238E27FC236}">
-                <a16:creationId xmlns:a16="http://schemas.microsoft.com/office/drawing/2014/main" id="{1F316076-751F-4AC7-B83F-AF4143CCDE75}"/>
-              </a:ext>
-            </a:extLst>
-          </p:cNvPr>
-          <p:cNvSpPr>
-            <a:spLocks noGrp="1"/>
-          </p:cNvSpPr>
-          <p:nvPr>
-            <p:ph type="subTitle" idx="1"/>
-          </p:nvPr>
-        </p:nvSpPr>
-        <p:spPr>
-          <a:xfrm>
-            <a:off x="2982240" y="3034301"/>
-            <a:ext cx="8595360" cy="1655762"/>
-          </a:xfrm>
-        </p:spPr>
-        <p:txBody>
-          <a:bodyPr/>
+            <a:r>
+              <a:rPr lang="it-IT" dirty="0">
+                <a:solidFill>
+                  <a:srgbClr val="212421"/>
+                </a:solidFill>
+                <a:latin typeface="Bangers" panose="00000500000000000000" pitchFamily="2" charset="0"/>
+              </a:rPr>
+              <a:t>STRUMENTI utilizzati</a:t>
+            </a:r>
+          </a:p>
+        </p:txBody>
+      </p:sp>
+      <p:pic>
+        <p:nvPicPr>
+          <p:cNvPr id="1030" name="Picture 6" descr="Oracle lancia Java SE 11 per aumentare la produttività degli sviluppatori">
+            <a:extLst>
+              <a:ext uri="{FF2B5EF4-FFF2-40B4-BE49-F238E27FC236}">
+                <a16:creationId xmlns:a16="http://schemas.microsoft.com/office/drawing/2014/main" id="{6FCF5AE6-609D-46C5-86A8-5227AF23CE40}"/>
+              </a:ext>
+            </a:extLst>
+          </p:cNvPr>
+          <p:cNvPicPr>
+            <a:picLocks noChangeAspect="1" noChangeArrowheads="1"/>
+          </p:cNvPicPr>
+          <p:nvPr/>
+        </p:nvPicPr>
+        <p:blipFill>
+          <a:blip r:embed="rId4">
+            <a:extLst>
+              <a:ext uri="{28A0092B-C50C-407E-A947-70E740481C1C}">
+                <a14:useLocalDpi xmlns:a14="http://schemas.microsoft.com/office/drawing/2010/main" val="0"/>
+              </a:ext>
+            </a:extLst>
+          </a:blip>
+          <a:srcRect/>
+          <a:stretch>
+            <a:fillRect/>
+          </a:stretch>
+        </p:blipFill>
+        <p:spPr bwMode="auto">
+          <a:xfrm>
+            <a:off x="9047035" y="1435510"/>
+            <a:ext cx="1932819" cy="1449614"/>
+          </a:xfrm>
+          <a:prstGeom prst="rect">
+            <a:avLst/>
+          </a:prstGeom>
+          <a:noFill/>
+          <a:extLst>
+            <a:ext uri="{909E8E84-426E-40DD-AFC4-6F175D3DCCD1}">
+              <a14:hiddenFill xmlns:a14="http://schemas.microsoft.com/office/drawing/2010/main">
+                <a:solidFill>
+                  <a:srgbClr val="FFFFFF"/>
+                </a:solidFill>
+              </a14:hiddenFill>
+            </a:ext>
+          </a:extLst>
+        </p:spPr>
+      </p:pic>
+      <p:pic>
+        <p:nvPicPr>
+          <p:cNvPr id="1032" name="Picture 8">
+            <a:extLst>
+              <a:ext uri="{FF2B5EF4-FFF2-40B4-BE49-F238E27FC236}">
+                <a16:creationId xmlns:a16="http://schemas.microsoft.com/office/drawing/2014/main" id="{37FA237D-F73C-4058-95CB-1B3BDF6A1CC5}"/>
+              </a:ext>
+            </a:extLst>
+          </p:cNvPr>
+          <p:cNvPicPr>
+            <a:picLocks noChangeAspect="1" noChangeArrowheads="1"/>
+          </p:cNvPicPr>
+          <p:nvPr/>
+        </p:nvPicPr>
+        <p:blipFill>
+          <a:blip r:embed="rId5">
+            <a:extLst>
+              <a:ext uri="{28A0092B-C50C-407E-A947-70E740481C1C}">
+                <a14:useLocalDpi xmlns:a14="http://schemas.microsoft.com/office/drawing/2010/main" val="0"/>
+              </a:ext>
+            </a:extLst>
+          </a:blip>
+          <a:srcRect/>
+          <a:stretch>
+            <a:fillRect/>
+          </a:stretch>
+        </p:blipFill>
+        <p:spPr bwMode="auto">
+          <a:xfrm>
+            <a:off x="3170189" y="3813962"/>
+            <a:ext cx="2240697" cy="1060830"/>
+          </a:xfrm>
+          <a:prstGeom prst="rect">
+            <a:avLst/>
+          </a:prstGeom>
+          <a:noFill/>
+          <a:extLst>
+            <a:ext uri="{909E8E84-426E-40DD-AFC4-6F175D3DCCD1}">
+              <a14:hiddenFill xmlns:a14="http://schemas.microsoft.com/office/drawing/2010/main">
+                <a:solidFill>
+                  <a:srgbClr val="FFFFFF"/>
+                </a:solidFill>
+              </a14:hiddenFill>
+            </a:ext>
+          </a:extLst>
+        </p:spPr>
+      </p:pic>
+      <p:pic>
+        <p:nvPicPr>
+          <p:cNvPr id="2" name="Immagine 1">
+            <a:extLst>
+              <a:ext uri="{FF2B5EF4-FFF2-40B4-BE49-F238E27FC236}">
+                <a16:creationId xmlns:a16="http://schemas.microsoft.com/office/drawing/2014/main" id="{6FC00687-E965-4921-BB6F-1CB9CDC4BF08}"/>
+              </a:ext>
+            </a:extLst>
+          </p:cNvPr>
+          <p:cNvPicPr>
+            <a:picLocks noChangeAspect="1"/>
+          </p:cNvPicPr>
+          <p:nvPr/>
+        </p:nvPicPr>
+        <p:blipFill>
+          <a:blip r:embed="rId6"/>
+          <a:stretch>
+            <a:fillRect/>
+          </a:stretch>
+        </p:blipFill>
+        <p:spPr>
+          <a:xfrm>
+            <a:off x="3299947" y="4916125"/>
+            <a:ext cx="978164" cy="978164"/>
+          </a:xfrm>
+          <a:prstGeom prst="rect">
+            <a:avLst/>
+          </a:prstGeom>
+        </p:spPr>
+      </p:pic>
+      <p:pic>
+        <p:nvPicPr>
+          <p:cNvPr id="15" name="Immagine 14">
+            <a:extLst>
+              <a:ext uri="{FF2B5EF4-FFF2-40B4-BE49-F238E27FC236}">
+                <a16:creationId xmlns:a16="http://schemas.microsoft.com/office/drawing/2014/main" id="{02FF64B2-F8FA-4244-B631-8DE028AC8428}"/>
+              </a:ext>
+            </a:extLst>
+          </p:cNvPr>
+          <p:cNvPicPr>
+            <a:picLocks noChangeAspect="1"/>
+          </p:cNvPicPr>
+          <p:nvPr/>
+        </p:nvPicPr>
+        <p:blipFill>
+          <a:blip r:embed="rId7"/>
+          <a:stretch>
+            <a:fillRect/>
+          </a:stretch>
+        </p:blipFill>
+        <p:spPr>
+          <a:xfrm flipH="1">
+            <a:off x="11078177" y="0"/>
+            <a:ext cx="1113823" cy="2174496"/>
+          </a:xfrm>
+          <a:prstGeom prst="rect">
+            <a:avLst/>
+          </a:prstGeom>
+        </p:spPr>
+      </p:pic>
+      <p:pic>
+        <p:nvPicPr>
+          <p:cNvPr id="21" name="Immagine 20">
+            <a:extLst>
+              <a:ext uri="{FF2B5EF4-FFF2-40B4-BE49-F238E27FC236}">
+                <a16:creationId xmlns:a16="http://schemas.microsoft.com/office/drawing/2014/main" id="{0E709185-BB57-4481-AA7B-88C9EAB22B8F}"/>
+              </a:ext>
+            </a:extLst>
+          </p:cNvPr>
+          <p:cNvPicPr>
+            <a:picLocks noChangeAspect="1"/>
+          </p:cNvPicPr>
+          <p:nvPr/>
+        </p:nvPicPr>
+        <p:blipFill>
+          <a:blip r:embed="rId8"/>
+          <a:stretch>
+            <a:fillRect/>
+          </a:stretch>
+        </p:blipFill>
+        <p:spPr>
+          <a:xfrm>
+            <a:off x="4184960" y="1377773"/>
+            <a:ext cx="1225926" cy="1483302"/>
+          </a:xfrm>
+          <a:prstGeom prst="rect">
+            <a:avLst/>
+          </a:prstGeom>
+        </p:spPr>
+      </p:pic>
+      <p:pic>
+        <p:nvPicPr>
+          <p:cNvPr id="25" name="Immagine 24">
+            <a:extLst>
+              <a:ext uri="{FF2B5EF4-FFF2-40B4-BE49-F238E27FC236}">
+                <a16:creationId xmlns:a16="http://schemas.microsoft.com/office/drawing/2014/main" id="{38613FF5-AB52-4B84-BF81-7369A53D9623}"/>
+              </a:ext>
+            </a:extLst>
+          </p:cNvPr>
+          <p:cNvPicPr>
+            <a:picLocks noChangeAspect="1"/>
+          </p:cNvPicPr>
+          <p:nvPr/>
+        </p:nvPicPr>
+        <p:blipFill>
+          <a:blip r:embed="rId9"/>
+          <a:stretch>
+            <a:fillRect/>
+          </a:stretch>
+        </p:blipFill>
+        <p:spPr>
+          <a:xfrm>
+            <a:off x="10353370" y="2505600"/>
+            <a:ext cx="1449614" cy="1449614"/>
+          </a:xfrm>
+          <a:prstGeom prst="rect">
+            <a:avLst/>
+          </a:prstGeom>
+        </p:spPr>
+      </p:pic>
+      <p:sp>
+        <p:nvSpPr>
+          <p:cNvPr id="27" name="CasellaDiTesto 26">
+            <a:extLst>
+              <a:ext uri="{FF2B5EF4-FFF2-40B4-BE49-F238E27FC236}">
+                <a16:creationId xmlns:a16="http://schemas.microsoft.com/office/drawing/2014/main" id="{9D9EF126-A9F4-4073-85DB-94DC88AA94B7}"/>
+              </a:ext>
+            </a:extLst>
+          </p:cNvPr>
+          <p:cNvSpPr txBox="1"/>
+          <p:nvPr/>
+        </p:nvSpPr>
+        <p:spPr>
+          <a:xfrm>
+            <a:off x="3677574" y="2861075"/>
+            <a:ext cx="3103542" cy="369332"/>
+          </a:xfrm>
+          <a:prstGeom prst="rect">
+            <a:avLst/>
+          </a:prstGeom>
+          <a:noFill/>
+        </p:spPr>
+        <p:txBody>
+          <a:bodyPr wrap="square" rtlCol="0">
+            <a:spAutoFit/>
+          </a:bodyPr>
           <a:lstStyle/>
           <a:p>
-            <a:endParaRPr lang="it-IT"/>
+            <a:r>
+              <a:rPr lang="it-IT" dirty="0">
+                <a:latin typeface="Courier New" panose="02070309020205020404" pitchFamily="49" charset="0"/>
+                <a:cs typeface="Courier New" panose="02070309020205020404" pitchFamily="49" charset="0"/>
+              </a:rPr>
+              <a:t>Ambiente di sviluppo</a:t>
+            </a:r>
+          </a:p>
+        </p:txBody>
+      </p:sp>
+      <p:sp>
+        <p:nvSpPr>
+          <p:cNvPr id="28" name="CasellaDiTesto 27">
+            <a:extLst>
+              <a:ext uri="{FF2B5EF4-FFF2-40B4-BE49-F238E27FC236}">
+                <a16:creationId xmlns:a16="http://schemas.microsoft.com/office/drawing/2014/main" id="{02160F8D-B5DA-4868-8A10-87BE54D891A4}"/>
+              </a:ext>
+            </a:extLst>
+          </p:cNvPr>
+          <p:cNvSpPr txBox="1"/>
+          <p:nvPr/>
+        </p:nvSpPr>
+        <p:spPr>
+          <a:xfrm>
+            <a:off x="4238141" y="5092262"/>
+            <a:ext cx="1564932" cy="646331"/>
+          </a:xfrm>
+          <a:prstGeom prst="rect">
+            <a:avLst/>
+          </a:prstGeom>
+          <a:noFill/>
+        </p:spPr>
+        <p:txBody>
+          <a:bodyPr wrap="square" rtlCol="0">
+            <a:spAutoFit/>
+          </a:bodyPr>
+          <a:lstStyle/>
+          <a:p>
+            <a:r>
+              <a:rPr lang="it-IT" b="1" dirty="0"/>
+              <a:t>DB BROWSER FOR SQLITE</a:t>
+            </a:r>
+          </a:p>
+        </p:txBody>
+      </p:sp>
+      <p:sp>
+        <p:nvSpPr>
+          <p:cNvPr id="29" name="CasellaDiTesto 28">
+            <a:extLst>
+              <a:ext uri="{FF2B5EF4-FFF2-40B4-BE49-F238E27FC236}">
+                <a16:creationId xmlns:a16="http://schemas.microsoft.com/office/drawing/2014/main" id="{90CE9527-208D-474E-943F-D91AD3E71717}"/>
+              </a:ext>
+            </a:extLst>
+          </p:cNvPr>
+          <p:cNvSpPr txBox="1"/>
+          <p:nvPr/>
+        </p:nvSpPr>
+        <p:spPr>
+          <a:xfrm>
+            <a:off x="8922282" y="3137679"/>
+            <a:ext cx="2017643" cy="369332"/>
+          </a:xfrm>
+          <a:prstGeom prst="rect">
+            <a:avLst/>
+          </a:prstGeom>
+          <a:noFill/>
+        </p:spPr>
+        <p:txBody>
+          <a:bodyPr wrap="square" rtlCol="0">
+            <a:spAutoFit/>
+          </a:bodyPr>
+          <a:lstStyle/>
+          <a:p>
+            <a:r>
+              <a:rPr lang="it-IT" dirty="0">
+                <a:latin typeface="Courier New" panose="02070309020205020404" pitchFamily="49" charset="0"/>
+                <a:cs typeface="Courier New" panose="02070309020205020404" pitchFamily="49" charset="0"/>
+              </a:rPr>
+              <a:t>Linguaggi</a:t>
+            </a:r>
+          </a:p>
+        </p:txBody>
+      </p:sp>
+      <p:sp>
+        <p:nvSpPr>
+          <p:cNvPr id="30" name="CasellaDiTesto 29">
+            <a:extLst>
+              <a:ext uri="{FF2B5EF4-FFF2-40B4-BE49-F238E27FC236}">
+                <a16:creationId xmlns:a16="http://schemas.microsoft.com/office/drawing/2014/main" id="{38395D61-2D72-4588-A4BB-A237937B6B06}"/>
+              </a:ext>
+            </a:extLst>
+          </p:cNvPr>
+          <p:cNvSpPr txBox="1"/>
+          <p:nvPr/>
+        </p:nvSpPr>
+        <p:spPr>
+          <a:xfrm>
+            <a:off x="8439917" y="5837551"/>
+            <a:ext cx="2500008" cy="646331"/>
+          </a:xfrm>
+          <a:prstGeom prst="rect">
+            <a:avLst/>
+          </a:prstGeom>
+          <a:noFill/>
+        </p:spPr>
+        <p:txBody>
+          <a:bodyPr wrap="square" rtlCol="0">
+            <a:spAutoFit/>
+          </a:bodyPr>
+          <a:lstStyle/>
+          <a:p>
+            <a:r>
+              <a:rPr lang="it-IT" dirty="0">
+                <a:latin typeface="Courier New" panose="02070309020205020404" pitchFamily="49" charset="0"/>
+                <a:cs typeface="Courier New" panose="02070309020205020404" pitchFamily="49" charset="0"/>
+              </a:rPr>
+              <a:t>Version Control system</a:t>
+            </a:r>
+          </a:p>
+        </p:txBody>
+      </p:sp>
+      <p:pic>
+        <p:nvPicPr>
+          <p:cNvPr id="34" name="Immagine 33">
+            <a:extLst>
+              <a:ext uri="{FF2B5EF4-FFF2-40B4-BE49-F238E27FC236}">
+                <a16:creationId xmlns:a16="http://schemas.microsoft.com/office/drawing/2014/main" id="{3A7A00A4-18F5-4659-807C-E1CC6D6A4BFE}"/>
+              </a:ext>
+            </a:extLst>
+          </p:cNvPr>
+          <p:cNvPicPr>
+            <a:picLocks noChangeAspect="1"/>
+          </p:cNvPicPr>
+          <p:nvPr/>
+        </p:nvPicPr>
+        <p:blipFill>
+          <a:blip r:embed="rId10"/>
+          <a:stretch>
+            <a:fillRect/>
+          </a:stretch>
+        </p:blipFill>
+        <p:spPr>
+          <a:xfrm>
+            <a:off x="8038774" y="4207769"/>
+            <a:ext cx="2765684" cy="1555697"/>
+          </a:xfrm>
+          <a:prstGeom prst="rect">
+            <a:avLst/>
+          </a:prstGeom>
+        </p:spPr>
+      </p:pic>
+      <p:sp>
+        <p:nvSpPr>
+          <p:cNvPr id="36" name="CasellaDiTesto 35">
+            <a:extLst>
+              <a:ext uri="{FF2B5EF4-FFF2-40B4-BE49-F238E27FC236}">
+                <a16:creationId xmlns:a16="http://schemas.microsoft.com/office/drawing/2014/main" id="{E55530BB-E6E1-4754-B474-1670EEAB0BE3}"/>
+              </a:ext>
+            </a:extLst>
+          </p:cNvPr>
+          <p:cNvSpPr txBox="1"/>
+          <p:nvPr/>
+        </p:nvSpPr>
+        <p:spPr>
+          <a:xfrm>
+            <a:off x="5472046" y="4014031"/>
+            <a:ext cx="1794862" cy="646331"/>
+          </a:xfrm>
+          <a:prstGeom prst="rect">
+            <a:avLst/>
+          </a:prstGeom>
+          <a:noFill/>
+        </p:spPr>
+        <p:txBody>
+          <a:bodyPr wrap="square" rtlCol="0">
+            <a:spAutoFit/>
+          </a:bodyPr>
+          <a:lstStyle/>
+          <a:p>
+            <a:r>
+              <a:rPr lang="it-IT" dirty="0">
+                <a:latin typeface="Courier New" panose="02070309020205020404" pitchFamily="49" charset="0"/>
+                <a:cs typeface="Courier New" panose="02070309020205020404" pitchFamily="49" charset="0"/>
+              </a:rPr>
+              <a:t>Libreria database</a:t>
+            </a:r>
+          </a:p>
+        </p:txBody>
+      </p:sp>
+      <p:sp>
+        <p:nvSpPr>
+          <p:cNvPr id="37" name="CasellaDiTesto 36">
+            <a:extLst>
+              <a:ext uri="{FF2B5EF4-FFF2-40B4-BE49-F238E27FC236}">
+                <a16:creationId xmlns:a16="http://schemas.microsoft.com/office/drawing/2014/main" id="{5F042CEA-C9C0-4E37-9683-EF2B22D04CA0}"/>
+              </a:ext>
+            </a:extLst>
+          </p:cNvPr>
+          <p:cNvSpPr txBox="1"/>
+          <p:nvPr/>
+        </p:nvSpPr>
+        <p:spPr>
+          <a:xfrm>
+            <a:off x="5823156" y="4892885"/>
+            <a:ext cx="1751703" cy="923330"/>
+          </a:xfrm>
+          <a:prstGeom prst="rect">
+            <a:avLst/>
+          </a:prstGeom>
+          <a:noFill/>
+        </p:spPr>
+        <p:txBody>
+          <a:bodyPr wrap="square" rtlCol="0">
+            <a:spAutoFit/>
+          </a:bodyPr>
+          <a:lstStyle/>
+          <a:p>
+            <a:r>
+              <a:rPr lang="it-IT" dirty="0">
+                <a:latin typeface="Courier New" panose="02070309020205020404" pitchFamily="49" charset="0"/>
+                <a:cs typeface="Courier New" panose="02070309020205020404" pitchFamily="49" charset="0"/>
+              </a:rPr>
+              <a:t>Software di  gestione database</a:t>
+            </a:r>
           </a:p>
         </p:txBody>
       </p:sp>
@@ -6928,7 +8213,7 @@
 </p:sld>
 </file>
 
-<file path=ppt/slides/slide3.xml><?xml version="1.0" encoding="utf-8"?>
+<file path=ppt/slides/slide4.xml><?xml version="1.0" encoding="utf-8"?>
 <p:sld xmlns:a="http://schemas.openxmlformats.org/drawingml/2006/main" xmlns:r="http://schemas.openxmlformats.org/officeDocument/2006/relationships" xmlns:p="http://schemas.openxmlformats.org/presentationml/2006/main">
   <p:cSld>
     <p:bg>
@@ -7361,8 +8646,8 @@
         </p:nvSpPr>
         <p:spPr>
           <a:xfrm>
-            <a:off x="325957" y="6539698"/>
-            <a:ext cx="2511980" cy="327301"/>
+            <a:off x="325957" y="6483882"/>
+            <a:ext cx="2511980" cy="383117"/>
           </a:xfrm>
           <a:prstGeom prst="rect">
             <a:avLst/>
@@ -7413,7 +8698,7 @@
         </p:nvCxnSpPr>
         <p:spPr>
           <a:xfrm>
-            <a:off x="337930" y="6539698"/>
+            <a:off x="325957" y="6461040"/>
             <a:ext cx="2500009" cy="0"/>
           </a:xfrm>
           <a:prstGeom prst="line">
@@ -7481,10 +8766,114 @@
           </a:fontRef>
         </p:style>
       </p:cxnSp>
+      <p:sp>
+        <p:nvSpPr>
+          <p:cNvPr id="6" name="Titolo 5">
+            <a:extLst>
+              <a:ext uri="{FF2B5EF4-FFF2-40B4-BE49-F238E27FC236}">
+                <a16:creationId xmlns:a16="http://schemas.microsoft.com/office/drawing/2014/main" id="{C8F12A68-6488-4835-95D0-943B35A614C5}"/>
+              </a:ext>
+            </a:extLst>
+          </p:cNvPr>
+          <p:cNvSpPr>
+            <a:spLocks noGrp="1"/>
+          </p:cNvSpPr>
+          <p:nvPr>
+            <p:ph type="ctrTitle"/>
+          </p:nvPr>
+        </p:nvSpPr>
+        <p:spPr>
+          <a:xfrm>
+            <a:off x="2910089" y="40655"/>
+            <a:ext cx="8595360" cy="998289"/>
+          </a:xfrm>
+        </p:spPr>
+        <p:txBody>
+          <a:bodyPr/>
+          <a:lstStyle/>
+          <a:p>
+            <a:r>
+              <a:rPr lang="it-IT">
+                <a:solidFill>
+                  <a:srgbClr val="212421"/>
+                </a:solidFill>
+                <a:latin typeface="Bangers" panose="00000500000000000000" pitchFamily="2" charset="0"/>
+              </a:rPr>
+              <a:t>STRUTTURA INTERNA</a:t>
+            </a:r>
+            <a:endParaRPr lang="it-IT" dirty="0">
+              <a:solidFill>
+                <a:srgbClr val="212421"/>
+              </a:solidFill>
+              <a:latin typeface="Bangers" panose="00000500000000000000" pitchFamily="2" charset="0"/>
+            </a:endParaRPr>
+          </a:p>
+        </p:txBody>
+      </p:sp>
+      <p:pic>
+        <p:nvPicPr>
+          <p:cNvPr id="13" name="Immagine 12">
+            <a:extLst>
+              <a:ext uri="{FF2B5EF4-FFF2-40B4-BE49-F238E27FC236}">
+                <a16:creationId xmlns:a16="http://schemas.microsoft.com/office/drawing/2014/main" id="{12854EE6-E1D4-44A4-9CAC-F3D2C5BB1222}"/>
+              </a:ext>
+            </a:extLst>
+          </p:cNvPr>
+          <p:cNvPicPr>
+            <a:picLocks noChangeAspect="1"/>
+          </p:cNvPicPr>
+          <p:nvPr/>
+        </p:nvPicPr>
+        <p:blipFill>
+          <a:blip r:embed="rId4"/>
+          <a:stretch>
+            <a:fillRect/>
+          </a:stretch>
+        </p:blipFill>
+        <p:spPr>
+          <a:xfrm flipH="1">
+            <a:off x="11078177" y="0"/>
+            <a:ext cx="1113823" cy="2174496"/>
+          </a:xfrm>
+          <a:prstGeom prst="rect">
+            <a:avLst/>
+          </a:prstGeom>
+        </p:spPr>
+      </p:pic>
+      <p:pic>
+        <p:nvPicPr>
+          <p:cNvPr id="23" name="Immagine 22">
+            <a:extLst>
+              <a:ext uri="{FF2B5EF4-FFF2-40B4-BE49-F238E27FC236}">
+                <a16:creationId xmlns:a16="http://schemas.microsoft.com/office/drawing/2014/main" id="{11A880BA-737C-45E0-8D61-994BCD695E0F}"/>
+              </a:ext>
+            </a:extLst>
+          </p:cNvPr>
+          <p:cNvPicPr>
+            <a:picLocks noChangeAspect="1"/>
+          </p:cNvPicPr>
+          <p:nvPr/>
+        </p:nvPicPr>
+        <p:blipFill>
+          <a:blip r:embed="rId5"/>
+          <a:stretch>
+            <a:fillRect/>
+          </a:stretch>
+        </p:blipFill>
+        <p:spPr>
+          <a:xfrm>
+            <a:off x="3059095" y="1157251"/>
+            <a:ext cx="7870076" cy="5361949"/>
+          </a:xfrm>
+          <a:prstGeom prst="rect">
+            <a:avLst/>
+          </a:prstGeom>
+        </p:spPr>
+      </p:pic>
     </p:spTree>
     <p:extLst>
       <p:ext uri="{BB962C8B-B14F-4D97-AF65-F5344CB8AC3E}">
-        <p14:creationId xmlns:p14="http://schemas.microsoft.com/office/powerpoint/2010/main" val="1632295015"/>
+        <p14:creationId xmlns:p14="http://schemas.microsoft.com/office/powerpoint/2010/main" val="2320130752"/>
       </p:ext>
     </p:extLst>
   </p:cSld>
@@ -7494,7 +8883,7 @@
 </p:sld>
 </file>
 
-<file path=ppt/slides/slide4.xml><?xml version="1.0" encoding="utf-8"?>
+<file path=ppt/slides/slide5.xml><?xml version="1.0" encoding="utf-8"?>
 <p:sld xmlns:a="http://schemas.openxmlformats.org/drawingml/2006/main" xmlns:r="http://schemas.openxmlformats.org/officeDocument/2006/relationships" xmlns:p="http://schemas.openxmlformats.org/presentationml/2006/main">
   <p:cSld>
     <p:bg>
@@ -7856,7 +9245,7 @@
                   <a:srgbClr val="FF8800"/>
                 </a:solidFill>
               </a:rPr>
-              <a:t>III</a:t>
+              <a:t>I</a:t>
             </a:r>
           </a:p>
         </p:txBody>
@@ -7927,8 +9316,8 @@
         </p:nvSpPr>
         <p:spPr>
           <a:xfrm>
-            <a:off x="325957" y="6539698"/>
-            <a:ext cx="2511980" cy="327301"/>
+            <a:off x="325957" y="6483882"/>
+            <a:ext cx="2511980" cy="383117"/>
           </a:xfrm>
           <a:prstGeom prst="rect">
             <a:avLst/>
@@ -7979,7 +9368,7 @@
         </p:nvCxnSpPr>
         <p:spPr>
           <a:xfrm>
-            <a:off x="337930" y="6539698"/>
+            <a:off x="325957" y="6461040"/>
             <a:ext cx="2500009" cy="0"/>
           </a:xfrm>
           <a:prstGeom prst="line">
@@ -8047,10 +9436,205 @@
           </a:fontRef>
         </p:style>
       </p:cxnSp>
+      <p:sp>
+        <p:nvSpPr>
+          <p:cNvPr id="6" name="Titolo 5">
+            <a:extLst>
+              <a:ext uri="{FF2B5EF4-FFF2-40B4-BE49-F238E27FC236}">
+                <a16:creationId xmlns:a16="http://schemas.microsoft.com/office/drawing/2014/main" id="{C8F12A68-6488-4835-95D0-943B35A614C5}"/>
+              </a:ext>
+            </a:extLst>
+          </p:cNvPr>
+          <p:cNvSpPr>
+            <a:spLocks noGrp="1"/>
+          </p:cNvSpPr>
+          <p:nvPr>
+            <p:ph type="ctrTitle"/>
+          </p:nvPr>
+        </p:nvSpPr>
+        <p:spPr>
+          <a:xfrm>
+            <a:off x="2982240" y="358563"/>
+            <a:ext cx="8595360" cy="998289"/>
+          </a:xfrm>
+        </p:spPr>
+        <p:txBody>
+          <a:bodyPr>
+            <a:normAutofit/>
+          </a:bodyPr>
+          <a:lstStyle/>
+          <a:p>
+            <a:r>
+              <a:rPr lang="it-IT" dirty="0">
+                <a:solidFill>
+                  <a:srgbClr val="212421"/>
+                </a:solidFill>
+                <a:latin typeface="Bangers" panose="00000500000000000000" pitchFamily="2" charset="0"/>
+              </a:rPr>
+              <a:t>Informazioni tecniche</a:t>
+            </a:r>
+          </a:p>
+        </p:txBody>
+      </p:sp>
+      <p:pic>
+        <p:nvPicPr>
+          <p:cNvPr id="13" name="Immagine 12">
+            <a:extLst>
+              <a:ext uri="{FF2B5EF4-FFF2-40B4-BE49-F238E27FC236}">
+                <a16:creationId xmlns:a16="http://schemas.microsoft.com/office/drawing/2014/main" id="{A7B8A890-190E-4737-BF35-05550ABD504D}"/>
+              </a:ext>
+            </a:extLst>
+          </p:cNvPr>
+          <p:cNvPicPr>
+            <a:picLocks noChangeAspect="1"/>
+          </p:cNvPicPr>
+          <p:nvPr/>
+        </p:nvPicPr>
+        <p:blipFill>
+          <a:blip r:embed="rId4"/>
+          <a:stretch>
+            <a:fillRect/>
+          </a:stretch>
+        </p:blipFill>
+        <p:spPr>
+          <a:xfrm flipH="1">
+            <a:off x="11078177" y="0"/>
+            <a:ext cx="1113823" cy="2174496"/>
+          </a:xfrm>
+          <a:prstGeom prst="rect">
+            <a:avLst/>
+          </a:prstGeom>
+        </p:spPr>
+      </p:pic>
+      <p:sp>
+        <p:nvSpPr>
+          <p:cNvPr id="14" name="CasellaDiTesto 13">
+            <a:extLst>
+              <a:ext uri="{FF2B5EF4-FFF2-40B4-BE49-F238E27FC236}">
+                <a16:creationId xmlns:a16="http://schemas.microsoft.com/office/drawing/2014/main" id="{CD30A0E1-93D8-41F4-9F5F-FFDE6428FA43}"/>
+              </a:ext>
+            </a:extLst>
+          </p:cNvPr>
+          <p:cNvSpPr txBox="1"/>
+          <p:nvPr/>
+        </p:nvSpPr>
+        <p:spPr>
+          <a:xfrm>
+            <a:off x="3412998" y="2201261"/>
+            <a:ext cx="7733843" cy="3416320"/>
+          </a:xfrm>
+          <a:prstGeom prst="rect">
+            <a:avLst/>
+          </a:prstGeom>
+          <a:noFill/>
+        </p:spPr>
+        <p:txBody>
+          <a:bodyPr wrap="square" rtlCol="0">
+            <a:spAutoFit/>
+          </a:bodyPr>
+          <a:lstStyle/>
+          <a:p>
+            <a:pPr marL="285750" indent="-285750">
+              <a:buFont typeface="Arial" panose="020B0604020202020204" pitchFamily="34" charset="0"/>
+              <a:buChar char="•"/>
+            </a:pPr>
+            <a:r>
+              <a:rPr lang="it-IT" b="1" dirty="0"/>
+              <a:t>LIVELLO MINIMO API</a:t>
+            </a:r>
+            <a:r>
+              <a:rPr lang="it-IT" dirty="0"/>
+              <a:t>: 26 (Android 8.0) -&gt; dovuto all’utilizzo di </a:t>
+            </a:r>
+            <a:r>
+              <a:rPr lang="it-IT" dirty="0" err="1"/>
+              <a:t>Java.Time</a:t>
+            </a:r>
+            <a:r>
+              <a:rPr lang="it-IT" dirty="0"/>
+              <a:t> per la gestione delle date</a:t>
+            </a:r>
+          </a:p>
+          <a:p>
+            <a:pPr marL="285750" indent="-285750">
+              <a:lnSpc>
+                <a:spcPct val="200000"/>
+              </a:lnSpc>
+              <a:buFont typeface="Arial" panose="020B0604020202020204" pitchFamily="34" charset="0"/>
+              <a:buChar char="•"/>
+            </a:pPr>
+            <a:r>
+              <a:rPr lang="it-IT" b="1" dirty="0"/>
+              <a:t>UTILLIZZO GOOGLE SERVICES </a:t>
+            </a:r>
+            <a:r>
+              <a:rPr lang="it-IT" dirty="0"/>
+              <a:t>-&gt; necessari per la localizzazione</a:t>
+            </a:r>
+          </a:p>
+          <a:p>
+            <a:pPr marL="285750" indent="-285750">
+              <a:lnSpc>
+                <a:spcPct val="200000"/>
+              </a:lnSpc>
+              <a:buFont typeface="Arial" panose="020B0604020202020204" pitchFamily="34" charset="0"/>
+              <a:buChar char="•"/>
+            </a:pPr>
+            <a:r>
+              <a:rPr lang="it-IT" b="1" u="sng" dirty="0"/>
+              <a:t>NON</a:t>
+            </a:r>
+            <a:r>
+              <a:rPr lang="it-IT" b="1" dirty="0"/>
+              <a:t> NECESSITA DI ACESSO A INTERNET</a:t>
+            </a:r>
+          </a:p>
+          <a:p>
+            <a:pPr marL="285750" indent="-285750">
+              <a:lnSpc>
+                <a:spcPct val="200000"/>
+              </a:lnSpc>
+              <a:buFont typeface="Arial" panose="020B0604020202020204" pitchFamily="34" charset="0"/>
+              <a:buChar char="•"/>
+            </a:pPr>
+            <a:r>
+              <a:rPr lang="it-IT" b="1" dirty="0"/>
+              <a:t>DATABASE LOCALE</a:t>
+            </a:r>
+          </a:p>
+          <a:p>
+            <a:pPr marL="285750" indent="-285750">
+              <a:lnSpc>
+                <a:spcPct val="200000"/>
+              </a:lnSpc>
+              <a:buFont typeface="Arial" panose="020B0604020202020204" pitchFamily="34" charset="0"/>
+              <a:buChar char="•"/>
+            </a:pPr>
+            <a:r>
+              <a:rPr lang="it-IT" b="1" dirty="0"/>
+              <a:t>27 CLASSI e 14 LAYOUT</a:t>
+            </a:r>
+          </a:p>
+          <a:p>
+            <a:pPr marL="285750" indent="-285750">
+              <a:buFont typeface="Arial" panose="020B0604020202020204" pitchFamily="34" charset="0"/>
+              <a:buChar char="•"/>
+            </a:pPr>
+            <a:endParaRPr lang="it-IT" b="1" dirty="0"/>
+          </a:p>
+          <a:p>
+            <a:pPr marL="285750" indent="-285750">
+              <a:buFont typeface="Arial" panose="020B0604020202020204" pitchFamily="34" charset="0"/>
+              <a:buChar char="•"/>
+            </a:pPr>
+            <a:endParaRPr lang="it-IT" b="1" dirty="0"/>
+          </a:p>
+        </p:txBody>
+      </p:sp>
     </p:spTree>
     <p:extLst>
       <p:ext uri="{BB962C8B-B14F-4D97-AF65-F5344CB8AC3E}">
-        <p14:creationId xmlns:p14="http://schemas.microsoft.com/office/powerpoint/2010/main" val="1057955278"/>
+        <p14:creationId xmlns:p14="http://schemas.microsoft.com/office/powerpoint/2010/main" val="759641145"/>
       </p:ext>
     </p:extLst>
   </p:cSld>
@@ -8060,7 +9644,7 @@
 </p:sld>
 </file>
 
-<file path=ppt/slides/slide5.xml><?xml version="1.0" encoding="utf-8"?>
+<file path=ppt/slides/slide6.xml><?xml version="1.0" encoding="utf-8"?>
 <p:sld xmlns:a="http://schemas.openxmlformats.org/drawingml/2006/main" xmlns:r="http://schemas.openxmlformats.org/officeDocument/2006/relationships" xmlns:p="http://schemas.openxmlformats.org/presentationml/2006/main">
   <p:cSld>
     <p:bg>
@@ -8422,7 +10006,7 @@
                   <a:srgbClr val="FF8800"/>
                 </a:solidFill>
               </a:rPr>
-              <a:t>IV</a:t>
+              <a:t>I</a:t>
             </a:r>
           </a:p>
         </p:txBody>
@@ -8493,8 +10077,8 @@
         </p:nvSpPr>
         <p:spPr>
           <a:xfrm>
-            <a:off x="325957" y="6539698"/>
-            <a:ext cx="2511980" cy="327301"/>
+            <a:off x="325957" y="6483882"/>
+            <a:ext cx="2511980" cy="383117"/>
           </a:xfrm>
           <a:prstGeom prst="rect">
             <a:avLst/>
@@ -8545,7 +10129,7 @@
         </p:nvCxnSpPr>
         <p:spPr>
           <a:xfrm>
-            <a:off x="337930" y="6539698"/>
+            <a:off x="325957" y="6461040"/>
             <a:ext cx="2500009" cy="0"/>
           </a:xfrm>
           <a:prstGeom prst="line">
@@ -8613,10 +10197,148 @@
           </a:fontRef>
         </p:style>
       </p:cxnSp>
+      <p:sp>
+        <p:nvSpPr>
+          <p:cNvPr id="6" name="Titolo 5">
+            <a:extLst>
+              <a:ext uri="{FF2B5EF4-FFF2-40B4-BE49-F238E27FC236}">
+                <a16:creationId xmlns:a16="http://schemas.microsoft.com/office/drawing/2014/main" id="{C8F12A68-6488-4835-95D0-943B35A614C5}"/>
+              </a:ext>
+            </a:extLst>
+          </p:cNvPr>
+          <p:cNvSpPr>
+            <a:spLocks noGrp="1"/>
+          </p:cNvSpPr>
+          <p:nvPr>
+            <p:ph type="ctrTitle"/>
+          </p:nvPr>
+        </p:nvSpPr>
+        <p:spPr>
+          <a:xfrm>
+            <a:off x="2982240" y="358563"/>
+            <a:ext cx="8595360" cy="998289"/>
+          </a:xfrm>
+        </p:spPr>
+        <p:txBody>
+          <a:bodyPr/>
+          <a:lstStyle/>
+          <a:p>
+            <a:r>
+              <a:rPr lang="it-IT" dirty="0">
+                <a:solidFill>
+                  <a:srgbClr val="212421"/>
+                </a:solidFill>
+                <a:latin typeface="Bangers" panose="00000500000000000000" pitchFamily="2" charset="0"/>
+              </a:rPr>
+              <a:t>Informazioni tecniche</a:t>
+            </a:r>
+          </a:p>
+        </p:txBody>
+      </p:sp>
+      <p:pic>
+        <p:nvPicPr>
+          <p:cNvPr id="13" name="Immagine 12">
+            <a:extLst>
+              <a:ext uri="{FF2B5EF4-FFF2-40B4-BE49-F238E27FC236}">
+                <a16:creationId xmlns:a16="http://schemas.microsoft.com/office/drawing/2014/main" id="{D50D9906-D4A9-4ECD-A2DB-EC29E562334F}"/>
+              </a:ext>
+            </a:extLst>
+          </p:cNvPr>
+          <p:cNvPicPr>
+            <a:picLocks noChangeAspect="1"/>
+          </p:cNvPicPr>
+          <p:nvPr/>
+        </p:nvPicPr>
+        <p:blipFill>
+          <a:blip r:embed="rId4"/>
+          <a:stretch>
+            <a:fillRect/>
+          </a:stretch>
+        </p:blipFill>
+        <p:spPr>
+          <a:xfrm flipH="1">
+            <a:off x="11078177" y="0"/>
+            <a:ext cx="1113823" cy="2174496"/>
+          </a:xfrm>
+          <a:prstGeom prst="rect">
+            <a:avLst/>
+          </a:prstGeom>
+        </p:spPr>
+      </p:pic>
+      <p:sp>
+        <p:nvSpPr>
+          <p:cNvPr id="14" name="CasellaDiTesto 13">
+            <a:extLst>
+              <a:ext uri="{FF2B5EF4-FFF2-40B4-BE49-F238E27FC236}">
+                <a16:creationId xmlns:a16="http://schemas.microsoft.com/office/drawing/2014/main" id="{9AA85C49-5304-46EF-982B-EA84C968E911}"/>
+              </a:ext>
+            </a:extLst>
+          </p:cNvPr>
+          <p:cNvSpPr txBox="1"/>
+          <p:nvPr/>
+        </p:nvSpPr>
+        <p:spPr>
+          <a:xfrm>
+            <a:off x="3412998" y="2201261"/>
+            <a:ext cx="7733843" cy="1477328"/>
+          </a:xfrm>
+          <a:prstGeom prst="rect">
+            <a:avLst/>
+          </a:prstGeom>
+          <a:noFill/>
+        </p:spPr>
+        <p:txBody>
+          <a:bodyPr wrap="square" rtlCol="0">
+            <a:spAutoFit/>
+          </a:bodyPr>
+          <a:lstStyle/>
+          <a:p>
+            <a:pPr marL="285750" indent="-285750">
+              <a:buFont typeface="Arial" panose="020B0604020202020204" pitchFamily="34" charset="0"/>
+              <a:buChar char="•"/>
+            </a:pPr>
+            <a:r>
+              <a:rPr lang="it-IT" b="1" dirty="0"/>
+              <a:t>COLLEGAMENTO CON ALTRE APP DEL DISPOSITIVO MEDINATE INTENT: </a:t>
+            </a:r>
+          </a:p>
+          <a:p>
+            <a:pPr lvl="3"/>
+            <a:r>
+              <a:rPr lang="it-IT" dirty="0"/>
+              <a:t>-&gt; apertura di Google Maps</a:t>
+            </a:r>
+          </a:p>
+          <a:p>
+            <a:pPr lvl="3"/>
+            <a:r>
+              <a:rPr lang="it-IT" dirty="0"/>
+              <a:t>-&gt; apertura di posta elettronica per contattare supporto</a:t>
+            </a:r>
+          </a:p>
+          <a:p>
+            <a:pPr marL="285750" indent="-285750">
+              <a:buFont typeface="Arial" panose="020B0604020202020204" pitchFamily="34" charset="0"/>
+              <a:buChar char="•"/>
+            </a:pPr>
+            <a:r>
+              <a:rPr lang="it-IT" b="1" dirty="0"/>
+              <a:t>UTILIZZO DI COMPONENTI GRAFICI</a:t>
+            </a:r>
+          </a:p>
+          <a:p>
+            <a:pPr marL="285750" indent="-285750">
+              <a:buFont typeface="Arial" panose="020B0604020202020204" pitchFamily="34" charset="0"/>
+              <a:buChar char="•"/>
+            </a:pPr>
+            <a:endParaRPr lang="it-IT" b="1" dirty="0"/>
+          </a:p>
+        </p:txBody>
+      </p:sp>
     </p:spTree>
     <p:extLst>
       <p:ext uri="{BB962C8B-B14F-4D97-AF65-F5344CB8AC3E}">
-        <p14:creationId xmlns:p14="http://schemas.microsoft.com/office/powerpoint/2010/main" val="1164027704"/>
+        <p14:creationId xmlns:p14="http://schemas.microsoft.com/office/powerpoint/2010/main" val="270893459"/>
       </p:ext>
     </p:extLst>
   </p:cSld>
@@ -8626,7 +10348,7 @@
 </p:sld>
 </file>
 
-<file path=ppt/slides/slide6.xml><?xml version="1.0" encoding="utf-8"?>
+<file path=ppt/slides/slide7.xml><?xml version="1.0" encoding="utf-8"?>
 <p:sld xmlns:a="http://schemas.openxmlformats.org/drawingml/2006/main" xmlns:r="http://schemas.openxmlformats.org/officeDocument/2006/relationships" xmlns:p="http://schemas.openxmlformats.org/presentationml/2006/main">
   <p:cSld>
     <p:bg>
@@ -8988,7 +10710,7 @@
                   <a:srgbClr val="FF8800"/>
                 </a:solidFill>
               </a:rPr>
-              <a:t>V</a:t>
+              <a:t>I</a:t>
             </a:r>
           </a:p>
         </p:txBody>
@@ -9059,8 +10781,8 @@
         </p:nvSpPr>
         <p:spPr>
           <a:xfrm>
-            <a:off x="325957" y="6539698"/>
-            <a:ext cx="2511980" cy="327301"/>
+            <a:off x="325957" y="6483882"/>
+            <a:ext cx="2511980" cy="383117"/>
           </a:xfrm>
           <a:prstGeom prst="rect">
             <a:avLst/>
@@ -9111,7 +10833,7 @@
         </p:nvCxnSpPr>
         <p:spPr>
           <a:xfrm>
-            <a:off x="337930" y="6539698"/>
+            <a:off x="325957" y="6461040"/>
             <a:ext cx="2500009" cy="0"/>
           </a:xfrm>
           <a:prstGeom prst="line">
@@ -9179,10 +10901,78 @@
           </a:fontRef>
         </p:style>
       </p:cxnSp>
+      <p:sp>
+        <p:nvSpPr>
+          <p:cNvPr id="6" name="Titolo 5">
+            <a:extLst>
+              <a:ext uri="{FF2B5EF4-FFF2-40B4-BE49-F238E27FC236}">
+                <a16:creationId xmlns:a16="http://schemas.microsoft.com/office/drawing/2014/main" id="{C8F12A68-6488-4835-95D0-943B35A614C5}"/>
+              </a:ext>
+            </a:extLst>
+          </p:cNvPr>
+          <p:cNvSpPr>
+            <a:spLocks noGrp="1"/>
+          </p:cNvSpPr>
+          <p:nvPr>
+            <p:ph type="ctrTitle"/>
+          </p:nvPr>
+        </p:nvSpPr>
+        <p:spPr>
+          <a:xfrm>
+            <a:off x="2982240" y="358563"/>
+            <a:ext cx="8595360" cy="998289"/>
+          </a:xfrm>
+        </p:spPr>
+        <p:txBody>
+          <a:bodyPr/>
+          <a:lstStyle/>
+          <a:p>
+            <a:r>
+              <a:rPr lang="it-IT" dirty="0">
+                <a:solidFill>
+                  <a:srgbClr val="212421"/>
+                </a:solidFill>
+                <a:latin typeface="Bangers" panose="00000500000000000000" pitchFamily="2" charset="0"/>
+              </a:rPr>
+              <a:t>Software utilizzati</a:t>
+            </a:r>
+          </a:p>
+        </p:txBody>
+      </p:sp>
+      <p:pic>
+        <p:nvPicPr>
+          <p:cNvPr id="13" name="Immagine 12">
+            <a:extLst>
+              <a:ext uri="{FF2B5EF4-FFF2-40B4-BE49-F238E27FC236}">
+                <a16:creationId xmlns:a16="http://schemas.microsoft.com/office/drawing/2014/main" id="{5A5BE476-FFD4-4043-8E86-6D18E4A03553}"/>
+              </a:ext>
+            </a:extLst>
+          </p:cNvPr>
+          <p:cNvPicPr>
+            <a:picLocks noChangeAspect="1"/>
+          </p:cNvPicPr>
+          <p:nvPr/>
+        </p:nvPicPr>
+        <p:blipFill>
+          <a:blip r:embed="rId4"/>
+          <a:stretch>
+            <a:fillRect/>
+          </a:stretch>
+        </p:blipFill>
+        <p:spPr>
+          <a:xfrm flipH="1">
+            <a:off x="11078177" y="0"/>
+            <a:ext cx="1113823" cy="2174496"/>
+          </a:xfrm>
+          <a:prstGeom prst="rect">
+            <a:avLst/>
+          </a:prstGeom>
+        </p:spPr>
+      </p:pic>
     </p:spTree>
     <p:extLst>
       <p:ext uri="{BB962C8B-B14F-4D97-AF65-F5344CB8AC3E}">
-        <p14:creationId xmlns:p14="http://schemas.microsoft.com/office/powerpoint/2010/main" val="4023152450"/>
+        <p14:creationId xmlns:p14="http://schemas.microsoft.com/office/powerpoint/2010/main" val="1169310595"/>
       </p:ext>
     </p:extLst>
   </p:cSld>
@@ -9192,7 +10982,7 @@
 </p:sld>
 </file>
 
-<file path=ppt/slides/slide7.xml><?xml version="1.0" encoding="utf-8"?>
+<file path=ppt/slides/slide8.xml><?xml version="1.0" encoding="utf-8"?>
 <p:sld xmlns:a="http://schemas.openxmlformats.org/drawingml/2006/main" xmlns:r="http://schemas.openxmlformats.org/officeDocument/2006/relationships" xmlns:p="http://schemas.openxmlformats.org/presentationml/2006/main">
   <p:cSld>
     <p:bg>
@@ -9291,13 +11081,13 @@
               </a:ext>
             </a:extLst>
           </a:blip>
-          <a:srcRect t="1" r="62894" b="1"/>
+          <a:srcRect r="8050"/>
           <a:stretch/>
         </p:blipFill>
         <p:spPr>
           <a:xfrm>
             <a:off x="337929" y="0"/>
-            <a:ext cx="2500010" cy="6858000"/>
+            <a:ext cx="2500010" cy="2767515"/>
           </a:xfrm>
           <a:prstGeom prst="rect">
             <a:avLst/>
@@ -9323,8 +11113,8 @@
         </p:nvSpPr>
         <p:spPr>
           <a:xfrm>
-            <a:off x="325959" y="-4500"/>
-            <a:ext cx="2511980" cy="6862500"/>
+            <a:off x="337929" y="-14"/>
+            <a:ext cx="2502000" cy="2772000"/>
           </a:xfrm>
           <a:prstGeom prst="rect">
             <a:avLst/>
@@ -9363,6 +11153,47 @@
           </a:p>
         </p:txBody>
       </p:sp>
+      <p:cxnSp>
+        <p:nvCxnSpPr>
+          <p:cNvPr id="7" name="Connettore diritto 6">
+            <a:extLst>
+              <a:ext uri="{FF2B5EF4-FFF2-40B4-BE49-F238E27FC236}">
+                <a16:creationId xmlns:a16="http://schemas.microsoft.com/office/drawing/2014/main" id="{E1F82E93-AEDE-4C53-A4B7-7DE29FA4CC78}"/>
+              </a:ext>
+            </a:extLst>
+          </p:cNvPr>
+          <p:cNvCxnSpPr/>
+          <p:nvPr/>
+        </p:nvCxnSpPr>
+        <p:spPr>
+          <a:xfrm>
+            <a:off x="337930" y="2767502"/>
+            <a:ext cx="2500009" cy="0"/>
+          </a:xfrm>
+          <a:prstGeom prst="line">
+            <a:avLst/>
+          </a:prstGeom>
+          <a:ln w="28575">
+            <a:solidFill>
+              <a:srgbClr val="FF8800"/>
+            </a:solidFill>
+          </a:ln>
+        </p:spPr>
+        <p:style>
+          <a:lnRef idx="1">
+            <a:schemeClr val="accent1"/>
+          </a:lnRef>
+          <a:fillRef idx="0">
+            <a:schemeClr val="accent1"/>
+          </a:fillRef>
+          <a:effectRef idx="0">
+            <a:schemeClr val="accent1"/>
+          </a:effectRef>
+          <a:fontRef idx="minor">
+            <a:schemeClr val="tx1"/>
+          </a:fontRef>
+        </p:style>
+      </p:cxnSp>
       <p:pic>
         <p:nvPicPr>
           <p:cNvPr id="5" name="Immagine 4">
@@ -9391,7 +11222,7 @@
         </p:blipFill>
         <p:spPr>
           <a:xfrm>
-            <a:off x="325958" y="2174496"/>
+            <a:off x="337930" y="133739"/>
             <a:ext cx="2500009" cy="2500009"/>
           </a:xfrm>
           <a:prstGeom prst="rect">
@@ -9554,201 +11385,130 @@
                   <a:srgbClr val="FF8800"/>
                 </a:solidFill>
               </a:rPr>
-              <a:t>VI</a:t>
+              <a:t>1</a:t>
             </a:r>
           </a:p>
         </p:txBody>
       </p:sp>
-      <p:sp>
-        <p:nvSpPr>
-          <p:cNvPr id="3" name="Rettangolo 2">
-            <a:extLst>
-              <a:ext uri="{FF2B5EF4-FFF2-40B4-BE49-F238E27FC236}">
-                <a16:creationId xmlns:a16="http://schemas.microsoft.com/office/drawing/2014/main" id="{EDA1164C-AED0-456F-9FD7-687CBDF25FA2}"/>
-              </a:ext>
-            </a:extLst>
-          </p:cNvPr>
-          <p:cNvSpPr/>
-          <p:nvPr/>
-        </p:nvSpPr>
-        <p:spPr>
-          <a:xfrm>
-            <a:off x="325958" y="-8999"/>
-            <a:ext cx="2500009" cy="383118"/>
+      <p:pic>
+        <p:nvPicPr>
+          <p:cNvPr id="9" name="Immagine 8">
+            <a:extLst>
+              <a:ext uri="{FF2B5EF4-FFF2-40B4-BE49-F238E27FC236}">
+                <a16:creationId xmlns:a16="http://schemas.microsoft.com/office/drawing/2014/main" id="{1DF4C412-8C67-4916-8B01-C1F26C352413}"/>
+              </a:ext>
+            </a:extLst>
+          </p:cNvPr>
+          <p:cNvPicPr>
+            <a:picLocks noChangeAspect="1"/>
+          </p:cNvPicPr>
+          <p:nvPr/>
+        </p:nvPicPr>
+        <p:blipFill rotWithShape="1">
+          <a:blip r:embed="rId4">
+            <a:extLst>
+              <a:ext uri="{28A0092B-C50C-407E-A947-70E740481C1C}">
+                <a14:useLocalDpi xmlns:a14="http://schemas.microsoft.com/office/drawing/2010/main" val="0"/>
+              </a:ext>
+            </a:extLst>
+          </a:blip>
+          <a:srcRect t="25540" r="18992" b="14814"/>
+          <a:stretch/>
+        </p:blipFill>
+        <p:spPr>
+          <a:xfrm>
+            <a:off x="335940" y="2767487"/>
+            <a:ext cx="2500009" cy="4090514"/>
           </a:xfrm>
           <a:prstGeom prst="rect">
             <a:avLst/>
           </a:prstGeom>
-          <a:solidFill>
-            <a:srgbClr val="212421"/>
-          </a:solidFill>
-          <a:ln>
-            <a:noFill/>
-          </a:ln>
-        </p:spPr>
-        <p:style>
-          <a:lnRef idx="2">
-            <a:schemeClr val="accent1">
-              <a:shade val="50000"/>
-            </a:schemeClr>
-          </a:lnRef>
-          <a:fillRef idx="1">
-            <a:schemeClr val="accent1"/>
-          </a:fillRef>
-          <a:effectRef idx="0">
-            <a:schemeClr val="accent1"/>
-          </a:effectRef>
-          <a:fontRef idx="minor">
-            <a:schemeClr val="lt1"/>
-          </a:fontRef>
-        </p:style>
-        <p:txBody>
-          <a:bodyPr rtlCol="0" anchor="ctr"/>
-          <a:lstStyle/>
+        </p:spPr>
+      </p:pic>
+      <p:sp>
+        <p:nvSpPr>
+          <p:cNvPr id="13" name="Titolo 5">
+            <a:extLst>
+              <a:ext uri="{FF2B5EF4-FFF2-40B4-BE49-F238E27FC236}">
+                <a16:creationId xmlns:a16="http://schemas.microsoft.com/office/drawing/2014/main" id="{A7A8FDCD-F2BB-4386-A994-9CB7F8F526DE}"/>
+              </a:ext>
+            </a:extLst>
+          </p:cNvPr>
+          <p:cNvSpPr txBox="1">
+            <a:spLocks/>
+          </p:cNvSpPr>
+          <p:nvPr/>
+        </p:nvSpPr>
+        <p:spPr>
+          <a:xfrm>
+            <a:off x="3058440" y="133739"/>
+            <a:ext cx="8595360" cy="998289"/>
+          </a:xfrm>
+          <a:prstGeom prst="rect">
+            <a:avLst/>
+          </a:prstGeom>
+        </p:spPr>
+        <p:txBody>
+          <a:bodyPr vert="horz" lIns="91440" tIns="45720" rIns="91440" bIns="45720" rtlCol="0" anchor="ctr">
+            <a:normAutofit/>
+          </a:bodyPr>
+          <a:lstStyle>
+            <a:lvl1pPr algn="l" defTabSz="914400" rtl="0" eaLnBrk="1" latinLnBrk="0" hangingPunct="1">
+              <a:lnSpc>
+                <a:spcPct val="90000"/>
+              </a:lnSpc>
+              <a:spcBef>
+                <a:spcPct val="0"/>
+              </a:spcBef>
+              <a:buNone/>
+              <a:defRPr sz="4400" kern="1200">
+                <a:solidFill>
+                  <a:schemeClr val="tx1"/>
+                </a:solidFill>
+                <a:latin typeface="+mj-lt"/>
+                <a:ea typeface="+mj-ea"/>
+                <a:cs typeface="+mj-cs"/>
+              </a:defRPr>
+            </a:lvl1pPr>
+          </a:lstStyle>
           <a:p>
             <a:pPr algn="ctr"/>
-            <a:endParaRPr lang="it-IT"/>
-          </a:p>
-        </p:txBody>
-      </p:sp>
-      <p:sp>
-        <p:nvSpPr>
-          <p:cNvPr id="12" name="Rettangolo 11">
-            <a:extLst>
-              <a:ext uri="{FF2B5EF4-FFF2-40B4-BE49-F238E27FC236}">
-                <a16:creationId xmlns:a16="http://schemas.microsoft.com/office/drawing/2014/main" id="{D9B8E538-3720-413A-99D0-6527BC5599F1}"/>
-              </a:ext>
-            </a:extLst>
-          </p:cNvPr>
-          <p:cNvSpPr/>
-          <p:nvPr/>
-        </p:nvSpPr>
-        <p:spPr>
-          <a:xfrm>
-            <a:off x="325957" y="6539698"/>
-            <a:ext cx="2511980" cy="327301"/>
-          </a:xfrm>
-          <a:prstGeom prst="rect">
-            <a:avLst/>
-          </a:prstGeom>
-          <a:solidFill>
-            <a:srgbClr val="212421"/>
-          </a:solidFill>
-          <a:ln>
-            <a:noFill/>
-          </a:ln>
-        </p:spPr>
-        <p:style>
-          <a:lnRef idx="2">
-            <a:schemeClr val="accent1">
-              <a:shade val="50000"/>
-            </a:schemeClr>
-          </a:lnRef>
-          <a:fillRef idx="1">
-            <a:schemeClr val="accent1"/>
-          </a:fillRef>
-          <a:effectRef idx="0">
-            <a:schemeClr val="accent1"/>
-          </a:effectRef>
-          <a:fontRef idx="minor">
-            <a:schemeClr val="lt1"/>
-          </a:fontRef>
-        </p:style>
-        <p:txBody>
-          <a:bodyPr rtlCol="0" anchor="ctr"/>
-          <a:lstStyle/>
-          <a:p>
-            <a:pPr algn="ctr"/>
-            <a:endParaRPr lang="it-IT"/>
-          </a:p>
-        </p:txBody>
-      </p:sp>
-      <p:cxnSp>
-        <p:nvCxnSpPr>
-          <p:cNvPr id="9" name="Connettore diritto 8">
-            <a:extLst>
-              <a:ext uri="{FF2B5EF4-FFF2-40B4-BE49-F238E27FC236}">
-                <a16:creationId xmlns:a16="http://schemas.microsoft.com/office/drawing/2014/main" id="{01C5D705-DBE5-4EA7-9426-AEA4CE9FCED7}"/>
-              </a:ext>
-            </a:extLst>
-          </p:cNvPr>
-          <p:cNvCxnSpPr/>
-          <p:nvPr/>
-        </p:nvCxnSpPr>
-        <p:spPr>
-          <a:xfrm>
-            <a:off x="337930" y="6539698"/>
-            <a:ext cx="2500009" cy="0"/>
-          </a:xfrm>
-          <a:prstGeom prst="line">
-            <a:avLst/>
-          </a:prstGeom>
-          <a:ln w="28575">
-            <a:solidFill>
-              <a:srgbClr val="FF8800"/>
-            </a:solidFill>
-          </a:ln>
-        </p:spPr>
-        <p:style>
-          <a:lnRef idx="1">
-            <a:schemeClr val="accent1"/>
-          </a:lnRef>
-          <a:fillRef idx="0">
-            <a:schemeClr val="accent1"/>
-          </a:fillRef>
-          <a:effectRef idx="0">
-            <a:schemeClr val="accent1"/>
-          </a:effectRef>
-          <a:fontRef idx="minor">
-            <a:schemeClr val="tx1"/>
-          </a:fontRef>
-        </p:style>
-      </p:cxnSp>
-      <p:cxnSp>
-        <p:nvCxnSpPr>
-          <p:cNvPr id="7" name="Connettore diritto 6">
-            <a:extLst>
-              <a:ext uri="{FF2B5EF4-FFF2-40B4-BE49-F238E27FC236}">
-                <a16:creationId xmlns:a16="http://schemas.microsoft.com/office/drawing/2014/main" id="{E1F82E93-AEDE-4C53-A4B7-7DE29FA4CC78}"/>
-              </a:ext>
-            </a:extLst>
-          </p:cNvPr>
-          <p:cNvCxnSpPr/>
-          <p:nvPr/>
-        </p:nvCxnSpPr>
-        <p:spPr>
-          <a:xfrm>
-            <a:off x="325958" y="383118"/>
-            <a:ext cx="2500009" cy="0"/>
-          </a:xfrm>
-          <a:prstGeom prst="line">
-            <a:avLst/>
-          </a:prstGeom>
-          <a:ln w="28575">
-            <a:solidFill>
-              <a:srgbClr val="FF8800"/>
-            </a:solidFill>
-          </a:ln>
-        </p:spPr>
-        <p:style>
-          <a:lnRef idx="1">
-            <a:schemeClr val="accent1"/>
-          </a:lnRef>
-          <a:fillRef idx="0">
-            <a:schemeClr val="accent1"/>
-          </a:fillRef>
-          <a:effectRef idx="0">
-            <a:schemeClr val="accent1"/>
-          </a:effectRef>
-          <a:fontRef idx="minor">
-            <a:schemeClr val="tx1"/>
-          </a:fontRef>
-        </p:style>
-      </p:cxnSp>
+            <a:r>
+              <a:rPr lang="it-IT" sz="4800" spc="100" dirty="0">
+                <a:solidFill>
+                  <a:srgbClr val="FF8800"/>
+                </a:solidFill>
+                <a:effectLst>
+                  <a:outerShdw blurRad="38100" dist="38100" dir="2700000" algn="tl">
+                    <a:srgbClr val="000000">
+                      <a:alpha val="43137"/>
+                    </a:srgbClr>
+                  </a:outerShdw>
+                </a:effectLst>
+                <a:latin typeface="Bangers" panose="00000500000000000000" pitchFamily="2" charset="0"/>
+              </a:rPr>
+              <a:t>HOME</a:t>
+            </a:r>
+            <a:endParaRPr lang="it-IT" spc="100" dirty="0">
+              <a:solidFill>
+                <a:srgbClr val="FF8800"/>
+              </a:solidFill>
+              <a:effectLst>
+                <a:outerShdw blurRad="38100" dist="38100" dir="2700000" algn="tl">
+                  <a:srgbClr val="000000">
+                    <a:alpha val="43137"/>
+                  </a:srgbClr>
+                </a:outerShdw>
+              </a:effectLst>
+              <a:latin typeface="Bangers" panose="00000500000000000000" pitchFamily="2" charset="0"/>
+            </a:endParaRPr>
+          </a:p>
+        </p:txBody>
+      </p:sp>
     </p:spTree>
     <p:extLst>
       <p:ext uri="{BB962C8B-B14F-4D97-AF65-F5344CB8AC3E}">
-        <p14:creationId xmlns:p14="http://schemas.microsoft.com/office/powerpoint/2010/main" val="2981084974"/>
+        <p14:creationId xmlns:p14="http://schemas.microsoft.com/office/powerpoint/2010/main" val="1567448560"/>
       </p:ext>
     </p:extLst>
   </p:cSld>
@@ -9758,7 +11518,7 @@
 </p:sld>
 </file>
 
-<file path=ppt/slides/slide8.xml><?xml version="1.0" encoding="utf-8"?>
+<file path=ppt/slides/slide9.xml><?xml version="1.0" encoding="utf-8"?>
 <p:sld xmlns:a="http://schemas.openxmlformats.org/drawingml/2006/main" xmlns:r="http://schemas.openxmlformats.org/officeDocument/2006/relationships" xmlns:p="http://schemas.openxmlformats.org/presentationml/2006/main">
   <p:cSld>
     <p:bg>
@@ -10161,17 +11921,17 @@
                   <a:srgbClr val="FF8800"/>
                 </a:solidFill>
               </a:rPr>
-              <a:t>1</a:t>
+              <a:t>2</a:t>
             </a:r>
           </a:p>
         </p:txBody>
       </p:sp>
       <p:pic>
         <p:nvPicPr>
-          <p:cNvPr id="43" name="Immagine 42">
-            <a:extLst>
-              <a:ext uri="{FF2B5EF4-FFF2-40B4-BE49-F238E27FC236}">
-                <a16:creationId xmlns:a16="http://schemas.microsoft.com/office/drawing/2014/main" id="{C87B3AF1-EAB9-4AE7-8D74-0D89377392E1}"/>
+          <p:cNvPr id="6" name="Immagine 5">
+            <a:extLst>
+              <a:ext uri="{FF2B5EF4-FFF2-40B4-BE49-F238E27FC236}">
+                <a16:creationId xmlns:a16="http://schemas.microsoft.com/office/drawing/2014/main" id="{EDC189C7-BABC-4E40-90A9-65E0A44578F1}"/>
               </a:ext>
             </a:extLst>
           </p:cNvPr>
@@ -10188,510 +11948,99 @@
               </a:ext>
             </a:extLst>
           </a:blip>
-          <a:srcRect t="27111" r="18991" b="13243"/>
+          <a:srcRect t="25663" r="18992" b="14691"/>
           <a:stretch/>
         </p:blipFill>
         <p:spPr>
           <a:xfrm>
-            <a:off x="337930" y="2767494"/>
-            <a:ext cx="2500009" cy="4090512"/>
+            <a:off x="335940" y="2767486"/>
+            <a:ext cx="2500009" cy="4090514"/>
           </a:xfrm>
           <a:prstGeom prst="rect">
             <a:avLst/>
           </a:prstGeom>
         </p:spPr>
       </p:pic>
-    </p:spTree>
-    <p:extLst>
-      <p:ext uri="{BB962C8B-B14F-4D97-AF65-F5344CB8AC3E}">
-        <p14:creationId xmlns:p14="http://schemas.microsoft.com/office/powerpoint/2010/main" val="1567448560"/>
-      </p:ext>
-    </p:extLst>
-  </p:cSld>
-  <p:clrMapOvr>
-    <a:masterClrMapping/>
-  </p:clrMapOvr>
-</p:sld>
-</file>
-
-<file path=ppt/slides/slide9.xml><?xml version="1.0" encoding="utf-8"?>
-<p:sld xmlns:a="http://schemas.openxmlformats.org/drawingml/2006/main" xmlns:r="http://schemas.openxmlformats.org/officeDocument/2006/relationships" xmlns:p="http://schemas.openxmlformats.org/presentationml/2006/main">
-  <p:cSld>
-    <p:bg>
-      <p:bgPr>
-        <a:solidFill>
-          <a:srgbClr val="DBDEDB"/>
-        </a:solidFill>
-        <a:effectLst/>
-      </p:bgPr>
-    </p:bg>
-    <p:spTree>
-      <p:nvGrpSpPr>
-        <p:cNvPr id="1" name=""/>
-        <p:cNvGrpSpPr/>
-        <p:nvPr/>
-      </p:nvGrpSpPr>
-      <p:grpSpPr>
-        <a:xfrm>
-          <a:off x="0" y="0"/>
-          <a:ext cx="0" cy="0"/>
-          <a:chOff x="0" y="0"/>
-          <a:chExt cx="0" cy="0"/>
-        </a:xfrm>
-      </p:grpSpPr>
-      <p:sp>
-        <p:nvSpPr>
-          <p:cNvPr id="4" name="Rettangolo 3">
-            <a:extLst>
-              <a:ext uri="{FF2B5EF4-FFF2-40B4-BE49-F238E27FC236}">
-                <a16:creationId xmlns:a16="http://schemas.microsoft.com/office/drawing/2014/main" id="{287EFA3C-02A3-4753-876A-2D2161CF2080}"/>
-              </a:ext>
-            </a:extLst>
-          </p:cNvPr>
-          <p:cNvSpPr/>
-          <p:nvPr/>
-        </p:nvSpPr>
-        <p:spPr>
-          <a:xfrm>
-            <a:off x="337931" y="0"/>
-            <a:ext cx="2500009" cy="6858000"/>
+      <p:sp>
+        <p:nvSpPr>
+          <p:cNvPr id="12" name="Titolo 5">
+            <a:extLst>
+              <a:ext uri="{FF2B5EF4-FFF2-40B4-BE49-F238E27FC236}">
+                <a16:creationId xmlns:a16="http://schemas.microsoft.com/office/drawing/2014/main" id="{AE3BF640-A101-48AB-A39C-0D360CDFD7A6}"/>
+              </a:ext>
+            </a:extLst>
+          </p:cNvPr>
+          <p:cNvSpPr txBox="1">
+            <a:spLocks/>
+          </p:cNvSpPr>
+          <p:nvPr/>
+        </p:nvSpPr>
+        <p:spPr>
+          <a:xfrm>
+            <a:off x="3058440" y="133739"/>
+            <a:ext cx="8595360" cy="998289"/>
           </a:xfrm>
           <a:prstGeom prst="rect">
             <a:avLst/>
           </a:prstGeom>
-          <a:solidFill>
-            <a:srgbClr val="212421"/>
-          </a:solidFill>
-          <a:ln>
-            <a:noFill/>
-          </a:ln>
-        </p:spPr>
-        <p:style>
-          <a:lnRef idx="2">
-            <a:schemeClr val="accent1">
-              <a:shade val="50000"/>
-            </a:schemeClr>
-          </a:lnRef>
-          <a:fillRef idx="1">
-            <a:schemeClr val="accent1"/>
-          </a:fillRef>
-          <a:effectRef idx="0">
-            <a:schemeClr val="accent1"/>
-          </a:effectRef>
-          <a:fontRef idx="minor">
-            <a:schemeClr val="lt1"/>
-          </a:fontRef>
-        </p:style>
-        <p:txBody>
-          <a:bodyPr rtlCol="0" anchor="ctr"/>
-          <a:lstStyle/>
-          <a:p>
-            <a:pPr algn="ctr"/>
-            <a:endParaRPr lang="it-IT"/>
-          </a:p>
-        </p:txBody>
-      </p:sp>
-      <p:pic>
-        <p:nvPicPr>
-          <p:cNvPr id="10" name="Immagine 9">
-            <a:extLst>
-              <a:ext uri="{FF2B5EF4-FFF2-40B4-BE49-F238E27FC236}">
-                <a16:creationId xmlns:a16="http://schemas.microsoft.com/office/drawing/2014/main" id="{B37FD3D7-8604-42D7-A8F5-0FA67A790F1D}"/>
-              </a:ext>
-            </a:extLst>
-          </p:cNvPr>
-          <p:cNvPicPr>
-            <a:picLocks noChangeAspect="1"/>
-          </p:cNvPicPr>
-          <p:nvPr/>
-        </p:nvPicPr>
-        <p:blipFill rotWithShape="1">
-          <a:blip r:embed="rId2">
-            <a:extLst>
-              <a:ext uri="{28A0092B-C50C-407E-A947-70E740481C1C}">
-                <a14:useLocalDpi xmlns:a14="http://schemas.microsoft.com/office/drawing/2010/main" val="0"/>
-              </a:ext>
-            </a:extLst>
-          </a:blip>
-          <a:srcRect r="8050"/>
-          <a:stretch/>
-        </p:blipFill>
-        <p:spPr>
-          <a:xfrm>
-            <a:off x="337929" y="0"/>
-            <a:ext cx="2500010" cy="2767515"/>
-          </a:xfrm>
-          <a:prstGeom prst="rect">
-            <a:avLst/>
-          </a:prstGeom>
-          <a:solidFill>
-            <a:srgbClr val="FFFFFF">
-              <a:alpha val="50000"/>
-            </a:srgbClr>
-          </a:solidFill>
-        </p:spPr>
-      </p:pic>
-      <p:sp>
-        <p:nvSpPr>
-          <p:cNvPr id="8" name="Rettangolo 7">
-            <a:extLst>
-              <a:ext uri="{FF2B5EF4-FFF2-40B4-BE49-F238E27FC236}">
-                <a16:creationId xmlns:a16="http://schemas.microsoft.com/office/drawing/2014/main" id="{2B44E0C2-EED0-4328-BD48-EF1736A96DB0}"/>
-              </a:ext>
-            </a:extLst>
-          </p:cNvPr>
-          <p:cNvSpPr/>
-          <p:nvPr/>
-        </p:nvSpPr>
-        <p:spPr>
-          <a:xfrm>
-            <a:off x="337929" y="-14"/>
-            <a:ext cx="2502000" cy="2772000"/>
-          </a:xfrm>
-          <a:prstGeom prst="rect">
-            <a:avLst/>
-          </a:prstGeom>
-          <a:solidFill>
-            <a:schemeClr val="tx1">
-              <a:alpha val="40000"/>
-            </a:schemeClr>
-          </a:solidFill>
-          <a:ln w="22225">
-            <a:noFill/>
-          </a:ln>
-        </p:spPr>
-        <p:style>
-          <a:lnRef idx="2">
-            <a:schemeClr val="accent1">
-              <a:shade val="50000"/>
-            </a:schemeClr>
-          </a:lnRef>
-          <a:fillRef idx="1">
-            <a:schemeClr val="accent1"/>
-          </a:fillRef>
-          <a:effectRef idx="0">
-            <a:schemeClr val="accent1"/>
-          </a:effectRef>
-          <a:fontRef idx="minor">
-            <a:schemeClr val="lt1"/>
-          </a:fontRef>
-        </p:style>
-        <p:txBody>
-          <a:bodyPr rtlCol="0" anchor="ctr"/>
-          <a:lstStyle/>
-          <a:p>
-            <a:pPr algn="ctr"/>
-            <a:endParaRPr lang="it-IT"/>
-          </a:p>
-        </p:txBody>
-      </p:sp>
-      <p:cxnSp>
-        <p:nvCxnSpPr>
-          <p:cNvPr id="7" name="Connettore diritto 6">
-            <a:extLst>
-              <a:ext uri="{FF2B5EF4-FFF2-40B4-BE49-F238E27FC236}">
-                <a16:creationId xmlns:a16="http://schemas.microsoft.com/office/drawing/2014/main" id="{E1F82E93-AEDE-4C53-A4B7-7DE29FA4CC78}"/>
-              </a:ext>
-            </a:extLst>
-          </p:cNvPr>
-          <p:cNvCxnSpPr/>
-          <p:nvPr/>
-        </p:nvCxnSpPr>
-        <p:spPr>
-          <a:xfrm>
-            <a:off x="337930" y="2767502"/>
-            <a:ext cx="2500009" cy="0"/>
-          </a:xfrm>
-          <a:prstGeom prst="line">
-            <a:avLst/>
-          </a:prstGeom>
-          <a:ln w="28575">
-            <a:solidFill>
-              <a:srgbClr val="FF8800"/>
-            </a:solidFill>
-          </a:ln>
-        </p:spPr>
-        <p:style>
-          <a:lnRef idx="1">
-            <a:schemeClr val="accent1"/>
-          </a:lnRef>
-          <a:fillRef idx="0">
-            <a:schemeClr val="accent1"/>
-          </a:fillRef>
-          <a:effectRef idx="0">
-            <a:schemeClr val="accent1"/>
-          </a:effectRef>
-          <a:fontRef idx="minor">
-            <a:schemeClr val="tx1"/>
-          </a:fontRef>
-        </p:style>
-      </p:cxnSp>
-      <p:pic>
-        <p:nvPicPr>
-          <p:cNvPr id="5" name="Immagine 4">
-            <a:extLst>
-              <a:ext uri="{FF2B5EF4-FFF2-40B4-BE49-F238E27FC236}">
-                <a16:creationId xmlns:a16="http://schemas.microsoft.com/office/drawing/2014/main" id="{A499A755-5BEA-46D4-8D1B-455136980E98}"/>
-              </a:ext>
-            </a:extLst>
-          </p:cNvPr>
-          <p:cNvPicPr>
-            <a:picLocks noChangeAspect="1"/>
-          </p:cNvPicPr>
-          <p:nvPr/>
-        </p:nvPicPr>
-        <p:blipFill>
-          <a:blip r:embed="rId3">
-            <a:extLst>
-              <a:ext uri="{28A0092B-C50C-407E-A947-70E740481C1C}">
-                <a14:useLocalDpi xmlns:a14="http://schemas.microsoft.com/office/drawing/2010/main" val="0"/>
-              </a:ext>
-            </a:extLst>
-          </a:blip>
-          <a:stretch>
-            <a:fillRect/>
-          </a:stretch>
-        </p:blipFill>
-        <p:spPr>
-          <a:xfrm>
-            <a:off x="337930" y="133739"/>
-            <a:ext cx="2500009" cy="2500009"/>
-          </a:xfrm>
-          <a:prstGeom prst="rect">
-            <a:avLst/>
-          </a:prstGeom>
-        </p:spPr>
-      </p:pic>
-      <p:sp>
-        <p:nvSpPr>
-          <p:cNvPr id="39" name="Ovale 38">
-            <a:extLst>
-              <a:ext uri="{FF2B5EF4-FFF2-40B4-BE49-F238E27FC236}">
-                <a16:creationId xmlns:a16="http://schemas.microsoft.com/office/drawing/2014/main" id="{495D48FB-F6D8-4490-B428-62885D65E8A1}"/>
-              </a:ext>
-            </a:extLst>
-          </p:cNvPr>
-          <p:cNvSpPr>
-            <a:spLocks noChangeAspect="1"/>
-          </p:cNvSpPr>
-          <p:nvPr/>
-        </p:nvSpPr>
-        <p:spPr>
-          <a:xfrm>
-            <a:off x="11577600" y="6246000"/>
-            <a:ext cx="548640" cy="546401"/>
-          </a:xfrm>
-          <a:prstGeom prst="ellipse">
-            <a:avLst/>
-          </a:prstGeom>
-          <a:solidFill>
-            <a:srgbClr val="212421"/>
-          </a:solidFill>
-          <a:ln>
-            <a:solidFill>
-              <a:srgbClr val="FF8800"/>
-            </a:solidFill>
-            <a:extLst>
-              <a:ext uri="{C807C97D-BFC1-408E-A445-0C87EB9F89A2}">
-                <ask:lineSketchStyleProps xmlns:ask="http://schemas.microsoft.com/office/drawing/2018/sketchyshapes" sd="1219033472">
-                  <a:custGeom>
-                    <a:avLst/>
-                    <a:gdLst>
-                      <a:gd name="connsiteX0" fmla="*/ 0 w 710119"/>
-                      <a:gd name="connsiteY0" fmla="*/ 340468 h 680936"/>
-                      <a:gd name="connsiteX1" fmla="*/ 355060 w 710119"/>
-                      <a:gd name="connsiteY1" fmla="*/ 0 h 680936"/>
-                      <a:gd name="connsiteX2" fmla="*/ 710120 w 710119"/>
-                      <a:gd name="connsiteY2" fmla="*/ 340468 h 680936"/>
-                      <a:gd name="connsiteX3" fmla="*/ 355060 w 710119"/>
-                      <a:gd name="connsiteY3" fmla="*/ 680936 h 680936"/>
-                      <a:gd name="connsiteX4" fmla="*/ 0 w 710119"/>
-                      <a:gd name="connsiteY4" fmla="*/ 340468 h 680936"/>
-                    </a:gdLst>
-                    <a:ahLst/>
-                    <a:cxnLst>
-                      <a:cxn ang="0">
-                        <a:pos x="connsiteX0" y="connsiteY0"/>
-                      </a:cxn>
-                      <a:cxn ang="0">
-                        <a:pos x="connsiteX1" y="connsiteY1"/>
-                      </a:cxn>
-                      <a:cxn ang="0">
-                        <a:pos x="connsiteX2" y="connsiteY2"/>
-                      </a:cxn>
-                      <a:cxn ang="0">
-                        <a:pos x="connsiteX3" y="connsiteY3"/>
-                      </a:cxn>
-                      <a:cxn ang="0">
-                        <a:pos x="connsiteX4" y="connsiteY4"/>
-                      </a:cxn>
-                    </a:cxnLst>
-                    <a:rect l="l" t="t" r="r" b="b"/>
-                    <a:pathLst>
-                      <a:path w="710119" h="680936" fill="none" extrusionOk="0">
-                        <a:moveTo>
-                          <a:pt x="0" y="340468"/>
-                        </a:moveTo>
-                        <a:cubicBezTo>
-                          <a:pt x="12626" y="153931"/>
-                          <a:pt x="182266" y="-47951"/>
-                          <a:pt x="355060" y="0"/>
-                        </a:cubicBezTo>
-                        <a:cubicBezTo>
-                          <a:pt x="512829" y="-5869"/>
-                          <a:pt x="680930" y="179916"/>
-                          <a:pt x="710120" y="340468"/>
-                        </a:cubicBezTo>
-                        <a:cubicBezTo>
-                          <a:pt x="708708" y="515038"/>
-                          <a:pt x="524764" y="717611"/>
-                          <a:pt x="355060" y="680936"/>
-                        </a:cubicBezTo>
-                        <a:cubicBezTo>
-                          <a:pt x="180858" y="693192"/>
-                          <a:pt x="4552" y="529597"/>
-                          <a:pt x="0" y="340468"/>
-                        </a:cubicBezTo>
-                        <a:close/>
-                      </a:path>
-                      <a:path w="710119" h="680936" stroke="0" extrusionOk="0">
-                        <a:moveTo>
-                          <a:pt x="0" y="340468"/>
-                        </a:moveTo>
-                        <a:cubicBezTo>
-                          <a:pt x="-40400" y="127513"/>
-                          <a:pt x="130169" y="10808"/>
-                          <a:pt x="355060" y="0"/>
-                        </a:cubicBezTo>
-                        <a:cubicBezTo>
-                          <a:pt x="591549" y="8504"/>
-                          <a:pt x="696582" y="152863"/>
-                          <a:pt x="710120" y="340468"/>
-                        </a:cubicBezTo>
-                        <a:cubicBezTo>
-                          <a:pt x="691250" y="546930"/>
-                          <a:pt x="546189" y="708377"/>
-                          <a:pt x="355060" y="680936"/>
-                        </a:cubicBezTo>
-                        <a:cubicBezTo>
-                          <a:pt x="119224" y="659192"/>
-                          <a:pt x="48916" y="551876"/>
-                          <a:pt x="0" y="340468"/>
-                        </a:cubicBezTo>
-                        <a:close/>
-                      </a:path>
-                    </a:pathLst>
-                  </a:custGeom>
-                  <ask:type>
-                    <ask:lineSketchNone/>
-                  </ask:type>
-                </ask:lineSketchStyleProps>
-              </a:ext>
-            </a:extLst>
-          </a:ln>
-        </p:spPr>
-        <p:style>
-          <a:lnRef idx="2">
-            <a:schemeClr val="accent1">
-              <a:shade val="50000"/>
-            </a:schemeClr>
-          </a:lnRef>
-          <a:fillRef idx="1">
-            <a:schemeClr val="accent1"/>
-          </a:fillRef>
-          <a:effectRef idx="0">
-            <a:schemeClr val="accent1"/>
-          </a:effectRef>
-          <a:fontRef idx="minor">
-            <a:schemeClr val="lt1"/>
-          </a:fontRef>
-        </p:style>
-        <p:txBody>
-          <a:bodyPr rtlCol="0" anchor="ctr"/>
-          <a:lstStyle/>
+        </p:spPr>
+        <p:txBody>
+          <a:bodyPr vert="horz" lIns="91440" tIns="45720" rIns="91440" bIns="45720" rtlCol="0" anchor="ctr">
+            <a:normAutofit/>
+          </a:bodyPr>
+          <a:lstStyle>
+            <a:lvl1pPr algn="l" defTabSz="914400" rtl="0" eaLnBrk="1" latinLnBrk="0" hangingPunct="1">
+              <a:lnSpc>
+                <a:spcPct val="90000"/>
+              </a:lnSpc>
+              <a:spcBef>
+                <a:spcPct val="0"/>
+              </a:spcBef>
+              <a:buNone/>
+              <a:defRPr sz="4400" kern="1200">
+                <a:solidFill>
+                  <a:schemeClr val="tx1"/>
+                </a:solidFill>
+                <a:latin typeface="+mj-lt"/>
+                <a:ea typeface="+mj-ea"/>
+                <a:cs typeface="+mj-cs"/>
+              </a:defRPr>
+            </a:lvl1pPr>
+          </a:lstStyle>
           <a:p>
             <a:pPr algn="ctr"/>
             <a:r>
-              <a:rPr lang="it-IT" dirty="0">
+              <a:rPr lang="it-IT" sz="4800" spc="100" dirty="0">
                 <a:solidFill>
                   <a:srgbClr val="FF8800"/>
                 </a:solidFill>
+                <a:effectLst>
+                  <a:outerShdw blurRad="38100" dist="38100" dir="2700000" algn="tl">
+                    <a:srgbClr val="000000">
+                      <a:alpha val="43137"/>
+                    </a:srgbClr>
+                  </a:outerShdw>
+                </a:effectLst>
+                <a:latin typeface="Bangers" panose="00000500000000000000" pitchFamily="2" charset="0"/>
               </a:rPr>
-              <a:t>2</a:t>
+              <a:t>DESTINAZIONI</a:t>
             </a:r>
-          </a:p>
-        </p:txBody>
-      </p:sp>
-      <p:pic>
-        <p:nvPicPr>
-          <p:cNvPr id="3" name="Immagine 2">
-            <a:extLst>
-              <a:ext uri="{FF2B5EF4-FFF2-40B4-BE49-F238E27FC236}">
-                <a16:creationId xmlns:a16="http://schemas.microsoft.com/office/drawing/2014/main" id="{D1FDEEE5-350A-443C-9E18-FD7F9A6925CC}"/>
-              </a:ext>
-            </a:extLst>
-          </p:cNvPr>
-          <p:cNvPicPr>
-            <a:picLocks noChangeAspect="1"/>
-          </p:cNvPicPr>
-          <p:nvPr/>
-        </p:nvPicPr>
-        <p:blipFill rotWithShape="1">
-          <a:blip r:embed="rId4">
-            <a:extLst>
-              <a:ext uri="{28A0092B-C50C-407E-A947-70E740481C1C}">
-                <a14:useLocalDpi xmlns:a14="http://schemas.microsoft.com/office/drawing/2010/main" val="0"/>
-              </a:ext>
-            </a:extLst>
-          </a:blip>
-          <a:srcRect t="26498" r="18992" b="19325"/>
-          <a:stretch/>
-        </p:blipFill>
-        <p:spPr>
-          <a:xfrm>
-            <a:off x="335942" y="2767487"/>
-            <a:ext cx="2500009" cy="3715475"/>
-          </a:xfrm>
-          <a:prstGeom prst="rect">
-            <a:avLst/>
-          </a:prstGeom>
-        </p:spPr>
-      </p:pic>
-      <p:pic>
-        <p:nvPicPr>
-          <p:cNvPr id="11" name="Immagine 10">
-            <a:extLst>
-              <a:ext uri="{FF2B5EF4-FFF2-40B4-BE49-F238E27FC236}">
-                <a16:creationId xmlns:a16="http://schemas.microsoft.com/office/drawing/2014/main" id="{266D2D51-ABED-4AF2-A6EB-029E40F22677}"/>
-              </a:ext>
-            </a:extLst>
-          </p:cNvPr>
-          <p:cNvPicPr>
-            <a:picLocks noChangeAspect="1"/>
-          </p:cNvPicPr>
-          <p:nvPr/>
-        </p:nvPicPr>
-        <p:blipFill rotWithShape="1">
-          <a:blip r:embed="rId5">
-            <a:extLst>
-              <a:ext uri="{28A0092B-C50C-407E-A947-70E740481C1C}">
-                <a14:useLocalDpi xmlns:a14="http://schemas.microsoft.com/office/drawing/2010/main" val="0"/>
-              </a:ext>
-            </a:extLst>
-          </a:blip>
-          <a:srcRect t="66419" r="18991" b="13243"/>
-          <a:stretch/>
-        </p:blipFill>
-        <p:spPr>
-          <a:xfrm>
-            <a:off x="350240" y="5479206"/>
-            <a:ext cx="2471412" cy="1378800"/>
-          </a:xfrm>
-          <a:prstGeom prst="rect">
-            <a:avLst/>
-          </a:prstGeom>
-        </p:spPr>
-      </p:pic>
+            <a:endParaRPr lang="it-IT" spc="100" dirty="0">
+              <a:solidFill>
+                <a:srgbClr val="FF8800"/>
+              </a:solidFill>
+              <a:effectLst>
+                <a:outerShdw blurRad="38100" dist="38100" dir="2700000" algn="tl">
+                  <a:srgbClr val="000000">
+                    <a:alpha val="43137"/>
+                  </a:srgbClr>
+                </a:outerShdw>
+              </a:effectLst>
+              <a:latin typeface="Bangers" panose="00000500000000000000" pitchFamily="2" charset="0"/>
+            </a:endParaRPr>
+          </a:p>
+        </p:txBody>
+      </p:sp>
     </p:spTree>
     <p:extLst>
       <p:ext uri="{BB962C8B-B14F-4D97-AF65-F5344CB8AC3E}">

--- a/PresentazionePonyHelper.pptx
+++ b/PresentazionePonyHelper.pptx
@@ -7,18 +7,16 @@
   <p:sldIdLst>
     <p:sldId id="256" r:id="rId2"/>
     <p:sldId id="269" r:id="rId3"/>
-    <p:sldId id="260" r:id="rId4"/>
-    <p:sldId id="271" r:id="rId5"/>
-    <p:sldId id="270" r:id="rId6"/>
-    <p:sldId id="268" r:id="rId7"/>
-    <p:sldId id="267" r:id="rId8"/>
-    <p:sldId id="257" r:id="rId9"/>
-    <p:sldId id="258" r:id="rId10"/>
-    <p:sldId id="264" r:id="rId11"/>
-    <p:sldId id="266" r:id="rId12"/>
-    <p:sldId id="265" r:id="rId13"/>
-    <p:sldId id="261" r:id="rId14"/>
-    <p:sldId id="263" r:id="rId15"/>
+    <p:sldId id="271" r:id="rId4"/>
+    <p:sldId id="270" r:id="rId5"/>
+    <p:sldId id="260" r:id="rId6"/>
+    <p:sldId id="257" r:id="rId7"/>
+    <p:sldId id="258" r:id="rId8"/>
+    <p:sldId id="264" r:id="rId9"/>
+    <p:sldId id="266" r:id="rId10"/>
+    <p:sldId id="265" r:id="rId11"/>
+    <p:sldId id="261" r:id="rId12"/>
+    <p:sldId id="263" r:id="rId13"/>
   </p:sldIdLst>
   <p:sldSz cx="12192000" cy="6858000"/>
   <p:notesSz cx="6858000" cy="9144000"/>
@@ -126,6 +124,11 @@
           </p15:clr>
         </p15:guide>
         <p15:guide id="2" pos="3840" userDrawn="1">
+          <p15:clr>
+            <a:srgbClr val="A4A3A4"/>
+          </p15:clr>
+        </p15:guide>
+        <p15:guide id="3" pos="3940" userDrawn="1">
           <p15:clr>
             <a:srgbClr val="A4A3A4"/>
           </p15:clr>
@@ -3358,102 +3361,12 @@
           <a:chExt cx="0" cy="0"/>
         </a:xfrm>
       </p:grpSpPr>
-      <p:sp>
-        <p:nvSpPr>
-          <p:cNvPr id="7" name="Rettangolo 6">
-            <a:extLst>
-              <a:ext uri="{FF2B5EF4-FFF2-40B4-BE49-F238E27FC236}">
-                <a16:creationId xmlns:a16="http://schemas.microsoft.com/office/drawing/2014/main" id="{70BA306A-7A95-496C-816A-0B292F984216}"/>
-              </a:ext>
-            </a:extLst>
-          </p:cNvPr>
-          <p:cNvSpPr/>
-          <p:nvPr/>
-        </p:nvSpPr>
-        <p:spPr>
-          <a:xfrm>
-            <a:off x="337929" y="0"/>
-            <a:ext cx="11039573" cy="6857999"/>
-          </a:xfrm>
-          <a:prstGeom prst="rect">
-            <a:avLst/>
-          </a:prstGeom>
-          <a:solidFill>
-            <a:srgbClr val="212421"/>
-          </a:solidFill>
-        </p:spPr>
-        <p:style>
-          <a:lnRef idx="2">
-            <a:schemeClr val="accent1">
-              <a:shade val="50000"/>
-            </a:schemeClr>
-          </a:lnRef>
-          <a:fillRef idx="1">
-            <a:schemeClr val="accent1"/>
-          </a:fillRef>
-          <a:effectRef idx="0">
-            <a:schemeClr val="accent1"/>
-          </a:effectRef>
-          <a:fontRef idx="minor">
-            <a:schemeClr val="lt1"/>
-          </a:fontRef>
-        </p:style>
-        <p:txBody>
-          <a:bodyPr rtlCol="0" anchor="ctr"/>
-          <a:lstStyle/>
-          <a:p>
-            <a:pPr algn="ctr"/>
-            <a:endParaRPr lang="it-IT"/>
-          </a:p>
-        </p:txBody>
-      </p:sp>
       <p:cxnSp>
         <p:nvCxnSpPr>
-          <p:cNvPr id="3" name="Connettore diritto 2">
-            <a:extLst>
-              <a:ext uri="{FF2B5EF4-FFF2-40B4-BE49-F238E27FC236}">
-                <a16:creationId xmlns:a16="http://schemas.microsoft.com/office/drawing/2014/main" id="{9B6AC62C-4013-457B-8966-4FC13340B42C}"/>
-              </a:ext>
-            </a:extLst>
-          </p:cNvPr>
-          <p:cNvCxnSpPr/>
-          <p:nvPr/>
-        </p:nvCxnSpPr>
-        <p:spPr>
-          <a:xfrm>
-            <a:off x="11377507" y="-1"/>
-            <a:ext cx="0" cy="6857999"/>
-          </a:xfrm>
-          <a:prstGeom prst="line">
-            <a:avLst/>
-          </a:prstGeom>
-          <a:ln w="19050">
-            <a:solidFill>
-              <a:srgbClr val="FF8800"/>
-            </a:solidFill>
-          </a:ln>
-        </p:spPr>
-        <p:style>
-          <a:lnRef idx="1">
-            <a:schemeClr val="accent1"/>
-          </a:lnRef>
-          <a:fillRef idx="0">
-            <a:schemeClr val="accent1"/>
-          </a:fillRef>
-          <a:effectRef idx="0">
-            <a:schemeClr val="accent1"/>
-          </a:effectRef>
-          <a:fontRef idx="minor">
-            <a:schemeClr val="tx1"/>
-          </a:fontRef>
-        </p:style>
-      </p:cxnSp>
-      <p:cxnSp>
-        <p:nvCxnSpPr>
-          <p:cNvPr id="9" name="Connettore diritto 8">
-            <a:extLst>
-              <a:ext uri="{FF2B5EF4-FFF2-40B4-BE49-F238E27FC236}">
-                <a16:creationId xmlns:a16="http://schemas.microsoft.com/office/drawing/2014/main" id="{7D4D5F44-FA64-4EEF-A3A7-1620CCB961D8}"/>
+          <p:cNvPr id="14" name="Connettore diritto 13">
+            <a:extLst>
+              <a:ext uri="{FF2B5EF4-FFF2-40B4-BE49-F238E27FC236}">
+                <a16:creationId xmlns:a16="http://schemas.microsoft.com/office/drawing/2014/main" id="{D40F9B1E-C8C8-42F0-BEF0-1CD90CE3CC59}"/>
               </a:ext>
             </a:extLst>
           </p:cNvPr>
@@ -3464,15 +3377,15 @@
         </p:nvCxnSpPr>
         <p:spPr>
           <a:xfrm>
-            <a:off x="337930" y="0"/>
-            <a:ext cx="0" cy="6858000"/>
+            <a:off x="1053548" y="3429000"/>
+            <a:ext cx="10068339" cy="0"/>
           </a:xfrm>
           <a:prstGeom prst="line">
             <a:avLst/>
           </a:prstGeom>
-          <a:ln w="19050">
+          <a:ln>
             <a:solidFill>
-              <a:srgbClr val="FF8800"/>
+              <a:srgbClr val="202125"/>
             </a:solidFill>
           </a:ln>
         </p:spPr>
@@ -3519,7 +3432,7 @@
         </p:blipFill>
         <p:spPr>
           <a:xfrm>
-            <a:off x="3343275" y="676274"/>
+            <a:off x="3174310" y="139977"/>
             <a:ext cx="5505450" cy="5505450"/>
           </a:xfrm>
           <a:prstGeom prst="rect">
@@ -3527,6 +3440,103 @@
           </a:prstGeom>
         </p:spPr>
       </p:pic>
+      <p:sp>
+        <p:nvSpPr>
+          <p:cNvPr id="2" name="Rettangolo 1">
+            <a:extLst>
+              <a:ext uri="{FF2B5EF4-FFF2-40B4-BE49-F238E27FC236}">
+                <a16:creationId xmlns:a16="http://schemas.microsoft.com/office/drawing/2014/main" id="{33EF2959-3B11-4C0B-9D47-6B6F55C5107B}"/>
+              </a:ext>
+            </a:extLst>
+          </p:cNvPr>
+          <p:cNvSpPr/>
+          <p:nvPr/>
+        </p:nvSpPr>
+        <p:spPr>
+          <a:xfrm>
+            <a:off x="0" y="6370982"/>
+            <a:ext cx="12192000" cy="487017"/>
+          </a:xfrm>
+          <a:prstGeom prst="rect">
+            <a:avLst/>
+          </a:prstGeom>
+          <a:solidFill>
+            <a:srgbClr val="202124"/>
+          </a:solidFill>
+          <a:ln>
+            <a:solidFill>
+              <a:srgbClr val="242124"/>
+            </a:solidFill>
+          </a:ln>
+        </p:spPr>
+        <p:style>
+          <a:lnRef idx="2">
+            <a:schemeClr val="accent1">
+              <a:shade val="50000"/>
+            </a:schemeClr>
+          </a:lnRef>
+          <a:fillRef idx="1">
+            <a:schemeClr val="accent1"/>
+          </a:fillRef>
+          <a:effectRef idx="0">
+            <a:schemeClr val="accent1"/>
+          </a:effectRef>
+          <a:fontRef idx="minor">
+            <a:schemeClr val="lt1"/>
+          </a:fontRef>
+        </p:style>
+        <p:txBody>
+          <a:bodyPr rtlCol="0" anchor="ctr"/>
+          <a:lstStyle/>
+          <a:p>
+            <a:pPr algn="ctr"/>
+            <a:endParaRPr lang="it-IT"/>
+          </a:p>
+        </p:txBody>
+      </p:sp>
+      <p:cxnSp>
+        <p:nvCxnSpPr>
+          <p:cNvPr id="10" name="Connettore diritto 9">
+            <a:extLst>
+              <a:ext uri="{FF2B5EF4-FFF2-40B4-BE49-F238E27FC236}">
+                <a16:creationId xmlns:a16="http://schemas.microsoft.com/office/drawing/2014/main" id="{33CF7E9F-37D4-40E9-B59E-DCEBC72EC468}"/>
+              </a:ext>
+            </a:extLst>
+          </p:cNvPr>
+          <p:cNvCxnSpPr>
+            <a:cxnSpLocks/>
+          </p:cNvCxnSpPr>
+          <p:nvPr/>
+        </p:nvCxnSpPr>
+        <p:spPr>
+          <a:xfrm>
+            <a:off x="0" y="6361043"/>
+            <a:ext cx="12192000" cy="0"/>
+          </a:xfrm>
+          <a:prstGeom prst="line">
+            <a:avLst/>
+          </a:prstGeom>
+          <a:ln w="69850">
+            <a:solidFill>
+              <a:srgbClr val="FF8800"/>
+            </a:solidFill>
+          </a:ln>
+        </p:spPr>
+        <p:style>
+          <a:lnRef idx="1">
+            <a:schemeClr val="accent1"/>
+          </a:lnRef>
+          <a:fillRef idx="0">
+            <a:schemeClr val="accent1"/>
+          </a:fillRef>
+          <a:effectRef idx="0">
+            <a:schemeClr val="accent1"/>
+          </a:effectRef>
+          <a:fontRef idx="minor">
+            <a:schemeClr val="tx1"/>
+          </a:fontRef>
+        </p:style>
+      </p:cxnSp>
     </p:spTree>
     <p:extLst>
       <p:ext uri="{BB962C8B-B14F-4D97-AF65-F5344CB8AC3E}">
@@ -3541,6 +3551,382 @@
 </file>
 
 <file path=ppt/slides/slide10.xml><?xml version="1.0" encoding="utf-8"?>
+<p:sld xmlns:a="http://schemas.openxmlformats.org/drawingml/2006/main" xmlns:r="http://schemas.openxmlformats.org/officeDocument/2006/relationships" xmlns:p="http://schemas.openxmlformats.org/presentationml/2006/main">
+  <p:cSld>
+    <p:bg>
+      <p:bgPr>
+        <a:solidFill>
+          <a:srgbClr val="DBDEDB"/>
+        </a:solidFill>
+        <a:effectLst/>
+      </p:bgPr>
+    </p:bg>
+    <p:spTree>
+      <p:nvGrpSpPr>
+        <p:cNvPr id="1" name=""/>
+        <p:cNvGrpSpPr/>
+        <p:nvPr/>
+      </p:nvGrpSpPr>
+      <p:grpSpPr>
+        <a:xfrm>
+          <a:off x="0" y="0"/>
+          <a:ext cx="0" cy="0"/>
+          <a:chOff x="0" y="0"/>
+          <a:chExt cx="0" cy="0"/>
+        </a:xfrm>
+      </p:grpSpPr>
+      <p:sp>
+        <p:nvSpPr>
+          <p:cNvPr id="4" name="Rettangolo 3">
+            <a:extLst>
+              <a:ext uri="{FF2B5EF4-FFF2-40B4-BE49-F238E27FC236}">
+                <a16:creationId xmlns:a16="http://schemas.microsoft.com/office/drawing/2014/main" id="{287EFA3C-02A3-4753-876A-2D2161CF2080}"/>
+              </a:ext>
+            </a:extLst>
+          </p:cNvPr>
+          <p:cNvSpPr/>
+          <p:nvPr/>
+        </p:nvSpPr>
+        <p:spPr>
+          <a:xfrm>
+            <a:off x="337931" y="0"/>
+            <a:ext cx="2500009" cy="6858000"/>
+          </a:xfrm>
+          <a:prstGeom prst="rect">
+            <a:avLst/>
+          </a:prstGeom>
+          <a:solidFill>
+            <a:srgbClr val="212421"/>
+          </a:solidFill>
+          <a:ln>
+            <a:noFill/>
+          </a:ln>
+        </p:spPr>
+        <p:style>
+          <a:lnRef idx="2">
+            <a:schemeClr val="accent1">
+              <a:shade val="50000"/>
+            </a:schemeClr>
+          </a:lnRef>
+          <a:fillRef idx="1">
+            <a:schemeClr val="accent1"/>
+          </a:fillRef>
+          <a:effectRef idx="0">
+            <a:schemeClr val="accent1"/>
+          </a:effectRef>
+          <a:fontRef idx="minor">
+            <a:schemeClr val="lt1"/>
+          </a:fontRef>
+        </p:style>
+        <p:txBody>
+          <a:bodyPr rtlCol="0" anchor="ctr"/>
+          <a:lstStyle/>
+          <a:p>
+            <a:pPr algn="ctr"/>
+            <a:endParaRPr lang="it-IT"/>
+          </a:p>
+        </p:txBody>
+      </p:sp>
+      <p:pic>
+        <p:nvPicPr>
+          <p:cNvPr id="10" name="Immagine 9">
+            <a:extLst>
+              <a:ext uri="{FF2B5EF4-FFF2-40B4-BE49-F238E27FC236}">
+                <a16:creationId xmlns:a16="http://schemas.microsoft.com/office/drawing/2014/main" id="{B37FD3D7-8604-42D7-A8F5-0FA67A790F1D}"/>
+              </a:ext>
+            </a:extLst>
+          </p:cNvPr>
+          <p:cNvPicPr>
+            <a:picLocks noChangeAspect="1"/>
+          </p:cNvPicPr>
+          <p:nvPr/>
+        </p:nvPicPr>
+        <p:blipFill rotWithShape="1">
+          <a:blip r:embed="rId2">
+            <a:extLst>
+              <a:ext uri="{28A0092B-C50C-407E-A947-70E740481C1C}">
+                <a14:useLocalDpi xmlns:a14="http://schemas.microsoft.com/office/drawing/2010/main" val="0"/>
+              </a:ext>
+            </a:extLst>
+          </a:blip>
+          <a:srcRect r="8050"/>
+          <a:stretch/>
+        </p:blipFill>
+        <p:spPr>
+          <a:xfrm>
+            <a:off x="337929" y="0"/>
+            <a:ext cx="2500010" cy="2767515"/>
+          </a:xfrm>
+          <a:prstGeom prst="rect">
+            <a:avLst/>
+          </a:prstGeom>
+          <a:solidFill>
+            <a:srgbClr val="FFFFFF">
+              <a:alpha val="50000"/>
+            </a:srgbClr>
+          </a:solidFill>
+        </p:spPr>
+      </p:pic>
+      <p:sp>
+        <p:nvSpPr>
+          <p:cNvPr id="8" name="Rettangolo 7">
+            <a:extLst>
+              <a:ext uri="{FF2B5EF4-FFF2-40B4-BE49-F238E27FC236}">
+                <a16:creationId xmlns:a16="http://schemas.microsoft.com/office/drawing/2014/main" id="{2B44E0C2-EED0-4328-BD48-EF1736A96DB0}"/>
+              </a:ext>
+            </a:extLst>
+          </p:cNvPr>
+          <p:cNvSpPr/>
+          <p:nvPr/>
+        </p:nvSpPr>
+        <p:spPr>
+          <a:xfrm>
+            <a:off x="337929" y="-14"/>
+            <a:ext cx="2502000" cy="2772000"/>
+          </a:xfrm>
+          <a:prstGeom prst="rect">
+            <a:avLst/>
+          </a:prstGeom>
+          <a:solidFill>
+            <a:schemeClr val="tx1">
+              <a:alpha val="40000"/>
+            </a:schemeClr>
+          </a:solidFill>
+          <a:ln w="22225">
+            <a:noFill/>
+          </a:ln>
+        </p:spPr>
+        <p:style>
+          <a:lnRef idx="2">
+            <a:schemeClr val="accent1">
+              <a:shade val="50000"/>
+            </a:schemeClr>
+          </a:lnRef>
+          <a:fillRef idx="1">
+            <a:schemeClr val="accent1"/>
+          </a:fillRef>
+          <a:effectRef idx="0">
+            <a:schemeClr val="accent1"/>
+          </a:effectRef>
+          <a:fontRef idx="minor">
+            <a:schemeClr val="lt1"/>
+          </a:fontRef>
+        </p:style>
+        <p:txBody>
+          <a:bodyPr rtlCol="0" anchor="ctr"/>
+          <a:lstStyle/>
+          <a:p>
+            <a:pPr algn="ctr"/>
+            <a:endParaRPr lang="it-IT"/>
+          </a:p>
+        </p:txBody>
+      </p:sp>
+      <p:cxnSp>
+        <p:nvCxnSpPr>
+          <p:cNvPr id="7" name="Connettore diritto 6">
+            <a:extLst>
+              <a:ext uri="{FF2B5EF4-FFF2-40B4-BE49-F238E27FC236}">
+                <a16:creationId xmlns:a16="http://schemas.microsoft.com/office/drawing/2014/main" id="{E1F82E93-AEDE-4C53-A4B7-7DE29FA4CC78}"/>
+              </a:ext>
+            </a:extLst>
+          </p:cNvPr>
+          <p:cNvCxnSpPr/>
+          <p:nvPr/>
+        </p:nvCxnSpPr>
+        <p:spPr>
+          <a:xfrm>
+            <a:off x="337930" y="2767502"/>
+            <a:ext cx="2500009" cy="0"/>
+          </a:xfrm>
+          <a:prstGeom prst="line">
+            <a:avLst/>
+          </a:prstGeom>
+          <a:ln w="28575">
+            <a:solidFill>
+              <a:srgbClr val="FF8800"/>
+            </a:solidFill>
+          </a:ln>
+        </p:spPr>
+        <p:style>
+          <a:lnRef idx="1">
+            <a:schemeClr val="accent1"/>
+          </a:lnRef>
+          <a:fillRef idx="0">
+            <a:schemeClr val="accent1"/>
+          </a:fillRef>
+          <a:effectRef idx="0">
+            <a:schemeClr val="accent1"/>
+          </a:effectRef>
+          <a:fontRef idx="minor">
+            <a:schemeClr val="tx1"/>
+          </a:fontRef>
+        </p:style>
+      </p:cxnSp>
+      <p:pic>
+        <p:nvPicPr>
+          <p:cNvPr id="5" name="Immagine 4">
+            <a:extLst>
+              <a:ext uri="{FF2B5EF4-FFF2-40B4-BE49-F238E27FC236}">
+                <a16:creationId xmlns:a16="http://schemas.microsoft.com/office/drawing/2014/main" id="{A499A755-5BEA-46D4-8D1B-455136980E98}"/>
+              </a:ext>
+            </a:extLst>
+          </p:cNvPr>
+          <p:cNvPicPr>
+            <a:picLocks noChangeAspect="1"/>
+          </p:cNvPicPr>
+          <p:nvPr/>
+        </p:nvPicPr>
+        <p:blipFill>
+          <a:blip r:embed="rId3">
+            <a:extLst>
+              <a:ext uri="{28A0092B-C50C-407E-A947-70E740481C1C}">
+                <a14:useLocalDpi xmlns:a14="http://schemas.microsoft.com/office/drawing/2010/main" val="0"/>
+              </a:ext>
+            </a:extLst>
+          </a:blip>
+          <a:stretch>
+            <a:fillRect/>
+          </a:stretch>
+        </p:blipFill>
+        <p:spPr>
+          <a:xfrm>
+            <a:off x="337930" y="133739"/>
+            <a:ext cx="2500009" cy="2500009"/>
+          </a:xfrm>
+          <a:prstGeom prst="rect">
+            <a:avLst/>
+          </a:prstGeom>
+        </p:spPr>
+      </p:pic>
+      <p:pic>
+        <p:nvPicPr>
+          <p:cNvPr id="6" name="Immagine 5">
+            <a:extLst>
+              <a:ext uri="{FF2B5EF4-FFF2-40B4-BE49-F238E27FC236}">
+                <a16:creationId xmlns:a16="http://schemas.microsoft.com/office/drawing/2014/main" id="{9DC7940E-EA2E-4DE6-866F-B5A71C09B932}"/>
+              </a:ext>
+            </a:extLst>
+          </p:cNvPr>
+          <p:cNvPicPr>
+            <a:picLocks noChangeAspect="1"/>
+          </p:cNvPicPr>
+          <p:nvPr/>
+        </p:nvPicPr>
+        <p:blipFill rotWithShape="1">
+          <a:blip r:embed="rId4">
+            <a:extLst>
+              <a:ext uri="{28A0092B-C50C-407E-A947-70E740481C1C}">
+                <a14:useLocalDpi xmlns:a14="http://schemas.microsoft.com/office/drawing/2010/main" val="0"/>
+              </a:ext>
+            </a:extLst>
+          </a:blip>
+          <a:srcRect t="25540" r="18992" b="14814"/>
+          <a:stretch/>
+        </p:blipFill>
+        <p:spPr>
+          <a:xfrm>
+            <a:off x="337929" y="2767487"/>
+            <a:ext cx="2500009" cy="4090514"/>
+          </a:xfrm>
+          <a:prstGeom prst="rect">
+            <a:avLst/>
+          </a:prstGeom>
+        </p:spPr>
+      </p:pic>
+      <p:sp>
+        <p:nvSpPr>
+          <p:cNvPr id="11" name="Titolo 5">
+            <a:extLst>
+              <a:ext uri="{FF2B5EF4-FFF2-40B4-BE49-F238E27FC236}">
+                <a16:creationId xmlns:a16="http://schemas.microsoft.com/office/drawing/2014/main" id="{DBDFA6AE-1844-4218-AFF1-E7C26731A10B}"/>
+              </a:ext>
+            </a:extLst>
+          </p:cNvPr>
+          <p:cNvSpPr txBox="1">
+            <a:spLocks/>
+          </p:cNvSpPr>
+          <p:nvPr/>
+        </p:nvSpPr>
+        <p:spPr>
+          <a:xfrm>
+            <a:off x="3058440" y="133739"/>
+            <a:ext cx="8595360" cy="998289"/>
+          </a:xfrm>
+          <a:prstGeom prst="rect">
+            <a:avLst/>
+          </a:prstGeom>
+        </p:spPr>
+        <p:txBody>
+          <a:bodyPr vert="horz" lIns="91440" tIns="45720" rIns="91440" bIns="45720" rtlCol="0" anchor="ctr">
+            <a:normAutofit/>
+          </a:bodyPr>
+          <a:lstStyle>
+            <a:lvl1pPr algn="l" defTabSz="914400" rtl="0" eaLnBrk="1" latinLnBrk="0" hangingPunct="1">
+              <a:lnSpc>
+                <a:spcPct val="90000"/>
+              </a:lnSpc>
+              <a:spcBef>
+                <a:spcPct val="0"/>
+              </a:spcBef>
+              <a:buNone/>
+              <a:defRPr sz="4400" kern="1200">
+                <a:solidFill>
+                  <a:schemeClr val="tx1"/>
+                </a:solidFill>
+                <a:latin typeface="+mj-lt"/>
+                <a:ea typeface="+mj-ea"/>
+                <a:cs typeface="+mj-cs"/>
+              </a:defRPr>
+            </a:lvl1pPr>
+          </a:lstStyle>
+          <a:p>
+            <a:pPr algn="ctr"/>
+            <a:r>
+              <a:rPr lang="it-IT" sz="4800" spc="100" dirty="0">
+                <a:solidFill>
+                  <a:srgbClr val="FF8800"/>
+                </a:solidFill>
+                <a:effectLst>
+                  <a:outerShdw blurRad="38100" dist="38100" dir="2700000" algn="tl">
+                    <a:srgbClr val="000000">
+                      <a:alpha val="43137"/>
+                    </a:srgbClr>
+                  </a:outerShdw>
+                </a:effectLst>
+                <a:latin typeface="Bangers" panose="00000500000000000000" pitchFamily="2" charset="0"/>
+              </a:rPr>
+              <a:t>PROFILO</a:t>
+            </a:r>
+            <a:endParaRPr lang="it-IT" spc="100" dirty="0">
+              <a:solidFill>
+                <a:srgbClr val="FF8800"/>
+              </a:solidFill>
+              <a:effectLst>
+                <a:outerShdw blurRad="38100" dist="38100" dir="2700000" algn="tl">
+                  <a:srgbClr val="000000">
+                    <a:alpha val="43137"/>
+                  </a:srgbClr>
+                </a:outerShdw>
+              </a:effectLst>
+              <a:latin typeface="Bangers" panose="00000500000000000000" pitchFamily="2" charset="0"/>
+            </a:endParaRPr>
+          </a:p>
+        </p:txBody>
+      </p:sp>
+    </p:spTree>
+    <p:extLst>
+      <p:ext uri="{BB962C8B-B14F-4D97-AF65-F5344CB8AC3E}">
+        <p14:creationId xmlns:p14="http://schemas.microsoft.com/office/powerpoint/2010/main" val="2520931700"/>
+      </p:ext>
+    </p:extLst>
+  </p:cSld>
+  <p:clrMapOvr>
+    <a:masterClrMapping/>
+  </p:clrMapOvr>
+</p:sld>
+</file>
+
+<file path=ppt/slides/slide11.xml><?xml version="1.0" encoding="utf-8"?>
 <p:sld xmlns:a="http://schemas.openxmlformats.org/drawingml/2006/main" xmlns:r="http://schemas.openxmlformats.org/officeDocument/2006/relationships" xmlns:p="http://schemas.openxmlformats.org/presentationml/2006/main">
   <p:cSld>
     <p:bg>
@@ -3943,7 +4329,7 @@
                   <a:srgbClr val="FF8800"/>
                 </a:solidFill>
               </a:rPr>
-              <a:t>3</a:t>
+              <a:t>6</a:t>
             </a:r>
           </a:p>
         </p:txBody>
@@ -3953,7 +4339,7 @@
           <p:cNvPr id="6" name="Immagine 5">
             <a:extLst>
               <a:ext uri="{FF2B5EF4-FFF2-40B4-BE49-F238E27FC236}">
-                <a16:creationId xmlns:a16="http://schemas.microsoft.com/office/drawing/2014/main" id="{19FF3341-2E80-47F2-91AB-5750AE8918D8}"/>
+                <a16:creationId xmlns:a16="http://schemas.microsoft.com/office/drawing/2014/main" id="{40895E13-8B49-47DC-929B-333453BB8A2B}"/>
               </a:ext>
             </a:extLst>
           </p:cNvPr>
@@ -3970,13 +4356,13 @@
               </a:ext>
             </a:extLst>
           </a:blip>
-          <a:srcRect t="25663" r="18992" b="14691"/>
+          <a:srcRect t="25786" r="18992" b="14568"/>
           <a:stretch/>
         </p:blipFill>
         <p:spPr>
           <a:xfrm>
-            <a:off x="337929" y="2767487"/>
-            <a:ext cx="2500009" cy="4090514"/>
+            <a:off x="335940" y="2767486"/>
+            <a:ext cx="2500009" cy="4090513"/>
           </a:xfrm>
           <a:prstGeom prst="rect">
             <a:avLst/>
@@ -3988,7 +4374,7 @@
           <p:cNvPr id="11" name="Titolo 5">
             <a:extLst>
               <a:ext uri="{FF2B5EF4-FFF2-40B4-BE49-F238E27FC236}">
-                <a16:creationId xmlns:a16="http://schemas.microsoft.com/office/drawing/2014/main" id="{F0C40106-8671-4CD5-A5E4-249428F4C1A9}"/>
+                <a16:creationId xmlns:a16="http://schemas.microsoft.com/office/drawing/2014/main" id="{42CA24E9-F88C-471E-815E-2359E4965D67}"/>
               </a:ext>
             </a:extLst>
           </p:cNvPr>
@@ -4045,7 +4431,7 @@
                 </a:effectLst>
                 <a:latin typeface="Bangers" panose="00000500000000000000" pitchFamily="2" charset="0"/>
               </a:rPr>
-              <a:t>TURNI</a:t>
+              <a:t>INFO</a:t>
             </a:r>
             <a:endParaRPr lang="it-IT" spc="100" dirty="0">
               <a:solidFill>
@@ -4066,543 +4452,7 @@
     </p:spTree>
     <p:extLst>
       <p:ext uri="{BB962C8B-B14F-4D97-AF65-F5344CB8AC3E}">
-        <p14:creationId xmlns:p14="http://schemas.microsoft.com/office/powerpoint/2010/main" val="3756585848"/>
-      </p:ext>
-    </p:extLst>
-  </p:cSld>
-  <p:clrMapOvr>
-    <a:masterClrMapping/>
-  </p:clrMapOvr>
-</p:sld>
-</file>
-
-<file path=ppt/slides/slide11.xml><?xml version="1.0" encoding="utf-8"?>
-<p:sld xmlns:a="http://schemas.openxmlformats.org/drawingml/2006/main" xmlns:r="http://schemas.openxmlformats.org/officeDocument/2006/relationships" xmlns:p="http://schemas.openxmlformats.org/presentationml/2006/main">
-  <p:cSld>
-    <p:bg>
-      <p:bgPr>
-        <a:solidFill>
-          <a:srgbClr val="DBDEDB"/>
-        </a:solidFill>
-        <a:effectLst/>
-      </p:bgPr>
-    </p:bg>
-    <p:spTree>
-      <p:nvGrpSpPr>
-        <p:cNvPr id="1" name=""/>
-        <p:cNvGrpSpPr/>
-        <p:nvPr/>
-      </p:nvGrpSpPr>
-      <p:grpSpPr>
-        <a:xfrm>
-          <a:off x="0" y="0"/>
-          <a:ext cx="0" cy="0"/>
-          <a:chOff x="0" y="0"/>
-          <a:chExt cx="0" cy="0"/>
-        </a:xfrm>
-      </p:grpSpPr>
-      <p:sp>
-        <p:nvSpPr>
-          <p:cNvPr id="4" name="Rettangolo 3">
-            <a:extLst>
-              <a:ext uri="{FF2B5EF4-FFF2-40B4-BE49-F238E27FC236}">
-                <a16:creationId xmlns:a16="http://schemas.microsoft.com/office/drawing/2014/main" id="{287EFA3C-02A3-4753-876A-2D2161CF2080}"/>
-              </a:ext>
-            </a:extLst>
-          </p:cNvPr>
-          <p:cNvSpPr/>
-          <p:nvPr/>
-        </p:nvSpPr>
-        <p:spPr>
-          <a:xfrm>
-            <a:off x="337931" y="0"/>
-            <a:ext cx="2500009" cy="6858000"/>
-          </a:xfrm>
-          <a:prstGeom prst="rect">
-            <a:avLst/>
-          </a:prstGeom>
-          <a:solidFill>
-            <a:srgbClr val="212421"/>
-          </a:solidFill>
-          <a:ln>
-            <a:noFill/>
-          </a:ln>
-        </p:spPr>
-        <p:style>
-          <a:lnRef idx="2">
-            <a:schemeClr val="accent1">
-              <a:shade val="50000"/>
-            </a:schemeClr>
-          </a:lnRef>
-          <a:fillRef idx="1">
-            <a:schemeClr val="accent1"/>
-          </a:fillRef>
-          <a:effectRef idx="0">
-            <a:schemeClr val="accent1"/>
-          </a:effectRef>
-          <a:fontRef idx="minor">
-            <a:schemeClr val="lt1"/>
-          </a:fontRef>
-        </p:style>
-        <p:txBody>
-          <a:bodyPr rtlCol="0" anchor="ctr"/>
-          <a:lstStyle/>
-          <a:p>
-            <a:pPr algn="ctr"/>
-            <a:endParaRPr lang="it-IT"/>
-          </a:p>
-        </p:txBody>
-      </p:sp>
-      <p:pic>
-        <p:nvPicPr>
-          <p:cNvPr id="10" name="Immagine 9">
-            <a:extLst>
-              <a:ext uri="{FF2B5EF4-FFF2-40B4-BE49-F238E27FC236}">
-                <a16:creationId xmlns:a16="http://schemas.microsoft.com/office/drawing/2014/main" id="{B37FD3D7-8604-42D7-A8F5-0FA67A790F1D}"/>
-              </a:ext>
-            </a:extLst>
-          </p:cNvPr>
-          <p:cNvPicPr>
-            <a:picLocks noChangeAspect="1"/>
-          </p:cNvPicPr>
-          <p:nvPr/>
-        </p:nvPicPr>
-        <p:blipFill rotWithShape="1">
-          <a:blip r:embed="rId2">
-            <a:extLst>
-              <a:ext uri="{28A0092B-C50C-407E-A947-70E740481C1C}">
-                <a14:useLocalDpi xmlns:a14="http://schemas.microsoft.com/office/drawing/2010/main" val="0"/>
-              </a:ext>
-            </a:extLst>
-          </a:blip>
-          <a:srcRect r="8050"/>
-          <a:stretch/>
-        </p:blipFill>
-        <p:spPr>
-          <a:xfrm>
-            <a:off x="337929" y="0"/>
-            <a:ext cx="2500010" cy="2767515"/>
-          </a:xfrm>
-          <a:prstGeom prst="rect">
-            <a:avLst/>
-          </a:prstGeom>
-          <a:solidFill>
-            <a:srgbClr val="FFFFFF">
-              <a:alpha val="50000"/>
-            </a:srgbClr>
-          </a:solidFill>
-        </p:spPr>
-      </p:pic>
-      <p:sp>
-        <p:nvSpPr>
-          <p:cNvPr id="8" name="Rettangolo 7">
-            <a:extLst>
-              <a:ext uri="{FF2B5EF4-FFF2-40B4-BE49-F238E27FC236}">
-                <a16:creationId xmlns:a16="http://schemas.microsoft.com/office/drawing/2014/main" id="{2B44E0C2-EED0-4328-BD48-EF1736A96DB0}"/>
-              </a:ext>
-            </a:extLst>
-          </p:cNvPr>
-          <p:cNvSpPr/>
-          <p:nvPr/>
-        </p:nvSpPr>
-        <p:spPr>
-          <a:xfrm>
-            <a:off x="337929" y="-14"/>
-            <a:ext cx="2502000" cy="2772000"/>
-          </a:xfrm>
-          <a:prstGeom prst="rect">
-            <a:avLst/>
-          </a:prstGeom>
-          <a:solidFill>
-            <a:schemeClr val="tx1">
-              <a:alpha val="40000"/>
-            </a:schemeClr>
-          </a:solidFill>
-          <a:ln w="22225">
-            <a:noFill/>
-          </a:ln>
-        </p:spPr>
-        <p:style>
-          <a:lnRef idx="2">
-            <a:schemeClr val="accent1">
-              <a:shade val="50000"/>
-            </a:schemeClr>
-          </a:lnRef>
-          <a:fillRef idx="1">
-            <a:schemeClr val="accent1"/>
-          </a:fillRef>
-          <a:effectRef idx="0">
-            <a:schemeClr val="accent1"/>
-          </a:effectRef>
-          <a:fontRef idx="minor">
-            <a:schemeClr val="lt1"/>
-          </a:fontRef>
-        </p:style>
-        <p:txBody>
-          <a:bodyPr rtlCol="0" anchor="ctr"/>
-          <a:lstStyle/>
-          <a:p>
-            <a:pPr algn="ctr"/>
-            <a:endParaRPr lang="it-IT"/>
-          </a:p>
-        </p:txBody>
-      </p:sp>
-      <p:cxnSp>
-        <p:nvCxnSpPr>
-          <p:cNvPr id="7" name="Connettore diritto 6">
-            <a:extLst>
-              <a:ext uri="{FF2B5EF4-FFF2-40B4-BE49-F238E27FC236}">
-                <a16:creationId xmlns:a16="http://schemas.microsoft.com/office/drawing/2014/main" id="{E1F82E93-AEDE-4C53-A4B7-7DE29FA4CC78}"/>
-              </a:ext>
-            </a:extLst>
-          </p:cNvPr>
-          <p:cNvCxnSpPr/>
-          <p:nvPr/>
-        </p:nvCxnSpPr>
-        <p:spPr>
-          <a:xfrm>
-            <a:off x="337930" y="2767502"/>
-            <a:ext cx="2500009" cy="0"/>
-          </a:xfrm>
-          <a:prstGeom prst="line">
-            <a:avLst/>
-          </a:prstGeom>
-          <a:ln w="28575">
-            <a:solidFill>
-              <a:srgbClr val="FF8800"/>
-            </a:solidFill>
-          </a:ln>
-        </p:spPr>
-        <p:style>
-          <a:lnRef idx="1">
-            <a:schemeClr val="accent1"/>
-          </a:lnRef>
-          <a:fillRef idx="0">
-            <a:schemeClr val="accent1"/>
-          </a:fillRef>
-          <a:effectRef idx="0">
-            <a:schemeClr val="accent1"/>
-          </a:effectRef>
-          <a:fontRef idx="minor">
-            <a:schemeClr val="tx1"/>
-          </a:fontRef>
-        </p:style>
-      </p:cxnSp>
-      <p:pic>
-        <p:nvPicPr>
-          <p:cNvPr id="5" name="Immagine 4">
-            <a:extLst>
-              <a:ext uri="{FF2B5EF4-FFF2-40B4-BE49-F238E27FC236}">
-                <a16:creationId xmlns:a16="http://schemas.microsoft.com/office/drawing/2014/main" id="{A499A755-5BEA-46D4-8D1B-455136980E98}"/>
-              </a:ext>
-            </a:extLst>
-          </p:cNvPr>
-          <p:cNvPicPr>
-            <a:picLocks noChangeAspect="1"/>
-          </p:cNvPicPr>
-          <p:nvPr/>
-        </p:nvPicPr>
-        <p:blipFill>
-          <a:blip r:embed="rId3">
-            <a:extLst>
-              <a:ext uri="{28A0092B-C50C-407E-A947-70E740481C1C}">
-                <a14:useLocalDpi xmlns:a14="http://schemas.microsoft.com/office/drawing/2010/main" val="0"/>
-              </a:ext>
-            </a:extLst>
-          </a:blip>
-          <a:stretch>
-            <a:fillRect/>
-          </a:stretch>
-        </p:blipFill>
-        <p:spPr>
-          <a:xfrm>
-            <a:off x="337930" y="133739"/>
-            <a:ext cx="2500009" cy="2500009"/>
-          </a:xfrm>
-          <a:prstGeom prst="rect">
-            <a:avLst/>
-          </a:prstGeom>
-        </p:spPr>
-      </p:pic>
-      <p:sp>
-        <p:nvSpPr>
-          <p:cNvPr id="39" name="Ovale 38">
-            <a:extLst>
-              <a:ext uri="{FF2B5EF4-FFF2-40B4-BE49-F238E27FC236}">
-                <a16:creationId xmlns:a16="http://schemas.microsoft.com/office/drawing/2014/main" id="{495D48FB-F6D8-4490-B428-62885D65E8A1}"/>
-              </a:ext>
-            </a:extLst>
-          </p:cNvPr>
-          <p:cNvSpPr>
-            <a:spLocks noChangeAspect="1"/>
-          </p:cNvSpPr>
-          <p:nvPr/>
-        </p:nvSpPr>
-        <p:spPr>
-          <a:xfrm>
-            <a:off x="11577600" y="6246000"/>
-            <a:ext cx="548640" cy="546401"/>
-          </a:xfrm>
-          <a:prstGeom prst="ellipse">
-            <a:avLst/>
-          </a:prstGeom>
-          <a:solidFill>
-            <a:srgbClr val="212421"/>
-          </a:solidFill>
-          <a:ln>
-            <a:solidFill>
-              <a:srgbClr val="FF8800"/>
-            </a:solidFill>
-            <a:extLst>
-              <a:ext uri="{C807C97D-BFC1-408E-A445-0C87EB9F89A2}">
-                <ask:lineSketchStyleProps xmlns:ask="http://schemas.microsoft.com/office/drawing/2018/sketchyshapes" sd="1219033472">
-                  <a:custGeom>
-                    <a:avLst/>
-                    <a:gdLst>
-                      <a:gd name="connsiteX0" fmla="*/ 0 w 710119"/>
-                      <a:gd name="connsiteY0" fmla="*/ 340468 h 680936"/>
-                      <a:gd name="connsiteX1" fmla="*/ 355060 w 710119"/>
-                      <a:gd name="connsiteY1" fmla="*/ 0 h 680936"/>
-                      <a:gd name="connsiteX2" fmla="*/ 710120 w 710119"/>
-                      <a:gd name="connsiteY2" fmla="*/ 340468 h 680936"/>
-                      <a:gd name="connsiteX3" fmla="*/ 355060 w 710119"/>
-                      <a:gd name="connsiteY3" fmla="*/ 680936 h 680936"/>
-                      <a:gd name="connsiteX4" fmla="*/ 0 w 710119"/>
-                      <a:gd name="connsiteY4" fmla="*/ 340468 h 680936"/>
-                    </a:gdLst>
-                    <a:ahLst/>
-                    <a:cxnLst>
-                      <a:cxn ang="0">
-                        <a:pos x="connsiteX0" y="connsiteY0"/>
-                      </a:cxn>
-                      <a:cxn ang="0">
-                        <a:pos x="connsiteX1" y="connsiteY1"/>
-                      </a:cxn>
-                      <a:cxn ang="0">
-                        <a:pos x="connsiteX2" y="connsiteY2"/>
-                      </a:cxn>
-                      <a:cxn ang="0">
-                        <a:pos x="connsiteX3" y="connsiteY3"/>
-                      </a:cxn>
-                      <a:cxn ang="0">
-                        <a:pos x="connsiteX4" y="connsiteY4"/>
-                      </a:cxn>
-                    </a:cxnLst>
-                    <a:rect l="l" t="t" r="r" b="b"/>
-                    <a:pathLst>
-                      <a:path w="710119" h="680936" fill="none" extrusionOk="0">
-                        <a:moveTo>
-                          <a:pt x="0" y="340468"/>
-                        </a:moveTo>
-                        <a:cubicBezTo>
-                          <a:pt x="12626" y="153931"/>
-                          <a:pt x="182266" y="-47951"/>
-                          <a:pt x="355060" y="0"/>
-                        </a:cubicBezTo>
-                        <a:cubicBezTo>
-                          <a:pt x="512829" y="-5869"/>
-                          <a:pt x="680930" y="179916"/>
-                          <a:pt x="710120" y="340468"/>
-                        </a:cubicBezTo>
-                        <a:cubicBezTo>
-                          <a:pt x="708708" y="515038"/>
-                          <a:pt x="524764" y="717611"/>
-                          <a:pt x="355060" y="680936"/>
-                        </a:cubicBezTo>
-                        <a:cubicBezTo>
-                          <a:pt x="180858" y="693192"/>
-                          <a:pt x="4552" y="529597"/>
-                          <a:pt x="0" y="340468"/>
-                        </a:cubicBezTo>
-                        <a:close/>
-                      </a:path>
-                      <a:path w="710119" h="680936" stroke="0" extrusionOk="0">
-                        <a:moveTo>
-                          <a:pt x="0" y="340468"/>
-                        </a:moveTo>
-                        <a:cubicBezTo>
-                          <a:pt x="-40400" y="127513"/>
-                          <a:pt x="130169" y="10808"/>
-                          <a:pt x="355060" y="0"/>
-                        </a:cubicBezTo>
-                        <a:cubicBezTo>
-                          <a:pt x="591549" y="8504"/>
-                          <a:pt x="696582" y="152863"/>
-                          <a:pt x="710120" y="340468"/>
-                        </a:cubicBezTo>
-                        <a:cubicBezTo>
-                          <a:pt x="691250" y="546930"/>
-                          <a:pt x="546189" y="708377"/>
-                          <a:pt x="355060" y="680936"/>
-                        </a:cubicBezTo>
-                        <a:cubicBezTo>
-                          <a:pt x="119224" y="659192"/>
-                          <a:pt x="48916" y="551876"/>
-                          <a:pt x="0" y="340468"/>
-                        </a:cubicBezTo>
-                        <a:close/>
-                      </a:path>
-                    </a:pathLst>
-                  </a:custGeom>
-                  <ask:type>
-                    <ask:lineSketchNone/>
-                  </ask:type>
-                </ask:lineSketchStyleProps>
-              </a:ext>
-            </a:extLst>
-          </a:ln>
-        </p:spPr>
-        <p:style>
-          <a:lnRef idx="2">
-            <a:schemeClr val="accent1">
-              <a:shade val="50000"/>
-            </a:schemeClr>
-          </a:lnRef>
-          <a:fillRef idx="1">
-            <a:schemeClr val="accent1"/>
-          </a:fillRef>
-          <a:effectRef idx="0">
-            <a:schemeClr val="accent1"/>
-          </a:effectRef>
-          <a:fontRef idx="minor">
-            <a:schemeClr val="lt1"/>
-          </a:fontRef>
-        </p:style>
-        <p:txBody>
-          <a:bodyPr rtlCol="0" anchor="ctr"/>
-          <a:lstStyle/>
-          <a:p>
-            <a:pPr algn="ctr"/>
-            <a:r>
-              <a:rPr lang="it-IT" dirty="0">
-                <a:solidFill>
-                  <a:srgbClr val="FF8800"/>
-                </a:solidFill>
-              </a:rPr>
-              <a:t>4</a:t>
-            </a:r>
-          </a:p>
-        </p:txBody>
-      </p:sp>
-      <p:pic>
-        <p:nvPicPr>
-          <p:cNvPr id="9" name="Immagine 8">
-            <a:extLst>
-              <a:ext uri="{FF2B5EF4-FFF2-40B4-BE49-F238E27FC236}">
-                <a16:creationId xmlns:a16="http://schemas.microsoft.com/office/drawing/2014/main" id="{04B5B1F7-3C42-40B9-9F87-81320C325BE0}"/>
-              </a:ext>
-            </a:extLst>
-          </p:cNvPr>
-          <p:cNvPicPr>
-            <a:picLocks noChangeAspect="1"/>
-          </p:cNvPicPr>
-          <p:nvPr/>
-        </p:nvPicPr>
-        <p:blipFill rotWithShape="1">
-          <a:blip r:embed="rId4">
-            <a:extLst>
-              <a:ext uri="{28A0092B-C50C-407E-A947-70E740481C1C}">
-                <a14:useLocalDpi xmlns:a14="http://schemas.microsoft.com/office/drawing/2010/main" val="0"/>
-              </a:ext>
-            </a:extLst>
-          </a:blip>
-          <a:srcRect t="25786" r="18992" b="14568"/>
-          <a:stretch/>
-        </p:blipFill>
-        <p:spPr>
-          <a:xfrm>
-            <a:off x="335940" y="2767487"/>
-            <a:ext cx="2500009" cy="4090514"/>
-          </a:xfrm>
-          <a:prstGeom prst="rect">
-            <a:avLst/>
-          </a:prstGeom>
-        </p:spPr>
-      </p:pic>
-      <p:sp>
-        <p:nvSpPr>
-          <p:cNvPr id="11" name="Titolo 5">
-            <a:extLst>
-              <a:ext uri="{FF2B5EF4-FFF2-40B4-BE49-F238E27FC236}">
-                <a16:creationId xmlns:a16="http://schemas.microsoft.com/office/drawing/2014/main" id="{6417CF9E-050A-4EF9-9468-BBA56ED8B816}"/>
-              </a:ext>
-            </a:extLst>
-          </p:cNvPr>
-          <p:cNvSpPr txBox="1">
-            <a:spLocks/>
-          </p:cNvSpPr>
-          <p:nvPr/>
-        </p:nvSpPr>
-        <p:spPr>
-          <a:xfrm>
-            <a:off x="3058440" y="133739"/>
-            <a:ext cx="8595360" cy="998289"/>
-          </a:xfrm>
-          <a:prstGeom prst="rect">
-            <a:avLst/>
-          </a:prstGeom>
-        </p:spPr>
-        <p:txBody>
-          <a:bodyPr vert="horz" lIns="91440" tIns="45720" rIns="91440" bIns="45720" rtlCol="0" anchor="ctr">
-            <a:normAutofit/>
-          </a:bodyPr>
-          <a:lstStyle>
-            <a:lvl1pPr algn="l" defTabSz="914400" rtl="0" eaLnBrk="1" latinLnBrk="0" hangingPunct="1">
-              <a:lnSpc>
-                <a:spcPct val="90000"/>
-              </a:lnSpc>
-              <a:spcBef>
-                <a:spcPct val="0"/>
-              </a:spcBef>
-              <a:buNone/>
-              <a:defRPr sz="4400" kern="1200">
-                <a:solidFill>
-                  <a:schemeClr val="tx1"/>
-                </a:solidFill>
-                <a:latin typeface="+mj-lt"/>
-                <a:ea typeface="+mj-ea"/>
-                <a:cs typeface="+mj-cs"/>
-              </a:defRPr>
-            </a:lvl1pPr>
-          </a:lstStyle>
-          <a:p>
-            <a:pPr algn="ctr"/>
-            <a:r>
-              <a:rPr lang="it-IT" sz="4800" spc="100" dirty="0">
-                <a:solidFill>
-                  <a:srgbClr val="FF8800"/>
-                </a:solidFill>
-                <a:effectLst>
-                  <a:outerShdw blurRad="38100" dist="38100" dir="2700000" algn="tl">
-                    <a:srgbClr val="000000">
-                      <a:alpha val="43137"/>
-                    </a:srgbClr>
-                  </a:outerShdw>
-                </a:effectLst>
-                <a:latin typeface="Bangers" panose="00000500000000000000" pitchFamily="2" charset="0"/>
-              </a:rPr>
-              <a:t>ENTRATE</a:t>
-            </a:r>
-            <a:endParaRPr lang="it-IT" spc="100" dirty="0">
-              <a:solidFill>
-                <a:srgbClr val="FF8800"/>
-              </a:solidFill>
-              <a:effectLst>
-                <a:outerShdw blurRad="38100" dist="38100" dir="2700000" algn="tl">
-                  <a:srgbClr val="000000">
-                    <a:alpha val="43137"/>
-                  </a:srgbClr>
-                </a:outerShdw>
-              </a:effectLst>
-              <a:latin typeface="Bangers" panose="00000500000000000000" pitchFamily="2" charset="0"/>
-            </a:endParaRPr>
-          </a:p>
-        </p:txBody>
-      </p:sp>
-    </p:spTree>
-    <p:extLst>
-      <p:ext uri="{BB962C8B-B14F-4D97-AF65-F5344CB8AC3E}">
-        <p14:creationId xmlns:p14="http://schemas.microsoft.com/office/powerpoint/2010/main" val="3766088140"/>
+        <p14:creationId xmlns:p14="http://schemas.microsoft.com/office/powerpoint/2010/main" val="477753856"/>
       </p:ext>
     </p:extLst>
   </p:cSld>
@@ -4860,1238 +4710,6 @@
           </a:prstGeom>
         </p:spPr>
       </p:pic>
-      <p:sp>
-        <p:nvSpPr>
-          <p:cNvPr id="39" name="Ovale 38">
-            <a:extLst>
-              <a:ext uri="{FF2B5EF4-FFF2-40B4-BE49-F238E27FC236}">
-                <a16:creationId xmlns:a16="http://schemas.microsoft.com/office/drawing/2014/main" id="{495D48FB-F6D8-4490-B428-62885D65E8A1}"/>
-              </a:ext>
-            </a:extLst>
-          </p:cNvPr>
-          <p:cNvSpPr>
-            <a:spLocks noChangeAspect="1"/>
-          </p:cNvSpPr>
-          <p:nvPr/>
-        </p:nvSpPr>
-        <p:spPr>
-          <a:xfrm>
-            <a:off x="11577600" y="6246000"/>
-            <a:ext cx="548640" cy="546401"/>
-          </a:xfrm>
-          <a:prstGeom prst="ellipse">
-            <a:avLst/>
-          </a:prstGeom>
-          <a:solidFill>
-            <a:srgbClr val="212421"/>
-          </a:solidFill>
-          <a:ln>
-            <a:solidFill>
-              <a:srgbClr val="FF8800"/>
-            </a:solidFill>
-            <a:extLst>
-              <a:ext uri="{C807C97D-BFC1-408E-A445-0C87EB9F89A2}">
-                <ask:lineSketchStyleProps xmlns:ask="http://schemas.microsoft.com/office/drawing/2018/sketchyshapes" sd="1219033472">
-                  <a:custGeom>
-                    <a:avLst/>
-                    <a:gdLst>
-                      <a:gd name="connsiteX0" fmla="*/ 0 w 710119"/>
-                      <a:gd name="connsiteY0" fmla="*/ 340468 h 680936"/>
-                      <a:gd name="connsiteX1" fmla="*/ 355060 w 710119"/>
-                      <a:gd name="connsiteY1" fmla="*/ 0 h 680936"/>
-                      <a:gd name="connsiteX2" fmla="*/ 710120 w 710119"/>
-                      <a:gd name="connsiteY2" fmla="*/ 340468 h 680936"/>
-                      <a:gd name="connsiteX3" fmla="*/ 355060 w 710119"/>
-                      <a:gd name="connsiteY3" fmla="*/ 680936 h 680936"/>
-                      <a:gd name="connsiteX4" fmla="*/ 0 w 710119"/>
-                      <a:gd name="connsiteY4" fmla="*/ 340468 h 680936"/>
-                    </a:gdLst>
-                    <a:ahLst/>
-                    <a:cxnLst>
-                      <a:cxn ang="0">
-                        <a:pos x="connsiteX0" y="connsiteY0"/>
-                      </a:cxn>
-                      <a:cxn ang="0">
-                        <a:pos x="connsiteX1" y="connsiteY1"/>
-                      </a:cxn>
-                      <a:cxn ang="0">
-                        <a:pos x="connsiteX2" y="connsiteY2"/>
-                      </a:cxn>
-                      <a:cxn ang="0">
-                        <a:pos x="connsiteX3" y="connsiteY3"/>
-                      </a:cxn>
-                      <a:cxn ang="0">
-                        <a:pos x="connsiteX4" y="connsiteY4"/>
-                      </a:cxn>
-                    </a:cxnLst>
-                    <a:rect l="l" t="t" r="r" b="b"/>
-                    <a:pathLst>
-                      <a:path w="710119" h="680936" fill="none" extrusionOk="0">
-                        <a:moveTo>
-                          <a:pt x="0" y="340468"/>
-                        </a:moveTo>
-                        <a:cubicBezTo>
-                          <a:pt x="12626" y="153931"/>
-                          <a:pt x="182266" y="-47951"/>
-                          <a:pt x="355060" y="0"/>
-                        </a:cubicBezTo>
-                        <a:cubicBezTo>
-                          <a:pt x="512829" y="-5869"/>
-                          <a:pt x="680930" y="179916"/>
-                          <a:pt x="710120" y="340468"/>
-                        </a:cubicBezTo>
-                        <a:cubicBezTo>
-                          <a:pt x="708708" y="515038"/>
-                          <a:pt x="524764" y="717611"/>
-                          <a:pt x="355060" y="680936"/>
-                        </a:cubicBezTo>
-                        <a:cubicBezTo>
-                          <a:pt x="180858" y="693192"/>
-                          <a:pt x="4552" y="529597"/>
-                          <a:pt x="0" y="340468"/>
-                        </a:cubicBezTo>
-                        <a:close/>
-                      </a:path>
-                      <a:path w="710119" h="680936" stroke="0" extrusionOk="0">
-                        <a:moveTo>
-                          <a:pt x="0" y="340468"/>
-                        </a:moveTo>
-                        <a:cubicBezTo>
-                          <a:pt x="-40400" y="127513"/>
-                          <a:pt x="130169" y="10808"/>
-                          <a:pt x="355060" y="0"/>
-                        </a:cubicBezTo>
-                        <a:cubicBezTo>
-                          <a:pt x="591549" y="8504"/>
-                          <a:pt x="696582" y="152863"/>
-                          <a:pt x="710120" y="340468"/>
-                        </a:cubicBezTo>
-                        <a:cubicBezTo>
-                          <a:pt x="691250" y="546930"/>
-                          <a:pt x="546189" y="708377"/>
-                          <a:pt x="355060" y="680936"/>
-                        </a:cubicBezTo>
-                        <a:cubicBezTo>
-                          <a:pt x="119224" y="659192"/>
-                          <a:pt x="48916" y="551876"/>
-                          <a:pt x="0" y="340468"/>
-                        </a:cubicBezTo>
-                        <a:close/>
-                      </a:path>
-                    </a:pathLst>
-                  </a:custGeom>
-                  <ask:type>
-                    <ask:lineSketchNone/>
-                  </ask:type>
-                </ask:lineSketchStyleProps>
-              </a:ext>
-            </a:extLst>
-          </a:ln>
-        </p:spPr>
-        <p:style>
-          <a:lnRef idx="2">
-            <a:schemeClr val="accent1">
-              <a:shade val="50000"/>
-            </a:schemeClr>
-          </a:lnRef>
-          <a:fillRef idx="1">
-            <a:schemeClr val="accent1"/>
-          </a:fillRef>
-          <a:effectRef idx="0">
-            <a:schemeClr val="accent1"/>
-          </a:effectRef>
-          <a:fontRef idx="minor">
-            <a:schemeClr val="lt1"/>
-          </a:fontRef>
-        </p:style>
-        <p:txBody>
-          <a:bodyPr rtlCol="0" anchor="ctr"/>
-          <a:lstStyle/>
-          <a:p>
-            <a:pPr algn="ctr"/>
-            <a:r>
-              <a:rPr lang="it-IT" dirty="0">
-                <a:solidFill>
-                  <a:srgbClr val="FF8800"/>
-                </a:solidFill>
-              </a:rPr>
-              <a:t>5</a:t>
-            </a:r>
-          </a:p>
-        </p:txBody>
-      </p:sp>
-      <p:pic>
-        <p:nvPicPr>
-          <p:cNvPr id="6" name="Immagine 5">
-            <a:extLst>
-              <a:ext uri="{FF2B5EF4-FFF2-40B4-BE49-F238E27FC236}">
-                <a16:creationId xmlns:a16="http://schemas.microsoft.com/office/drawing/2014/main" id="{9DC7940E-EA2E-4DE6-866F-B5A71C09B932}"/>
-              </a:ext>
-            </a:extLst>
-          </p:cNvPr>
-          <p:cNvPicPr>
-            <a:picLocks noChangeAspect="1"/>
-          </p:cNvPicPr>
-          <p:nvPr/>
-        </p:nvPicPr>
-        <p:blipFill rotWithShape="1">
-          <a:blip r:embed="rId4">
-            <a:extLst>
-              <a:ext uri="{28A0092B-C50C-407E-A947-70E740481C1C}">
-                <a14:useLocalDpi xmlns:a14="http://schemas.microsoft.com/office/drawing/2010/main" val="0"/>
-              </a:ext>
-            </a:extLst>
-          </a:blip>
-          <a:srcRect t="25540" r="18992" b="14814"/>
-          <a:stretch/>
-        </p:blipFill>
-        <p:spPr>
-          <a:xfrm>
-            <a:off x="337929" y="2767487"/>
-            <a:ext cx="2500009" cy="4090514"/>
-          </a:xfrm>
-          <a:prstGeom prst="rect">
-            <a:avLst/>
-          </a:prstGeom>
-        </p:spPr>
-      </p:pic>
-      <p:sp>
-        <p:nvSpPr>
-          <p:cNvPr id="11" name="Titolo 5">
-            <a:extLst>
-              <a:ext uri="{FF2B5EF4-FFF2-40B4-BE49-F238E27FC236}">
-                <a16:creationId xmlns:a16="http://schemas.microsoft.com/office/drawing/2014/main" id="{DBDFA6AE-1844-4218-AFF1-E7C26731A10B}"/>
-              </a:ext>
-            </a:extLst>
-          </p:cNvPr>
-          <p:cNvSpPr txBox="1">
-            <a:spLocks/>
-          </p:cNvSpPr>
-          <p:nvPr/>
-        </p:nvSpPr>
-        <p:spPr>
-          <a:xfrm>
-            <a:off x="3058440" y="133739"/>
-            <a:ext cx="8595360" cy="998289"/>
-          </a:xfrm>
-          <a:prstGeom prst="rect">
-            <a:avLst/>
-          </a:prstGeom>
-        </p:spPr>
-        <p:txBody>
-          <a:bodyPr vert="horz" lIns="91440" tIns="45720" rIns="91440" bIns="45720" rtlCol="0" anchor="ctr">
-            <a:normAutofit/>
-          </a:bodyPr>
-          <a:lstStyle>
-            <a:lvl1pPr algn="l" defTabSz="914400" rtl="0" eaLnBrk="1" latinLnBrk="0" hangingPunct="1">
-              <a:lnSpc>
-                <a:spcPct val="90000"/>
-              </a:lnSpc>
-              <a:spcBef>
-                <a:spcPct val="0"/>
-              </a:spcBef>
-              <a:buNone/>
-              <a:defRPr sz="4400" kern="1200">
-                <a:solidFill>
-                  <a:schemeClr val="tx1"/>
-                </a:solidFill>
-                <a:latin typeface="+mj-lt"/>
-                <a:ea typeface="+mj-ea"/>
-                <a:cs typeface="+mj-cs"/>
-              </a:defRPr>
-            </a:lvl1pPr>
-          </a:lstStyle>
-          <a:p>
-            <a:pPr algn="ctr"/>
-            <a:r>
-              <a:rPr lang="it-IT" sz="4800" spc="100" dirty="0">
-                <a:solidFill>
-                  <a:srgbClr val="FF8800"/>
-                </a:solidFill>
-                <a:effectLst>
-                  <a:outerShdw blurRad="38100" dist="38100" dir="2700000" algn="tl">
-                    <a:srgbClr val="000000">
-                      <a:alpha val="43137"/>
-                    </a:srgbClr>
-                  </a:outerShdw>
-                </a:effectLst>
-                <a:latin typeface="Bangers" panose="00000500000000000000" pitchFamily="2" charset="0"/>
-              </a:rPr>
-              <a:t>PROFILO</a:t>
-            </a:r>
-            <a:endParaRPr lang="it-IT" spc="100" dirty="0">
-              <a:solidFill>
-                <a:srgbClr val="FF8800"/>
-              </a:solidFill>
-              <a:effectLst>
-                <a:outerShdw blurRad="38100" dist="38100" dir="2700000" algn="tl">
-                  <a:srgbClr val="000000">
-                    <a:alpha val="43137"/>
-                  </a:srgbClr>
-                </a:outerShdw>
-              </a:effectLst>
-              <a:latin typeface="Bangers" panose="00000500000000000000" pitchFamily="2" charset="0"/>
-            </a:endParaRPr>
-          </a:p>
-        </p:txBody>
-      </p:sp>
-    </p:spTree>
-    <p:extLst>
-      <p:ext uri="{BB962C8B-B14F-4D97-AF65-F5344CB8AC3E}">
-        <p14:creationId xmlns:p14="http://schemas.microsoft.com/office/powerpoint/2010/main" val="2520931700"/>
-      </p:ext>
-    </p:extLst>
-  </p:cSld>
-  <p:clrMapOvr>
-    <a:masterClrMapping/>
-  </p:clrMapOvr>
-</p:sld>
-</file>
-
-<file path=ppt/slides/slide13.xml><?xml version="1.0" encoding="utf-8"?>
-<p:sld xmlns:a="http://schemas.openxmlformats.org/drawingml/2006/main" xmlns:r="http://schemas.openxmlformats.org/officeDocument/2006/relationships" xmlns:p="http://schemas.openxmlformats.org/presentationml/2006/main">
-  <p:cSld>
-    <p:bg>
-      <p:bgPr>
-        <a:solidFill>
-          <a:srgbClr val="DBDEDB"/>
-        </a:solidFill>
-        <a:effectLst/>
-      </p:bgPr>
-    </p:bg>
-    <p:spTree>
-      <p:nvGrpSpPr>
-        <p:cNvPr id="1" name=""/>
-        <p:cNvGrpSpPr/>
-        <p:nvPr/>
-      </p:nvGrpSpPr>
-      <p:grpSpPr>
-        <a:xfrm>
-          <a:off x="0" y="0"/>
-          <a:ext cx="0" cy="0"/>
-          <a:chOff x="0" y="0"/>
-          <a:chExt cx="0" cy="0"/>
-        </a:xfrm>
-      </p:grpSpPr>
-      <p:sp>
-        <p:nvSpPr>
-          <p:cNvPr id="4" name="Rettangolo 3">
-            <a:extLst>
-              <a:ext uri="{FF2B5EF4-FFF2-40B4-BE49-F238E27FC236}">
-                <a16:creationId xmlns:a16="http://schemas.microsoft.com/office/drawing/2014/main" id="{287EFA3C-02A3-4753-876A-2D2161CF2080}"/>
-              </a:ext>
-            </a:extLst>
-          </p:cNvPr>
-          <p:cNvSpPr/>
-          <p:nvPr/>
-        </p:nvSpPr>
-        <p:spPr>
-          <a:xfrm>
-            <a:off x="337931" y="0"/>
-            <a:ext cx="2500009" cy="6858000"/>
-          </a:xfrm>
-          <a:prstGeom prst="rect">
-            <a:avLst/>
-          </a:prstGeom>
-          <a:solidFill>
-            <a:srgbClr val="212421"/>
-          </a:solidFill>
-          <a:ln>
-            <a:noFill/>
-          </a:ln>
-        </p:spPr>
-        <p:style>
-          <a:lnRef idx="2">
-            <a:schemeClr val="accent1">
-              <a:shade val="50000"/>
-            </a:schemeClr>
-          </a:lnRef>
-          <a:fillRef idx="1">
-            <a:schemeClr val="accent1"/>
-          </a:fillRef>
-          <a:effectRef idx="0">
-            <a:schemeClr val="accent1"/>
-          </a:effectRef>
-          <a:fontRef idx="minor">
-            <a:schemeClr val="lt1"/>
-          </a:fontRef>
-        </p:style>
-        <p:txBody>
-          <a:bodyPr rtlCol="0" anchor="ctr"/>
-          <a:lstStyle/>
-          <a:p>
-            <a:pPr algn="ctr"/>
-            <a:endParaRPr lang="it-IT"/>
-          </a:p>
-        </p:txBody>
-      </p:sp>
-      <p:pic>
-        <p:nvPicPr>
-          <p:cNvPr id="10" name="Immagine 9">
-            <a:extLst>
-              <a:ext uri="{FF2B5EF4-FFF2-40B4-BE49-F238E27FC236}">
-                <a16:creationId xmlns:a16="http://schemas.microsoft.com/office/drawing/2014/main" id="{B37FD3D7-8604-42D7-A8F5-0FA67A790F1D}"/>
-              </a:ext>
-            </a:extLst>
-          </p:cNvPr>
-          <p:cNvPicPr>
-            <a:picLocks noChangeAspect="1"/>
-          </p:cNvPicPr>
-          <p:nvPr/>
-        </p:nvPicPr>
-        <p:blipFill rotWithShape="1">
-          <a:blip r:embed="rId2">
-            <a:extLst>
-              <a:ext uri="{28A0092B-C50C-407E-A947-70E740481C1C}">
-                <a14:useLocalDpi xmlns:a14="http://schemas.microsoft.com/office/drawing/2010/main" val="0"/>
-              </a:ext>
-            </a:extLst>
-          </a:blip>
-          <a:srcRect r="8050"/>
-          <a:stretch/>
-        </p:blipFill>
-        <p:spPr>
-          <a:xfrm>
-            <a:off x="337929" y="0"/>
-            <a:ext cx="2500010" cy="2767515"/>
-          </a:xfrm>
-          <a:prstGeom prst="rect">
-            <a:avLst/>
-          </a:prstGeom>
-          <a:solidFill>
-            <a:srgbClr val="FFFFFF">
-              <a:alpha val="50000"/>
-            </a:srgbClr>
-          </a:solidFill>
-        </p:spPr>
-      </p:pic>
-      <p:sp>
-        <p:nvSpPr>
-          <p:cNvPr id="8" name="Rettangolo 7">
-            <a:extLst>
-              <a:ext uri="{FF2B5EF4-FFF2-40B4-BE49-F238E27FC236}">
-                <a16:creationId xmlns:a16="http://schemas.microsoft.com/office/drawing/2014/main" id="{2B44E0C2-EED0-4328-BD48-EF1736A96DB0}"/>
-              </a:ext>
-            </a:extLst>
-          </p:cNvPr>
-          <p:cNvSpPr/>
-          <p:nvPr/>
-        </p:nvSpPr>
-        <p:spPr>
-          <a:xfrm>
-            <a:off x="337929" y="-14"/>
-            <a:ext cx="2502000" cy="2772000"/>
-          </a:xfrm>
-          <a:prstGeom prst="rect">
-            <a:avLst/>
-          </a:prstGeom>
-          <a:solidFill>
-            <a:schemeClr val="tx1">
-              <a:alpha val="40000"/>
-            </a:schemeClr>
-          </a:solidFill>
-          <a:ln w="22225">
-            <a:noFill/>
-          </a:ln>
-        </p:spPr>
-        <p:style>
-          <a:lnRef idx="2">
-            <a:schemeClr val="accent1">
-              <a:shade val="50000"/>
-            </a:schemeClr>
-          </a:lnRef>
-          <a:fillRef idx="1">
-            <a:schemeClr val="accent1"/>
-          </a:fillRef>
-          <a:effectRef idx="0">
-            <a:schemeClr val="accent1"/>
-          </a:effectRef>
-          <a:fontRef idx="minor">
-            <a:schemeClr val="lt1"/>
-          </a:fontRef>
-        </p:style>
-        <p:txBody>
-          <a:bodyPr rtlCol="0" anchor="ctr"/>
-          <a:lstStyle/>
-          <a:p>
-            <a:pPr algn="ctr"/>
-            <a:endParaRPr lang="it-IT"/>
-          </a:p>
-        </p:txBody>
-      </p:sp>
-      <p:cxnSp>
-        <p:nvCxnSpPr>
-          <p:cNvPr id="7" name="Connettore diritto 6">
-            <a:extLst>
-              <a:ext uri="{FF2B5EF4-FFF2-40B4-BE49-F238E27FC236}">
-                <a16:creationId xmlns:a16="http://schemas.microsoft.com/office/drawing/2014/main" id="{E1F82E93-AEDE-4C53-A4B7-7DE29FA4CC78}"/>
-              </a:ext>
-            </a:extLst>
-          </p:cNvPr>
-          <p:cNvCxnSpPr/>
-          <p:nvPr/>
-        </p:nvCxnSpPr>
-        <p:spPr>
-          <a:xfrm>
-            <a:off x="337930" y="2767502"/>
-            <a:ext cx="2500009" cy="0"/>
-          </a:xfrm>
-          <a:prstGeom prst="line">
-            <a:avLst/>
-          </a:prstGeom>
-          <a:ln w="28575">
-            <a:solidFill>
-              <a:srgbClr val="FF8800"/>
-            </a:solidFill>
-          </a:ln>
-        </p:spPr>
-        <p:style>
-          <a:lnRef idx="1">
-            <a:schemeClr val="accent1"/>
-          </a:lnRef>
-          <a:fillRef idx="0">
-            <a:schemeClr val="accent1"/>
-          </a:fillRef>
-          <a:effectRef idx="0">
-            <a:schemeClr val="accent1"/>
-          </a:effectRef>
-          <a:fontRef idx="minor">
-            <a:schemeClr val="tx1"/>
-          </a:fontRef>
-        </p:style>
-      </p:cxnSp>
-      <p:pic>
-        <p:nvPicPr>
-          <p:cNvPr id="5" name="Immagine 4">
-            <a:extLst>
-              <a:ext uri="{FF2B5EF4-FFF2-40B4-BE49-F238E27FC236}">
-                <a16:creationId xmlns:a16="http://schemas.microsoft.com/office/drawing/2014/main" id="{A499A755-5BEA-46D4-8D1B-455136980E98}"/>
-              </a:ext>
-            </a:extLst>
-          </p:cNvPr>
-          <p:cNvPicPr>
-            <a:picLocks noChangeAspect="1"/>
-          </p:cNvPicPr>
-          <p:nvPr/>
-        </p:nvPicPr>
-        <p:blipFill>
-          <a:blip r:embed="rId3">
-            <a:extLst>
-              <a:ext uri="{28A0092B-C50C-407E-A947-70E740481C1C}">
-                <a14:useLocalDpi xmlns:a14="http://schemas.microsoft.com/office/drawing/2010/main" val="0"/>
-              </a:ext>
-            </a:extLst>
-          </a:blip>
-          <a:stretch>
-            <a:fillRect/>
-          </a:stretch>
-        </p:blipFill>
-        <p:spPr>
-          <a:xfrm>
-            <a:off x="337930" y="133739"/>
-            <a:ext cx="2500009" cy="2500009"/>
-          </a:xfrm>
-          <a:prstGeom prst="rect">
-            <a:avLst/>
-          </a:prstGeom>
-        </p:spPr>
-      </p:pic>
-      <p:sp>
-        <p:nvSpPr>
-          <p:cNvPr id="39" name="Ovale 38">
-            <a:extLst>
-              <a:ext uri="{FF2B5EF4-FFF2-40B4-BE49-F238E27FC236}">
-                <a16:creationId xmlns:a16="http://schemas.microsoft.com/office/drawing/2014/main" id="{495D48FB-F6D8-4490-B428-62885D65E8A1}"/>
-              </a:ext>
-            </a:extLst>
-          </p:cNvPr>
-          <p:cNvSpPr>
-            <a:spLocks noChangeAspect="1"/>
-          </p:cNvSpPr>
-          <p:nvPr/>
-        </p:nvSpPr>
-        <p:spPr>
-          <a:xfrm>
-            <a:off x="11577600" y="6246000"/>
-            <a:ext cx="548640" cy="546401"/>
-          </a:xfrm>
-          <a:prstGeom prst="ellipse">
-            <a:avLst/>
-          </a:prstGeom>
-          <a:solidFill>
-            <a:srgbClr val="212421"/>
-          </a:solidFill>
-          <a:ln>
-            <a:solidFill>
-              <a:srgbClr val="FF8800"/>
-            </a:solidFill>
-            <a:extLst>
-              <a:ext uri="{C807C97D-BFC1-408E-A445-0C87EB9F89A2}">
-                <ask:lineSketchStyleProps xmlns:ask="http://schemas.microsoft.com/office/drawing/2018/sketchyshapes" sd="1219033472">
-                  <a:custGeom>
-                    <a:avLst/>
-                    <a:gdLst>
-                      <a:gd name="connsiteX0" fmla="*/ 0 w 710119"/>
-                      <a:gd name="connsiteY0" fmla="*/ 340468 h 680936"/>
-                      <a:gd name="connsiteX1" fmla="*/ 355060 w 710119"/>
-                      <a:gd name="connsiteY1" fmla="*/ 0 h 680936"/>
-                      <a:gd name="connsiteX2" fmla="*/ 710120 w 710119"/>
-                      <a:gd name="connsiteY2" fmla="*/ 340468 h 680936"/>
-                      <a:gd name="connsiteX3" fmla="*/ 355060 w 710119"/>
-                      <a:gd name="connsiteY3" fmla="*/ 680936 h 680936"/>
-                      <a:gd name="connsiteX4" fmla="*/ 0 w 710119"/>
-                      <a:gd name="connsiteY4" fmla="*/ 340468 h 680936"/>
-                    </a:gdLst>
-                    <a:ahLst/>
-                    <a:cxnLst>
-                      <a:cxn ang="0">
-                        <a:pos x="connsiteX0" y="connsiteY0"/>
-                      </a:cxn>
-                      <a:cxn ang="0">
-                        <a:pos x="connsiteX1" y="connsiteY1"/>
-                      </a:cxn>
-                      <a:cxn ang="0">
-                        <a:pos x="connsiteX2" y="connsiteY2"/>
-                      </a:cxn>
-                      <a:cxn ang="0">
-                        <a:pos x="connsiteX3" y="connsiteY3"/>
-                      </a:cxn>
-                      <a:cxn ang="0">
-                        <a:pos x="connsiteX4" y="connsiteY4"/>
-                      </a:cxn>
-                    </a:cxnLst>
-                    <a:rect l="l" t="t" r="r" b="b"/>
-                    <a:pathLst>
-                      <a:path w="710119" h="680936" fill="none" extrusionOk="0">
-                        <a:moveTo>
-                          <a:pt x="0" y="340468"/>
-                        </a:moveTo>
-                        <a:cubicBezTo>
-                          <a:pt x="12626" y="153931"/>
-                          <a:pt x="182266" y="-47951"/>
-                          <a:pt x="355060" y="0"/>
-                        </a:cubicBezTo>
-                        <a:cubicBezTo>
-                          <a:pt x="512829" y="-5869"/>
-                          <a:pt x="680930" y="179916"/>
-                          <a:pt x="710120" y="340468"/>
-                        </a:cubicBezTo>
-                        <a:cubicBezTo>
-                          <a:pt x="708708" y="515038"/>
-                          <a:pt x="524764" y="717611"/>
-                          <a:pt x="355060" y="680936"/>
-                        </a:cubicBezTo>
-                        <a:cubicBezTo>
-                          <a:pt x="180858" y="693192"/>
-                          <a:pt x="4552" y="529597"/>
-                          <a:pt x="0" y="340468"/>
-                        </a:cubicBezTo>
-                        <a:close/>
-                      </a:path>
-                      <a:path w="710119" h="680936" stroke="0" extrusionOk="0">
-                        <a:moveTo>
-                          <a:pt x="0" y="340468"/>
-                        </a:moveTo>
-                        <a:cubicBezTo>
-                          <a:pt x="-40400" y="127513"/>
-                          <a:pt x="130169" y="10808"/>
-                          <a:pt x="355060" y="0"/>
-                        </a:cubicBezTo>
-                        <a:cubicBezTo>
-                          <a:pt x="591549" y="8504"/>
-                          <a:pt x="696582" y="152863"/>
-                          <a:pt x="710120" y="340468"/>
-                        </a:cubicBezTo>
-                        <a:cubicBezTo>
-                          <a:pt x="691250" y="546930"/>
-                          <a:pt x="546189" y="708377"/>
-                          <a:pt x="355060" y="680936"/>
-                        </a:cubicBezTo>
-                        <a:cubicBezTo>
-                          <a:pt x="119224" y="659192"/>
-                          <a:pt x="48916" y="551876"/>
-                          <a:pt x="0" y="340468"/>
-                        </a:cubicBezTo>
-                        <a:close/>
-                      </a:path>
-                    </a:pathLst>
-                  </a:custGeom>
-                  <ask:type>
-                    <ask:lineSketchNone/>
-                  </ask:type>
-                </ask:lineSketchStyleProps>
-              </a:ext>
-            </a:extLst>
-          </a:ln>
-        </p:spPr>
-        <p:style>
-          <a:lnRef idx="2">
-            <a:schemeClr val="accent1">
-              <a:shade val="50000"/>
-            </a:schemeClr>
-          </a:lnRef>
-          <a:fillRef idx="1">
-            <a:schemeClr val="accent1"/>
-          </a:fillRef>
-          <a:effectRef idx="0">
-            <a:schemeClr val="accent1"/>
-          </a:effectRef>
-          <a:fontRef idx="minor">
-            <a:schemeClr val="lt1"/>
-          </a:fontRef>
-        </p:style>
-        <p:txBody>
-          <a:bodyPr rtlCol="0" anchor="ctr"/>
-          <a:lstStyle/>
-          <a:p>
-            <a:pPr algn="ctr"/>
-            <a:r>
-              <a:rPr lang="it-IT" dirty="0">
-                <a:solidFill>
-                  <a:srgbClr val="FF8800"/>
-                </a:solidFill>
-              </a:rPr>
-              <a:t>6</a:t>
-            </a:r>
-          </a:p>
-        </p:txBody>
-      </p:sp>
-      <p:pic>
-        <p:nvPicPr>
-          <p:cNvPr id="6" name="Immagine 5">
-            <a:extLst>
-              <a:ext uri="{FF2B5EF4-FFF2-40B4-BE49-F238E27FC236}">
-                <a16:creationId xmlns:a16="http://schemas.microsoft.com/office/drawing/2014/main" id="{40895E13-8B49-47DC-929B-333453BB8A2B}"/>
-              </a:ext>
-            </a:extLst>
-          </p:cNvPr>
-          <p:cNvPicPr>
-            <a:picLocks noChangeAspect="1"/>
-          </p:cNvPicPr>
-          <p:nvPr/>
-        </p:nvPicPr>
-        <p:blipFill rotWithShape="1">
-          <a:blip r:embed="rId4">
-            <a:extLst>
-              <a:ext uri="{28A0092B-C50C-407E-A947-70E740481C1C}">
-                <a14:useLocalDpi xmlns:a14="http://schemas.microsoft.com/office/drawing/2010/main" val="0"/>
-              </a:ext>
-            </a:extLst>
-          </a:blip>
-          <a:srcRect t="25786" r="18992" b="14568"/>
-          <a:stretch/>
-        </p:blipFill>
-        <p:spPr>
-          <a:xfrm>
-            <a:off x="335940" y="2767486"/>
-            <a:ext cx="2500009" cy="4090513"/>
-          </a:xfrm>
-          <a:prstGeom prst="rect">
-            <a:avLst/>
-          </a:prstGeom>
-        </p:spPr>
-      </p:pic>
-      <p:sp>
-        <p:nvSpPr>
-          <p:cNvPr id="11" name="Titolo 5">
-            <a:extLst>
-              <a:ext uri="{FF2B5EF4-FFF2-40B4-BE49-F238E27FC236}">
-                <a16:creationId xmlns:a16="http://schemas.microsoft.com/office/drawing/2014/main" id="{42CA24E9-F88C-471E-815E-2359E4965D67}"/>
-              </a:ext>
-            </a:extLst>
-          </p:cNvPr>
-          <p:cNvSpPr txBox="1">
-            <a:spLocks/>
-          </p:cNvSpPr>
-          <p:nvPr/>
-        </p:nvSpPr>
-        <p:spPr>
-          <a:xfrm>
-            <a:off x="3058440" y="133739"/>
-            <a:ext cx="8595360" cy="998289"/>
-          </a:xfrm>
-          <a:prstGeom prst="rect">
-            <a:avLst/>
-          </a:prstGeom>
-        </p:spPr>
-        <p:txBody>
-          <a:bodyPr vert="horz" lIns="91440" tIns="45720" rIns="91440" bIns="45720" rtlCol="0" anchor="ctr">
-            <a:normAutofit/>
-          </a:bodyPr>
-          <a:lstStyle>
-            <a:lvl1pPr algn="l" defTabSz="914400" rtl="0" eaLnBrk="1" latinLnBrk="0" hangingPunct="1">
-              <a:lnSpc>
-                <a:spcPct val="90000"/>
-              </a:lnSpc>
-              <a:spcBef>
-                <a:spcPct val="0"/>
-              </a:spcBef>
-              <a:buNone/>
-              <a:defRPr sz="4400" kern="1200">
-                <a:solidFill>
-                  <a:schemeClr val="tx1"/>
-                </a:solidFill>
-                <a:latin typeface="+mj-lt"/>
-                <a:ea typeface="+mj-ea"/>
-                <a:cs typeface="+mj-cs"/>
-              </a:defRPr>
-            </a:lvl1pPr>
-          </a:lstStyle>
-          <a:p>
-            <a:pPr algn="ctr"/>
-            <a:r>
-              <a:rPr lang="it-IT" sz="4800" spc="100" dirty="0">
-                <a:solidFill>
-                  <a:srgbClr val="FF8800"/>
-                </a:solidFill>
-                <a:effectLst>
-                  <a:outerShdw blurRad="38100" dist="38100" dir="2700000" algn="tl">
-                    <a:srgbClr val="000000">
-                      <a:alpha val="43137"/>
-                    </a:srgbClr>
-                  </a:outerShdw>
-                </a:effectLst>
-                <a:latin typeface="Bangers" panose="00000500000000000000" pitchFamily="2" charset="0"/>
-              </a:rPr>
-              <a:t>INFO</a:t>
-            </a:r>
-            <a:endParaRPr lang="it-IT" spc="100" dirty="0">
-              <a:solidFill>
-                <a:srgbClr val="FF8800"/>
-              </a:solidFill>
-              <a:effectLst>
-                <a:outerShdw blurRad="38100" dist="38100" dir="2700000" algn="tl">
-                  <a:srgbClr val="000000">
-                    <a:alpha val="43137"/>
-                  </a:srgbClr>
-                </a:outerShdw>
-              </a:effectLst>
-              <a:latin typeface="Bangers" panose="00000500000000000000" pitchFamily="2" charset="0"/>
-            </a:endParaRPr>
-          </a:p>
-        </p:txBody>
-      </p:sp>
-    </p:spTree>
-    <p:extLst>
-      <p:ext uri="{BB962C8B-B14F-4D97-AF65-F5344CB8AC3E}">
-        <p14:creationId xmlns:p14="http://schemas.microsoft.com/office/powerpoint/2010/main" val="477753856"/>
-      </p:ext>
-    </p:extLst>
-  </p:cSld>
-  <p:clrMapOvr>
-    <a:masterClrMapping/>
-  </p:clrMapOvr>
-</p:sld>
-</file>
-
-<file path=ppt/slides/slide14.xml><?xml version="1.0" encoding="utf-8"?>
-<p:sld xmlns:a="http://schemas.openxmlformats.org/drawingml/2006/main" xmlns:r="http://schemas.openxmlformats.org/officeDocument/2006/relationships" xmlns:p="http://schemas.openxmlformats.org/presentationml/2006/main">
-  <p:cSld>
-    <p:bg>
-      <p:bgPr>
-        <a:solidFill>
-          <a:srgbClr val="DBDEDB"/>
-        </a:solidFill>
-        <a:effectLst/>
-      </p:bgPr>
-    </p:bg>
-    <p:spTree>
-      <p:nvGrpSpPr>
-        <p:cNvPr id="1" name=""/>
-        <p:cNvGrpSpPr/>
-        <p:nvPr/>
-      </p:nvGrpSpPr>
-      <p:grpSpPr>
-        <a:xfrm>
-          <a:off x="0" y="0"/>
-          <a:ext cx="0" cy="0"/>
-          <a:chOff x="0" y="0"/>
-          <a:chExt cx="0" cy="0"/>
-        </a:xfrm>
-      </p:grpSpPr>
-      <p:sp>
-        <p:nvSpPr>
-          <p:cNvPr id="4" name="Rettangolo 3">
-            <a:extLst>
-              <a:ext uri="{FF2B5EF4-FFF2-40B4-BE49-F238E27FC236}">
-                <a16:creationId xmlns:a16="http://schemas.microsoft.com/office/drawing/2014/main" id="{287EFA3C-02A3-4753-876A-2D2161CF2080}"/>
-              </a:ext>
-            </a:extLst>
-          </p:cNvPr>
-          <p:cNvSpPr/>
-          <p:nvPr/>
-        </p:nvSpPr>
-        <p:spPr>
-          <a:xfrm>
-            <a:off x="337931" y="0"/>
-            <a:ext cx="2500009" cy="6858000"/>
-          </a:xfrm>
-          <a:prstGeom prst="rect">
-            <a:avLst/>
-          </a:prstGeom>
-          <a:solidFill>
-            <a:srgbClr val="212421"/>
-          </a:solidFill>
-          <a:ln>
-            <a:noFill/>
-          </a:ln>
-        </p:spPr>
-        <p:style>
-          <a:lnRef idx="2">
-            <a:schemeClr val="accent1">
-              <a:shade val="50000"/>
-            </a:schemeClr>
-          </a:lnRef>
-          <a:fillRef idx="1">
-            <a:schemeClr val="accent1"/>
-          </a:fillRef>
-          <a:effectRef idx="0">
-            <a:schemeClr val="accent1"/>
-          </a:effectRef>
-          <a:fontRef idx="minor">
-            <a:schemeClr val="lt1"/>
-          </a:fontRef>
-        </p:style>
-        <p:txBody>
-          <a:bodyPr rtlCol="0" anchor="ctr"/>
-          <a:lstStyle/>
-          <a:p>
-            <a:pPr algn="ctr"/>
-            <a:endParaRPr lang="it-IT"/>
-          </a:p>
-        </p:txBody>
-      </p:sp>
-      <p:pic>
-        <p:nvPicPr>
-          <p:cNvPr id="10" name="Immagine 9">
-            <a:extLst>
-              <a:ext uri="{FF2B5EF4-FFF2-40B4-BE49-F238E27FC236}">
-                <a16:creationId xmlns:a16="http://schemas.microsoft.com/office/drawing/2014/main" id="{B37FD3D7-8604-42D7-A8F5-0FA67A790F1D}"/>
-              </a:ext>
-            </a:extLst>
-          </p:cNvPr>
-          <p:cNvPicPr>
-            <a:picLocks noChangeAspect="1"/>
-          </p:cNvPicPr>
-          <p:nvPr/>
-        </p:nvPicPr>
-        <p:blipFill rotWithShape="1">
-          <a:blip r:embed="rId2">
-            <a:extLst>
-              <a:ext uri="{28A0092B-C50C-407E-A947-70E740481C1C}">
-                <a14:useLocalDpi xmlns:a14="http://schemas.microsoft.com/office/drawing/2010/main" val="0"/>
-              </a:ext>
-            </a:extLst>
-          </a:blip>
-          <a:srcRect r="8050"/>
-          <a:stretch/>
-        </p:blipFill>
-        <p:spPr>
-          <a:xfrm>
-            <a:off x="337929" y="0"/>
-            <a:ext cx="2500010" cy="2767515"/>
-          </a:xfrm>
-          <a:prstGeom prst="rect">
-            <a:avLst/>
-          </a:prstGeom>
-          <a:solidFill>
-            <a:srgbClr val="FFFFFF">
-              <a:alpha val="50000"/>
-            </a:srgbClr>
-          </a:solidFill>
-        </p:spPr>
-      </p:pic>
-      <p:sp>
-        <p:nvSpPr>
-          <p:cNvPr id="8" name="Rettangolo 7">
-            <a:extLst>
-              <a:ext uri="{FF2B5EF4-FFF2-40B4-BE49-F238E27FC236}">
-                <a16:creationId xmlns:a16="http://schemas.microsoft.com/office/drawing/2014/main" id="{2B44E0C2-EED0-4328-BD48-EF1736A96DB0}"/>
-              </a:ext>
-            </a:extLst>
-          </p:cNvPr>
-          <p:cNvSpPr/>
-          <p:nvPr/>
-        </p:nvSpPr>
-        <p:spPr>
-          <a:xfrm>
-            <a:off x="337929" y="-14"/>
-            <a:ext cx="2502000" cy="2772000"/>
-          </a:xfrm>
-          <a:prstGeom prst="rect">
-            <a:avLst/>
-          </a:prstGeom>
-          <a:solidFill>
-            <a:schemeClr val="tx1">
-              <a:alpha val="40000"/>
-            </a:schemeClr>
-          </a:solidFill>
-          <a:ln w="22225">
-            <a:noFill/>
-          </a:ln>
-        </p:spPr>
-        <p:style>
-          <a:lnRef idx="2">
-            <a:schemeClr val="accent1">
-              <a:shade val="50000"/>
-            </a:schemeClr>
-          </a:lnRef>
-          <a:fillRef idx="1">
-            <a:schemeClr val="accent1"/>
-          </a:fillRef>
-          <a:effectRef idx="0">
-            <a:schemeClr val="accent1"/>
-          </a:effectRef>
-          <a:fontRef idx="minor">
-            <a:schemeClr val="lt1"/>
-          </a:fontRef>
-        </p:style>
-        <p:txBody>
-          <a:bodyPr rtlCol="0" anchor="ctr"/>
-          <a:lstStyle/>
-          <a:p>
-            <a:pPr algn="ctr"/>
-            <a:endParaRPr lang="it-IT"/>
-          </a:p>
-        </p:txBody>
-      </p:sp>
-      <p:cxnSp>
-        <p:nvCxnSpPr>
-          <p:cNvPr id="7" name="Connettore diritto 6">
-            <a:extLst>
-              <a:ext uri="{FF2B5EF4-FFF2-40B4-BE49-F238E27FC236}">
-                <a16:creationId xmlns:a16="http://schemas.microsoft.com/office/drawing/2014/main" id="{E1F82E93-AEDE-4C53-A4B7-7DE29FA4CC78}"/>
-              </a:ext>
-            </a:extLst>
-          </p:cNvPr>
-          <p:cNvCxnSpPr/>
-          <p:nvPr/>
-        </p:nvCxnSpPr>
-        <p:spPr>
-          <a:xfrm>
-            <a:off x="337930" y="2767502"/>
-            <a:ext cx="2500009" cy="0"/>
-          </a:xfrm>
-          <a:prstGeom prst="line">
-            <a:avLst/>
-          </a:prstGeom>
-          <a:ln w="28575">
-            <a:solidFill>
-              <a:srgbClr val="FF8800"/>
-            </a:solidFill>
-          </a:ln>
-        </p:spPr>
-        <p:style>
-          <a:lnRef idx="1">
-            <a:schemeClr val="accent1"/>
-          </a:lnRef>
-          <a:fillRef idx="0">
-            <a:schemeClr val="accent1"/>
-          </a:fillRef>
-          <a:effectRef idx="0">
-            <a:schemeClr val="accent1"/>
-          </a:effectRef>
-          <a:fontRef idx="minor">
-            <a:schemeClr val="tx1"/>
-          </a:fontRef>
-        </p:style>
-      </p:cxnSp>
-      <p:pic>
-        <p:nvPicPr>
-          <p:cNvPr id="5" name="Immagine 4">
-            <a:extLst>
-              <a:ext uri="{FF2B5EF4-FFF2-40B4-BE49-F238E27FC236}">
-                <a16:creationId xmlns:a16="http://schemas.microsoft.com/office/drawing/2014/main" id="{A499A755-5BEA-46D4-8D1B-455136980E98}"/>
-              </a:ext>
-            </a:extLst>
-          </p:cNvPr>
-          <p:cNvPicPr>
-            <a:picLocks noChangeAspect="1"/>
-          </p:cNvPicPr>
-          <p:nvPr/>
-        </p:nvPicPr>
-        <p:blipFill>
-          <a:blip r:embed="rId3">
-            <a:extLst>
-              <a:ext uri="{28A0092B-C50C-407E-A947-70E740481C1C}">
-                <a14:useLocalDpi xmlns:a14="http://schemas.microsoft.com/office/drawing/2010/main" val="0"/>
-              </a:ext>
-            </a:extLst>
-          </a:blip>
-          <a:stretch>
-            <a:fillRect/>
-          </a:stretch>
-        </p:blipFill>
-        <p:spPr>
-          <a:xfrm>
-            <a:off x="337930" y="133739"/>
-            <a:ext cx="2500009" cy="2500009"/>
-          </a:xfrm>
-          <a:prstGeom prst="rect">
-            <a:avLst/>
-          </a:prstGeom>
-        </p:spPr>
-      </p:pic>
-      <p:sp>
-        <p:nvSpPr>
-          <p:cNvPr id="39" name="Ovale 38">
-            <a:extLst>
-              <a:ext uri="{FF2B5EF4-FFF2-40B4-BE49-F238E27FC236}">
-                <a16:creationId xmlns:a16="http://schemas.microsoft.com/office/drawing/2014/main" id="{495D48FB-F6D8-4490-B428-62885D65E8A1}"/>
-              </a:ext>
-            </a:extLst>
-          </p:cNvPr>
-          <p:cNvSpPr>
-            <a:spLocks noChangeAspect="1"/>
-          </p:cNvSpPr>
-          <p:nvPr/>
-        </p:nvSpPr>
-        <p:spPr>
-          <a:xfrm>
-            <a:off x="11577600" y="6246000"/>
-            <a:ext cx="548640" cy="546401"/>
-          </a:xfrm>
-          <a:prstGeom prst="ellipse">
-            <a:avLst/>
-          </a:prstGeom>
-          <a:solidFill>
-            <a:srgbClr val="212421"/>
-          </a:solidFill>
-          <a:ln>
-            <a:solidFill>
-              <a:srgbClr val="FF8800"/>
-            </a:solidFill>
-            <a:extLst>
-              <a:ext uri="{C807C97D-BFC1-408E-A445-0C87EB9F89A2}">
-                <ask:lineSketchStyleProps xmlns:ask="http://schemas.microsoft.com/office/drawing/2018/sketchyshapes" sd="1219033472">
-                  <a:custGeom>
-                    <a:avLst/>
-                    <a:gdLst>
-                      <a:gd name="connsiteX0" fmla="*/ 0 w 710119"/>
-                      <a:gd name="connsiteY0" fmla="*/ 340468 h 680936"/>
-                      <a:gd name="connsiteX1" fmla="*/ 355060 w 710119"/>
-                      <a:gd name="connsiteY1" fmla="*/ 0 h 680936"/>
-                      <a:gd name="connsiteX2" fmla="*/ 710120 w 710119"/>
-                      <a:gd name="connsiteY2" fmla="*/ 340468 h 680936"/>
-                      <a:gd name="connsiteX3" fmla="*/ 355060 w 710119"/>
-                      <a:gd name="connsiteY3" fmla="*/ 680936 h 680936"/>
-                      <a:gd name="connsiteX4" fmla="*/ 0 w 710119"/>
-                      <a:gd name="connsiteY4" fmla="*/ 340468 h 680936"/>
-                    </a:gdLst>
-                    <a:ahLst/>
-                    <a:cxnLst>
-                      <a:cxn ang="0">
-                        <a:pos x="connsiteX0" y="connsiteY0"/>
-                      </a:cxn>
-                      <a:cxn ang="0">
-                        <a:pos x="connsiteX1" y="connsiteY1"/>
-                      </a:cxn>
-                      <a:cxn ang="0">
-                        <a:pos x="connsiteX2" y="connsiteY2"/>
-                      </a:cxn>
-                      <a:cxn ang="0">
-                        <a:pos x="connsiteX3" y="connsiteY3"/>
-                      </a:cxn>
-                      <a:cxn ang="0">
-                        <a:pos x="connsiteX4" y="connsiteY4"/>
-                      </a:cxn>
-                    </a:cxnLst>
-                    <a:rect l="l" t="t" r="r" b="b"/>
-                    <a:pathLst>
-                      <a:path w="710119" h="680936" fill="none" extrusionOk="0">
-                        <a:moveTo>
-                          <a:pt x="0" y="340468"/>
-                        </a:moveTo>
-                        <a:cubicBezTo>
-                          <a:pt x="12626" y="153931"/>
-                          <a:pt x="182266" y="-47951"/>
-                          <a:pt x="355060" y="0"/>
-                        </a:cubicBezTo>
-                        <a:cubicBezTo>
-                          <a:pt x="512829" y="-5869"/>
-                          <a:pt x="680930" y="179916"/>
-                          <a:pt x="710120" y="340468"/>
-                        </a:cubicBezTo>
-                        <a:cubicBezTo>
-                          <a:pt x="708708" y="515038"/>
-                          <a:pt x="524764" y="717611"/>
-                          <a:pt x="355060" y="680936"/>
-                        </a:cubicBezTo>
-                        <a:cubicBezTo>
-                          <a:pt x="180858" y="693192"/>
-                          <a:pt x="4552" y="529597"/>
-                          <a:pt x="0" y="340468"/>
-                        </a:cubicBezTo>
-                        <a:close/>
-                      </a:path>
-                      <a:path w="710119" h="680936" stroke="0" extrusionOk="0">
-                        <a:moveTo>
-                          <a:pt x="0" y="340468"/>
-                        </a:moveTo>
-                        <a:cubicBezTo>
-                          <a:pt x="-40400" y="127513"/>
-                          <a:pt x="130169" y="10808"/>
-                          <a:pt x="355060" y="0"/>
-                        </a:cubicBezTo>
-                        <a:cubicBezTo>
-                          <a:pt x="591549" y="8504"/>
-                          <a:pt x="696582" y="152863"/>
-                          <a:pt x="710120" y="340468"/>
-                        </a:cubicBezTo>
-                        <a:cubicBezTo>
-                          <a:pt x="691250" y="546930"/>
-                          <a:pt x="546189" y="708377"/>
-                          <a:pt x="355060" y="680936"/>
-                        </a:cubicBezTo>
-                        <a:cubicBezTo>
-                          <a:pt x="119224" y="659192"/>
-                          <a:pt x="48916" y="551876"/>
-                          <a:pt x="0" y="340468"/>
-                        </a:cubicBezTo>
-                        <a:close/>
-                      </a:path>
-                    </a:pathLst>
-                  </a:custGeom>
-                  <ask:type>
-                    <ask:lineSketchNone/>
-                  </ask:type>
-                </ask:lineSketchStyleProps>
-              </a:ext>
-            </a:extLst>
-          </a:ln>
-        </p:spPr>
-        <p:style>
-          <a:lnRef idx="2">
-            <a:schemeClr val="accent1">
-              <a:shade val="50000"/>
-            </a:schemeClr>
-          </a:lnRef>
-          <a:fillRef idx="1">
-            <a:schemeClr val="accent1"/>
-          </a:fillRef>
-          <a:effectRef idx="0">
-            <a:schemeClr val="accent1"/>
-          </a:effectRef>
-          <a:fontRef idx="minor">
-            <a:schemeClr val="lt1"/>
-          </a:fontRef>
-        </p:style>
-        <p:txBody>
-          <a:bodyPr rtlCol="0" anchor="ctr"/>
-          <a:lstStyle/>
-          <a:p>
-            <a:pPr algn="ctr"/>
-            <a:r>
-              <a:rPr lang="it-IT" dirty="0">
-                <a:solidFill>
-                  <a:srgbClr val="FF8800"/>
-                </a:solidFill>
-              </a:rPr>
-              <a:t>7</a:t>
-            </a:r>
-          </a:p>
-        </p:txBody>
-      </p:sp>
       <p:pic>
         <p:nvPicPr>
           <p:cNvPr id="6" name="Immagine 5">
@@ -6481,166 +5099,6 @@
       </p:pic>
       <p:sp>
         <p:nvSpPr>
-          <p:cNvPr id="39" name="Ovale 38">
-            <a:extLst>
-              <a:ext uri="{FF2B5EF4-FFF2-40B4-BE49-F238E27FC236}">
-                <a16:creationId xmlns:a16="http://schemas.microsoft.com/office/drawing/2014/main" id="{495D48FB-F6D8-4490-B428-62885D65E8A1}"/>
-              </a:ext>
-            </a:extLst>
-          </p:cNvPr>
-          <p:cNvSpPr>
-            <a:spLocks noChangeAspect="1"/>
-          </p:cNvSpPr>
-          <p:nvPr/>
-        </p:nvSpPr>
-        <p:spPr>
-          <a:xfrm>
-            <a:off x="11577600" y="6246000"/>
-            <a:ext cx="548640" cy="546401"/>
-          </a:xfrm>
-          <a:prstGeom prst="ellipse">
-            <a:avLst/>
-          </a:prstGeom>
-          <a:solidFill>
-            <a:srgbClr val="212421"/>
-          </a:solidFill>
-          <a:ln>
-            <a:solidFill>
-              <a:srgbClr val="FF8800"/>
-            </a:solidFill>
-            <a:extLst>
-              <a:ext uri="{C807C97D-BFC1-408E-A445-0C87EB9F89A2}">
-                <ask:lineSketchStyleProps xmlns:ask="http://schemas.microsoft.com/office/drawing/2018/sketchyshapes" sd="1219033472">
-                  <a:custGeom>
-                    <a:avLst/>
-                    <a:gdLst>
-                      <a:gd name="connsiteX0" fmla="*/ 0 w 710119"/>
-                      <a:gd name="connsiteY0" fmla="*/ 340468 h 680936"/>
-                      <a:gd name="connsiteX1" fmla="*/ 355060 w 710119"/>
-                      <a:gd name="connsiteY1" fmla="*/ 0 h 680936"/>
-                      <a:gd name="connsiteX2" fmla="*/ 710120 w 710119"/>
-                      <a:gd name="connsiteY2" fmla="*/ 340468 h 680936"/>
-                      <a:gd name="connsiteX3" fmla="*/ 355060 w 710119"/>
-                      <a:gd name="connsiteY3" fmla="*/ 680936 h 680936"/>
-                      <a:gd name="connsiteX4" fmla="*/ 0 w 710119"/>
-                      <a:gd name="connsiteY4" fmla="*/ 340468 h 680936"/>
-                    </a:gdLst>
-                    <a:ahLst/>
-                    <a:cxnLst>
-                      <a:cxn ang="0">
-                        <a:pos x="connsiteX0" y="connsiteY0"/>
-                      </a:cxn>
-                      <a:cxn ang="0">
-                        <a:pos x="connsiteX1" y="connsiteY1"/>
-                      </a:cxn>
-                      <a:cxn ang="0">
-                        <a:pos x="connsiteX2" y="connsiteY2"/>
-                      </a:cxn>
-                      <a:cxn ang="0">
-                        <a:pos x="connsiteX3" y="connsiteY3"/>
-                      </a:cxn>
-                      <a:cxn ang="0">
-                        <a:pos x="connsiteX4" y="connsiteY4"/>
-                      </a:cxn>
-                    </a:cxnLst>
-                    <a:rect l="l" t="t" r="r" b="b"/>
-                    <a:pathLst>
-                      <a:path w="710119" h="680936" fill="none" extrusionOk="0">
-                        <a:moveTo>
-                          <a:pt x="0" y="340468"/>
-                        </a:moveTo>
-                        <a:cubicBezTo>
-                          <a:pt x="12626" y="153931"/>
-                          <a:pt x="182266" y="-47951"/>
-                          <a:pt x="355060" y="0"/>
-                        </a:cubicBezTo>
-                        <a:cubicBezTo>
-                          <a:pt x="512829" y="-5869"/>
-                          <a:pt x="680930" y="179916"/>
-                          <a:pt x="710120" y="340468"/>
-                        </a:cubicBezTo>
-                        <a:cubicBezTo>
-                          <a:pt x="708708" y="515038"/>
-                          <a:pt x="524764" y="717611"/>
-                          <a:pt x="355060" y="680936"/>
-                        </a:cubicBezTo>
-                        <a:cubicBezTo>
-                          <a:pt x="180858" y="693192"/>
-                          <a:pt x="4552" y="529597"/>
-                          <a:pt x="0" y="340468"/>
-                        </a:cubicBezTo>
-                        <a:close/>
-                      </a:path>
-                      <a:path w="710119" h="680936" stroke="0" extrusionOk="0">
-                        <a:moveTo>
-                          <a:pt x="0" y="340468"/>
-                        </a:moveTo>
-                        <a:cubicBezTo>
-                          <a:pt x="-40400" y="127513"/>
-                          <a:pt x="130169" y="10808"/>
-                          <a:pt x="355060" y="0"/>
-                        </a:cubicBezTo>
-                        <a:cubicBezTo>
-                          <a:pt x="591549" y="8504"/>
-                          <a:pt x="696582" y="152863"/>
-                          <a:pt x="710120" y="340468"/>
-                        </a:cubicBezTo>
-                        <a:cubicBezTo>
-                          <a:pt x="691250" y="546930"/>
-                          <a:pt x="546189" y="708377"/>
-                          <a:pt x="355060" y="680936"/>
-                        </a:cubicBezTo>
-                        <a:cubicBezTo>
-                          <a:pt x="119224" y="659192"/>
-                          <a:pt x="48916" y="551876"/>
-                          <a:pt x="0" y="340468"/>
-                        </a:cubicBezTo>
-                        <a:close/>
-                      </a:path>
-                    </a:pathLst>
-                  </a:custGeom>
-                  <ask:type>
-                    <ask:lineSketchNone/>
-                  </ask:type>
-                </ask:lineSketchStyleProps>
-              </a:ext>
-            </a:extLst>
-          </a:ln>
-        </p:spPr>
-        <p:style>
-          <a:lnRef idx="2">
-            <a:schemeClr val="accent1">
-              <a:shade val="50000"/>
-            </a:schemeClr>
-          </a:lnRef>
-          <a:fillRef idx="1">
-            <a:schemeClr val="accent1"/>
-          </a:fillRef>
-          <a:effectRef idx="0">
-            <a:schemeClr val="accent1"/>
-          </a:effectRef>
-          <a:fontRef idx="minor">
-            <a:schemeClr val="lt1"/>
-          </a:fontRef>
-        </p:style>
-        <p:txBody>
-          <a:bodyPr rtlCol="0" anchor="ctr"/>
-          <a:lstStyle/>
-          <a:p>
-            <a:pPr algn="ctr"/>
-            <a:r>
-              <a:rPr lang="it-IT" dirty="0">
-                <a:solidFill>
-                  <a:srgbClr val="FF8800"/>
-                </a:solidFill>
-              </a:rPr>
-              <a:t>I</a:t>
-            </a:r>
-          </a:p>
-        </p:txBody>
-      </p:sp>
-      <p:sp>
-        <p:nvSpPr>
           <p:cNvPr id="3" name="Rettangolo 2">
             <a:extLst>
               <a:ext uri="{FF2B5EF4-FFF2-40B4-BE49-F238E27FC236}">
@@ -7120,53 +5578,6 @@
       </p:grpSpPr>
       <p:sp>
         <p:nvSpPr>
-          <p:cNvPr id="35" name="Rettangolo 34">
-            <a:extLst>
-              <a:ext uri="{FF2B5EF4-FFF2-40B4-BE49-F238E27FC236}">
-                <a16:creationId xmlns:a16="http://schemas.microsoft.com/office/drawing/2014/main" id="{2DC64D3A-1CA2-4200-A7CA-9338115F9A1E}"/>
-              </a:ext>
-            </a:extLst>
-          </p:cNvPr>
-          <p:cNvSpPr/>
-          <p:nvPr/>
-        </p:nvSpPr>
-        <p:spPr>
-          <a:xfrm>
-            <a:off x="3229190" y="4874792"/>
-            <a:ext cx="2500009" cy="1060830"/>
-          </a:xfrm>
-          <a:prstGeom prst="rect">
-            <a:avLst/>
-          </a:prstGeom>
-          <a:noFill/>
-        </p:spPr>
-        <p:style>
-          <a:lnRef idx="2">
-            <a:schemeClr val="accent1">
-              <a:shade val="50000"/>
-            </a:schemeClr>
-          </a:lnRef>
-          <a:fillRef idx="1">
-            <a:schemeClr val="accent1"/>
-          </a:fillRef>
-          <a:effectRef idx="0">
-            <a:schemeClr val="accent1"/>
-          </a:effectRef>
-          <a:fontRef idx="minor">
-            <a:schemeClr val="lt1"/>
-          </a:fontRef>
-        </p:style>
-        <p:txBody>
-          <a:bodyPr rtlCol="0" anchor="ctr"/>
-          <a:lstStyle/>
-          <a:p>
-            <a:pPr algn="ctr"/>
-            <a:endParaRPr lang="it-IT"/>
-          </a:p>
-        </p:txBody>
-      </p:sp>
-      <p:sp>
-        <p:nvSpPr>
           <p:cNvPr id="4" name="Rettangolo 3">
             <a:extLst>
               <a:ext uri="{FF2B5EF4-FFF2-40B4-BE49-F238E27FC236}">
@@ -7347,166 +5758,6 @@
           </a:prstGeom>
         </p:spPr>
       </p:pic>
-      <p:sp>
-        <p:nvSpPr>
-          <p:cNvPr id="39" name="Ovale 38">
-            <a:extLst>
-              <a:ext uri="{FF2B5EF4-FFF2-40B4-BE49-F238E27FC236}">
-                <a16:creationId xmlns:a16="http://schemas.microsoft.com/office/drawing/2014/main" id="{495D48FB-F6D8-4490-B428-62885D65E8A1}"/>
-              </a:ext>
-            </a:extLst>
-          </p:cNvPr>
-          <p:cNvSpPr>
-            <a:spLocks noChangeAspect="1"/>
-          </p:cNvSpPr>
-          <p:nvPr/>
-        </p:nvSpPr>
-        <p:spPr>
-          <a:xfrm>
-            <a:off x="11577600" y="6246000"/>
-            <a:ext cx="548640" cy="546401"/>
-          </a:xfrm>
-          <a:prstGeom prst="ellipse">
-            <a:avLst/>
-          </a:prstGeom>
-          <a:solidFill>
-            <a:srgbClr val="212421"/>
-          </a:solidFill>
-          <a:ln>
-            <a:solidFill>
-              <a:srgbClr val="FF8800"/>
-            </a:solidFill>
-            <a:extLst>
-              <a:ext uri="{C807C97D-BFC1-408E-A445-0C87EB9F89A2}">
-                <ask:lineSketchStyleProps xmlns:ask="http://schemas.microsoft.com/office/drawing/2018/sketchyshapes" sd="1219033472">
-                  <a:custGeom>
-                    <a:avLst/>
-                    <a:gdLst>
-                      <a:gd name="connsiteX0" fmla="*/ 0 w 710119"/>
-                      <a:gd name="connsiteY0" fmla="*/ 340468 h 680936"/>
-                      <a:gd name="connsiteX1" fmla="*/ 355060 w 710119"/>
-                      <a:gd name="connsiteY1" fmla="*/ 0 h 680936"/>
-                      <a:gd name="connsiteX2" fmla="*/ 710120 w 710119"/>
-                      <a:gd name="connsiteY2" fmla="*/ 340468 h 680936"/>
-                      <a:gd name="connsiteX3" fmla="*/ 355060 w 710119"/>
-                      <a:gd name="connsiteY3" fmla="*/ 680936 h 680936"/>
-                      <a:gd name="connsiteX4" fmla="*/ 0 w 710119"/>
-                      <a:gd name="connsiteY4" fmla="*/ 340468 h 680936"/>
-                    </a:gdLst>
-                    <a:ahLst/>
-                    <a:cxnLst>
-                      <a:cxn ang="0">
-                        <a:pos x="connsiteX0" y="connsiteY0"/>
-                      </a:cxn>
-                      <a:cxn ang="0">
-                        <a:pos x="connsiteX1" y="connsiteY1"/>
-                      </a:cxn>
-                      <a:cxn ang="0">
-                        <a:pos x="connsiteX2" y="connsiteY2"/>
-                      </a:cxn>
-                      <a:cxn ang="0">
-                        <a:pos x="connsiteX3" y="connsiteY3"/>
-                      </a:cxn>
-                      <a:cxn ang="0">
-                        <a:pos x="connsiteX4" y="connsiteY4"/>
-                      </a:cxn>
-                    </a:cxnLst>
-                    <a:rect l="l" t="t" r="r" b="b"/>
-                    <a:pathLst>
-                      <a:path w="710119" h="680936" fill="none" extrusionOk="0">
-                        <a:moveTo>
-                          <a:pt x="0" y="340468"/>
-                        </a:moveTo>
-                        <a:cubicBezTo>
-                          <a:pt x="12626" y="153931"/>
-                          <a:pt x="182266" y="-47951"/>
-                          <a:pt x="355060" y="0"/>
-                        </a:cubicBezTo>
-                        <a:cubicBezTo>
-                          <a:pt x="512829" y="-5869"/>
-                          <a:pt x="680930" y="179916"/>
-                          <a:pt x="710120" y="340468"/>
-                        </a:cubicBezTo>
-                        <a:cubicBezTo>
-                          <a:pt x="708708" y="515038"/>
-                          <a:pt x="524764" y="717611"/>
-                          <a:pt x="355060" y="680936"/>
-                        </a:cubicBezTo>
-                        <a:cubicBezTo>
-                          <a:pt x="180858" y="693192"/>
-                          <a:pt x="4552" y="529597"/>
-                          <a:pt x="0" y="340468"/>
-                        </a:cubicBezTo>
-                        <a:close/>
-                      </a:path>
-                      <a:path w="710119" h="680936" stroke="0" extrusionOk="0">
-                        <a:moveTo>
-                          <a:pt x="0" y="340468"/>
-                        </a:moveTo>
-                        <a:cubicBezTo>
-                          <a:pt x="-40400" y="127513"/>
-                          <a:pt x="130169" y="10808"/>
-                          <a:pt x="355060" y="0"/>
-                        </a:cubicBezTo>
-                        <a:cubicBezTo>
-                          <a:pt x="591549" y="8504"/>
-                          <a:pt x="696582" y="152863"/>
-                          <a:pt x="710120" y="340468"/>
-                        </a:cubicBezTo>
-                        <a:cubicBezTo>
-                          <a:pt x="691250" y="546930"/>
-                          <a:pt x="546189" y="708377"/>
-                          <a:pt x="355060" y="680936"/>
-                        </a:cubicBezTo>
-                        <a:cubicBezTo>
-                          <a:pt x="119224" y="659192"/>
-                          <a:pt x="48916" y="551876"/>
-                          <a:pt x="0" y="340468"/>
-                        </a:cubicBezTo>
-                        <a:close/>
-                      </a:path>
-                    </a:pathLst>
-                  </a:custGeom>
-                  <ask:type>
-                    <ask:lineSketchNone/>
-                  </ask:type>
-                </ask:lineSketchStyleProps>
-              </a:ext>
-            </a:extLst>
-          </a:ln>
-        </p:spPr>
-        <p:style>
-          <a:lnRef idx="2">
-            <a:schemeClr val="accent1">
-              <a:shade val="50000"/>
-            </a:schemeClr>
-          </a:lnRef>
-          <a:fillRef idx="1">
-            <a:schemeClr val="accent1"/>
-          </a:fillRef>
-          <a:effectRef idx="0">
-            <a:schemeClr val="accent1"/>
-          </a:effectRef>
-          <a:fontRef idx="minor">
-            <a:schemeClr val="lt1"/>
-          </a:fontRef>
-        </p:style>
-        <p:txBody>
-          <a:bodyPr rtlCol="0" anchor="ctr"/>
-          <a:lstStyle/>
-          <a:p>
-            <a:pPr algn="ctr"/>
-            <a:r>
-              <a:rPr lang="it-IT" dirty="0">
-                <a:solidFill>
-                  <a:srgbClr val="FF8800"/>
-                </a:solidFill>
-              </a:rPr>
-              <a:t>I</a:t>
-            </a:r>
-          </a:p>
-        </p:txBody>
-      </p:sp>
       <p:sp>
         <p:nvSpPr>
           <p:cNvPr id="3" name="Rettangolo 2">
@@ -7711,7 +5962,7 @@
         </p:nvSpPr>
         <p:spPr>
           <a:xfrm>
-            <a:off x="2944358" y="55658"/>
+            <a:off x="2910089" y="40655"/>
             <a:ext cx="8595360" cy="998289"/>
           </a:xfrm>
         </p:spPr>
@@ -7720,490 +5971,87 @@
           <a:lstStyle/>
           <a:p>
             <a:r>
-              <a:rPr lang="it-IT" dirty="0">
+              <a:rPr lang="it-IT">
                 <a:solidFill>
                   <a:srgbClr val="212421"/>
                 </a:solidFill>
                 <a:latin typeface="Bangers" panose="00000500000000000000" pitchFamily="2" charset="0"/>
               </a:rPr>
-              <a:t>STRUMENTI utilizzati</a:t>
-            </a:r>
+              <a:t>STRUTTURA INTERNA</a:t>
+            </a:r>
+            <a:endParaRPr lang="it-IT" dirty="0">
+              <a:solidFill>
+                <a:srgbClr val="212421"/>
+              </a:solidFill>
+              <a:latin typeface="Bangers" panose="00000500000000000000" pitchFamily="2" charset="0"/>
+            </a:endParaRPr>
           </a:p>
         </p:txBody>
       </p:sp>
       <p:pic>
         <p:nvPicPr>
-          <p:cNvPr id="1030" name="Picture 6" descr="Oracle lancia Java SE 11 per aumentare la produttività degli sviluppatori">
-            <a:extLst>
-              <a:ext uri="{FF2B5EF4-FFF2-40B4-BE49-F238E27FC236}">
-                <a16:creationId xmlns:a16="http://schemas.microsoft.com/office/drawing/2014/main" id="{6FCF5AE6-609D-46C5-86A8-5227AF23CE40}"/>
+          <p:cNvPr id="13" name="Immagine 12">
+            <a:extLst>
+              <a:ext uri="{FF2B5EF4-FFF2-40B4-BE49-F238E27FC236}">
+                <a16:creationId xmlns:a16="http://schemas.microsoft.com/office/drawing/2014/main" id="{12854EE6-E1D4-44A4-9CAC-F3D2C5BB1222}"/>
               </a:ext>
             </a:extLst>
           </p:cNvPr>
           <p:cNvPicPr>
-            <a:picLocks noChangeAspect="1" noChangeArrowheads="1"/>
+            <a:picLocks noChangeAspect="1"/>
           </p:cNvPicPr>
           <p:nvPr/>
         </p:nvPicPr>
         <p:blipFill>
-          <a:blip r:embed="rId4">
-            <a:extLst>
-              <a:ext uri="{28A0092B-C50C-407E-A947-70E740481C1C}">
-                <a14:useLocalDpi xmlns:a14="http://schemas.microsoft.com/office/drawing/2010/main" val="0"/>
-              </a:ext>
-            </a:extLst>
-          </a:blip>
-          <a:srcRect/>
+          <a:blip r:embed="rId4"/>
           <a:stretch>
             <a:fillRect/>
           </a:stretch>
         </p:blipFill>
-        <p:spPr bwMode="auto">
-          <a:xfrm>
-            <a:off x="9047035" y="1435510"/>
-            <a:ext cx="1932819" cy="1449614"/>
+        <p:spPr>
+          <a:xfrm flipH="1">
+            <a:off x="11078177" y="0"/>
+            <a:ext cx="1113823" cy="2174496"/>
           </a:xfrm>
           <a:prstGeom prst="rect">
             <a:avLst/>
           </a:prstGeom>
-          <a:noFill/>
-          <a:extLst>
-            <a:ext uri="{909E8E84-426E-40DD-AFC4-6F175D3DCCD1}">
-              <a14:hiddenFill xmlns:a14="http://schemas.microsoft.com/office/drawing/2010/main">
-                <a:solidFill>
-                  <a:srgbClr val="FFFFFF"/>
-                </a:solidFill>
-              </a14:hiddenFill>
-            </a:ext>
-          </a:extLst>
         </p:spPr>
       </p:pic>
       <p:pic>
         <p:nvPicPr>
-          <p:cNvPr id="1032" name="Picture 8">
-            <a:extLst>
-              <a:ext uri="{FF2B5EF4-FFF2-40B4-BE49-F238E27FC236}">
-                <a16:creationId xmlns:a16="http://schemas.microsoft.com/office/drawing/2014/main" id="{37FA237D-F73C-4058-95CB-1B3BDF6A1CC5}"/>
+          <p:cNvPr id="23" name="Immagine 22">
+            <a:extLst>
+              <a:ext uri="{FF2B5EF4-FFF2-40B4-BE49-F238E27FC236}">
+                <a16:creationId xmlns:a16="http://schemas.microsoft.com/office/drawing/2014/main" id="{11A880BA-737C-45E0-8D61-994BCD695E0F}"/>
               </a:ext>
             </a:extLst>
           </p:cNvPr>
           <p:cNvPicPr>
-            <a:picLocks noChangeAspect="1" noChangeArrowheads="1"/>
+            <a:picLocks noChangeAspect="1"/>
           </p:cNvPicPr>
           <p:nvPr/>
         </p:nvPicPr>
         <p:blipFill>
-          <a:blip r:embed="rId5">
-            <a:extLst>
-              <a:ext uri="{28A0092B-C50C-407E-A947-70E740481C1C}">
-                <a14:useLocalDpi xmlns:a14="http://schemas.microsoft.com/office/drawing/2010/main" val="0"/>
-              </a:ext>
-            </a:extLst>
-          </a:blip>
-          <a:srcRect/>
+          <a:blip r:embed="rId5"/>
           <a:stretch>
             <a:fillRect/>
           </a:stretch>
         </p:blipFill>
-        <p:spPr bwMode="auto">
-          <a:xfrm>
-            <a:off x="3170189" y="3813962"/>
-            <a:ext cx="2240697" cy="1060830"/>
+        <p:spPr>
+          <a:xfrm>
+            <a:off x="3059095" y="1157251"/>
+            <a:ext cx="7870076" cy="5361949"/>
           </a:xfrm>
           <a:prstGeom prst="rect">
             <a:avLst/>
           </a:prstGeom>
-          <a:noFill/>
-          <a:extLst>
-            <a:ext uri="{909E8E84-426E-40DD-AFC4-6F175D3DCCD1}">
-              <a14:hiddenFill xmlns:a14="http://schemas.microsoft.com/office/drawing/2010/main">
-                <a:solidFill>
-                  <a:srgbClr val="FFFFFF"/>
-                </a:solidFill>
-              </a14:hiddenFill>
-            </a:ext>
-          </a:extLst>
         </p:spPr>
       </p:pic>
-      <p:pic>
-        <p:nvPicPr>
-          <p:cNvPr id="2" name="Immagine 1">
-            <a:extLst>
-              <a:ext uri="{FF2B5EF4-FFF2-40B4-BE49-F238E27FC236}">
-                <a16:creationId xmlns:a16="http://schemas.microsoft.com/office/drawing/2014/main" id="{6FC00687-E965-4921-BB6F-1CB9CDC4BF08}"/>
-              </a:ext>
-            </a:extLst>
-          </p:cNvPr>
-          <p:cNvPicPr>
-            <a:picLocks noChangeAspect="1"/>
-          </p:cNvPicPr>
-          <p:nvPr/>
-        </p:nvPicPr>
-        <p:blipFill>
-          <a:blip r:embed="rId6"/>
-          <a:stretch>
-            <a:fillRect/>
-          </a:stretch>
-        </p:blipFill>
-        <p:spPr>
-          <a:xfrm>
-            <a:off x="3299947" y="4916125"/>
-            <a:ext cx="978164" cy="978164"/>
-          </a:xfrm>
-          <a:prstGeom prst="rect">
-            <a:avLst/>
-          </a:prstGeom>
-        </p:spPr>
-      </p:pic>
-      <p:pic>
-        <p:nvPicPr>
-          <p:cNvPr id="15" name="Immagine 14">
-            <a:extLst>
-              <a:ext uri="{FF2B5EF4-FFF2-40B4-BE49-F238E27FC236}">
-                <a16:creationId xmlns:a16="http://schemas.microsoft.com/office/drawing/2014/main" id="{02FF64B2-F8FA-4244-B631-8DE028AC8428}"/>
-              </a:ext>
-            </a:extLst>
-          </p:cNvPr>
-          <p:cNvPicPr>
-            <a:picLocks noChangeAspect="1"/>
-          </p:cNvPicPr>
-          <p:nvPr/>
-        </p:nvPicPr>
-        <p:blipFill>
-          <a:blip r:embed="rId7"/>
-          <a:stretch>
-            <a:fillRect/>
-          </a:stretch>
-        </p:blipFill>
-        <p:spPr>
-          <a:xfrm flipH="1">
-            <a:off x="11078177" y="0"/>
-            <a:ext cx="1113823" cy="2174496"/>
-          </a:xfrm>
-          <a:prstGeom prst="rect">
-            <a:avLst/>
-          </a:prstGeom>
-        </p:spPr>
-      </p:pic>
-      <p:pic>
-        <p:nvPicPr>
-          <p:cNvPr id="21" name="Immagine 20">
-            <a:extLst>
-              <a:ext uri="{FF2B5EF4-FFF2-40B4-BE49-F238E27FC236}">
-                <a16:creationId xmlns:a16="http://schemas.microsoft.com/office/drawing/2014/main" id="{0E709185-BB57-4481-AA7B-88C9EAB22B8F}"/>
-              </a:ext>
-            </a:extLst>
-          </p:cNvPr>
-          <p:cNvPicPr>
-            <a:picLocks noChangeAspect="1"/>
-          </p:cNvPicPr>
-          <p:nvPr/>
-        </p:nvPicPr>
-        <p:blipFill>
-          <a:blip r:embed="rId8"/>
-          <a:stretch>
-            <a:fillRect/>
-          </a:stretch>
-        </p:blipFill>
-        <p:spPr>
-          <a:xfrm>
-            <a:off x="4184960" y="1377773"/>
-            <a:ext cx="1225926" cy="1483302"/>
-          </a:xfrm>
-          <a:prstGeom prst="rect">
-            <a:avLst/>
-          </a:prstGeom>
-        </p:spPr>
-      </p:pic>
-      <p:pic>
-        <p:nvPicPr>
-          <p:cNvPr id="25" name="Immagine 24">
-            <a:extLst>
-              <a:ext uri="{FF2B5EF4-FFF2-40B4-BE49-F238E27FC236}">
-                <a16:creationId xmlns:a16="http://schemas.microsoft.com/office/drawing/2014/main" id="{38613FF5-AB52-4B84-BF81-7369A53D9623}"/>
-              </a:ext>
-            </a:extLst>
-          </p:cNvPr>
-          <p:cNvPicPr>
-            <a:picLocks noChangeAspect="1"/>
-          </p:cNvPicPr>
-          <p:nvPr/>
-        </p:nvPicPr>
-        <p:blipFill>
-          <a:blip r:embed="rId9"/>
-          <a:stretch>
-            <a:fillRect/>
-          </a:stretch>
-        </p:blipFill>
-        <p:spPr>
-          <a:xfrm>
-            <a:off x="10353370" y="2505600"/>
-            <a:ext cx="1449614" cy="1449614"/>
-          </a:xfrm>
-          <a:prstGeom prst="rect">
-            <a:avLst/>
-          </a:prstGeom>
-        </p:spPr>
-      </p:pic>
-      <p:sp>
-        <p:nvSpPr>
-          <p:cNvPr id="27" name="CasellaDiTesto 26">
-            <a:extLst>
-              <a:ext uri="{FF2B5EF4-FFF2-40B4-BE49-F238E27FC236}">
-                <a16:creationId xmlns:a16="http://schemas.microsoft.com/office/drawing/2014/main" id="{9D9EF126-A9F4-4073-85DB-94DC88AA94B7}"/>
-              </a:ext>
-            </a:extLst>
-          </p:cNvPr>
-          <p:cNvSpPr txBox="1"/>
-          <p:nvPr/>
-        </p:nvSpPr>
-        <p:spPr>
-          <a:xfrm>
-            <a:off x="3677574" y="2861075"/>
-            <a:ext cx="3103542" cy="369332"/>
-          </a:xfrm>
-          <a:prstGeom prst="rect">
-            <a:avLst/>
-          </a:prstGeom>
-          <a:noFill/>
-        </p:spPr>
-        <p:txBody>
-          <a:bodyPr wrap="square" rtlCol="0">
-            <a:spAutoFit/>
-          </a:bodyPr>
-          <a:lstStyle/>
-          <a:p>
-            <a:r>
-              <a:rPr lang="it-IT" dirty="0">
-                <a:latin typeface="Courier New" panose="02070309020205020404" pitchFamily="49" charset="0"/>
-                <a:cs typeface="Courier New" panose="02070309020205020404" pitchFamily="49" charset="0"/>
-              </a:rPr>
-              <a:t>Ambiente di sviluppo</a:t>
-            </a:r>
-          </a:p>
-        </p:txBody>
-      </p:sp>
-      <p:sp>
-        <p:nvSpPr>
-          <p:cNvPr id="28" name="CasellaDiTesto 27">
-            <a:extLst>
-              <a:ext uri="{FF2B5EF4-FFF2-40B4-BE49-F238E27FC236}">
-                <a16:creationId xmlns:a16="http://schemas.microsoft.com/office/drawing/2014/main" id="{02160F8D-B5DA-4868-8A10-87BE54D891A4}"/>
-              </a:ext>
-            </a:extLst>
-          </p:cNvPr>
-          <p:cNvSpPr txBox="1"/>
-          <p:nvPr/>
-        </p:nvSpPr>
-        <p:spPr>
-          <a:xfrm>
-            <a:off x="4238141" y="5092262"/>
-            <a:ext cx="1564932" cy="646331"/>
-          </a:xfrm>
-          <a:prstGeom prst="rect">
-            <a:avLst/>
-          </a:prstGeom>
-          <a:noFill/>
-        </p:spPr>
-        <p:txBody>
-          <a:bodyPr wrap="square" rtlCol="0">
-            <a:spAutoFit/>
-          </a:bodyPr>
-          <a:lstStyle/>
-          <a:p>
-            <a:r>
-              <a:rPr lang="it-IT" b="1" dirty="0"/>
-              <a:t>DB BROWSER FOR SQLITE</a:t>
-            </a:r>
-          </a:p>
-        </p:txBody>
-      </p:sp>
-      <p:sp>
-        <p:nvSpPr>
-          <p:cNvPr id="29" name="CasellaDiTesto 28">
-            <a:extLst>
-              <a:ext uri="{FF2B5EF4-FFF2-40B4-BE49-F238E27FC236}">
-                <a16:creationId xmlns:a16="http://schemas.microsoft.com/office/drawing/2014/main" id="{90CE9527-208D-474E-943F-D91AD3E71717}"/>
-              </a:ext>
-            </a:extLst>
-          </p:cNvPr>
-          <p:cNvSpPr txBox="1"/>
-          <p:nvPr/>
-        </p:nvSpPr>
-        <p:spPr>
-          <a:xfrm>
-            <a:off x="8922282" y="3137679"/>
-            <a:ext cx="2017643" cy="369332"/>
-          </a:xfrm>
-          <a:prstGeom prst="rect">
-            <a:avLst/>
-          </a:prstGeom>
-          <a:noFill/>
-        </p:spPr>
-        <p:txBody>
-          <a:bodyPr wrap="square" rtlCol="0">
-            <a:spAutoFit/>
-          </a:bodyPr>
-          <a:lstStyle/>
-          <a:p>
-            <a:r>
-              <a:rPr lang="it-IT" dirty="0">
-                <a:latin typeface="Courier New" panose="02070309020205020404" pitchFamily="49" charset="0"/>
-                <a:cs typeface="Courier New" panose="02070309020205020404" pitchFamily="49" charset="0"/>
-              </a:rPr>
-              <a:t>Linguaggi</a:t>
-            </a:r>
-          </a:p>
-        </p:txBody>
-      </p:sp>
-      <p:sp>
-        <p:nvSpPr>
-          <p:cNvPr id="30" name="CasellaDiTesto 29">
-            <a:extLst>
-              <a:ext uri="{FF2B5EF4-FFF2-40B4-BE49-F238E27FC236}">
-                <a16:creationId xmlns:a16="http://schemas.microsoft.com/office/drawing/2014/main" id="{38395D61-2D72-4588-A4BB-A237937B6B06}"/>
-              </a:ext>
-            </a:extLst>
-          </p:cNvPr>
-          <p:cNvSpPr txBox="1"/>
-          <p:nvPr/>
-        </p:nvSpPr>
-        <p:spPr>
-          <a:xfrm>
-            <a:off x="8439917" y="5837551"/>
-            <a:ext cx="2500008" cy="646331"/>
-          </a:xfrm>
-          <a:prstGeom prst="rect">
-            <a:avLst/>
-          </a:prstGeom>
-          <a:noFill/>
-        </p:spPr>
-        <p:txBody>
-          <a:bodyPr wrap="square" rtlCol="0">
-            <a:spAutoFit/>
-          </a:bodyPr>
-          <a:lstStyle/>
-          <a:p>
-            <a:r>
-              <a:rPr lang="it-IT" dirty="0">
-                <a:latin typeface="Courier New" panose="02070309020205020404" pitchFamily="49" charset="0"/>
-                <a:cs typeface="Courier New" panose="02070309020205020404" pitchFamily="49" charset="0"/>
-              </a:rPr>
-              <a:t>Version Control system</a:t>
-            </a:r>
-          </a:p>
-        </p:txBody>
-      </p:sp>
-      <p:pic>
-        <p:nvPicPr>
-          <p:cNvPr id="34" name="Immagine 33">
-            <a:extLst>
-              <a:ext uri="{FF2B5EF4-FFF2-40B4-BE49-F238E27FC236}">
-                <a16:creationId xmlns:a16="http://schemas.microsoft.com/office/drawing/2014/main" id="{3A7A00A4-18F5-4659-807C-E1CC6D6A4BFE}"/>
-              </a:ext>
-            </a:extLst>
-          </p:cNvPr>
-          <p:cNvPicPr>
-            <a:picLocks noChangeAspect="1"/>
-          </p:cNvPicPr>
-          <p:nvPr/>
-        </p:nvPicPr>
-        <p:blipFill>
-          <a:blip r:embed="rId10"/>
-          <a:stretch>
-            <a:fillRect/>
-          </a:stretch>
-        </p:blipFill>
-        <p:spPr>
-          <a:xfrm>
-            <a:off x="8038774" y="4207769"/>
-            <a:ext cx="2765684" cy="1555697"/>
-          </a:xfrm>
-          <a:prstGeom prst="rect">
-            <a:avLst/>
-          </a:prstGeom>
-        </p:spPr>
-      </p:pic>
-      <p:sp>
-        <p:nvSpPr>
-          <p:cNvPr id="36" name="CasellaDiTesto 35">
-            <a:extLst>
-              <a:ext uri="{FF2B5EF4-FFF2-40B4-BE49-F238E27FC236}">
-                <a16:creationId xmlns:a16="http://schemas.microsoft.com/office/drawing/2014/main" id="{E55530BB-E6E1-4754-B474-1670EEAB0BE3}"/>
-              </a:ext>
-            </a:extLst>
-          </p:cNvPr>
-          <p:cNvSpPr txBox="1"/>
-          <p:nvPr/>
-        </p:nvSpPr>
-        <p:spPr>
-          <a:xfrm>
-            <a:off x="5472046" y="4014031"/>
-            <a:ext cx="1794862" cy="646331"/>
-          </a:xfrm>
-          <a:prstGeom prst="rect">
-            <a:avLst/>
-          </a:prstGeom>
-          <a:noFill/>
-        </p:spPr>
-        <p:txBody>
-          <a:bodyPr wrap="square" rtlCol="0">
-            <a:spAutoFit/>
-          </a:bodyPr>
-          <a:lstStyle/>
-          <a:p>
-            <a:r>
-              <a:rPr lang="it-IT" dirty="0">
-                <a:latin typeface="Courier New" panose="02070309020205020404" pitchFamily="49" charset="0"/>
-                <a:cs typeface="Courier New" panose="02070309020205020404" pitchFamily="49" charset="0"/>
-              </a:rPr>
-              <a:t>Libreria database</a:t>
-            </a:r>
-          </a:p>
-        </p:txBody>
-      </p:sp>
-      <p:sp>
-        <p:nvSpPr>
-          <p:cNvPr id="37" name="CasellaDiTesto 36">
-            <a:extLst>
-              <a:ext uri="{FF2B5EF4-FFF2-40B4-BE49-F238E27FC236}">
-                <a16:creationId xmlns:a16="http://schemas.microsoft.com/office/drawing/2014/main" id="{5F042CEA-C9C0-4E37-9683-EF2B22D04CA0}"/>
-              </a:ext>
-            </a:extLst>
-          </p:cNvPr>
-          <p:cNvSpPr txBox="1"/>
-          <p:nvPr/>
-        </p:nvSpPr>
-        <p:spPr>
-          <a:xfrm>
-            <a:off x="5823156" y="4892885"/>
-            <a:ext cx="1751703" cy="923330"/>
-          </a:xfrm>
-          <a:prstGeom prst="rect">
-            <a:avLst/>
-          </a:prstGeom>
-          <a:noFill/>
-        </p:spPr>
-        <p:txBody>
-          <a:bodyPr wrap="square" rtlCol="0">
-            <a:spAutoFit/>
-          </a:bodyPr>
-          <a:lstStyle/>
-          <a:p>
-            <a:r>
-              <a:rPr lang="it-IT" dirty="0">
-                <a:latin typeface="Courier New" panose="02070309020205020404" pitchFamily="49" charset="0"/>
-                <a:cs typeface="Courier New" panose="02070309020205020404" pitchFamily="49" charset="0"/>
-              </a:rPr>
-              <a:t>Software di  gestione database</a:t>
-            </a:r>
-          </a:p>
-        </p:txBody>
-      </p:sp>
     </p:spTree>
     <p:extLst>
       <p:ext uri="{BB962C8B-B14F-4D97-AF65-F5344CB8AC3E}">
-        <p14:creationId xmlns:p14="http://schemas.microsoft.com/office/powerpoint/2010/main" val="286919868"/>
+        <p14:creationId xmlns:p14="http://schemas.microsoft.com/office/powerpoint/2010/main" val="2320130752"/>
       </p:ext>
     </p:extLst>
   </p:cSld>
@@ -8422,166 +6270,6 @@
       </p:pic>
       <p:sp>
         <p:nvSpPr>
-          <p:cNvPr id="39" name="Ovale 38">
-            <a:extLst>
-              <a:ext uri="{FF2B5EF4-FFF2-40B4-BE49-F238E27FC236}">
-                <a16:creationId xmlns:a16="http://schemas.microsoft.com/office/drawing/2014/main" id="{495D48FB-F6D8-4490-B428-62885D65E8A1}"/>
-              </a:ext>
-            </a:extLst>
-          </p:cNvPr>
-          <p:cNvSpPr>
-            <a:spLocks noChangeAspect="1"/>
-          </p:cNvSpPr>
-          <p:nvPr/>
-        </p:nvSpPr>
-        <p:spPr>
-          <a:xfrm>
-            <a:off x="11577600" y="6246000"/>
-            <a:ext cx="548640" cy="546401"/>
-          </a:xfrm>
-          <a:prstGeom prst="ellipse">
-            <a:avLst/>
-          </a:prstGeom>
-          <a:solidFill>
-            <a:srgbClr val="212421"/>
-          </a:solidFill>
-          <a:ln>
-            <a:solidFill>
-              <a:srgbClr val="FF8800"/>
-            </a:solidFill>
-            <a:extLst>
-              <a:ext uri="{C807C97D-BFC1-408E-A445-0C87EB9F89A2}">
-                <ask:lineSketchStyleProps xmlns:ask="http://schemas.microsoft.com/office/drawing/2018/sketchyshapes" sd="1219033472">
-                  <a:custGeom>
-                    <a:avLst/>
-                    <a:gdLst>
-                      <a:gd name="connsiteX0" fmla="*/ 0 w 710119"/>
-                      <a:gd name="connsiteY0" fmla="*/ 340468 h 680936"/>
-                      <a:gd name="connsiteX1" fmla="*/ 355060 w 710119"/>
-                      <a:gd name="connsiteY1" fmla="*/ 0 h 680936"/>
-                      <a:gd name="connsiteX2" fmla="*/ 710120 w 710119"/>
-                      <a:gd name="connsiteY2" fmla="*/ 340468 h 680936"/>
-                      <a:gd name="connsiteX3" fmla="*/ 355060 w 710119"/>
-                      <a:gd name="connsiteY3" fmla="*/ 680936 h 680936"/>
-                      <a:gd name="connsiteX4" fmla="*/ 0 w 710119"/>
-                      <a:gd name="connsiteY4" fmla="*/ 340468 h 680936"/>
-                    </a:gdLst>
-                    <a:ahLst/>
-                    <a:cxnLst>
-                      <a:cxn ang="0">
-                        <a:pos x="connsiteX0" y="connsiteY0"/>
-                      </a:cxn>
-                      <a:cxn ang="0">
-                        <a:pos x="connsiteX1" y="connsiteY1"/>
-                      </a:cxn>
-                      <a:cxn ang="0">
-                        <a:pos x="connsiteX2" y="connsiteY2"/>
-                      </a:cxn>
-                      <a:cxn ang="0">
-                        <a:pos x="connsiteX3" y="connsiteY3"/>
-                      </a:cxn>
-                      <a:cxn ang="0">
-                        <a:pos x="connsiteX4" y="connsiteY4"/>
-                      </a:cxn>
-                    </a:cxnLst>
-                    <a:rect l="l" t="t" r="r" b="b"/>
-                    <a:pathLst>
-                      <a:path w="710119" h="680936" fill="none" extrusionOk="0">
-                        <a:moveTo>
-                          <a:pt x="0" y="340468"/>
-                        </a:moveTo>
-                        <a:cubicBezTo>
-                          <a:pt x="12626" y="153931"/>
-                          <a:pt x="182266" y="-47951"/>
-                          <a:pt x="355060" y="0"/>
-                        </a:cubicBezTo>
-                        <a:cubicBezTo>
-                          <a:pt x="512829" y="-5869"/>
-                          <a:pt x="680930" y="179916"/>
-                          <a:pt x="710120" y="340468"/>
-                        </a:cubicBezTo>
-                        <a:cubicBezTo>
-                          <a:pt x="708708" y="515038"/>
-                          <a:pt x="524764" y="717611"/>
-                          <a:pt x="355060" y="680936"/>
-                        </a:cubicBezTo>
-                        <a:cubicBezTo>
-                          <a:pt x="180858" y="693192"/>
-                          <a:pt x="4552" y="529597"/>
-                          <a:pt x="0" y="340468"/>
-                        </a:cubicBezTo>
-                        <a:close/>
-                      </a:path>
-                      <a:path w="710119" h="680936" stroke="0" extrusionOk="0">
-                        <a:moveTo>
-                          <a:pt x="0" y="340468"/>
-                        </a:moveTo>
-                        <a:cubicBezTo>
-                          <a:pt x="-40400" y="127513"/>
-                          <a:pt x="130169" y="10808"/>
-                          <a:pt x="355060" y="0"/>
-                        </a:cubicBezTo>
-                        <a:cubicBezTo>
-                          <a:pt x="591549" y="8504"/>
-                          <a:pt x="696582" y="152863"/>
-                          <a:pt x="710120" y="340468"/>
-                        </a:cubicBezTo>
-                        <a:cubicBezTo>
-                          <a:pt x="691250" y="546930"/>
-                          <a:pt x="546189" y="708377"/>
-                          <a:pt x="355060" y="680936"/>
-                        </a:cubicBezTo>
-                        <a:cubicBezTo>
-                          <a:pt x="119224" y="659192"/>
-                          <a:pt x="48916" y="551876"/>
-                          <a:pt x="0" y="340468"/>
-                        </a:cubicBezTo>
-                        <a:close/>
-                      </a:path>
-                    </a:pathLst>
-                  </a:custGeom>
-                  <ask:type>
-                    <ask:lineSketchNone/>
-                  </ask:type>
-                </ask:lineSketchStyleProps>
-              </a:ext>
-            </a:extLst>
-          </a:ln>
-        </p:spPr>
-        <p:style>
-          <a:lnRef idx="2">
-            <a:schemeClr val="accent1">
-              <a:shade val="50000"/>
-            </a:schemeClr>
-          </a:lnRef>
-          <a:fillRef idx="1">
-            <a:schemeClr val="accent1"/>
-          </a:fillRef>
-          <a:effectRef idx="0">
-            <a:schemeClr val="accent1"/>
-          </a:effectRef>
-          <a:fontRef idx="minor">
-            <a:schemeClr val="lt1"/>
-          </a:fontRef>
-        </p:style>
-        <p:txBody>
-          <a:bodyPr rtlCol="0" anchor="ctr"/>
-          <a:lstStyle/>
-          <a:p>
-            <a:pPr algn="ctr"/>
-            <a:r>
-              <a:rPr lang="it-IT" dirty="0">
-                <a:solidFill>
-                  <a:srgbClr val="FF8800"/>
-                </a:solidFill>
-              </a:rPr>
-              <a:t>II</a:t>
-            </a:r>
-          </a:p>
-        </p:txBody>
-      </p:sp>
-      <p:sp>
-        <p:nvSpPr>
           <p:cNvPr id="3" name="Rettangolo 2">
             <a:extLst>
               <a:ext uri="{FF2B5EF4-FFF2-40B4-BE49-F238E27FC236}">
@@ -8784,29 +6472,25 @@
         </p:nvSpPr>
         <p:spPr>
           <a:xfrm>
-            <a:off x="2910089" y="40655"/>
+            <a:off x="2982240" y="358563"/>
             <a:ext cx="8595360" cy="998289"/>
           </a:xfrm>
         </p:spPr>
         <p:txBody>
-          <a:bodyPr/>
+          <a:bodyPr>
+            <a:normAutofit/>
+          </a:bodyPr>
           <a:lstStyle/>
           <a:p>
             <a:r>
-              <a:rPr lang="it-IT">
+              <a:rPr lang="it-IT" dirty="0">
                 <a:solidFill>
                   <a:srgbClr val="212421"/>
                 </a:solidFill>
                 <a:latin typeface="Bangers" panose="00000500000000000000" pitchFamily="2" charset="0"/>
               </a:rPr>
-              <a:t>STRUTTURA INTERNA</a:t>
-            </a:r>
-            <a:endParaRPr lang="it-IT" dirty="0">
-              <a:solidFill>
-                <a:srgbClr val="212421"/>
-              </a:solidFill>
-              <a:latin typeface="Bangers" panose="00000500000000000000" pitchFamily="2" charset="0"/>
-            </a:endParaRPr>
+              <a:t>Informazioni tecniche</a:t>
+            </a:r>
           </a:p>
         </p:txBody>
       </p:sp>
@@ -8815,7 +6499,7 @@
           <p:cNvPr id="13" name="Immagine 12">
             <a:extLst>
               <a:ext uri="{FF2B5EF4-FFF2-40B4-BE49-F238E27FC236}">
-                <a16:creationId xmlns:a16="http://schemas.microsoft.com/office/drawing/2014/main" id="{12854EE6-E1D4-44A4-9CAC-F3D2C5BB1222}"/>
+                <a16:creationId xmlns:a16="http://schemas.microsoft.com/office/drawing/2014/main" id="{A7B8A890-190E-4737-BF35-05550ABD504D}"/>
               </a:ext>
             </a:extLst>
           </p:cNvPr>
@@ -8840,40 +6524,148 @@
           </a:prstGeom>
         </p:spPr>
       </p:pic>
-      <p:pic>
-        <p:nvPicPr>
-          <p:cNvPr id="23" name="Immagine 22">
-            <a:extLst>
-              <a:ext uri="{FF2B5EF4-FFF2-40B4-BE49-F238E27FC236}">
-                <a16:creationId xmlns:a16="http://schemas.microsoft.com/office/drawing/2014/main" id="{11A880BA-737C-45E0-8D61-994BCD695E0F}"/>
-              </a:ext>
-            </a:extLst>
-          </p:cNvPr>
-          <p:cNvPicPr>
-            <a:picLocks noChangeAspect="1"/>
-          </p:cNvPicPr>
-          <p:nvPr/>
-        </p:nvPicPr>
-        <p:blipFill>
-          <a:blip r:embed="rId5"/>
-          <a:stretch>
-            <a:fillRect/>
-          </a:stretch>
-        </p:blipFill>
-        <p:spPr>
-          <a:xfrm>
-            <a:off x="3059095" y="1157251"/>
-            <a:ext cx="7870076" cy="5361949"/>
+      <p:sp>
+        <p:nvSpPr>
+          <p:cNvPr id="14" name="CasellaDiTesto 13">
+            <a:extLst>
+              <a:ext uri="{FF2B5EF4-FFF2-40B4-BE49-F238E27FC236}">
+                <a16:creationId xmlns:a16="http://schemas.microsoft.com/office/drawing/2014/main" id="{CD30A0E1-93D8-41F4-9F5F-FFDE6428FA43}"/>
+              </a:ext>
+            </a:extLst>
+          </p:cNvPr>
+          <p:cNvSpPr txBox="1"/>
+          <p:nvPr/>
+        </p:nvSpPr>
+        <p:spPr>
+          <a:xfrm>
+            <a:off x="3412998" y="1967590"/>
+            <a:ext cx="7733843" cy="3970318"/>
           </a:xfrm>
           <a:prstGeom prst="rect">
             <a:avLst/>
           </a:prstGeom>
-        </p:spPr>
-      </p:pic>
+          <a:noFill/>
+        </p:spPr>
+        <p:txBody>
+          <a:bodyPr wrap="square" rtlCol="0">
+            <a:spAutoFit/>
+          </a:bodyPr>
+          <a:lstStyle/>
+          <a:p>
+            <a:pPr marL="285750" indent="-285750">
+              <a:buFont typeface="Arial" panose="020B0604020202020204" pitchFamily="34" charset="0"/>
+              <a:buChar char="•"/>
+            </a:pPr>
+            <a:r>
+              <a:rPr lang="it-IT" b="1" dirty="0"/>
+              <a:t>LIVELLO MINIMO API</a:t>
+            </a:r>
+            <a:r>
+              <a:rPr lang="it-IT" dirty="0"/>
+              <a:t>: 26 (Android 8.0) -&gt; dovuto all’utilizzo di </a:t>
+            </a:r>
+            <a:r>
+              <a:rPr lang="it-IT" dirty="0" err="1"/>
+              <a:t>Java.Time</a:t>
+            </a:r>
+            <a:r>
+              <a:rPr lang="it-IT" dirty="0"/>
+              <a:t> per la gestione delle date</a:t>
+            </a:r>
+          </a:p>
+          <a:p>
+            <a:pPr marL="285750" indent="-285750">
+              <a:lnSpc>
+                <a:spcPct val="200000"/>
+              </a:lnSpc>
+              <a:buFont typeface="Arial" panose="020B0604020202020204" pitchFamily="34" charset="0"/>
+              <a:buChar char="•"/>
+            </a:pPr>
+            <a:r>
+              <a:rPr lang="it-IT" b="1" dirty="0"/>
+              <a:t>UTILLIZZO GOOGLE SERVICES </a:t>
+            </a:r>
+            <a:r>
+              <a:rPr lang="it-IT" dirty="0"/>
+              <a:t>-&gt; necessari per la localizzazione</a:t>
+            </a:r>
+          </a:p>
+          <a:p>
+            <a:pPr marL="285750" indent="-285750">
+              <a:lnSpc>
+                <a:spcPct val="200000"/>
+              </a:lnSpc>
+              <a:buFont typeface="Arial" panose="020B0604020202020204" pitchFamily="34" charset="0"/>
+              <a:buChar char="•"/>
+            </a:pPr>
+            <a:r>
+              <a:rPr lang="it-IT" b="1" u="sng" dirty="0"/>
+              <a:t>NON</a:t>
+            </a:r>
+            <a:r>
+              <a:rPr lang="it-IT" b="1" dirty="0"/>
+              <a:t> NECESSITA DI ACESSO A INTERNET</a:t>
+            </a:r>
+          </a:p>
+          <a:p>
+            <a:pPr marL="285750" indent="-285750">
+              <a:lnSpc>
+                <a:spcPct val="200000"/>
+              </a:lnSpc>
+              <a:buFont typeface="Arial" panose="020B0604020202020204" pitchFamily="34" charset="0"/>
+              <a:buChar char="•"/>
+            </a:pPr>
+            <a:r>
+              <a:rPr lang="it-IT" b="1" dirty="0"/>
+              <a:t>DATABASE LOCALE</a:t>
+            </a:r>
+          </a:p>
+          <a:p>
+            <a:pPr marL="285750" indent="-285750">
+              <a:lnSpc>
+                <a:spcPct val="200000"/>
+              </a:lnSpc>
+              <a:buFont typeface="Arial" panose="020B0604020202020204" pitchFamily="34" charset="0"/>
+              <a:buChar char="•"/>
+            </a:pPr>
+            <a:r>
+              <a:rPr lang="it-IT" b="1" dirty="0"/>
+              <a:t>27 CLASSI e 14 LAYOUT</a:t>
+            </a:r>
+          </a:p>
+          <a:p>
+            <a:pPr marL="285750" indent="-285750">
+              <a:lnSpc>
+                <a:spcPct val="200000"/>
+              </a:lnSpc>
+              <a:buFont typeface="Arial" panose="020B0604020202020204" pitchFamily="34" charset="0"/>
+              <a:buChar char="•"/>
+            </a:pPr>
+            <a:r>
+              <a:rPr lang="it-IT" b="1" dirty="0"/>
+              <a:t>COLLEGAMENTO CON ALTRE APP DEL DISPOSITIVO MEDINATE INTENT: </a:t>
+            </a:r>
+          </a:p>
+          <a:p>
+            <a:pPr lvl="3"/>
+            <a:r>
+              <a:rPr lang="it-IT" dirty="0"/>
+              <a:t>-&gt; apertura di Google Maps per raggiungere le destinazioni</a:t>
+            </a:r>
+          </a:p>
+          <a:p>
+            <a:pPr lvl="3"/>
+            <a:r>
+              <a:rPr lang="it-IT" dirty="0"/>
+              <a:t>-&gt; apertura di posta elettronica per contattare supporto</a:t>
+            </a:r>
+          </a:p>
+        </p:txBody>
+      </p:sp>
     </p:spTree>
     <p:extLst>
       <p:ext uri="{BB962C8B-B14F-4D97-AF65-F5344CB8AC3E}">
-        <p14:creationId xmlns:p14="http://schemas.microsoft.com/office/powerpoint/2010/main" val="2320130752"/>
+        <p14:creationId xmlns:p14="http://schemas.microsoft.com/office/powerpoint/2010/main" val="759641145"/>
       </p:ext>
     </p:extLst>
   </p:cSld>
@@ -8910,6 +6702,53 @@
       </p:grpSpPr>
       <p:sp>
         <p:nvSpPr>
+          <p:cNvPr id="35" name="Rettangolo 34">
+            <a:extLst>
+              <a:ext uri="{FF2B5EF4-FFF2-40B4-BE49-F238E27FC236}">
+                <a16:creationId xmlns:a16="http://schemas.microsoft.com/office/drawing/2014/main" id="{2DC64D3A-1CA2-4200-A7CA-9338115F9A1E}"/>
+              </a:ext>
+            </a:extLst>
+          </p:cNvPr>
+          <p:cNvSpPr/>
+          <p:nvPr/>
+        </p:nvSpPr>
+        <p:spPr>
+          <a:xfrm>
+            <a:off x="3229190" y="4874792"/>
+            <a:ext cx="2500009" cy="1060830"/>
+          </a:xfrm>
+          <a:prstGeom prst="rect">
+            <a:avLst/>
+          </a:prstGeom>
+          <a:noFill/>
+        </p:spPr>
+        <p:style>
+          <a:lnRef idx="2">
+            <a:schemeClr val="accent1">
+              <a:shade val="50000"/>
+            </a:schemeClr>
+          </a:lnRef>
+          <a:fillRef idx="1">
+            <a:schemeClr val="accent1"/>
+          </a:fillRef>
+          <a:effectRef idx="0">
+            <a:schemeClr val="accent1"/>
+          </a:effectRef>
+          <a:fontRef idx="minor">
+            <a:schemeClr val="lt1"/>
+          </a:fontRef>
+        </p:style>
+        <p:txBody>
+          <a:bodyPr rtlCol="0" anchor="ctr"/>
+          <a:lstStyle/>
+          <a:p>
+            <a:pPr algn="ctr"/>
+            <a:endParaRPr lang="it-IT"/>
+          </a:p>
+        </p:txBody>
+      </p:sp>
+      <p:sp>
+        <p:nvSpPr>
           <p:cNvPr id="4" name="Rettangolo 3">
             <a:extLst>
               <a:ext uri="{FF2B5EF4-FFF2-40B4-BE49-F238E27FC236}">
@@ -9090,166 +6929,6 @@
           </a:prstGeom>
         </p:spPr>
       </p:pic>
-      <p:sp>
-        <p:nvSpPr>
-          <p:cNvPr id="39" name="Ovale 38">
-            <a:extLst>
-              <a:ext uri="{FF2B5EF4-FFF2-40B4-BE49-F238E27FC236}">
-                <a16:creationId xmlns:a16="http://schemas.microsoft.com/office/drawing/2014/main" id="{495D48FB-F6D8-4490-B428-62885D65E8A1}"/>
-              </a:ext>
-            </a:extLst>
-          </p:cNvPr>
-          <p:cNvSpPr>
-            <a:spLocks noChangeAspect="1"/>
-          </p:cNvSpPr>
-          <p:nvPr/>
-        </p:nvSpPr>
-        <p:spPr>
-          <a:xfrm>
-            <a:off x="11577600" y="6246000"/>
-            <a:ext cx="548640" cy="546401"/>
-          </a:xfrm>
-          <a:prstGeom prst="ellipse">
-            <a:avLst/>
-          </a:prstGeom>
-          <a:solidFill>
-            <a:srgbClr val="212421"/>
-          </a:solidFill>
-          <a:ln>
-            <a:solidFill>
-              <a:srgbClr val="FF8800"/>
-            </a:solidFill>
-            <a:extLst>
-              <a:ext uri="{C807C97D-BFC1-408E-A445-0C87EB9F89A2}">
-                <ask:lineSketchStyleProps xmlns:ask="http://schemas.microsoft.com/office/drawing/2018/sketchyshapes" sd="1219033472">
-                  <a:custGeom>
-                    <a:avLst/>
-                    <a:gdLst>
-                      <a:gd name="connsiteX0" fmla="*/ 0 w 710119"/>
-                      <a:gd name="connsiteY0" fmla="*/ 340468 h 680936"/>
-                      <a:gd name="connsiteX1" fmla="*/ 355060 w 710119"/>
-                      <a:gd name="connsiteY1" fmla="*/ 0 h 680936"/>
-                      <a:gd name="connsiteX2" fmla="*/ 710120 w 710119"/>
-                      <a:gd name="connsiteY2" fmla="*/ 340468 h 680936"/>
-                      <a:gd name="connsiteX3" fmla="*/ 355060 w 710119"/>
-                      <a:gd name="connsiteY3" fmla="*/ 680936 h 680936"/>
-                      <a:gd name="connsiteX4" fmla="*/ 0 w 710119"/>
-                      <a:gd name="connsiteY4" fmla="*/ 340468 h 680936"/>
-                    </a:gdLst>
-                    <a:ahLst/>
-                    <a:cxnLst>
-                      <a:cxn ang="0">
-                        <a:pos x="connsiteX0" y="connsiteY0"/>
-                      </a:cxn>
-                      <a:cxn ang="0">
-                        <a:pos x="connsiteX1" y="connsiteY1"/>
-                      </a:cxn>
-                      <a:cxn ang="0">
-                        <a:pos x="connsiteX2" y="connsiteY2"/>
-                      </a:cxn>
-                      <a:cxn ang="0">
-                        <a:pos x="connsiteX3" y="connsiteY3"/>
-                      </a:cxn>
-                      <a:cxn ang="0">
-                        <a:pos x="connsiteX4" y="connsiteY4"/>
-                      </a:cxn>
-                    </a:cxnLst>
-                    <a:rect l="l" t="t" r="r" b="b"/>
-                    <a:pathLst>
-                      <a:path w="710119" h="680936" fill="none" extrusionOk="0">
-                        <a:moveTo>
-                          <a:pt x="0" y="340468"/>
-                        </a:moveTo>
-                        <a:cubicBezTo>
-                          <a:pt x="12626" y="153931"/>
-                          <a:pt x="182266" y="-47951"/>
-                          <a:pt x="355060" y="0"/>
-                        </a:cubicBezTo>
-                        <a:cubicBezTo>
-                          <a:pt x="512829" y="-5869"/>
-                          <a:pt x="680930" y="179916"/>
-                          <a:pt x="710120" y="340468"/>
-                        </a:cubicBezTo>
-                        <a:cubicBezTo>
-                          <a:pt x="708708" y="515038"/>
-                          <a:pt x="524764" y="717611"/>
-                          <a:pt x="355060" y="680936"/>
-                        </a:cubicBezTo>
-                        <a:cubicBezTo>
-                          <a:pt x="180858" y="693192"/>
-                          <a:pt x="4552" y="529597"/>
-                          <a:pt x="0" y="340468"/>
-                        </a:cubicBezTo>
-                        <a:close/>
-                      </a:path>
-                      <a:path w="710119" h="680936" stroke="0" extrusionOk="0">
-                        <a:moveTo>
-                          <a:pt x="0" y="340468"/>
-                        </a:moveTo>
-                        <a:cubicBezTo>
-                          <a:pt x="-40400" y="127513"/>
-                          <a:pt x="130169" y="10808"/>
-                          <a:pt x="355060" y="0"/>
-                        </a:cubicBezTo>
-                        <a:cubicBezTo>
-                          <a:pt x="591549" y="8504"/>
-                          <a:pt x="696582" y="152863"/>
-                          <a:pt x="710120" y="340468"/>
-                        </a:cubicBezTo>
-                        <a:cubicBezTo>
-                          <a:pt x="691250" y="546930"/>
-                          <a:pt x="546189" y="708377"/>
-                          <a:pt x="355060" y="680936"/>
-                        </a:cubicBezTo>
-                        <a:cubicBezTo>
-                          <a:pt x="119224" y="659192"/>
-                          <a:pt x="48916" y="551876"/>
-                          <a:pt x="0" y="340468"/>
-                        </a:cubicBezTo>
-                        <a:close/>
-                      </a:path>
-                    </a:pathLst>
-                  </a:custGeom>
-                  <ask:type>
-                    <ask:lineSketchNone/>
-                  </ask:type>
-                </ask:lineSketchStyleProps>
-              </a:ext>
-            </a:extLst>
-          </a:ln>
-        </p:spPr>
-        <p:style>
-          <a:lnRef idx="2">
-            <a:schemeClr val="accent1">
-              <a:shade val="50000"/>
-            </a:schemeClr>
-          </a:lnRef>
-          <a:fillRef idx="1">
-            <a:schemeClr val="accent1"/>
-          </a:fillRef>
-          <a:effectRef idx="0">
-            <a:schemeClr val="accent1"/>
-          </a:effectRef>
-          <a:fontRef idx="minor">
-            <a:schemeClr val="lt1"/>
-          </a:fontRef>
-        </p:style>
-        <p:txBody>
-          <a:bodyPr rtlCol="0" anchor="ctr"/>
-          <a:lstStyle/>
-          <a:p>
-            <a:pPr algn="ctr"/>
-            <a:r>
-              <a:rPr lang="it-IT" dirty="0">
-                <a:solidFill>
-                  <a:srgbClr val="FF8800"/>
-                </a:solidFill>
-              </a:rPr>
-              <a:t>I</a:t>
-            </a:r>
-          </a:p>
-        </p:txBody>
-      </p:sp>
       <p:sp>
         <p:nvSpPr>
           <p:cNvPr id="3" name="Rettangolo 2">
@@ -9454,14 +7133,12 @@
         </p:nvSpPr>
         <p:spPr>
           <a:xfrm>
-            <a:off x="2982240" y="358563"/>
+            <a:off x="2944358" y="55658"/>
             <a:ext cx="8595360" cy="998289"/>
           </a:xfrm>
         </p:spPr>
         <p:txBody>
-          <a:bodyPr>
-            <a:normAutofit/>
-          </a:bodyPr>
+          <a:bodyPr/>
           <a:lstStyle/>
           <a:p>
             <a:r>
@@ -9471,31 +7148,155 @@
                 </a:solidFill>
                 <a:latin typeface="Bangers" panose="00000500000000000000" pitchFamily="2" charset="0"/>
               </a:rPr>
-              <a:t>Informazioni tecniche</a:t>
+              <a:t>STRUMENTI utilizzati</a:t>
             </a:r>
           </a:p>
         </p:txBody>
       </p:sp>
       <p:pic>
         <p:nvPicPr>
-          <p:cNvPr id="13" name="Immagine 12">
-            <a:extLst>
-              <a:ext uri="{FF2B5EF4-FFF2-40B4-BE49-F238E27FC236}">
-                <a16:creationId xmlns:a16="http://schemas.microsoft.com/office/drawing/2014/main" id="{A7B8A890-190E-4737-BF35-05550ABD504D}"/>
+          <p:cNvPr id="1030" name="Picture 6" descr="Oracle lancia Java SE 11 per aumentare la produttività degli sviluppatori">
+            <a:extLst>
+              <a:ext uri="{FF2B5EF4-FFF2-40B4-BE49-F238E27FC236}">
+                <a16:creationId xmlns:a16="http://schemas.microsoft.com/office/drawing/2014/main" id="{6FCF5AE6-609D-46C5-86A8-5227AF23CE40}"/>
               </a:ext>
             </a:extLst>
           </p:cNvPr>
           <p:cNvPicPr>
-            <a:picLocks noChangeAspect="1"/>
+            <a:picLocks noChangeAspect="1" noChangeArrowheads="1"/>
           </p:cNvPicPr>
           <p:nvPr/>
         </p:nvPicPr>
         <p:blipFill>
-          <a:blip r:embed="rId4"/>
+          <a:blip r:embed="rId4">
+            <a:extLst>
+              <a:ext uri="{28A0092B-C50C-407E-A947-70E740481C1C}">
+                <a14:useLocalDpi xmlns:a14="http://schemas.microsoft.com/office/drawing/2010/main" val="0"/>
+              </a:ext>
+            </a:extLst>
+          </a:blip>
+          <a:srcRect/>
           <a:stretch>
             <a:fillRect/>
           </a:stretch>
         </p:blipFill>
+        <p:spPr bwMode="auto">
+          <a:xfrm>
+            <a:off x="9047035" y="1435510"/>
+            <a:ext cx="1932819" cy="1449614"/>
+          </a:xfrm>
+          <a:prstGeom prst="rect">
+            <a:avLst/>
+          </a:prstGeom>
+          <a:noFill/>
+          <a:extLst>
+            <a:ext uri="{909E8E84-426E-40DD-AFC4-6F175D3DCCD1}">
+              <a14:hiddenFill xmlns:a14="http://schemas.microsoft.com/office/drawing/2010/main">
+                <a:solidFill>
+                  <a:srgbClr val="FFFFFF"/>
+                </a:solidFill>
+              </a14:hiddenFill>
+            </a:ext>
+          </a:extLst>
+        </p:spPr>
+      </p:pic>
+      <p:pic>
+        <p:nvPicPr>
+          <p:cNvPr id="1032" name="Picture 8">
+            <a:extLst>
+              <a:ext uri="{FF2B5EF4-FFF2-40B4-BE49-F238E27FC236}">
+                <a16:creationId xmlns:a16="http://schemas.microsoft.com/office/drawing/2014/main" id="{37FA237D-F73C-4058-95CB-1B3BDF6A1CC5}"/>
+              </a:ext>
+            </a:extLst>
+          </p:cNvPr>
+          <p:cNvPicPr>
+            <a:picLocks noChangeAspect="1" noChangeArrowheads="1"/>
+          </p:cNvPicPr>
+          <p:nvPr/>
+        </p:nvPicPr>
+        <p:blipFill>
+          <a:blip r:embed="rId5">
+            <a:extLst>
+              <a:ext uri="{28A0092B-C50C-407E-A947-70E740481C1C}">
+                <a14:useLocalDpi xmlns:a14="http://schemas.microsoft.com/office/drawing/2010/main" val="0"/>
+              </a:ext>
+            </a:extLst>
+          </a:blip>
+          <a:srcRect/>
+          <a:stretch>
+            <a:fillRect/>
+          </a:stretch>
+        </p:blipFill>
+        <p:spPr bwMode="auto">
+          <a:xfrm>
+            <a:off x="3170189" y="3813962"/>
+            <a:ext cx="2240697" cy="1060830"/>
+          </a:xfrm>
+          <a:prstGeom prst="rect">
+            <a:avLst/>
+          </a:prstGeom>
+          <a:noFill/>
+          <a:extLst>
+            <a:ext uri="{909E8E84-426E-40DD-AFC4-6F175D3DCCD1}">
+              <a14:hiddenFill xmlns:a14="http://schemas.microsoft.com/office/drawing/2010/main">
+                <a:solidFill>
+                  <a:srgbClr val="FFFFFF"/>
+                </a:solidFill>
+              </a14:hiddenFill>
+            </a:ext>
+          </a:extLst>
+        </p:spPr>
+      </p:pic>
+      <p:pic>
+        <p:nvPicPr>
+          <p:cNvPr id="2" name="Immagine 1">
+            <a:extLst>
+              <a:ext uri="{FF2B5EF4-FFF2-40B4-BE49-F238E27FC236}">
+                <a16:creationId xmlns:a16="http://schemas.microsoft.com/office/drawing/2014/main" id="{6FC00687-E965-4921-BB6F-1CB9CDC4BF08}"/>
+              </a:ext>
+            </a:extLst>
+          </p:cNvPr>
+          <p:cNvPicPr>
+            <a:picLocks noChangeAspect="1"/>
+          </p:cNvPicPr>
+          <p:nvPr/>
+        </p:nvPicPr>
+        <p:blipFill>
+          <a:blip r:embed="rId6"/>
+          <a:stretch>
+            <a:fillRect/>
+          </a:stretch>
+        </p:blipFill>
+        <p:spPr>
+          <a:xfrm>
+            <a:off x="3299947" y="4916125"/>
+            <a:ext cx="978164" cy="978164"/>
+          </a:xfrm>
+          <a:prstGeom prst="rect">
+            <a:avLst/>
+          </a:prstGeom>
+        </p:spPr>
+      </p:pic>
+      <p:pic>
+        <p:nvPicPr>
+          <p:cNvPr id="15" name="Immagine 14">
+            <a:extLst>
+              <a:ext uri="{FF2B5EF4-FFF2-40B4-BE49-F238E27FC236}">
+                <a16:creationId xmlns:a16="http://schemas.microsoft.com/office/drawing/2014/main" id="{02FF64B2-F8FA-4244-B631-8DE028AC8428}"/>
+              </a:ext>
+            </a:extLst>
+          </p:cNvPr>
+          <p:cNvPicPr>
+            <a:picLocks noChangeAspect="1"/>
+          </p:cNvPicPr>
+          <p:nvPr/>
+        </p:nvPicPr>
+        <p:blipFill>
+          <a:blip r:embed="rId7"/>
+          <a:stretch>
+            <a:fillRect/>
+          </a:stretch>
+        </p:blipFill>
         <p:spPr>
           <a:xfrm flipH="1">
             <a:off x="11078177" y="0"/>
@@ -9506,12 +7307,72 @@
           </a:prstGeom>
         </p:spPr>
       </p:pic>
-      <p:sp>
-        <p:nvSpPr>
-          <p:cNvPr id="14" name="CasellaDiTesto 13">
-            <a:extLst>
-              <a:ext uri="{FF2B5EF4-FFF2-40B4-BE49-F238E27FC236}">
-                <a16:creationId xmlns:a16="http://schemas.microsoft.com/office/drawing/2014/main" id="{CD30A0E1-93D8-41F4-9F5F-FFDE6428FA43}"/>
+      <p:pic>
+        <p:nvPicPr>
+          <p:cNvPr id="21" name="Immagine 20">
+            <a:extLst>
+              <a:ext uri="{FF2B5EF4-FFF2-40B4-BE49-F238E27FC236}">
+                <a16:creationId xmlns:a16="http://schemas.microsoft.com/office/drawing/2014/main" id="{0E709185-BB57-4481-AA7B-88C9EAB22B8F}"/>
+              </a:ext>
+            </a:extLst>
+          </p:cNvPr>
+          <p:cNvPicPr>
+            <a:picLocks noChangeAspect="1"/>
+          </p:cNvPicPr>
+          <p:nvPr/>
+        </p:nvPicPr>
+        <p:blipFill>
+          <a:blip r:embed="rId8"/>
+          <a:stretch>
+            <a:fillRect/>
+          </a:stretch>
+        </p:blipFill>
+        <p:spPr>
+          <a:xfrm>
+            <a:off x="4184960" y="1377773"/>
+            <a:ext cx="1225926" cy="1483302"/>
+          </a:xfrm>
+          <a:prstGeom prst="rect">
+            <a:avLst/>
+          </a:prstGeom>
+        </p:spPr>
+      </p:pic>
+      <p:pic>
+        <p:nvPicPr>
+          <p:cNvPr id="25" name="Immagine 24">
+            <a:extLst>
+              <a:ext uri="{FF2B5EF4-FFF2-40B4-BE49-F238E27FC236}">
+                <a16:creationId xmlns:a16="http://schemas.microsoft.com/office/drawing/2014/main" id="{38613FF5-AB52-4B84-BF81-7369A53D9623}"/>
+              </a:ext>
+            </a:extLst>
+          </p:cNvPr>
+          <p:cNvPicPr>
+            <a:picLocks noChangeAspect="1"/>
+          </p:cNvPicPr>
+          <p:nvPr/>
+        </p:nvPicPr>
+        <p:blipFill>
+          <a:blip r:embed="rId9"/>
+          <a:stretch>
+            <a:fillRect/>
+          </a:stretch>
+        </p:blipFill>
+        <p:spPr>
+          <a:xfrm>
+            <a:off x="10353370" y="2505600"/>
+            <a:ext cx="1449614" cy="1449614"/>
+          </a:xfrm>
+          <a:prstGeom prst="rect">
+            <a:avLst/>
+          </a:prstGeom>
+        </p:spPr>
+      </p:pic>
+      <p:sp>
+        <p:nvSpPr>
+          <p:cNvPr id="27" name="CasellaDiTesto 26">
+            <a:extLst>
+              <a:ext uri="{FF2B5EF4-FFF2-40B4-BE49-F238E27FC236}">
+                <a16:creationId xmlns:a16="http://schemas.microsoft.com/office/drawing/2014/main" id="{9D9EF126-A9F4-4073-85DB-94DC88AA94B7}"/>
               </a:ext>
             </a:extLst>
           </p:cNvPr>
@@ -9520,8 +7381,8 @@
         </p:nvSpPr>
         <p:spPr>
           <a:xfrm>
-            <a:off x="3412998" y="2201261"/>
-            <a:ext cx="7733843" cy="3416320"/>
+            <a:off x="3677574" y="2861075"/>
+            <a:ext cx="3103542" cy="369332"/>
           </a:xfrm>
           <a:prstGeom prst="rect">
             <a:avLst/>
@@ -9534,107 +7395,237 @@
           </a:bodyPr>
           <a:lstStyle/>
           <a:p>
-            <a:pPr marL="285750" indent="-285750">
-              <a:buFont typeface="Arial" panose="020B0604020202020204" pitchFamily="34" charset="0"/>
-              <a:buChar char="•"/>
-            </a:pPr>
+            <a:r>
+              <a:rPr lang="it-IT" dirty="0">
+                <a:latin typeface="Courier New" panose="02070309020205020404" pitchFamily="49" charset="0"/>
+                <a:cs typeface="Courier New" panose="02070309020205020404" pitchFamily="49" charset="0"/>
+              </a:rPr>
+              <a:t>Ambiente di sviluppo</a:t>
+            </a:r>
+          </a:p>
+        </p:txBody>
+      </p:sp>
+      <p:sp>
+        <p:nvSpPr>
+          <p:cNvPr id="28" name="CasellaDiTesto 27">
+            <a:extLst>
+              <a:ext uri="{FF2B5EF4-FFF2-40B4-BE49-F238E27FC236}">
+                <a16:creationId xmlns:a16="http://schemas.microsoft.com/office/drawing/2014/main" id="{02160F8D-B5DA-4868-8A10-87BE54D891A4}"/>
+              </a:ext>
+            </a:extLst>
+          </p:cNvPr>
+          <p:cNvSpPr txBox="1"/>
+          <p:nvPr/>
+        </p:nvSpPr>
+        <p:spPr>
+          <a:xfrm>
+            <a:off x="4238141" y="5092262"/>
+            <a:ext cx="1564932" cy="646331"/>
+          </a:xfrm>
+          <a:prstGeom prst="rect">
+            <a:avLst/>
+          </a:prstGeom>
+          <a:noFill/>
+        </p:spPr>
+        <p:txBody>
+          <a:bodyPr wrap="square" rtlCol="0">
+            <a:spAutoFit/>
+          </a:bodyPr>
+          <a:lstStyle/>
+          <a:p>
             <a:r>
               <a:rPr lang="it-IT" b="1" dirty="0"/>
-              <a:t>LIVELLO MINIMO API</a:t>
-            </a:r>
-            <a:r>
-              <a:rPr lang="it-IT" dirty="0"/>
-              <a:t>: 26 (Android 8.0) -&gt; dovuto all’utilizzo di </a:t>
-            </a:r>
-            <a:r>
-              <a:rPr lang="it-IT" dirty="0" err="1"/>
-              <a:t>Java.Time</a:t>
-            </a:r>
-            <a:r>
-              <a:rPr lang="it-IT" dirty="0"/>
-              <a:t> per la gestione delle date</a:t>
-            </a:r>
-          </a:p>
-          <a:p>
-            <a:pPr marL="285750" indent="-285750">
-              <a:lnSpc>
-                <a:spcPct val="200000"/>
-              </a:lnSpc>
-              <a:buFont typeface="Arial" panose="020B0604020202020204" pitchFamily="34" charset="0"/>
-              <a:buChar char="•"/>
-            </a:pPr>
-            <a:r>
-              <a:rPr lang="it-IT" b="1" dirty="0"/>
-              <a:t>UTILLIZZO GOOGLE SERVICES </a:t>
-            </a:r>
-            <a:r>
-              <a:rPr lang="it-IT" dirty="0"/>
-              <a:t>-&gt; necessari per la localizzazione</a:t>
-            </a:r>
-          </a:p>
-          <a:p>
-            <a:pPr marL="285750" indent="-285750">
-              <a:lnSpc>
-                <a:spcPct val="200000"/>
-              </a:lnSpc>
-              <a:buFont typeface="Arial" panose="020B0604020202020204" pitchFamily="34" charset="0"/>
-              <a:buChar char="•"/>
-            </a:pPr>
-            <a:r>
-              <a:rPr lang="it-IT" b="1" u="sng" dirty="0"/>
-              <a:t>NON</a:t>
-            </a:r>
-            <a:r>
-              <a:rPr lang="it-IT" b="1" dirty="0"/>
-              <a:t> NECESSITA DI ACESSO A INTERNET</a:t>
-            </a:r>
-          </a:p>
-          <a:p>
-            <a:pPr marL="285750" indent="-285750">
-              <a:lnSpc>
-                <a:spcPct val="200000"/>
-              </a:lnSpc>
-              <a:buFont typeface="Arial" panose="020B0604020202020204" pitchFamily="34" charset="0"/>
-              <a:buChar char="•"/>
-            </a:pPr>
-            <a:r>
-              <a:rPr lang="it-IT" b="1" dirty="0"/>
-              <a:t>DATABASE LOCALE</a:t>
-            </a:r>
-          </a:p>
-          <a:p>
-            <a:pPr marL="285750" indent="-285750">
-              <a:lnSpc>
-                <a:spcPct val="200000"/>
-              </a:lnSpc>
-              <a:buFont typeface="Arial" panose="020B0604020202020204" pitchFamily="34" charset="0"/>
-              <a:buChar char="•"/>
-            </a:pPr>
-            <a:r>
-              <a:rPr lang="it-IT" b="1" dirty="0"/>
-              <a:t>27 CLASSI e 14 LAYOUT</a:t>
-            </a:r>
-          </a:p>
-          <a:p>
-            <a:pPr marL="285750" indent="-285750">
-              <a:buFont typeface="Arial" panose="020B0604020202020204" pitchFamily="34" charset="0"/>
-              <a:buChar char="•"/>
-            </a:pPr>
-            <a:endParaRPr lang="it-IT" b="1" dirty="0"/>
-          </a:p>
-          <a:p>
-            <a:pPr marL="285750" indent="-285750">
-              <a:buFont typeface="Arial" panose="020B0604020202020204" pitchFamily="34" charset="0"/>
-              <a:buChar char="•"/>
-            </a:pPr>
-            <a:endParaRPr lang="it-IT" b="1" dirty="0"/>
+              <a:t>DB BROWSER FOR SQLITE</a:t>
+            </a:r>
+          </a:p>
+        </p:txBody>
+      </p:sp>
+      <p:sp>
+        <p:nvSpPr>
+          <p:cNvPr id="29" name="CasellaDiTesto 28">
+            <a:extLst>
+              <a:ext uri="{FF2B5EF4-FFF2-40B4-BE49-F238E27FC236}">
+                <a16:creationId xmlns:a16="http://schemas.microsoft.com/office/drawing/2014/main" id="{90CE9527-208D-474E-943F-D91AD3E71717}"/>
+              </a:ext>
+            </a:extLst>
+          </p:cNvPr>
+          <p:cNvSpPr txBox="1"/>
+          <p:nvPr/>
+        </p:nvSpPr>
+        <p:spPr>
+          <a:xfrm>
+            <a:off x="8922282" y="3137679"/>
+            <a:ext cx="2017643" cy="369332"/>
+          </a:xfrm>
+          <a:prstGeom prst="rect">
+            <a:avLst/>
+          </a:prstGeom>
+          <a:noFill/>
+        </p:spPr>
+        <p:txBody>
+          <a:bodyPr wrap="square" rtlCol="0">
+            <a:spAutoFit/>
+          </a:bodyPr>
+          <a:lstStyle/>
+          <a:p>
+            <a:r>
+              <a:rPr lang="it-IT" dirty="0">
+                <a:latin typeface="Courier New" panose="02070309020205020404" pitchFamily="49" charset="0"/>
+                <a:cs typeface="Courier New" panose="02070309020205020404" pitchFamily="49" charset="0"/>
+              </a:rPr>
+              <a:t>Linguaggi</a:t>
+            </a:r>
+          </a:p>
+        </p:txBody>
+      </p:sp>
+      <p:sp>
+        <p:nvSpPr>
+          <p:cNvPr id="30" name="CasellaDiTesto 29">
+            <a:extLst>
+              <a:ext uri="{FF2B5EF4-FFF2-40B4-BE49-F238E27FC236}">
+                <a16:creationId xmlns:a16="http://schemas.microsoft.com/office/drawing/2014/main" id="{38395D61-2D72-4588-A4BB-A237937B6B06}"/>
+              </a:ext>
+            </a:extLst>
+          </p:cNvPr>
+          <p:cNvSpPr txBox="1"/>
+          <p:nvPr/>
+        </p:nvSpPr>
+        <p:spPr>
+          <a:xfrm>
+            <a:off x="8439917" y="5837551"/>
+            <a:ext cx="2500008" cy="646331"/>
+          </a:xfrm>
+          <a:prstGeom prst="rect">
+            <a:avLst/>
+          </a:prstGeom>
+          <a:noFill/>
+        </p:spPr>
+        <p:txBody>
+          <a:bodyPr wrap="square" rtlCol="0">
+            <a:spAutoFit/>
+          </a:bodyPr>
+          <a:lstStyle/>
+          <a:p>
+            <a:r>
+              <a:rPr lang="it-IT" dirty="0">
+                <a:latin typeface="Courier New" panose="02070309020205020404" pitchFamily="49" charset="0"/>
+                <a:cs typeface="Courier New" panose="02070309020205020404" pitchFamily="49" charset="0"/>
+              </a:rPr>
+              <a:t>Version Control system</a:t>
+            </a:r>
+          </a:p>
+        </p:txBody>
+      </p:sp>
+      <p:pic>
+        <p:nvPicPr>
+          <p:cNvPr id="34" name="Immagine 33">
+            <a:extLst>
+              <a:ext uri="{FF2B5EF4-FFF2-40B4-BE49-F238E27FC236}">
+                <a16:creationId xmlns:a16="http://schemas.microsoft.com/office/drawing/2014/main" id="{3A7A00A4-18F5-4659-807C-E1CC6D6A4BFE}"/>
+              </a:ext>
+            </a:extLst>
+          </p:cNvPr>
+          <p:cNvPicPr>
+            <a:picLocks noChangeAspect="1"/>
+          </p:cNvPicPr>
+          <p:nvPr/>
+        </p:nvPicPr>
+        <p:blipFill>
+          <a:blip r:embed="rId10"/>
+          <a:stretch>
+            <a:fillRect/>
+          </a:stretch>
+        </p:blipFill>
+        <p:spPr>
+          <a:xfrm>
+            <a:off x="8038774" y="4207769"/>
+            <a:ext cx="2765684" cy="1555697"/>
+          </a:xfrm>
+          <a:prstGeom prst="rect">
+            <a:avLst/>
+          </a:prstGeom>
+        </p:spPr>
+      </p:pic>
+      <p:sp>
+        <p:nvSpPr>
+          <p:cNvPr id="36" name="CasellaDiTesto 35">
+            <a:extLst>
+              <a:ext uri="{FF2B5EF4-FFF2-40B4-BE49-F238E27FC236}">
+                <a16:creationId xmlns:a16="http://schemas.microsoft.com/office/drawing/2014/main" id="{E55530BB-E6E1-4754-B474-1670EEAB0BE3}"/>
+              </a:ext>
+            </a:extLst>
+          </p:cNvPr>
+          <p:cNvSpPr txBox="1"/>
+          <p:nvPr/>
+        </p:nvSpPr>
+        <p:spPr>
+          <a:xfrm>
+            <a:off x="5472046" y="4014031"/>
+            <a:ext cx="1794862" cy="646331"/>
+          </a:xfrm>
+          <a:prstGeom prst="rect">
+            <a:avLst/>
+          </a:prstGeom>
+          <a:noFill/>
+        </p:spPr>
+        <p:txBody>
+          <a:bodyPr wrap="square" rtlCol="0">
+            <a:spAutoFit/>
+          </a:bodyPr>
+          <a:lstStyle/>
+          <a:p>
+            <a:r>
+              <a:rPr lang="it-IT" dirty="0">
+                <a:latin typeface="Courier New" panose="02070309020205020404" pitchFamily="49" charset="0"/>
+                <a:cs typeface="Courier New" panose="02070309020205020404" pitchFamily="49" charset="0"/>
+              </a:rPr>
+              <a:t>Libreria database</a:t>
+            </a:r>
+          </a:p>
+        </p:txBody>
+      </p:sp>
+      <p:sp>
+        <p:nvSpPr>
+          <p:cNvPr id="37" name="CasellaDiTesto 36">
+            <a:extLst>
+              <a:ext uri="{FF2B5EF4-FFF2-40B4-BE49-F238E27FC236}">
+                <a16:creationId xmlns:a16="http://schemas.microsoft.com/office/drawing/2014/main" id="{5F042CEA-C9C0-4E37-9683-EF2B22D04CA0}"/>
+              </a:ext>
+            </a:extLst>
+          </p:cNvPr>
+          <p:cNvSpPr txBox="1"/>
+          <p:nvPr/>
+        </p:nvSpPr>
+        <p:spPr>
+          <a:xfrm>
+            <a:off x="5823156" y="4892885"/>
+            <a:ext cx="1751703" cy="923330"/>
+          </a:xfrm>
+          <a:prstGeom prst="rect">
+            <a:avLst/>
+          </a:prstGeom>
+          <a:noFill/>
+        </p:spPr>
+        <p:txBody>
+          <a:bodyPr wrap="square" rtlCol="0">
+            <a:spAutoFit/>
+          </a:bodyPr>
+          <a:lstStyle/>
+          <a:p>
+            <a:r>
+              <a:rPr lang="it-IT" dirty="0">
+                <a:latin typeface="Courier New" panose="02070309020205020404" pitchFamily="49" charset="0"/>
+                <a:cs typeface="Courier New" panose="02070309020205020404" pitchFamily="49" charset="0"/>
+              </a:rPr>
+              <a:t>Software di  gestione database</a:t>
+            </a:r>
           </a:p>
         </p:txBody>
       </p:sp>
     </p:spTree>
     <p:extLst>
       <p:ext uri="{BB962C8B-B14F-4D97-AF65-F5344CB8AC3E}">
-        <p14:creationId xmlns:p14="http://schemas.microsoft.com/office/powerpoint/2010/main" val="759641145"/>
+        <p14:creationId xmlns:p14="http://schemas.microsoft.com/office/powerpoint/2010/main" val="286919868"/>
       </p:ext>
     </p:extLst>
   </p:cSld>
@@ -9743,13 +7734,13 @@
               </a:ext>
             </a:extLst>
           </a:blip>
-          <a:srcRect t="1" r="62894" b="1"/>
+          <a:srcRect r="8050"/>
           <a:stretch/>
         </p:blipFill>
         <p:spPr>
           <a:xfrm>
             <a:off x="337929" y="0"/>
-            <a:ext cx="2500010" cy="6858000"/>
+            <a:ext cx="2500010" cy="2767515"/>
           </a:xfrm>
           <a:prstGeom prst="rect">
             <a:avLst/>
@@ -9775,8 +7766,8 @@
         </p:nvSpPr>
         <p:spPr>
           <a:xfrm>
-            <a:off x="325959" y="-4500"/>
-            <a:ext cx="2511980" cy="6862500"/>
+            <a:off x="337929" y="-14"/>
+            <a:ext cx="2502000" cy="2772000"/>
           </a:xfrm>
           <a:prstGeom prst="rect">
             <a:avLst/>
@@ -9815,312 +7806,12 @@
           </a:p>
         </p:txBody>
       </p:sp>
-      <p:pic>
-        <p:nvPicPr>
-          <p:cNvPr id="5" name="Immagine 4">
-            <a:extLst>
-              <a:ext uri="{FF2B5EF4-FFF2-40B4-BE49-F238E27FC236}">
-                <a16:creationId xmlns:a16="http://schemas.microsoft.com/office/drawing/2014/main" id="{A499A755-5BEA-46D4-8D1B-455136980E98}"/>
-              </a:ext>
-            </a:extLst>
-          </p:cNvPr>
-          <p:cNvPicPr>
-            <a:picLocks noChangeAspect="1"/>
-          </p:cNvPicPr>
-          <p:nvPr/>
-        </p:nvPicPr>
-        <p:blipFill>
-          <a:blip r:embed="rId3">
-            <a:extLst>
-              <a:ext uri="{28A0092B-C50C-407E-A947-70E740481C1C}">
-                <a14:useLocalDpi xmlns:a14="http://schemas.microsoft.com/office/drawing/2010/main" val="0"/>
-              </a:ext>
-            </a:extLst>
-          </a:blip>
-          <a:stretch>
-            <a:fillRect/>
-          </a:stretch>
-        </p:blipFill>
-        <p:spPr>
-          <a:xfrm>
-            <a:off x="325958" y="2174496"/>
-            <a:ext cx="2500009" cy="2500009"/>
-          </a:xfrm>
-          <a:prstGeom prst="rect">
-            <a:avLst/>
-          </a:prstGeom>
-        </p:spPr>
-      </p:pic>
-      <p:sp>
-        <p:nvSpPr>
-          <p:cNvPr id="39" name="Ovale 38">
-            <a:extLst>
-              <a:ext uri="{FF2B5EF4-FFF2-40B4-BE49-F238E27FC236}">
-                <a16:creationId xmlns:a16="http://schemas.microsoft.com/office/drawing/2014/main" id="{495D48FB-F6D8-4490-B428-62885D65E8A1}"/>
-              </a:ext>
-            </a:extLst>
-          </p:cNvPr>
-          <p:cNvSpPr>
-            <a:spLocks noChangeAspect="1"/>
-          </p:cNvSpPr>
-          <p:nvPr/>
-        </p:nvSpPr>
-        <p:spPr>
-          <a:xfrm>
-            <a:off x="11577600" y="6246000"/>
-            <a:ext cx="548640" cy="546401"/>
-          </a:xfrm>
-          <a:prstGeom prst="ellipse">
-            <a:avLst/>
-          </a:prstGeom>
-          <a:solidFill>
-            <a:srgbClr val="212421"/>
-          </a:solidFill>
-          <a:ln>
-            <a:solidFill>
-              <a:srgbClr val="FF8800"/>
-            </a:solidFill>
-            <a:extLst>
-              <a:ext uri="{C807C97D-BFC1-408E-A445-0C87EB9F89A2}">
-                <ask:lineSketchStyleProps xmlns:ask="http://schemas.microsoft.com/office/drawing/2018/sketchyshapes" sd="1219033472">
-                  <a:custGeom>
-                    <a:avLst/>
-                    <a:gdLst>
-                      <a:gd name="connsiteX0" fmla="*/ 0 w 710119"/>
-                      <a:gd name="connsiteY0" fmla="*/ 340468 h 680936"/>
-                      <a:gd name="connsiteX1" fmla="*/ 355060 w 710119"/>
-                      <a:gd name="connsiteY1" fmla="*/ 0 h 680936"/>
-                      <a:gd name="connsiteX2" fmla="*/ 710120 w 710119"/>
-                      <a:gd name="connsiteY2" fmla="*/ 340468 h 680936"/>
-                      <a:gd name="connsiteX3" fmla="*/ 355060 w 710119"/>
-                      <a:gd name="connsiteY3" fmla="*/ 680936 h 680936"/>
-                      <a:gd name="connsiteX4" fmla="*/ 0 w 710119"/>
-                      <a:gd name="connsiteY4" fmla="*/ 340468 h 680936"/>
-                    </a:gdLst>
-                    <a:ahLst/>
-                    <a:cxnLst>
-                      <a:cxn ang="0">
-                        <a:pos x="connsiteX0" y="connsiteY0"/>
-                      </a:cxn>
-                      <a:cxn ang="0">
-                        <a:pos x="connsiteX1" y="connsiteY1"/>
-                      </a:cxn>
-                      <a:cxn ang="0">
-                        <a:pos x="connsiteX2" y="connsiteY2"/>
-                      </a:cxn>
-                      <a:cxn ang="0">
-                        <a:pos x="connsiteX3" y="connsiteY3"/>
-                      </a:cxn>
-                      <a:cxn ang="0">
-                        <a:pos x="connsiteX4" y="connsiteY4"/>
-                      </a:cxn>
-                    </a:cxnLst>
-                    <a:rect l="l" t="t" r="r" b="b"/>
-                    <a:pathLst>
-                      <a:path w="710119" h="680936" fill="none" extrusionOk="0">
-                        <a:moveTo>
-                          <a:pt x="0" y="340468"/>
-                        </a:moveTo>
-                        <a:cubicBezTo>
-                          <a:pt x="12626" y="153931"/>
-                          <a:pt x="182266" y="-47951"/>
-                          <a:pt x="355060" y="0"/>
-                        </a:cubicBezTo>
-                        <a:cubicBezTo>
-                          <a:pt x="512829" y="-5869"/>
-                          <a:pt x="680930" y="179916"/>
-                          <a:pt x="710120" y="340468"/>
-                        </a:cubicBezTo>
-                        <a:cubicBezTo>
-                          <a:pt x="708708" y="515038"/>
-                          <a:pt x="524764" y="717611"/>
-                          <a:pt x="355060" y="680936"/>
-                        </a:cubicBezTo>
-                        <a:cubicBezTo>
-                          <a:pt x="180858" y="693192"/>
-                          <a:pt x="4552" y="529597"/>
-                          <a:pt x="0" y="340468"/>
-                        </a:cubicBezTo>
-                        <a:close/>
-                      </a:path>
-                      <a:path w="710119" h="680936" stroke="0" extrusionOk="0">
-                        <a:moveTo>
-                          <a:pt x="0" y="340468"/>
-                        </a:moveTo>
-                        <a:cubicBezTo>
-                          <a:pt x="-40400" y="127513"/>
-                          <a:pt x="130169" y="10808"/>
-                          <a:pt x="355060" y="0"/>
-                        </a:cubicBezTo>
-                        <a:cubicBezTo>
-                          <a:pt x="591549" y="8504"/>
-                          <a:pt x="696582" y="152863"/>
-                          <a:pt x="710120" y="340468"/>
-                        </a:cubicBezTo>
-                        <a:cubicBezTo>
-                          <a:pt x="691250" y="546930"/>
-                          <a:pt x="546189" y="708377"/>
-                          <a:pt x="355060" y="680936"/>
-                        </a:cubicBezTo>
-                        <a:cubicBezTo>
-                          <a:pt x="119224" y="659192"/>
-                          <a:pt x="48916" y="551876"/>
-                          <a:pt x="0" y="340468"/>
-                        </a:cubicBezTo>
-                        <a:close/>
-                      </a:path>
-                    </a:pathLst>
-                  </a:custGeom>
-                  <ask:type>
-                    <ask:lineSketchNone/>
-                  </ask:type>
-                </ask:lineSketchStyleProps>
-              </a:ext>
-            </a:extLst>
-          </a:ln>
-        </p:spPr>
-        <p:style>
-          <a:lnRef idx="2">
-            <a:schemeClr val="accent1">
-              <a:shade val="50000"/>
-            </a:schemeClr>
-          </a:lnRef>
-          <a:fillRef idx="1">
-            <a:schemeClr val="accent1"/>
-          </a:fillRef>
-          <a:effectRef idx="0">
-            <a:schemeClr val="accent1"/>
-          </a:effectRef>
-          <a:fontRef idx="minor">
-            <a:schemeClr val="lt1"/>
-          </a:fontRef>
-        </p:style>
-        <p:txBody>
-          <a:bodyPr rtlCol="0" anchor="ctr"/>
-          <a:lstStyle/>
-          <a:p>
-            <a:pPr algn="ctr"/>
-            <a:r>
-              <a:rPr lang="it-IT" dirty="0">
-                <a:solidFill>
-                  <a:srgbClr val="FF8800"/>
-                </a:solidFill>
-              </a:rPr>
-              <a:t>I</a:t>
-            </a:r>
-          </a:p>
-        </p:txBody>
-      </p:sp>
-      <p:sp>
-        <p:nvSpPr>
-          <p:cNvPr id="3" name="Rettangolo 2">
-            <a:extLst>
-              <a:ext uri="{FF2B5EF4-FFF2-40B4-BE49-F238E27FC236}">
-                <a16:creationId xmlns:a16="http://schemas.microsoft.com/office/drawing/2014/main" id="{EDA1164C-AED0-456F-9FD7-687CBDF25FA2}"/>
-              </a:ext>
-            </a:extLst>
-          </p:cNvPr>
-          <p:cNvSpPr/>
-          <p:nvPr/>
-        </p:nvSpPr>
-        <p:spPr>
-          <a:xfrm>
-            <a:off x="325958" y="-8999"/>
-            <a:ext cx="2500009" cy="383118"/>
-          </a:xfrm>
-          <a:prstGeom prst="rect">
-            <a:avLst/>
-          </a:prstGeom>
-          <a:solidFill>
-            <a:srgbClr val="212421"/>
-          </a:solidFill>
-          <a:ln>
-            <a:noFill/>
-          </a:ln>
-        </p:spPr>
-        <p:style>
-          <a:lnRef idx="2">
-            <a:schemeClr val="accent1">
-              <a:shade val="50000"/>
-            </a:schemeClr>
-          </a:lnRef>
-          <a:fillRef idx="1">
-            <a:schemeClr val="accent1"/>
-          </a:fillRef>
-          <a:effectRef idx="0">
-            <a:schemeClr val="accent1"/>
-          </a:effectRef>
-          <a:fontRef idx="minor">
-            <a:schemeClr val="lt1"/>
-          </a:fontRef>
-        </p:style>
-        <p:txBody>
-          <a:bodyPr rtlCol="0" anchor="ctr"/>
-          <a:lstStyle/>
-          <a:p>
-            <a:pPr algn="ctr"/>
-            <a:endParaRPr lang="it-IT"/>
-          </a:p>
-        </p:txBody>
-      </p:sp>
-      <p:sp>
-        <p:nvSpPr>
-          <p:cNvPr id="12" name="Rettangolo 11">
-            <a:extLst>
-              <a:ext uri="{FF2B5EF4-FFF2-40B4-BE49-F238E27FC236}">
-                <a16:creationId xmlns:a16="http://schemas.microsoft.com/office/drawing/2014/main" id="{D9B8E538-3720-413A-99D0-6527BC5599F1}"/>
-              </a:ext>
-            </a:extLst>
-          </p:cNvPr>
-          <p:cNvSpPr/>
-          <p:nvPr/>
-        </p:nvSpPr>
-        <p:spPr>
-          <a:xfrm>
-            <a:off x="325957" y="6483882"/>
-            <a:ext cx="2511980" cy="383117"/>
-          </a:xfrm>
-          <a:prstGeom prst="rect">
-            <a:avLst/>
-          </a:prstGeom>
-          <a:solidFill>
-            <a:srgbClr val="212421"/>
-          </a:solidFill>
-          <a:ln>
-            <a:noFill/>
-          </a:ln>
-        </p:spPr>
-        <p:style>
-          <a:lnRef idx="2">
-            <a:schemeClr val="accent1">
-              <a:shade val="50000"/>
-            </a:schemeClr>
-          </a:lnRef>
-          <a:fillRef idx="1">
-            <a:schemeClr val="accent1"/>
-          </a:fillRef>
-          <a:effectRef idx="0">
-            <a:schemeClr val="accent1"/>
-          </a:effectRef>
-          <a:fontRef idx="minor">
-            <a:schemeClr val="lt1"/>
-          </a:fontRef>
-        </p:style>
-        <p:txBody>
-          <a:bodyPr rtlCol="0" anchor="ctr"/>
-          <a:lstStyle/>
-          <a:p>
-            <a:pPr algn="ctr"/>
-            <a:endParaRPr lang="it-IT"/>
-          </a:p>
-        </p:txBody>
-      </p:sp>
       <p:cxnSp>
         <p:nvCxnSpPr>
-          <p:cNvPr id="9" name="Connettore diritto 8">
-            <a:extLst>
-              <a:ext uri="{FF2B5EF4-FFF2-40B4-BE49-F238E27FC236}">
-                <a16:creationId xmlns:a16="http://schemas.microsoft.com/office/drawing/2014/main" id="{01C5D705-DBE5-4EA7-9426-AEA4CE9FCED7}"/>
+          <p:cNvPr id="7" name="Connettore diritto 6">
+            <a:extLst>
+              <a:ext uri="{FF2B5EF4-FFF2-40B4-BE49-F238E27FC236}">
+                <a16:creationId xmlns:a16="http://schemas.microsoft.com/office/drawing/2014/main" id="{E1F82E93-AEDE-4C53-A4B7-7DE29FA4CC78}"/>
               </a:ext>
             </a:extLst>
           </p:cNvPr>
@@ -10129,7 +7820,7 @@
         </p:nvCxnSpPr>
         <p:spPr>
           <a:xfrm>
-            <a:off x="325957" y="6461040"/>
+            <a:off x="337930" y="2767502"/>
             <a:ext cx="2500009" cy="0"/>
           </a:xfrm>
           <a:prstGeom prst="line">
@@ -10156,91 +7847,12 @@
           </a:fontRef>
         </p:style>
       </p:cxnSp>
-      <p:cxnSp>
-        <p:nvCxnSpPr>
-          <p:cNvPr id="7" name="Connettore diritto 6">
-            <a:extLst>
-              <a:ext uri="{FF2B5EF4-FFF2-40B4-BE49-F238E27FC236}">
-                <a16:creationId xmlns:a16="http://schemas.microsoft.com/office/drawing/2014/main" id="{E1F82E93-AEDE-4C53-A4B7-7DE29FA4CC78}"/>
-              </a:ext>
-            </a:extLst>
-          </p:cNvPr>
-          <p:cNvCxnSpPr/>
-          <p:nvPr/>
-        </p:nvCxnSpPr>
-        <p:spPr>
-          <a:xfrm>
-            <a:off x="325958" y="383118"/>
-            <a:ext cx="2500009" cy="0"/>
-          </a:xfrm>
-          <a:prstGeom prst="line">
-            <a:avLst/>
-          </a:prstGeom>
-          <a:ln w="28575">
-            <a:solidFill>
-              <a:srgbClr val="FF8800"/>
-            </a:solidFill>
-          </a:ln>
-        </p:spPr>
-        <p:style>
-          <a:lnRef idx="1">
-            <a:schemeClr val="accent1"/>
-          </a:lnRef>
-          <a:fillRef idx="0">
-            <a:schemeClr val="accent1"/>
-          </a:fillRef>
-          <a:effectRef idx="0">
-            <a:schemeClr val="accent1"/>
-          </a:effectRef>
-          <a:fontRef idx="minor">
-            <a:schemeClr val="tx1"/>
-          </a:fontRef>
-        </p:style>
-      </p:cxnSp>
-      <p:sp>
-        <p:nvSpPr>
-          <p:cNvPr id="6" name="Titolo 5">
-            <a:extLst>
-              <a:ext uri="{FF2B5EF4-FFF2-40B4-BE49-F238E27FC236}">
-                <a16:creationId xmlns:a16="http://schemas.microsoft.com/office/drawing/2014/main" id="{C8F12A68-6488-4835-95D0-943B35A614C5}"/>
-              </a:ext>
-            </a:extLst>
-          </p:cNvPr>
-          <p:cNvSpPr>
-            <a:spLocks noGrp="1"/>
-          </p:cNvSpPr>
-          <p:nvPr>
-            <p:ph type="ctrTitle"/>
-          </p:nvPr>
-        </p:nvSpPr>
-        <p:spPr>
-          <a:xfrm>
-            <a:off x="2982240" y="358563"/>
-            <a:ext cx="8595360" cy="998289"/>
-          </a:xfrm>
-        </p:spPr>
-        <p:txBody>
-          <a:bodyPr/>
-          <a:lstStyle/>
-          <a:p>
-            <a:r>
-              <a:rPr lang="it-IT" dirty="0">
-                <a:solidFill>
-                  <a:srgbClr val="212421"/>
-                </a:solidFill>
-                <a:latin typeface="Bangers" panose="00000500000000000000" pitchFamily="2" charset="0"/>
-              </a:rPr>
-              <a:t>Informazioni tecniche</a:t>
-            </a:r>
-          </a:p>
-        </p:txBody>
-      </p:sp>
       <p:pic>
         <p:nvPicPr>
-          <p:cNvPr id="13" name="Immagine 12">
-            <a:extLst>
-              <a:ext uri="{FF2B5EF4-FFF2-40B4-BE49-F238E27FC236}">
-                <a16:creationId xmlns:a16="http://schemas.microsoft.com/office/drawing/2014/main" id="{D50D9906-D4A9-4ECD-A2DB-EC29E562334F}"/>
+          <p:cNvPr id="5" name="Immagine 4">
+            <a:extLst>
+              <a:ext uri="{FF2B5EF4-FFF2-40B4-BE49-F238E27FC236}">
+                <a16:creationId xmlns:a16="http://schemas.microsoft.com/office/drawing/2014/main" id="{A499A755-5BEA-46D4-8D1B-455136980E98}"/>
               </a:ext>
             </a:extLst>
           </p:cNvPr>
@@ -10250,95 +7862,146 @@
           <p:nvPr/>
         </p:nvPicPr>
         <p:blipFill>
-          <a:blip r:embed="rId4"/>
+          <a:blip r:embed="rId3">
+            <a:extLst>
+              <a:ext uri="{28A0092B-C50C-407E-A947-70E740481C1C}">
+                <a14:useLocalDpi xmlns:a14="http://schemas.microsoft.com/office/drawing/2010/main" val="0"/>
+              </a:ext>
+            </a:extLst>
+          </a:blip>
           <a:stretch>
             <a:fillRect/>
           </a:stretch>
         </p:blipFill>
         <p:spPr>
-          <a:xfrm flipH="1">
-            <a:off x="11078177" y="0"/>
-            <a:ext cx="1113823" cy="2174496"/>
+          <a:xfrm>
+            <a:off x="337930" y="133739"/>
+            <a:ext cx="2500009" cy="2500009"/>
           </a:xfrm>
           <a:prstGeom prst="rect">
             <a:avLst/>
           </a:prstGeom>
         </p:spPr>
       </p:pic>
-      <p:sp>
-        <p:nvSpPr>
-          <p:cNvPr id="14" name="CasellaDiTesto 13">
-            <a:extLst>
-              <a:ext uri="{FF2B5EF4-FFF2-40B4-BE49-F238E27FC236}">
-                <a16:creationId xmlns:a16="http://schemas.microsoft.com/office/drawing/2014/main" id="{9AA85C49-5304-46EF-982B-EA84C968E911}"/>
-              </a:ext>
-            </a:extLst>
-          </p:cNvPr>
-          <p:cNvSpPr txBox="1"/>
-          <p:nvPr/>
-        </p:nvSpPr>
-        <p:spPr>
-          <a:xfrm>
-            <a:off x="3412998" y="2201261"/>
-            <a:ext cx="7733843" cy="1477328"/>
+      <p:pic>
+        <p:nvPicPr>
+          <p:cNvPr id="9" name="Immagine 8">
+            <a:extLst>
+              <a:ext uri="{FF2B5EF4-FFF2-40B4-BE49-F238E27FC236}">
+                <a16:creationId xmlns:a16="http://schemas.microsoft.com/office/drawing/2014/main" id="{1DF4C412-8C67-4916-8B01-C1F26C352413}"/>
+              </a:ext>
+            </a:extLst>
+          </p:cNvPr>
+          <p:cNvPicPr>
+            <a:picLocks noChangeAspect="1"/>
+          </p:cNvPicPr>
+          <p:nvPr/>
+        </p:nvPicPr>
+        <p:blipFill rotWithShape="1">
+          <a:blip r:embed="rId4">
+            <a:extLst>
+              <a:ext uri="{28A0092B-C50C-407E-A947-70E740481C1C}">
+                <a14:useLocalDpi xmlns:a14="http://schemas.microsoft.com/office/drawing/2010/main" val="0"/>
+              </a:ext>
+            </a:extLst>
+          </a:blip>
+          <a:srcRect t="25540" r="18992" b="14814"/>
+          <a:stretch/>
+        </p:blipFill>
+        <p:spPr>
+          <a:xfrm>
+            <a:off x="335940" y="2767487"/>
+            <a:ext cx="2500009" cy="4090514"/>
           </a:xfrm>
           <a:prstGeom prst="rect">
             <a:avLst/>
           </a:prstGeom>
-          <a:noFill/>
-        </p:spPr>
-        <p:txBody>
-          <a:bodyPr wrap="square" rtlCol="0">
-            <a:spAutoFit/>
+        </p:spPr>
+      </p:pic>
+      <p:sp>
+        <p:nvSpPr>
+          <p:cNvPr id="13" name="Titolo 5">
+            <a:extLst>
+              <a:ext uri="{FF2B5EF4-FFF2-40B4-BE49-F238E27FC236}">
+                <a16:creationId xmlns:a16="http://schemas.microsoft.com/office/drawing/2014/main" id="{A7A8FDCD-F2BB-4386-A994-9CB7F8F526DE}"/>
+              </a:ext>
+            </a:extLst>
+          </p:cNvPr>
+          <p:cNvSpPr txBox="1">
+            <a:spLocks/>
+          </p:cNvSpPr>
+          <p:nvPr/>
+        </p:nvSpPr>
+        <p:spPr>
+          <a:xfrm>
+            <a:off x="3058440" y="133739"/>
+            <a:ext cx="8595360" cy="998289"/>
+          </a:xfrm>
+          <a:prstGeom prst="rect">
+            <a:avLst/>
+          </a:prstGeom>
+        </p:spPr>
+        <p:txBody>
+          <a:bodyPr vert="horz" lIns="91440" tIns="45720" rIns="91440" bIns="45720" rtlCol="0" anchor="ctr">
+            <a:normAutofit/>
           </a:bodyPr>
-          <a:lstStyle/>
-          <a:p>
-            <a:pPr marL="285750" indent="-285750">
-              <a:buFont typeface="Arial" panose="020B0604020202020204" pitchFamily="34" charset="0"/>
-              <a:buChar char="•"/>
-            </a:pPr>
-            <a:r>
-              <a:rPr lang="it-IT" b="1" dirty="0"/>
-              <a:t>COLLEGAMENTO CON ALTRE APP DEL DISPOSITIVO MEDINATE INTENT: </a:t>
-            </a:r>
-          </a:p>
-          <a:p>
-            <a:pPr lvl="3"/>
-            <a:r>
-              <a:rPr lang="it-IT" dirty="0"/>
-              <a:t>-&gt; apertura di Google Maps</a:t>
-            </a:r>
-          </a:p>
-          <a:p>
-            <a:pPr lvl="3"/>
-            <a:r>
-              <a:rPr lang="it-IT" dirty="0"/>
-              <a:t>-&gt; apertura di posta elettronica per contattare supporto</a:t>
-            </a:r>
-          </a:p>
-          <a:p>
-            <a:pPr marL="285750" indent="-285750">
-              <a:buFont typeface="Arial" panose="020B0604020202020204" pitchFamily="34" charset="0"/>
-              <a:buChar char="•"/>
-            </a:pPr>
-            <a:r>
-              <a:rPr lang="it-IT" b="1" dirty="0"/>
-              <a:t>UTILIZZO DI COMPONENTI GRAFICI</a:t>
-            </a:r>
-          </a:p>
-          <a:p>
-            <a:pPr marL="285750" indent="-285750">
-              <a:buFont typeface="Arial" panose="020B0604020202020204" pitchFamily="34" charset="0"/>
-              <a:buChar char="•"/>
-            </a:pPr>
-            <a:endParaRPr lang="it-IT" b="1" dirty="0"/>
+          <a:lstStyle>
+            <a:lvl1pPr algn="l" defTabSz="914400" rtl="0" eaLnBrk="1" latinLnBrk="0" hangingPunct="1">
+              <a:lnSpc>
+                <a:spcPct val="90000"/>
+              </a:lnSpc>
+              <a:spcBef>
+                <a:spcPct val="0"/>
+              </a:spcBef>
+              <a:buNone/>
+              <a:defRPr sz="4400" kern="1200">
+                <a:solidFill>
+                  <a:schemeClr val="tx1"/>
+                </a:solidFill>
+                <a:latin typeface="+mj-lt"/>
+                <a:ea typeface="+mj-ea"/>
+                <a:cs typeface="+mj-cs"/>
+              </a:defRPr>
+            </a:lvl1pPr>
+          </a:lstStyle>
+          <a:p>
+            <a:pPr algn="ctr"/>
+            <a:r>
+              <a:rPr lang="it-IT" sz="4800" spc="100" dirty="0">
+                <a:solidFill>
+                  <a:srgbClr val="FF8800"/>
+                </a:solidFill>
+                <a:effectLst>
+                  <a:outerShdw blurRad="38100" dist="38100" dir="2700000" algn="tl">
+                    <a:srgbClr val="000000">
+                      <a:alpha val="43137"/>
+                    </a:srgbClr>
+                  </a:outerShdw>
+                </a:effectLst>
+                <a:latin typeface="Bangers" panose="00000500000000000000" pitchFamily="2" charset="0"/>
+              </a:rPr>
+              <a:t>HOME</a:t>
+            </a:r>
+            <a:endParaRPr lang="it-IT" spc="100" dirty="0">
+              <a:solidFill>
+                <a:srgbClr val="FF8800"/>
+              </a:solidFill>
+              <a:effectLst>
+                <a:outerShdw blurRad="38100" dist="38100" dir="2700000" algn="tl">
+                  <a:srgbClr val="000000">
+                    <a:alpha val="43137"/>
+                  </a:srgbClr>
+                </a:outerShdw>
+              </a:effectLst>
+              <a:latin typeface="Bangers" panose="00000500000000000000" pitchFamily="2" charset="0"/>
+            </a:endParaRPr>
           </a:p>
         </p:txBody>
       </p:sp>
     </p:spTree>
     <p:extLst>
       <p:ext uri="{BB962C8B-B14F-4D97-AF65-F5344CB8AC3E}">
-        <p14:creationId xmlns:p14="http://schemas.microsoft.com/office/powerpoint/2010/main" val="270893459"/>
+        <p14:creationId xmlns:p14="http://schemas.microsoft.com/office/powerpoint/2010/main" val="1567448560"/>
       </p:ext>
     </p:extLst>
   </p:cSld>
@@ -10447,13 +8110,13 @@
               </a:ext>
             </a:extLst>
           </a:blip>
-          <a:srcRect t="1" r="62894" b="1"/>
+          <a:srcRect r="8050"/>
           <a:stretch/>
         </p:blipFill>
         <p:spPr>
           <a:xfrm>
             <a:off x="337929" y="0"/>
-            <a:ext cx="2500010" cy="6858000"/>
+            <a:ext cx="2500010" cy="2767515"/>
           </a:xfrm>
           <a:prstGeom prst="rect">
             <a:avLst/>
@@ -10479,8 +8142,8 @@
         </p:nvSpPr>
         <p:spPr>
           <a:xfrm>
-            <a:off x="325959" y="-4500"/>
-            <a:ext cx="2511980" cy="6862500"/>
+            <a:off x="337929" y="-14"/>
+            <a:ext cx="2502000" cy="2772000"/>
           </a:xfrm>
           <a:prstGeom prst="rect">
             <a:avLst/>
@@ -10519,312 +8182,12 @@
           </a:p>
         </p:txBody>
       </p:sp>
-      <p:pic>
-        <p:nvPicPr>
-          <p:cNvPr id="5" name="Immagine 4">
-            <a:extLst>
-              <a:ext uri="{FF2B5EF4-FFF2-40B4-BE49-F238E27FC236}">
-                <a16:creationId xmlns:a16="http://schemas.microsoft.com/office/drawing/2014/main" id="{A499A755-5BEA-46D4-8D1B-455136980E98}"/>
-              </a:ext>
-            </a:extLst>
-          </p:cNvPr>
-          <p:cNvPicPr>
-            <a:picLocks noChangeAspect="1"/>
-          </p:cNvPicPr>
-          <p:nvPr/>
-        </p:nvPicPr>
-        <p:blipFill>
-          <a:blip r:embed="rId3">
-            <a:extLst>
-              <a:ext uri="{28A0092B-C50C-407E-A947-70E740481C1C}">
-                <a14:useLocalDpi xmlns:a14="http://schemas.microsoft.com/office/drawing/2010/main" val="0"/>
-              </a:ext>
-            </a:extLst>
-          </a:blip>
-          <a:stretch>
-            <a:fillRect/>
-          </a:stretch>
-        </p:blipFill>
-        <p:spPr>
-          <a:xfrm>
-            <a:off x="325958" y="2174496"/>
-            <a:ext cx="2500009" cy="2500009"/>
-          </a:xfrm>
-          <a:prstGeom prst="rect">
-            <a:avLst/>
-          </a:prstGeom>
-        </p:spPr>
-      </p:pic>
-      <p:sp>
-        <p:nvSpPr>
-          <p:cNvPr id="39" name="Ovale 38">
-            <a:extLst>
-              <a:ext uri="{FF2B5EF4-FFF2-40B4-BE49-F238E27FC236}">
-                <a16:creationId xmlns:a16="http://schemas.microsoft.com/office/drawing/2014/main" id="{495D48FB-F6D8-4490-B428-62885D65E8A1}"/>
-              </a:ext>
-            </a:extLst>
-          </p:cNvPr>
-          <p:cNvSpPr>
-            <a:spLocks noChangeAspect="1"/>
-          </p:cNvSpPr>
-          <p:nvPr/>
-        </p:nvSpPr>
-        <p:spPr>
-          <a:xfrm>
-            <a:off x="11577600" y="6246000"/>
-            <a:ext cx="548640" cy="546401"/>
-          </a:xfrm>
-          <a:prstGeom prst="ellipse">
-            <a:avLst/>
-          </a:prstGeom>
-          <a:solidFill>
-            <a:srgbClr val="212421"/>
-          </a:solidFill>
-          <a:ln>
-            <a:solidFill>
-              <a:srgbClr val="FF8800"/>
-            </a:solidFill>
-            <a:extLst>
-              <a:ext uri="{C807C97D-BFC1-408E-A445-0C87EB9F89A2}">
-                <ask:lineSketchStyleProps xmlns:ask="http://schemas.microsoft.com/office/drawing/2018/sketchyshapes" sd="1219033472">
-                  <a:custGeom>
-                    <a:avLst/>
-                    <a:gdLst>
-                      <a:gd name="connsiteX0" fmla="*/ 0 w 710119"/>
-                      <a:gd name="connsiteY0" fmla="*/ 340468 h 680936"/>
-                      <a:gd name="connsiteX1" fmla="*/ 355060 w 710119"/>
-                      <a:gd name="connsiteY1" fmla="*/ 0 h 680936"/>
-                      <a:gd name="connsiteX2" fmla="*/ 710120 w 710119"/>
-                      <a:gd name="connsiteY2" fmla="*/ 340468 h 680936"/>
-                      <a:gd name="connsiteX3" fmla="*/ 355060 w 710119"/>
-                      <a:gd name="connsiteY3" fmla="*/ 680936 h 680936"/>
-                      <a:gd name="connsiteX4" fmla="*/ 0 w 710119"/>
-                      <a:gd name="connsiteY4" fmla="*/ 340468 h 680936"/>
-                    </a:gdLst>
-                    <a:ahLst/>
-                    <a:cxnLst>
-                      <a:cxn ang="0">
-                        <a:pos x="connsiteX0" y="connsiteY0"/>
-                      </a:cxn>
-                      <a:cxn ang="0">
-                        <a:pos x="connsiteX1" y="connsiteY1"/>
-                      </a:cxn>
-                      <a:cxn ang="0">
-                        <a:pos x="connsiteX2" y="connsiteY2"/>
-                      </a:cxn>
-                      <a:cxn ang="0">
-                        <a:pos x="connsiteX3" y="connsiteY3"/>
-                      </a:cxn>
-                      <a:cxn ang="0">
-                        <a:pos x="connsiteX4" y="connsiteY4"/>
-                      </a:cxn>
-                    </a:cxnLst>
-                    <a:rect l="l" t="t" r="r" b="b"/>
-                    <a:pathLst>
-                      <a:path w="710119" h="680936" fill="none" extrusionOk="0">
-                        <a:moveTo>
-                          <a:pt x="0" y="340468"/>
-                        </a:moveTo>
-                        <a:cubicBezTo>
-                          <a:pt x="12626" y="153931"/>
-                          <a:pt x="182266" y="-47951"/>
-                          <a:pt x="355060" y="0"/>
-                        </a:cubicBezTo>
-                        <a:cubicBezTo>
-                          <a:pt x="512829" y="-5869"/>
-                          <a:pt x="680930" y="179916"/>
-                          <a:pt x="710120" y="340468"/>
-                        </a:cubicBezTo>
-                        <a:cubicBezTo>
-                          <a:pt x="708708" y="515038"/>
-                          <a:pt x="524764" y="717611"/>
-                          <a:pt x="355060" y="680936"/>
-                        </a:cubicBezTo>
-                        <a:cubicBezTo>
-                          <a:pt x="180858" y="693192"/>
-                          <a:pt x="4552" y="529597"/>
-                          <a:pt x="0" y="340468"/>
-                        </a:cubicBezTo>
-                        <a:close/>
-                      </a:path>
-                      <a:path w="710119" h="680936" stroke="0" extrusionOk="0">
-                        <a:moveTo>
-                          <a:pt x="0" y="340468"/>
-                        </a:moveTo>
-                        <a:cubicBezTo>
-                          <a:pt x="-40400" y="127513"/>
-                          <a:pt x="130169" y="10808"/>
-                          <a:pt x="355060" y="0"/>
-                        </a:cubicBezTo>
-                        <a:cubicBezTo>
-                          <a:pt x="591549" y="8504"/>
-                          <a:pt x="696582" y="152863"/>
-                          <a:pt x="710120" y="340468"/>
-                        </a:cubicBezTo>
-                        <a:cubicBezTo>
-                          <a:pt x="691250" y="546930"/>
-                          <a:pt x="546189" y="708377"/>
-                          <a:pt x="355060" y="680936"/>
-                        </a:cubicBezTo>
-                        <a:cubicBezTo>
-                          <a:pt x="119224" y="659192"/>
-                          <a:pt x="48916" y="551876"/>
-                          <a:pt x="0" y="340468"/>
-                        </a:cubicBezTo>
-                        <a:close/>
-                      </a:path>
-                    </a:pathLst>
-                  </a:custGeom>
-                  <ask:type>
-                    <ask:lineSketchNone/>
-                  </ask:type>
-                </ask:lineSketchStyleProps>
-              </a:ext>
-            </a:extLst>
-          </a:ln>
-        </p:spPr>
-        <p:style>
-          <a:lnRef idx="2">
-            <a:schemeClr val="accent1">
-              <a:shade val="50000"/>
-            </a:schemeClr>
-          </a:lnRef>
-          <a:fillRef idx="1">
-            <a:schemeClr val="accent1"/>
-          </a:fillRef>
-          <a:effectRef idx="0">
-            <a:schemeClr val="accent1"/>
-          </a:effectRef>
-          <a:fontRef idx="minor">
-            <a:schemeClr val="lt1"/>
-          </a:fontRef>
-        </p:style>
-        <p:txBody>
-          <a:bodyPr rtlCol="0" anchor="ctr"/>
-          <a:lstStyle/>
-          <a:p>
-            <a:pPr algn="ctr"/>
-            <a:r>
-              <a:rPr lang="it-IT" dirty="0">
-                <a:solidFill>
-                  <a:srgbClr val="FF8800"/>
-                </a:solidFill>
-              </a:rPr>
-              <a:t>I</a:t>
-            </a:r>
-          </a:p>
-        </p:txBody>
-      </p:sp>
-      <p:sp>
-        <p:nvSpPr>
-          <p:cNvPr id="3" name="Rettangolo 2">
-            <a:extLst>
-              <a:ext uri="{FF2B5EF4-FFF2-40B4-BE49-F238E27FC236}">
-                <a16:creationId xmlns:a16="http://schemas.microsoft.com/office/drawing/2014/main" id="{EDA1164C-AED0-456F-9FD7-687CBDF25FA2}"/>
-              </a:ext>
-            </a:extLst>
-          </p:cNvPr>
-          <p:cNvSpPr/>
-          <p:nvPr/>
-        </p:nvSpPr>
-        <p:spPr>
-          <a:xfrm>
-            <a:off x="325958" y="-8999"/>
-            <a:ext cx="2500009" cy="383118"/>
-          </a:xfrm>
-          <a:prstGeom prst="rect">
-            <a:avLst/>
-          </a:prstGeom>
-          <a:solidFill>
-            <a:srgbClr val="212421"/>
-          </a:solidFill>
-          <a:ln>
-            <a:noFill/>
-          </a:ln>
-        </p:spPr>
-        <p:style>
-          <a:lnRef idx="2">
-            <a:schemeClr val="accent1">
-              <a:shade val="50000"/>
-            </a:schemeClr>
-          </a:lnRef>
-          <a:fillRef idx="1">
-            <a:schemeClr val="accent1"/>
-          </a:fillRef>
-          <a:effectRef idx="0">
-            <a:schemeClr val="accent1"/>
-          </a:effectRef>
-          <a:fontRef idx="minor">
-            <a:schemeClr val="lt1"/>
-          </a:fontRef>
-        </p:style>
-        <p:txBody>
-          <a:bodyPr rtlCol="0" anchor="ctr"/>
-          <a:lstStyle/>
-          <a:p>
-            <a:pPr algn="ctr"/>
-            <a:endParaRPr lang="it-IT"/>
-          </a:p>
-        </p:txBody>
-      </p:sp>
-      <p:sp>
-        <p:nvSpPr>
-          <p:cNvPr id="12" name="Rettangolo 11">
-            <a:extLst>
-              <a:ext uri="{FF2B5EF4-FFF2-40B4-BE49-F238E27FC236}">
-                <a16:creationId xmlns:a16="http://schemas.microsoft.com/office/drawing/2014/main" id="{D9B8E538-3720-413A-99D0-6527BC5599F1}"/>
-              </a:ext>
-            </a:extLst>
-          </p:cNvPr>
-          <p:cNvSpPr/>
-          <p:nvPr/>
-        </p:nvSpPr>
-        <p:spPr>
-          <a:xfrm>
-            <a:off x="325957" y="6483882"/>
-            <a:ext cx="2511980" cy="383117"/>
-          </a:xfrm>
-          <a:prstGeom prst="rect">
-            <a:avLst/>
-          </a:prstGeom>
-          <a:solidFill>
-            <a:srgbClr val="212421"/>
-          </a:solidFill>
-          <a:ln>
-            <a:noFill/>
-          </a:ln>
-        </p:spPr>
-        <p:style>
-          <a:lnRef idx="2">
-            <a:schemeClr val="accent1">
-              <a:shade val="50000"/>
-            </a:schemeClr>
-          </a:lnRef>
-          <a:fillRef idx="1">
-            <a:schemeClr val="accent1"/>
-          </a:fillRef>
-          <a:effectRef idx="0">
-            <a:schemeClr val="accent1"/>
-          </a:effectRef>
-          <a:fontRef idx="minor">
-            <a:schemeClr val="lt1"/>
-          </a:fontRef>
-        </p:style>
-        <p:txBody>
-          <a:bodyPr rtlCol="0" anchor="ctr"/>
-          <a:lstStyle/>
-          <a:p>
-            <a:pPr algn="ctr"/>
-            <a:endParaRPr lang="it-IT"/>
-          </a:p>
-        </p:txBody>
-      </p:sp>
       <p:cxnSp>
         <p:nvCxnSpPr>
-          <p:cNvPr id="9" name="Connettore diritto 8">
-            <a:extLst>
-              <a:ext uri="{FF2B5EF4-FFF2-40B4-BE49-F238E27FC236}">
-                <a16:creationId xmlns:a16="http://schemas.microsoft.com/office/drawing/2014/main" id="{01C5D705-DBE5-4EA7-9426-AEA4CE9FCED7}"/>
+          <p:cNvPr id="7" name="Connettore diritto 6">
+            <a:extLst>
+              <a:ext uri="{FF2B5EF4-FFF2-40B4-BE49-F238E27FC236}">
+                <a16:creationId xmlns:a16="http://schemas.microsoft.com/office/drawing/2014/main" id="{E1F82E93-AEDE-4C53-A4B7-7DE29FA4CC78}"/>
               </a:ext>
             </a:extLst>
           </p:cNvPr>
@@ -10833,7 +8196,7 @@
         </p:nvCxnSpPr>
         <p:spPr>
           <a:xfrm>
-            <a:off x="325957" y="6461040"/>
+            <a:off x="337930" y="2767502"/>
             <a:ext cx="2500009" cy="0"/>
           </a:xfrm>
           <a:prstGeom prst="line">
@@ -10860,91 +8223,12 @@
           </a:fontRef>
         </p:style>
       </p:cxnSp>
-      <p:cxnSp>
-        <p:nvCxnSpPr>
-          <p:cNvPr id="7" name="Connettore diritto 6">
-            <a:extLst>
-              <a:ext uri="{FF2B5EF4-FFF2-40B4-BE49-F238E27FC236}">
-                <a16:creationId xmlns:a16="http://schemas.microsoft.com/office/drawing/2014/main" id="{E1F82E93-AEDE-4C53-A4B7-7DE29FA4CC78}"/>
-              </a:ext>
-            </a:extLst>
-          </p:cNvPr>
-          <p:cNvCxnSpPr/>
-          <p:nvPr/>
-        </p:nvCxnSpPr>
-        <p:spPr>
-          <a:xfrm>
-            <a:off x="325958" y="383118"/>
-            <a:ext cx="2500009" cy="0"/>
-          </a:xfrm>
-          <a:prstGeom prst="line">
-            <a:avLst/>
-          </a:prstGeom>
-          <a:ln w="28575">
-            <a:solidFill>
-              <a:srgbClr val="FF8800"/>
-            </a:solidFill>
-          </a:ln>
-        </p:spPr>
-        <p:style>
-          <a:lnRef idx="1">
-            <a:schemeClr val="accent1"/>
-          </a:lnRef>
-          <a:fillRef idx="0">
-            <a:schemeClr val="accent1"/>
-          </a:fillRef>
-          <a:effectRef idx="0">
-            <a:schemeClr val="accent1"/>
-          </a:effectRef>
-          <a:fontRef idx="minor">
-            <a:schemeClr val="tx1"/>
-          </a:fontRef>
-        </p:style>
-      </p:cxnSp>
-      <p:sp>
-        <p:nvSpPr>
-          <p:cNvPr id="6" name="Titolo 5">
-            <a:extLst>
-              <a:ext uri="{FF2B5EF4-FFF2-40B4-BE49-F238E27FC236}">
-                <a16:creationId xmlns:a16="http://schemas.microsoft.com/office/drawing/2014/main" id="{C8F12A68-6488-4835-95D0-943B35A614C5}"/>
-              </a:ext>
-            </a:extLst>
-          </p:cNvPr>
-          <p:cNvSpPr>
-            <a:spLocks noGrp="1"/>
-          </p:cNvSpPr>
-          <p:nvPr>
-            <p:ph type="ctrTitle"/>
-          </p:nvPr>
-        </p:nvSpPr>
-        <p:spPr>
-          <a:xfrm>
-            <a:off x="2982240" y="358563"/>
-            <a:ext cx="8595360" cy="998289"/>
-          </a:xfrm>
-        </p:spPr>
-        <p:txBody>
-          <a:bodyPr/>
-          <a:lstStyle/>
-          <a:p>
-            <a:r>
-              <a:rPr lang="it-IT" dirty="0">
-                <a:solidFill>
-                  <a:srgbClr val="212421"/>
-                </a:solidFill>
-                <a:latin typeface="Bangers" panose="00000500000000000000" pitchFamily="2" charset="0"/>
-              </a:rPr>
-              <a:t>Software utilizzati</a:t>
-            </a:r>
-          </a:p>
-        </p:txBody>
-      </p:sp>
       <p:pic>
         <p:nvPicPr>
-          <p:cNvPr id="13" name="Immagine 12">
-            <a:extLst>
-              <a:ext uri="{FF2B5EF4-FFF2-40B4-BE49-F238E27FC236}">
-                <a16:creationId xmlns:a16="http://schemas.microsoft.com/office/drawing/2014/main" id="{5A5BE476-FFD4-4043-8E86-6D18E4A03553}"/>
+          <p:cNvPr id="5" name="Immagine 4">
+            <a:extLst>
+              <a:ext uri="{FF2B5EF4-FFF2-40B4-BE49-F238E27FC236}">
+                <a16:creationId xmlns:a16="http://schemas.microsoft.com/office/drawing/2014/main" id="{A499A755-5BEA-46D4-8D1B-455136980E98}"/>
               </a:ext>
             </a:extLst>
           </p:cNvPr>
@@ -10954,25 +8238,146 @@
           <p:nvPr/>
         </p:nvPicPr>
         <p:blipFill>
-          <a:blip r:embed="rId4"/>
+          <a:blip r:embed="rId3">
+            <a:extLst>
+              <a:ext uri="{28A0092B-C50C-407E-A947-70E740481C1C}">
+                <a14:useLocalDpi xmlns:a14="http://schemas.microsoft.com/office/drawing/2010/main" val="0"/>
+              </a:ext>
+            </a:extLst>
+          </a:blip>
           <a:stretch>
             <a:fillRect/>
           </a:stretch>
         </p:blipFill>
         <p:spPr>
-          <a:xfrm flipH="1">
-            <a:off x="11078177" y="0"/>
-            <a:ext cx="1113823" cy="2174496"/>
+          <a:xfrm>
+            <a:off x="337930" y="133739"/>
+            <a:ext cx="2500009" cy="2500009"/>
           </a:xfrm>
           <a:prstGeom prst="rect">
             <a:avLst/>
           </a:prstGeom>
         </p:spPr>
       </p:pic>
+      <p:pic>
+        <p:nvPicPr>
+          <p:cNvPr id="6" name="Immagine 5">
+            <a:extLst>
+              <a:ext uri="{FF2B5EF4-FFF2-40B4-BE49-F238E27FC236}">
+                <a16:creationId xmlns:a16="http://schemas.microsoft.com/office/drawing/2014/main" id="{EDC189C7-BABC-4E40-90A9-65E0A44578F1}"/>
+              </a:ext>
+            </a:extLst>
+          </p:cNvPr>
+          <p:cNvPicPr>
+            <a:picLocks noChangeAspect="1"/>
+          </p:cNvPicPr>
+          <p:nvPr/>
+        </p:nvPicPr>
+        <p:blipFill rotWithShape="1">
+          <a:blip r:embed="rId4">
+            <a:extLst>
+              <a:ext uri="{28A0092B-C50C-407E-A947-70E740481C1C}">
+                <a14:useLocalDpi xmlns:a14="http://schemas.microsoft.com/office/drawing/2010/main" val="0"/>
+              </a:ext>
+            </a:extLst>
+          </a:blip>
+          <a:srcRect t="25663" r="18992" b="14691"/>
+          <a:stretch/>
+        </p:blipFill>
+        <p:spPr>
+          <a:xfrm>
+            <a:off x="335940" y="2767486"/>
+            <a:ext cx="2500009" cy="4090514"/>
+          </a:xfrm>
+          <a:prstGeom prst="rect">
+            <a:avLst/>
+          </a:prstGeom>
+        </p:spPr>
+      </p:pic>
+      <p:sp>
+        <p:nvSpPr>
+          <p:cNvPr id="12" name="Titolo 5">
+            <a:extLst>
+              <a:ext uri="{FF2B5EF4-FFF2-40B4-BE49-F238E27FC236}">
+                <a16:creationId xmlns:a16="http://schemas.microsoft.com/office/drawing/2014/main" id="{AE3BF640-A101-48AB-A39C-0D360CDFD7A6}"/>
+              </a:ext>
+            </a:extLst>
+          </p:cNvPr>
+          <p:cNvSpPr txBox="1">
+            <a:spLocks/>
+          </p:cNvSpPr>
+          <p:nvPr/>
+        </p:nvSpPr>
+        <p:spPr>
+          <a:xfrm>
+            <a:off x="3058440" y="133739"/>
+            <a:ext cx="8595360" cy="998289"/>
+          </a:xfrm>
+          <a:prstGeom prst="rect">
+            <a:avLst/>
+          </a:prstGeom>
+        </p:spPr>
+        <p:txBody>
+          <a:bodyPr vert="horz" lIns="91440" tIns="45720" rIns="91440" bIns="45720" rtlCol="0" anchor="ctr">
+            <a:normAutofit/>
+          </a:bodyPr>
+          <a:lstStyle>
+            <a:lvl1pPr algn="l" defTabSz="914400" rtl="0" eaLnBrk="1" latinLnBrk="0" hangingPunct="1">
+              <a:lnSpc>
+                <a:spcPct val="90000"/>
+              </a:lnSpc>
+              <a:spcBef>
+                <a:spcPct val="0"/>
+              </a:spcBef>
+              <a:buNone/>
+              <a:defRPr sz="4400" kern="1200">
+                <a:solidFill>
+                  <a:schemeClr val="tx1"/>
+                </a:solidFill>
+                <a:latin typeface="+mj-lt"/>
+                <a:ea typeface="+mj-ea"/>
+                <a:cs typeface="+mj-cs"/>
+              </a:defRPr>
+            </a:lvl1pPr>
+          </a:lstStyle>
+          <a:p>
+            <a:pPr algn="ctr"/>
+            <a:r>
+              <a:rPr lang="it-IT" sz="4800" spc="100" dirty="0">
+                <a:solidFill>
+                  <a:srgbClr val="FF8800"/>
+                </a:solidFill>
+                <a:effectLst>
+                  <a:outerShdw blurRad="38100" dist="38100" dir="2700000" algn="tl">
+                    <a:srgbClr val="000000">
+                      <a:alpha val="43137"/>
+                    </a:srgbClr>
+                  </a:outerShdw>
+                </a:effectLst>
+                <a:latin typeface="Bangers" panose="00000500000000000000" pitchFamily="2" charset="0"/>
+              </a:rPr>
+              <a:t>DESTINAZIONI</a:t>
+            </a:r>
+            <a:endParaRPr lang="it-IT" spc="100" dirty="0">
+              <a:solidFill>
+                <a:srgbClr val="FF8800"/>
+              </a:solidFill>
+              <a:effectLst>
+                <a:outerShdw blurRad="38100" dist="38100" dir="2700000" algn="tl">
+                  <a:srgbClr val="000000">
+                    <a:alpha val="43137"/>
+                  </a:srgbClr>
+                </a:outerShdw>
+              </a:effectLst>
+              <a:latin typeface="Bangers" panose="00000500000000000000" pitchFamily="2" charset="0"/>
+            </a:endParaRPr>
+          </a:p>
+        </p:txBody>
+      </p:sp>
     </p:spTree>
     <p:extLst>
       <p:ext uri="{BB962C8B-B14F-4D97-AF65-F5344CB8AC3E}">
-        <p14:creationId xmlns:p14="http://schemas.microsoft.com/office/powerpoint/2010/main" val="1169310595"/>
+        <p14:creationId xmlns:p14="http://schemas.microsoft.com/office/powerpoint/2010/main" val="3283548179"/>
       </p:ext>
     </p:extLst>
   </p:cSld>
@@ -11230,172 +8635,12 @@
           </a:prstGeom>
         </p:spPr>
       </p:pic>
-      <p:sp>
-        <p:nvSpPr>
-          <p:cNvPr id="39" name="Ovale 38">
-            <a:extLst>
-              <a:ext uri="{FF2B5EF4-FFF2-40B4-BE49-F238E27FC236}">
-                <a16:creationId xmlns:a16="http://schemas.microsoft.com/office/drawing/2014/main" id="{495D48FB-F6D8-4490-B428-62885D65E8A1}"/>
-              </a:ext>
-            </a:extLst>
-          </p:cNvPr>
-          <p:cNvSpPr>
-            <a:spLocks noChangeAspect="1"/>
-          </p:cNvSpPr>
-          <p:nvPr/>
-        </p:nvSpPr>
-        <p:spPr>
-          <a:xfrm>
-            <a:off x="11577600" y="6246000"/>
-            <a:ext cx="548640" cy="546401"/>
-          </a:xfrm>
-          <a:prstGeom prst="ellipse">
-            <a:avLst/>
-          </a:prstGeom>
-          <a:solidFill>
-            <a:srgbClr val="212421"/>
-          </a:solidFill>
-          <a:ln>
-            <a:solidFill>
-              <a:srgbClr val="FF8800"/>
-            </a:solidFill>
-            <a:extLst>
-              <a:ext uri="{C807C97D-BFC1-408E-A445-0C87EB9F89A2}">
-                <ask:lineSketchStyleProps xmlns:ask="http://schemas.microsoft.com/office/drawing/2018/sketchyshapes" sd="1219033472">
-                  <a:custGeom>
-                    <a:avLst/>
-                    <a:gdLst>
-                      <a:gd name="connsiteX0" fmla="*/ 0 w 710119"/>
-                      <a:gd name="connsiteY0" fmla="*/ 340468 h 680936"/>
-                      <a:gd name="connsiteX1" fmla="*/ 355060 w 710119"/>
-                      <a:gd name="connsiteY1" fmla="*/ 0 h 680936"/>
-                      <a:gd name="connsiteX2" fmla="*/ 710120 w 710119"/>
-                      <a:gd name="connsiteY2" fmla="*/ 340468 h 680936"/>
-                      <a:gd name="connsiteX3" fmla="*/ 355060 w 710119"/>
-                      <a:gd name="connsiteY3" fmla="*/ 680936 h 680936"/>
-                      <a:gd name="connsiteX4" fmla="*/ 0 w 710119"/>
-                      <a:gd name="connsiteY4" fmla="*/ 340468 h 680936"/>
-                    </a:gdLst>
-                    <a:ahLst/>
-                    <a:cxnLst>
-                      <a:cxn ang="0">
-                        <a:pos x="connsiteX0" y="connsiteY0"/>
-                      </a:cxn>
-                      <a:cxn ang="0">
-                        <a:pos x="connsiteX1" y="connsiteY1"/>
-                      </a:cxn>
-                      <a:cxn ang="0">
-                        <a:pos x="connsiteX2" y="connsiteY2"/>
-                      </a:cxn>
-                      <a:cxn ang="0">
-                        <a:pos x="connsiteX3" y="connsiteY3"/>
-                      </a:cxn>
-                      <a:cxn ang="0">
-                        <a:pos x="connsiteX4" y="connsiteY4"/>
-                      </a:cxn>
-                    </a:cxnLst>
-                    <a:rect l="l" t="t" r="r" b="b"/>
-                    <a:pathLst>
-                      <a:path w="710119" h="680936" fill="none" extrusionOk="0">
-                        <a:moveTo>
-                          <a:pt x="0" y="340468"/>
-                        </a:moveTo>
-                        <a:cubicBezTo>
-                          <a:pt x="12626" y="153931"/>
-                          <a:pt x="182266" y="-47951"/>
-                          <a:pt x="355060" y="0"/>
-                        </a:cubicBezTo>
-                        <a:cubicBezTo>
-                          <a:pt x="512829" y="-5869"/>
-                          <a:pt x="680930" y="179916"/>
-                          <a:pt x="710120" y="340468"/>
-                        </a:cubicBezTo>
-                        <a:cubicBezTo>
-                          <a:pt x="708708" y="515038"/>
-                          <a:pt x="524764" y="717611"/>
-                          <a:pt x="355060" y="680936"/>
-                        </a:cubicBezTo>
-                        <a:cubicBezTo>
-                          <a:pt x="180858" y="693192"/>
-                          <a:pt x="4552" y="529597"/>
-                          <a:pt x="0" y="340468"/>
-                        </a:cubicBezTo>
-                        <a:close/>
-                      </a:path>
-                      <a:path w="710119" h="680936" stroke="0" extrusionOk="0">
-                        <a:moveTo>
-                          <a:pt x="0" y="340468"/>
-                        </a:moveTo>
-                        <a:cubicBezTo>
-                          <a:pt x="-40400" y="127513"/>
-                          <a:pt x="130169" y="10808"/>
-                          <a:pt x="355060" y="0"/>
-                        </a:cubicBezTo>
-                        <a:cubicBezTo>
-                          <a:pt x="591549" y="8504"/>
-                          <a:pt x="696582" y="152863"/>
-                          <a:pt x="710120" y="340468"/>
-                        </a:cubicBezTo>
-                        <a:cubicBezTo>
-                          <a:pt x="691250" y="546930"/>
-                          <a:pt x="546189" y="708377"/>
-                          <a:pt x="355060" y="680936"/>
-                        </a:cubicBezTo>
-                        <a:cubicBezTo>
-                          <a:pt x="119224" y="659192"/>
-                          <a:pt x="48916" y="551876"/>
-                          <a:pt x="0" y="340468"/>
-                        </a:cubicBezTo>
-                        <a:close/>
-                      </a:path>
-                    </a:pathLst>
-                  </a:custGeom>
-                  <ask:type>
-                    <ask:lineSketchNone/>
-                  </ask:type>
-                </ask:lineSketchStyleProps>
-              </a:ext>
-            </a:extLst>
-          </a:ln>
-        </p:spPr>
-        <p:style>
-          <a:lnRef idx="2">
-            <a:schemeClr val="accent1">
-              <a:shade val="50000"/>
-            </a:schemeClr>
-          </a:lnRef>
-          <a:fillRef idx="1">
-            <a:schemeClr val="accent1"/>
-          </a:fillRef>
-          <a:effectRef idx="0">
-            <a:schemeClr val="accent1"/>
-          </a:effectRef>
-          <a:fontRef idx="minor">
-            <a:schemeClr val="lt1"/>
-          </a:fontRef>
-        </p:style>
-        <p:txBody>
-          <a:bodyPr rtlCol="0" anchor="ctr"/>
-          <a:lstStyle/>
-          <a:p>
-            <a:pPr algn="ctr"/>
-            <a:r>
-              <a:rPr lang="it-IT" dirty="0">
-                <a:solidFill>
-                  <a:srgbClr val="FF8800"/>
-                </a:solidFill>
-              </a:rPr>
-              <a:t>1</a:t>
-            </a:r>
-          </a:p>
-        </p:txBody>
-      </p:sp>
       <p:pic>
         <p:nvPicPr>
-          <p:cNvPr id="9" name="Immagine 8">
-            <a:extLst>
-              <a:ext uri="{FF2B5EF4-FFF2-40B4-BE49-F238E27FC236}">
-                <a16:creationId xmlns:a16="http://schemas.microsoft.com/office/drawing/2014/main" id="{1DF4C412-8C67-4916-8B01-C1F26C352413}"/>
+          <p:cNvPr id="6" name="Immagine 5">
+            <a:extLst>
+              <a:ext uri="{FF2B5EF4-FFF2-40B4-BE49-F238E27FC236}">
+                <a16:creationId xmlns:a16="http://schemas.microsoft.com/office/drawing/2014/main" id="{19FF3341-2E80-47F2-91AB-5750AE8918D8}"/>
               </a:ext>
             </a:extLst>
           </p:cNvPr>
@@ -11412,12 +8657,12 @@
               </a:ext>
             </a:extLst>
           </a:blip>
-          <a:srcRect t="25540" r="18992" b="14814"/>
+          <a:srcRect t="25663" r="18992" b="14691"/>
           <a:stretch/>
         </p:blipFill>
         <p:spPr>
           <a:xfrm>
-            <a:off x="335940" y="2767487"/>
+            <a:off x="337929" y="2767487"/>
             <a:ext cx="2500009" cy="4090514"/>
           </a:xfrm>
           <a:prstGeom prst="rect">
@@ -11427,10 +8672,10 @@
       </p:pic>
       <p:sp>
         <p:nvSpPr>
-          <p:cNvPr id="13" name="Titolo 5">
-            <a:extLst>
-              <a:ext uri="{FF2B5EF4-FFF2-40B4-BE49-F238E27FC236}">
-                <a16:creationId xmlns:a16="http://schemas.microsoft.com/office/drawing/2014/main" id="{A7A8FDCD-F2BB-4386-A994-9CB7F8F526DE}"/>
+          <p:cNvPr id="11" name="Titolo 5">
+            <a:extLst>
+              <a:ext uri="{FF2B5EF4-FFF2-40B4-BE49-F238E27FC236}">
+                <a16:creationId xmlns:a16="http://schemas.microsoft.com/office/drawing/2014/main" id="{F0C40106-8671-4CD5-A5E4-249428F4C1A9}"/>
               </a:ext>
             </a:extLst>
           </p:cNvPr>
@@ -11487,7 +8732,7 @@
                 </a:effectLst>
                 <a:latin typeface="Bangers" panose="00000500000000000000" pitchFamily="2" charset="0"/>
               </a:rPr>
-              <a:t>HOME</a:t>
+              <a:t>TURNI</a:t>
             </a:r>
             <a:endParaRPr lang="it-IT" spc="100" dirty="0">
               <a:solidFill>
@@ -11508,7 +8753,7 @@
     </p:spTree>
     <p:extLst>
       <p:ext uri="{BB962C8B-B14F-4D97-AF65-F5344CB8AC3E}">
-        <p14:creationId xmlns:p14="http://schemas.microsoft.com/office/powerpoint/2010/main" val="1567448560"/>
+        <p14:creationId xmlns:p14="http://schemas.microsoft.com/office/powerpoint/2010/main" val="3756585848"/>
       </p:ext>
     </p:extLst>
   </p:cSld>
@@ -11766,172 +9011,12 @@
           </a:prstGeom>
         </p:spPr>
       </p:pic>
-      <p:sp>
-        <p:nvSpPr>
-          <p:cNvPr id="39" name="Ovale 38">
-            <a:extLst>
-              <a:ext uri="{FF2B5EF4-FFF2-40B4-BE49-F238E27FC236}">
-                <a16:creationId xmlns:a16="http://schemas.microsoft.com/office/drawing/2014/main" id="{495D48FB-F6D8-4490-B428-62885D65E8A1}"/>
-              </a:ext>
-            </a:extLst>
-          </p:cNvPr>
-          <p:cNvSpPr>
-            <a:spLocks noChangeAspect="1"/>
-          </p:cNvSpPr>
-          <p:nvPr/>
-        </p:nvSpPr>
-        <p:spPr>
-          <a:xfrm>
-            <a:off x="11577600" y="6246000"/>
-            <a:ext cx="548640" cy="546401"/>
-          </a:xfrm>
-          <a:prstGeom prst="ellipse">
-            <a:avLst/>
-          </a:prstGeom>
-          <a:solidFill>
-            <a:srgbClr val="212421"/>
-          </a:solidFill>
-          <a:ln>
-            <a:solidFill>
-              <a:srgbClr val="FF8800"/>
-            </a:solidFill>
-            <a:extLst>
-              <a:ext uri="{C807C97D-BFC1-408E-A445-0C87EB9F89A2}">
-                <ask:lineSketchStyleProps xmlns:ask="http://schemas.microsoft.com/office/drawing/2018/sketchyshapes" sd="1219033472">
-                  <a:custGeom>
-                    <a:avLst/>
-                    <a:gdLst>
-                      <a:gd name="connsiteX0" fmla="*/ 0 w 710119"/>
-                      <a:gd name="connsiteY0" fmla="*/ 340468 h 680936"/>
-                      <a:gd name="connsiteX1" fmla="*/ 355060 w 710119"/>
-                      <a:gd name="connsiteY1" fmla="*/ 0 h 680936"/>
-                      <a:gd name="connsiteX2" fmla="*/ 710120 w 710119"/>
-                      <a:gd name="connsiteY2" fmla="*/ 340468 h 680936"/>
-                      <a:gd name="connsiteX3" fmla="*/ 355060 w 710119"/>
-                      <a:gd name="connsiteY3" fmla="*/ 680936 h 680936"/>
-                      <a:gd name="connsiteX4" fmla="*/ 0 w 710119"/>
-                      <a:gd name="connsiteY4" fmla="*/ 340468 h 680936"/>
-                    </a:gdLst>
-                    <a:ahLst/>
-                    <a:cxnLst>
-                      <a:cxn ang="0">
-                        <a:pos x="connsiteX0" y="connsiteY0"/>
-                      </a:cxn>
-                      <a:cxn ang="0">
-                        <a:pos x="connsiteX1" y="connsiteY1"/>
-                      </a:cxn>
-                      <a:cxn ang="0">
-                        <a:pos x="connsiteX2" y="connsiteY2"/>
-                      </a:cxn>
-                      <a:cxn ang="0">
-                        <a:pos x="connsiteX3" y="connsiteY3"/>
-                      </a:cxn>
-                      <a:cxn ang="0">
-                        <a:pos x="connsiteX4" y="connsiteY4"/>
-                      </a:cxn>
-                    </a:cxnLst>
-                    <a:rect l="l" t="t" r="r" b="b"/>
-                    <a:pathLst>
-                      <a:path w="710119" h="680936" fill="none" extrusionOk="0">
-                        <a:moveTo>
-                          <a:pt x="0" y="340468"/>
-                        </a:moveTo>
-                        <a:cubicBezTo>
-                          <a:pt x="12626" y="153931"/>
-                          <a:pt x="182266" y="-47951"/>
-                          <a:pt x="355060" y="0"/>
-                        </a:cubicBezTo>
-                        <a:cubicBezTo>
-                          <a:pt x="512829" y="-5869"/>
-                          <a:pt x="680930" y="179916"/>
-                          <a:pt x="710120" y="340468"/>
-                        </a:cubicBezTo>
-                        <a:cubicBezTo>
-                          <a:pt x="708708" y="515038"/>
-                          <a:pt x="524764" y="717611"/>
-                          <a:pt x="355060" y="680936"/>
-                        </a:cubicBezTo>
-                        <a:cubicBezTo>
-                          <a:pt x="180858" y="693192"/>
-                          <a:pt x="4552" y="529597"/>
-                          <a:pt x="0" y="340468"/>
-                        </a:cubicBezTo>
-                        <a:close/>
-                      </a:path>
-                      <a:path w="710119" h="680936" stroke="0" extrusionOk="0">
-                        <a:moveTo>
-                          <a:pt x="0" y="340468"/>
-                        </a:moveTo>
-                        <a:cubicBezTo>
-                          <a:pt x="-40400" y="127513"/>
-                          <a:pt x="130169" y="10808"/>
-                          <a:pt x="355060" y="0"/>
-                        </a:cubicBezTo>
-                        <a:cubicBezTo>
-                          <a:pt x="591549" y="8504"/>
-                          <a:pt x="696582" y="152863"/>
-                          <a:pt x="710120" y="340468"/>
-                        </a:cubicBezTo>
-                        <a:cubicBezTo>
-                          <a:pt x="691250" y="546930"/>
-                          <a:pt x="546189" y="708377"/>
-                          <a:pt x="355060" y="680936"/>
-                        </a:cubicBezTo>
-                        <a:cubicBezTo>
-                          <a:pt x="119224" y="659192"/>
-                          <a:pt x="48916" y="551876"/>
-                          <a:pt x="0" y="340468"/>
-                        </a:cubicBezTo>
-                        <a:close/>
-                      </a:path>
-                    </a:pathLst>
-                  </a:custGeom>
-                  <ask:type>
-                    <ask:lineSketchNone/>
-                  </ask:type>
-                </ask:lineSketchStyleProps>
-              </a:ext>
-            </a:extLst>
-          </a:ln>
-        </p:spPr>
-        <p:style>
-          <a:lnRef idx="2">
-            <a:schemeClr val="accent1">
-              <a:shade val="50000"/>
-            </a:schemeClr>
-          </a:lnRef>
-          <a:fillRef idx="1">
-            <a:schemeClr val="accent1"/>
-          </a:fillRef>
-          <a:effectRef idx="0">
-            <a:schemeClr val="accent1"/>
-          </a:effectRef>
-          <a:fontRef idx="minor">
-            <a:schemeClr val="lt1"/>
-          </a:fontRef>
-        </p:style>
-        <p:txBody>
-          <a:bodyPr rtlCol="0" anchor="ctr"/>
-          <a:lstStyle/>
-          <a:p>
-            <a:pPr algn="ctr"/>
-            <a:r>
-              <a:rPr lang="it-IT" dirty="0">
-                <a:solidFill>
-                  <a:srgbClr val="FF8800"/>
-                </a:solidFill>
-              </a:rPr>
-              <a:t>2</a:t>
-            </a:r>
-          </a:p>
-        </p:txBody>
-      </p:sp>
       <p:pic>
         <p:nvPicPr>
-          <p:cNvPr id="6" name="Immagine 5">
-            <a:extLst>
-              <a:ext uri="{FF2B5EF4-FFF2-40B4-BE49-F238E27FC236}">
-                <a16:creationId xmlns:a16="http://schemas.microsoft.com/office/drawing/2014/main" id="{EDC189C7-BABC-4E40-90A9-65E0A44578F1}"/>
+          <p:cNvPr id="9" name="Immagine 8">
+            <a:extLst>
+              <a:ext uri="{FF2B5EF4-FFF2-40B4-BE49-F238E27FC236}">
+                <a16:creationId xmlns:a16="http://schemas.microsoft.com/office/drawing/2014/main" id="{04B5B1F7-3C42-40B9-9F87-81320C325BE0}"/>
               </a:ext>
             </a:extLst>
           </p:cNvPr>
@@ -11948,12 +9033,12 @@
               </a:ext>
             </a:extLst>
           </a:blip>
-          <a:srcRect t="25663" r="18992" b="14691"/>
+          <a:srcRect t="25786" r="18992" b="14568"/>
           <a:stretch/>
         </p:blipFill>
         <p:spPr>
           <a:xfrm>
-            <a:off x="335940" y="2767486"/>
+            <a:off x="335940" y="2767487"/>
             <a:ext cx="2500009" cy="4090514"/>
           </a:xfrm>
           <a:prstGeom prst="rect">
@@ -11963,10 +9048,10 @@
       </p:pic>
       <p:sp>
         <p:nvSpPr>
-          <p:cNvPr id="12" name="Titolo 5">
-            <a:extLst>
-              <a:ext uri="{FF2B5EF4-FFF2-40B4-BE49-F238E27FC236}">
-                <a16:creationId xmlns:a16="http://schemas.microsoft.com/office/drawing/2014/main" id="{AE3BF640-A101-48AB-A39C-0D360CDFD7A6}"/>
+          <p:cNvPr id="11" name="Titolo 5">
+            <a:extLst>
+              <a:ext uri="{FF2B5EF4-FFF2-40B4-BE49-F238E27FC236}">
+                <a16:creationId xmlns:a16="http://schemas.microsoft.com/office/drawing/2014/main" id="{6417CF9E-050A-4EF9-9468-BBA56ED8B816}"/>
               </a:ext>
             </a:extLst>
           </p:cNvPr>
@@ -12023,7 +9108,7 @@
                 </a:effectLst>
                 <a:latin typeface="Bangers" panose="00000500000000000000" pitchFamily="2" charset="0"/>
               </a:rPr>
-              <a:t>DESTINAZIONI</a:t>
+              <a:t>ENTRATE</a:t>
             </a:r>
             <a:endParaRPr lang="it-IT" spc="100" dirty="0">
               <a:solidFill>
@@ -12044,7 +9129,7 @@
     </p:spTree>
     <p:extLst>
       <p:ext uri="{BB962C8B-B14F-4D97-AF65-F5344CB8AC3E}">
-        <p14:creationId xmlns:p14="http://schemas.microsoft.com/office/powerpoint/2010/main" val="3283548179"/>
+        <p14:creationId xmlns:p14="http://schemas.microsoft.com/office/powerpoint/2010/main" val="3766088140"/>
       </p:ext>
     </p:extLst>
   </p:cSld>
